--- a/Phase 4 Documentation/Team_2_Presentation_4.pptx
+++ b/Phase 4 Documentation/Team_2_Presentation_4.pptx
@@ -2,10 +2,20 @@
 <file path=ppt/presentation.xml><?xml version="1.0" encoding="utf-8"?>
 <p:presentation xmlns:a="http://schemas.openxmlformats.org/drawingml/2006/main" xmlns:r="http://schemas.openxmlformats.org/officeDocument/2006/relationships" xmlns:p="http://schemas.openxmlformats.org/presentationml/2006/main" saveSubsetFonts="1">
   <p:sldMasterIdLst>
-    <p:sldMasterId id="2147483648" r:id="rId1"/>
+    <p:sldMasterId id="2147483660" r:id="rId1"/>
   </p:sldMasterIdLst>
   <p:sldIdLst>
     <p:sldId id="256" r:id="rId2"/>
+    <p:sldId id="257" r:id="rId3"/>
+    <p:sldId id="258" r:id="rId4"/>
+    <p:sldId id="259" r:id="rId5"/>
+    <p:sldId id="260" r:id="rId6"/>
+    <p:sldId id="261" r:id="rId7"/>
+    <p:sldId id="262" r:id="rId8"/>
+    <p:sldId id="263" r:id="rId9"/>
+    <p:sldId id="264" r:id="rId10"/>
+    <p:sldId id="265" r:id="rId11"/>
+    <p:sldId id="266" r:id="rId12"/>
   </p:sldIdLst>
   <p:sldSz cx="12192000" cy="6858000"/>
   <p:notesSz cx="6858000" cy="9144000"/>
@@ -13,7 +23,7 @@
     <a:defPPr>
       <a:defRPr lang="en-US"/>
     </a:defPPr>
-    <a:lvl1pPr marL="0" algn="l" defTabSz="914400" rtl="0" eaLnBrk="1" latinLnBrk="0" hangingPunct="1">
+    <a:lvl1pPr marL="0" algn="l" defTabSz="457200" rtl="0" eaLnBrk="1" latinLnBrk="0" hangingPunct="1">
       <a:defRPr sz="1800" kern="1200">
         <a:solidFill>
           <a:schemeClr val="tx1"/>
@@ -23,7 +33,7 @@
         <a:cs typeface="+mn-cs"/>
       </a:defRPr>
     </a:lvl1pPr>
-    <a:lvl2pPr marL="457200" algn="l" defTabSz="914400" rtl="0" eaLnBrk="1" latinLnBrk="0" hangingPunct="1">
+    <a:lvl2pPr marL="457200" algn="l" defTabSz="457200" rtl="0" eaLnBrk="1" latinLnBrk="0" hangingPunct="1">
       <a:defRPr sz="1800" kern="1200">
         <a:solidFill>
           <a:schemeClr val="tx1"/>
@@ -33,7 +43,7 @@
         <a:cs typeface="+mn-cs"/>
       </a:defRPr>
     </a:lvl2pPr>
-    <a:lvl3pPr marL="914400" algn="l" defTabSz="914400" rtl="0" eaLnBrk="1" latinLnBrk="0" hangingPunct="1">
+    <a:lvl3pPr marL="914400" algn="l" defTabSz="457200" rtl="0" eaLnBrk="1" latinLnBrk="0" hangingPunct="1">
       <a:defRPr sz="1800" kern="1200">
         <a:solidFill>
           <a:schemeClr val="tx1"/>
@@ -43,7 +53,7 @@
         <a:cs typeface="+mn-cs"/>
       </a:defRPr>
     </a:lvl3pPr>
-    <a:lvl4pPr marL="1371600" algn="l" defTabSz="914400" rtl="0" eaLnBrk="1" latinLnBrk="0" hangingPunct="1">
+    <a:lvl4pPr marL="1371600" algn="l" defTabSz="457200" rtl="0" eaLnBrk="1" latinLnBrk="0" hangingPunct="1">
       <a:defRPr sz="1800" kern="1200">
         <a:solidFill>
           <a:schemeClr val="tx1"/>
@@ -53,7 +63,7 @@
         <a:cs typeface="+mn-cs"/>
       </a:defRPr>
     </a:lvl4pPr>
-    <a:lvl5pPr marL="1828800" algn="l" defTabSz="914400" rtl="0" eaLnBrk="1" latinLnBrk="0" hangingPunct="1">
+    <a:lvl5pPr marL="1828800" algn="l" defTabSz="457200" rtl="0" eaLnBrk="1" latinLnBrk="0" hangingPunct="1">
       <a:defRPr sz="1800" kern="1200">
         <a:solidFill>
           <a:schemeClr val="tx1"/>
@@ -63,7 +73,7 @@
         <a:cs typeface="+mn-cs"/>
       </a:defRPr>
     </a:lvl5pPr>
-    <a:lvl6pPr marL="2286000" algn="l" defTabSz="914400" rtl="0" eaLnBrk="1" latinLnBrk="0" hangingPunct="1">
+    <a:lvl6pPr marL="2286000" algn="l" defTabSz="457200" rtl="0" eaLnBrk="1" latinLnBrk="0" hangingPunct="1">
       <a:defRPr sz="1800" kern="1200">
         <a:solidFill>
           <a:schemeClr val="tx1"/>
@@ -73,7 +83,7 @@
         <a:cs typeface="+mn-cs"/>
       </a:defRPr>
     </a:lvl6pPr>
-    <a:lvl7pPr marL="2743200" algn="l" defTabSz="914400" rtl="0" eaLnBrk="1" latinLnBrk="0" hangingPunct="1">
+    <a:lvl7pPr marL="2743200" algn="l" defTabSz="457200" rtl="0" eaLnBrk="1" latinLnBrk="0" hangingPunct="1">
       <a:defRPr sz="1800" kern="1200">
         <a:solidFill>
           <a:schemeClr val="tx1"/>
@@ -83,7 +93,7 @@
         <a:cs typeface="+mn-cs"/>
       </a:defRPr>
     </a:lvl7pPr>
-    <a:lvl8pPr marL="3200400" algn="l" defTabSz="914400" rtl="0" eaLnBrk="1" latinLnBrk="0" hangingPunct="1">
+    <a:lvl8pPr marL="3200400" algn="l" defTabSz="457200" rtl="0" eaLnBrk="1" latinLnBrk="0" hangingPunct="1">
       <a:defRPr sz="1800" kern="1200">
         <a:solidFill>
           <a:schemeClr val="tx1"/>
@@ -93,7 +103,7 @@
         <a:cs typeface="+mn-cs"/>
       </a:defRPr>
     </a:lvl8pPr>
-    <a:lvl9pPr marL="3657600" algn="l" defTabSz="914400" rtl="0" eaLnBrk="1" latinLnBrk="0" hangingPunct="1">
+    <a:lvl9pPr marL="3657600" algn="l" defTabSz="457200" rtl="0" eaLnBrk="1" latinLnBrk="0" hangingPunct="1">
       <a:defRPr sz="1800" kern="1200">
         <a:solidFill>
           <a:schemeClr val="tx1"/>
@@ -126,13 +136,7 @@
       </p:grpSpPr>
       <p:sp>
         <p:nvSpPr>
-          <p:cNvPr id="2" name="Title 1">
-            <a:extLst>
-              <a:ext uri="{FF2B5EF4-FFF2-40B4-BE49-F238E27FC236}">
-                <a16:creationId xmlns:a16="http://schemas.microsoft.com/office/drawing/2014/main" id="{6BD7D83E-0566-A905-8346-77669951FE0A}"/>
-              </a:ext>
-            </a:extLst>
-          </p:cNvPr>
+          <p:cNvPr id="2" name="Title 1"/>
           <p:cNvSpPr>
             <a:spLocks noGrp="1"/>
           </p:cNvSpPr>
@@ -142,15 +146,32 @@
         </p:nvSpPr>
         <p:spPr>
           <a:xfrm>
-            <a:off x="1524000" y="1122363"/>
-            <a:ext cx="9144000" cy="2387600"/>
+            <a:off x="1751012" y="609601"/>
+            <a:ext cx="8676222" cy="3200400"/>
           </a:xfrm>
         </p:spPr>
         <p:txBody>
-          <a:bodyPr anchor="b"/>
+          <a:bodyPr anchor="b">
+            <a:normAutofit/>
+          </a:bodyPr>
           <a:lstStyle>
             <a:lvl1pPr algn="ctr">
-              <a:defRPr sz="6000"/>
+              <a:defRPr sz="4800">
+                <a:effectLst>
+                  <a:glow rad="38100">
+                    <a:schemeClr val="bg1">
+                      <a:lumMod val="65000"/>
+                      <a:lumOff val="35000"/>
+                      <a:alpha val="50000"/>
+                    </a:schemeClr>
+                  </a:glow>
+                  <a:outerShdw blurRad="28575" dist="31750" dir="13200000" algn="tl" rotWithShape="0">
+                    <a:srgbClr val="000000">
+                      <a:alpha val="25000"/>
+                    </a:srgbClr>
+                  </a:outerShdw>
+                </a:effectLst>
+              </a:defRPr>
             </a:lvl1pPr>
           </a:lstStyle>
           <a:p>
@@ -158,18 +179,13 @@
               <a:rPr lang="en-US"/>
               <a:t>Click to edit Master title style</a:t>
             </a:r>
-          </a:p>
-        </p:txBody>
-      </p:sp>
-      <p:sp>
-        <p:nvSpPr>
-          <p:cNvPr id="3" name="Subtitle 2">
-            <a:extLst>
-              <a:ext uri="{FF2B5EF4-FFF2-40B4-BE49-F238E27FC236}">
-                <a16:creationId xmlns:a16="http://schemas.microsoft.com/office/drawing/2014/main" id="{A12F70AF-2276-773F-0005-2566F93625B9}"/>
-              </a:ext>
-            </a:extLst>
-          </p:cNvPr>
+            <a:endParaRPr lang="en-US" dirty="0"/>
+          </a:p>
+        </p:txBody>
+      </p:sp>
+      <p:sp>
+        <p:nvSpPr>
+          <p:cNvPr id="3" name="Subtitle 2"/>
           <p:cNvSpPr>
             <a:spLocks noGrp="1"/>
           </p:cNvSpPr>
@@ -179,48 +195,113 @@
         </p:nvSpPr>
         <p:spPr>
           <a:xfrm>
-            <a:off x="1524000" y="3602038"/>
-            <a:ext cx="9144000" cy="1655762"/>
+            <a:off x="1751012" y="3886200"/>
+            <a:ext cx="8676222" cy="1905000"/>
           </a:xfrm>
         </p:spPr>
         <p:txBody>
-          <a:bodyPr/>
+          <a:bodyPr anchor="t">
+            <a:normAutofit/>
+          </a:bodyPr>
           <a:lstStyle>
             <a:lvl1pPr marL="0" indent="0" algn="ctr">
               <a:buNone/>
-              <a:defRPr sz="2400"/>
+              <a:defRPr sz="2100">
+                <a:gradFill flip="none" rotWithShape="1">
+                  <a:gsLst>
+                    <a:gs pos="0">
+                      <a:schemeClr val="tx1"/>
+                    </a:gs>
+                    <a:gs pos="100000">
+                      <a:schemeClr val="tx1">
+                        <a:lumMod val="75000"/>
+                      </a:schemeClr>
+                    </a:gs>
+                  </a:gsLst>
+                  <a:lin ang="5400000" scaled="0"/>
+                  <a:tileRect/>
+                </a:gradFill>
+              </a:defRPr>
             </a:lvl1pPr>
             <a:lvl2pPr marL="457200" indent="0" algn="ctr">
               <a:buNone/>
-              <a:defRPr sz="2000"/>
+              <a:defRPr>
+                <a:solidFill>
+                  <a:schemeClr val="tx1">
+                    <a:tint val="75000"/>
+                  </a:schemeClr>
+                </a:solidFill>
+              </a:defRPr>
             </a:lvl2pPr>
             <a:lvl3pPr marL="914400" indent="0" algn="ctr">
               <a:buNone/>
-              <a:defRPr sz="1800"/>
+              <a:defRPr>
+                <a:solidFill>
+                  <a:schemeClr val="tx1">
+                    <a:tint val="75000"/>
+                  </a:schemeClr>
+                </a:solidFill>
+              </a:defRPr>
             </a:lvl3pPr>
             <a:lvl4pPr marL="1371600" indent="0" algn="ctr">
               <a:buNone/>
-              <a:defRPr sz="1600"/>
+              <a:defRPr>
+                <a:solidFill>
+                  <a:schemeClr val="tx1">
+                    <a:tint val="75000"/>
+                  </a:schemeClr>
+                </a:solidFill>
+              </a:defRPr>
             </a:lvl4pPr>
             <a:lvl5pPr marL="1828800" indent="0" algn="ctr">
               <a:buNone/>
-              <a:defRPr sz="1600"/>
+              <a:defRPr>
+                <a:solidFill>
+                  <a:schemeClr val="tx1">
+                    <a:tint val="75000"/>
+                  </a:schemeClr>
+                </a:solidFill>
+              </a:defRPr>
             </a:lvl5pPr>
             <a:lvl6pPr marL="2286000" indent="0" algn="ctr">
               <a:buNone/>
-              <a:defRPr sz="1600"/>
+              <a:defRPr>
+                <a:solidFill>
+                  <a:schemeClr val="tx1">
+                    <a:tint val="75000"/>
+                  </a:schemeClr>
+                </a:solidFill>
+              </a:defRPr>
             </a:lvl6pPr>
             <a:lvl7pPr marL="2743200" indent="0" algn="ctr">
               <a:buNone/>
-              <a:defRPr sz="1600"/>
+              <a:defRPr>
+                <a:solidFill>
+                  <a:schemeClr val="tx1">
+                    <a:tint val="75000"/>
+                  </a:schemeClr>
+                </a:solidFill>
+              </a:defRPr>
             </a:lvl7pPr>
             <a:lvl8pPr marL="3200400" indent="0" algn="ctr">
               <a:buNone/>
-              <a:defRPr sz="1600"/>
+              <a:defRPr>
+                <a:solidFill>
+                  <a:schemeClr val="tx1">
+                    <a:tint val="75000"/>
+                  </a:schemeClr>
+                </a:solidFill>
+              </a:defRPr>
             </a:lvl8pPr>
             <a:lvl9pPr marL="3657600" indent="0" algn="ctr">
               <a:buNone/>
-              <a:defRPr sz="1600"/>
+              <a:defRPr>
+                <a:solidFill>
+                  <a:schemeClr val="tx1">
+                    <a:tint val="75000"/>
+                  </a:schemeClr>
+                </a:solidFill>
+              </a:defRPr>
             </a:lvl9pPr>
           </a:lstStyle>
           <a:p>
@@ -228,18 +309,13 @@
               <a:rPr lang="en-US"/>
               <a:t>Click to edit Master subtitle style</a:t>
             </a:r>
-          </a:p>
-        </p:txBody>
-      </p:sp>
-      <p:sp>
-        <p:nvSpPr>
-          <p:cNvPr id="4" name="Date Placeholder 3">
-            <a:extLst>
-              <a:ext uri="{FF2B5EF4-FFF2-40B4-BE49-F238E27FC236}">
-                <a16:creationId xmlns:a16="http://schemas.microsoft.com/office/drawing/2014/main" id="{845561D9-CF32-D7B7-9189-5EB8B5A55FB6}"/>
-              </a:ext>
-            </a:extLst>
-          </p:cNvPr>
+            <a:endParaRPr lang="en-US" dirty="0"/>
+          </a:p>
+        </p:txBody>
+      </p:sp>
+      <p:sp>
+        <p:nvSpPr>
+          <p:cNvPr id="4" name="Date Placeholder 3"/>
           <p:cNvSpPr>
             <a:spLocks noGrp="1"/>
           </p:cNvSpPr>
@@ -252,9 +328,9 @@
           <a:bodyPr/>
           <a:lstStyle/>
           <a:p>
-            <a:fld id="{42F1BB42-BFC8-474A-9D69-65C817AE1623}" type="datetimeFigureOut">
+            <a:fld id="{A983CF50-FD5C-4696-8AB6-CEDA0278C5DB}" type="datetimeFigureOut">
               <a:rPr lang="en-US" smtClean="0"/>
-              <a:t>4/14/2025</a:t>
+              <a:t>4/30/2025</a:t>
             </a:fld>
             <a:endParaRPr lang="en-US"/>
           </a:p>
@@ -262,13 +338,7 @@
       </p:sp>
       <p:sp>
         <p:nvSpPr>
-          <p:cNvPr id="5" name="Footer Placeholder 4">
-            <a:extLst>
-              <a:ext uri="{FF2B5EF4-FFF2-40B4-BE49-F238E27FC236}">
-                <a16:creationId xmlns:a16="http://schemas.microsoft.com/office/drawing/2014/main" id="{EF9BD3FF-CDAB-CC04-B867-8A8F147BD437}"/>
-              </a:ext>
-            </a:extLst>
-          </p:cNvPr>
+          <p:cNvPr id="5" name="Footer Placeholder 4"/>
           <p:cNvSpPr>
             <a:spLocks noGrp="1"/>
           </p:cNvSpPr>
@@ -287,13 +357,7 @@
       </p:sp>
       <p:sp>
         <p:nvSpPr>
-          <p:cNvPr id="6" name="Slide Number Placeholder 5">
-            <a:extLst>
-              <a:ext uri="{FF2B5EF4-FFF2-40B4-BE49-F238E27FC236}">
-                <a16:creationId xmlns:a16="http://schemas.microsoft.com/office/drawing/2014/main" id="{3CD53773-8D34-6080-6442-BDBD757B1467}"/>
-              </a:ext>
-            </a:extLst>
-          </p:cNvPr>
+          <p:cNvPr id="6" name="Slide Number Placeholder 5"/>
           <p:cNvSpPr>
             <a:spLocks noGrp="1"/>
           </p:cNvSpPr>
@@ -306,7 +370,7 @@
           <a:bodyPr/>
           <a:lstStyle/>
           <a:p>
-            <a:fld id="{755CE2BB-1C59-47FD-A171-B08018B5AE63}" type="slidenum">
+            <a:fld id="{38D24A41-7419-4C24-98A0-5F02C9EA068C}" type="slidenum">
               <a:rPr lang="en-US" smtClean="0"/>
               <a:t>‹#›</a:t>
             </a:fld>
@@ -317,7 +381,7 @@
     </p:spTree>
     <p:extLst>
       <p:ext uri="{BB962C8B-B14F-4D97-AF65-F5344CB8AC3E}">
-        <p14:creationId xmlns:p14="http://schemas.microsoft.com/office/powerpoint/2010/main" val="3082766799"/>
+        <p14:creationId xmlns:p14="http://schemas.microsoft.com/office/powerpoint/2010/main" val="3543244660"/>
       </p:ext>
     </p:extLst>
   </p:cSld>
@@ -328,6 +392,2113 @@
 </file>
 
 <file path=ppt/slideLayouts/slideLayout10.xml><?xml version="1.0" encoding="utf-8"?>
+<p:sldLayout xmlns:a="http://schemas.openxmlformats.org/drawingml/2006/main" xmlns:r="http://schemas.openxmlformats.org/officeDocument/2006/relationships" xmlns:p="http://schemas.openxmlformats.org/presentationml/2006/main" preserve="1">
+  <p:cSld name="Panoramic Picture with Caption">
+    <p:spTree>
+      <p:nvGrpSpPr>
+        <p:cNvPr id="1" name=""/>
+        <p:cNvGrpSpPr/>
+        <p:nvPr/>
+      </p:nvGrpSpPr>
+      <p:grpSpPr>
+        <a:xfrm>
+          <a:off x="0" y="0"/>
+          <a:ext cx="0" cy="0"/>
+          <a:chOff x="0" y="0"/>
+          <a:chExt cx="0" cy="0"/>
+        </a:xfrm>
+      </p:grpSpPr>
+      <p:sp>
+        <p:nvSpPr>
+          <p:cNvPr id="2" name="Title 1"/>
+          <p:cNvSpPr>
+            <a:spLocks noGrp="1"/>
+          </p:cNvSpPr>
+          <p:nvPr>
+            <p:ph type="title"/>
+          </p:nvPr>
+        </p:nvSpPr>
+        <p:spPr>
+          <a:xfrm>
+            <a:off x="1141413" y="4732865"/>
+            <a:ext cx="9906000" cy="566738"/>
+          </a:xfrm>
+        </p:spPr>
+        <p:txBody>
+          <a:bodyPr anchor="b">
+            <a:normAutofit/>
+          </a:bodyPr>
+          <a:lstStyle>
+            <a:lvl1pPr algn="l">
+              <a:defRPr sz="2400" b="0"/>
+            </a:lvl1pPr>
+          </a:lstStyle>
+          <a:p>
+            <a:r>
+              <a:rPr lang="en-US"/>
+              <a:t>Click to edit Master title style</a:t>
+            </a:r>
+            <a:endParaRPr lang="en-US" dirty="0"/>
+          </a:p>
+        </p:txBody>
+      </p:sp>
+      <p:sp>
+        <p:nvSpPr>
+          <p:cNvPr id="3" name="Picture Placeholder 2"/>
+          <p:cNvSpPr>
+            <a:spLocks noGrp="1" noChangeAspect="1"/>
+          </p:cNvSpPr>
+          <p:nvPr>
+            <p:ph type="pic" idx="1"/>
+          </p:nvPr>
+        </p:nvSpPr>
+        <p:spPr>
+          <a:xfrm>
+            <a:off x="1979612" y="932112"/>
+            <a:ext cx="8225944" cy="3164976"/>
+          </a:xfrm>
+          <a:prstGeom prst="roundRect">
+            <a:avLst>
+              <a:gd name="adj" fmla="val 4380"/>
+            </a:avLst>
+          </a:prstGeom>
+          <a:ln w="38100">
+            <a:gradFill flip="none" rotWithShape="1">
+              <a:gsLst>
+                <a:gs pos="0">
+                  <a:schemeClr val="bg2"/>
+                </a:gs>
+                <a:gs pos="100000">
+                  <a:schemeClr val="bg2">
+                    <a:lumMod val="75000"/>
+                  </a:schemeClr>
+                </a:gs>
+              </a:gsLst>
+              <a:lin ang="5400000" scaled="0"/>
+              <a:tileRect/>
+            </a:gradFill>
+          </a:ln>
+          <a:effectLst>
+            <a:innerShdw blurRad="57150" dist="38100" dir="14460000">
+              <a:srgbClr val="000000">
+                <a:alpha val="70000"/>
+              </a:srgbClr>
+            </a:innerShdw>
+          </a:effectLst>
+        </p:spPr>
+        <p:txBody>
+          <a:bodyPr anchor="t">
+            <a:normAutofit/>
+          </a:bodyPr>
+          <a:lstStyle>
+            <a:lvl1pPr marL="0" indent="0" algn="ctr">
+              <a:buNone/>
+              <a:defRPr sz="1600"/>
+            </a:lvl1pPr>
+            <a:lvl2pPr marL="457200" indent="0">
+              <a:buNone/>
+              <a:defRPr sz="1600"/>
+            </a:lvl2pPr>
+            <a:lvl3pPr marL="914400" indent="0">
+              <a:buNone/>
+              <a:defRPr sz="1600"/>
+            </a:lvl3pPr>
+            <a:lvl4pPr marL="1371600" indent="0">
+              <a:buNone/>
+              <a:defRPr sz="1600"/>
+            </a:lvl4pPr>
+            <a:lvl5pPr marL="1828800" indent="0">
+              <a:buNone/>
+              <a:defRPr sz="1600"/>
+            </a:lvl5pPr>
+            <a:lvl6pPr marL="2286000" indent="0">
+              <a:buNone/>
+              <a:defRPr sz="1600"/>
+            </a:lvl6pPr>
+            <a:lvl7pPr marL="2743200" indent="0">
+              <a:buNone/>
+              <a:defRPr sz="1600"/>
+            </a:lvl7pPr>
+            <a:lvl8pPr marL="3200400" indent="0">
+              <a:buNone/>
+              <a:defRPr sz="1600"/>
+            </a:lvl8pPr>
+            <a:lvl9pPr marL="3657600" indent="0">
+              <a:buNone/>
+              <a:defRPr sz="1600"/>
+            </a:lvl9pPr>
+          </a:lstStyle>
+          <a:p>
+            <a:r>
+              <a:rPr lang="en-US"/>
+              <a:t>Click icon to add picture</a:t>
+            </a:r>
+            <a:endParaRPr lang="en-US" dirty="0"/>
+          </a:p>
+        </p:txBody>
+      </p:sp>
+      <p:sp>
+        <p:nvSpPr>
+          <p:cNvPr id="4" name="Text Placeholder 3"/>
+          <p:cNvSpPr>
+            <a:spLocks noGrp="1"/>
+          </p:cNvSpPr>
+          <p:nvPr>
+            <p:ph type="body" sz="half" idx="2"/>
+          </p:nvPr>
+        </p:nvSpPr>
+        <p:spPr>
+          <a:xfrm>
+            <a:off x="1141413" y="5299603"/>
+            <a:ext cx="9906000" cy="493712"/>
+          </a:xfrm>
+        </p:spPr>
+        <p:txBody>
+          <a:bodyPr>
+            <a:normAutofit/>
+          </a:bodyPr>
+          <a:lstStyle>
+            <a:lvl1pPr marL="0" indent="0">
+              <a:buNone/>
+              <a:defRPr sz="1400"/>
+            </a:lvl1pPr>
+            <a:lvl2pPr marL="457200" indent="0">
+              <a:buNone/>
+              <a:defRPr sz="1200"/>
+            </a:lvl2pPr>
+            <a:lvl3pPr marL="914400" indent="0">
+              <a:buNone/>
+              <a:defRPr sz="1000"/>
+            </a:lvl3pPr>
+            <a:lvl4pPr marL="1371600" indent="0">
+              <a:buNone/>
+              <a:defRPr sz="900"/>
+            </a:lvl4pPr>
+            <a:lvl5pPr marL="1828800" indent="0">
+              <a:buNone/>
+              <a:defRPr sz="900"/>
+            </a:lvl5pPr>
+            <a:lvl6pPr marL="2286000" indent="0">
+              <a:buNone/>
+              <a:defRPr sz="900"/>
+            </a:lvl6pPr>
+            <a:lvl7pPr marL="2743200" indent="0">
+              <a:buNone/>
+              <a:defRPr sz="900"/>
+            </a:lvl7pPr>
+            <a:lvl8pPr marL="3200400" indent="0">
+              <a:buNone/>
+              <a:defRPr sz="900"/>
+            </a:lvl8pPr>
+            <a:lvl9pPr marL="3657600" indent="0">
+              <a:buNone/>
+              <a:defRPr sz="900"/>
+            </a:lvl9pPr>
+          </a:lstStyle>
+          <a:p>
+            <a:pPr lvl="0"/>
+            <a:r>
+              <a:rPr lang="en-US"/>
+              <a:t>Click to edit Master text styles</a:t>
+            </a:r>
+          </a:p>
+        </p:txBody>
+      </p:sp>
+      <p:sp>
+        <p:nvSpPr>
+          <p:cNvPr id="5" name="Date Placeholder 4"/>
+          <p:cNvSpPr>
+            <a:spLocks noGrp="1"/>
+          </p:cNvSpPr>
+          <p:nvPr>
+            <p:ph type="dt" sz="half" idx="10"/>
+          </p:nvPr>
+        </p:nvSpPr>
+        <p:spPr/>
+        <p:txBody>
+          <a:bodyPr/>
+          <a:lstStyle/>
+          <a:p>
+            <a:fld id="{A983CF50-FD5C-4696-8AB6-CEDA0278C5DB}" type="datetimeFigureOut">
+              <a:rPr lang="en-US" smtClean="0"/>
+              <a:t>4/30/2025</a:t>
+            </a:fld>
+            <a:endParaRPr lang="en-US"/>
+          </a:p>
+        </p:txBody>
+      </p:sp>
+      <p:sp>
+        <p:nvSpPr>
+          <p:cNvPr id="6" name="Footer Placeholder 5"/>
+          <p:cNvSpPr>
+            <a:spLocks noGrp="1"/>
+          </p:cNvSpPr>
+          <p:nvPr>
+            <p:ph type="ftr" sz="quarter" idx="11"/>
+          </p:nvPr>
+        </p:nvSpPr>
+        <p:spPr/>
+        <p:txBody>
+          <a:bodyPr/>
+          <a:lstStyle/>
+          <a:p>
+            <a:endParaRPr lang="en-US"/>
+          </a:p>
+        </p:txBody>
+      </p:sp>
+      <p:sp>
+        <p:nvSpPr>
+          <p:cNvPr id="7" name="Slide Number Placeholder 6"/>
+          <p:cNvSpPr>
+            <a:spLocks noGrp="1"/>
+          </p:cNvSpPr>
+          <p:nvPr>
+            <p:ph type="sldNum" sz="quarter" idx="12"/>
+          </p:nvPr>
+        </p:nvSpPr>
+        <p:spPr/>
+        <p:txBody>
+          <a:bodyPr/>
+          <a:lstStyle/>
+          <a:p>
+            <a:fld id="{38D24A41-7419-4C24-98A0-5F02C9EA068C}" type="slidenum">
+              <a:rPr lang="en-US" smtClean="0"/>
+              <a:t>‹#›</a:t>
+            </a:fld>
+            <a:endParaRPr lang="en-US"/>
+          </a:p>
+        </p:txBody>
+      </p:sp>
+    </p:spTree>
+    <p:extLst>
+      <p:ext uri="{BB962C8B-B14F-4D97-AF65-F5344CB8AC3E}">
+        <p14:creationId xmlns:p14="http://schemas.microsoft.com/office/powerpoint/2010/main" val="1290935145"/>
+      </p:ext>
+    </p:extLst>
+  </p:cSld>
+  <p:clrMapOvr>
+    <a:masterClrMapping/>
+  </p:clrMapOvr>
+</p:sldLayout>
+</file>
+
+<file path=ppt/slideLayouts/slideLayout11.xml><?xml version="1.0" encoding="utf-8"?>
+<p:sldLayout xmlns:a="http://schemas.openxmlformats.org/drawingml/2006/main" xmlns:r="http://schemas.openxmlformats.org/officeDocument/2006/relationships" xmlns:p="http://schemas.openxmlformats.org/presentationml/2006/main" preserve="1">
+  <p:cSld name="Title and Caption">
+    <p:spTree>
+      <p:nvGrpSpPr>
+        <p:cNvPr id="1" name=""/>
+        <p:cNvGrpSpPr/>
+        <p:nvPr/>
+      </p:nvGrpSpPr>
+      <p:grpSpPr>
+        <a:xfrm>
+          <a:off x="0" y="0"/>
+          <a:ext cx="0" cy="0"/>
+          <a:chOff x="0" y="0"/>
+          <a:chExt cx="0" cy="0"/>
+        </a:xfrm>
+      </p:grpSpPr>
+      <p:sp>
+        <p:nvSpPr>
+          <p:cNvPr id="2" name="Title 1"/>
+          <p:cNvSpPr>
+            <a:spLocks noGrp="1"/>
+          </p:cNvSpPr>
+          <p:nvPr>
+            <p:ph type="title"/>
+          </p:nvPr>
+        </p:nvSpPr>
+        <p:spPr>
+          <a:xfrm>
+            <a:off x="1141412" y="609601"/>
+            <a:ext cx="9905999" cy="3124199"/>
+          </a:xfrm>
+        </p:spPr>
+        <p:txBody>
+          <a:bodyPr anchor="ctr">
+            <a:normAutofit/>
+          </a:bodyPr>
+          <a:lstStyle>
+            <a:lvl1pPr algn="l">
+              <a:defRPr sz="3200" b="0" cap="all"/>
+            </a:lvl1pPr>
+          </a:lstStyle>
+          <a:p>
+            <a:r>
+              <a:rPr lang="en-US"/>
+              <a:t>Click to edit Master title style</a:t>
+            </a:r>
+            <a:endParaRPr lang="en-US" dirty="0"/>
+          </a:p>
+        </p:txBody>
+      </p:sp>
+      <p:sp>
+        <p:nvSpPr>
+          <p:cNvPr id="3" name="Text Placeholder 2"/>
+          <p:cNvSpPr>
+            <a:spLocks noGrp="1"/>
+          </p:cNvSpPr>
+          <p:nvPr>
+            <p:ph type="body" idx="1"/>
+          </p:nvPr>
+        </p:nvSpPr>
+        <p:spPr>
+          <a:xfrm>
+            <a:off x="1141411" y="4343400"/>
+            <a:ext cx="9906000" cy="1447800"/>
+          </a:xfrm>
+        </p:spPr>
+        <p:txBody>
+          <a:bodyPr anchor="ctr">
+            <a:normAutofit/>
+          </a:bodyPr>
+          <a:lstStyle>
+            <a:lvl1pPr marL="0" indent="0" algn="l">
+              <a:buNone/>
+              <a:defRPr sz="2000">
+                <a:gradFill flip="none" rotWithShape="1">
+                  <a:gsLst>
+                    <a:gs pos="0">
+                      <a:schemeClr val="tx1"/>
+                    </a:gs>
+                    <a:gs pos="100000">
+                      <a:schemeClr val="tx1">
+                        <a:lumMod val="75000"/>
+                      </a:schemeClr>
+                    </a:gs>
+                  </a:gsLst>
+                  <a:lin ang="5400000" scaled="0"/>
+                  <a:tileRect/>
+                </a:gradFill>
+              </a:defRPr>
+            </a:lvl1pPr>
+            <a:lvl2pPr marL="457200" indent="0">
+              <a:buNone/>
+              <a:defRPr sz="1800">
+                <a:solidFill>
+                  <a:schemeClr val="tx1">
+                    <a:tint val="75000"/>
+                  </a:schemeClr>
+                </a:solidFill>
+              </a:defRPr>
+            </a:lvl2pPr>
+            <a:lvl3pPr marL="914400" indent="0">
+              <a:buNone/>
+              <a:defRPr sz="1600">
+                <a:solidFill>
+                  <a:schemeClr val="tx1">
+                    <a:tint val="75000"/>
+                  </a:schemeClr>
+                </a:solidFill>
+              </a:defRPr>
+            </a:lvl3pPr>
+            <a:lvl4pPr marL="1371600" indent="0">
+              <a:buNone/>
+              <a:defRPr sz="1400">
+                <a:solidFill>
+                  <a:schemeClr val="tx1">
+                    <a:tint val="75000"/>
+                  </a:schemeClr>
+                </a:solidFill>
+              </a:defRPr>
+            </a:lvl4pPr>
+            <a:lvl5pPr marL="1828800" indent="0">
+              <a:buNone/>
+              <a:defRPr sz="1400">
+                <a:solidFill>
+                  <a:schemeClr val="tx1">
+                    <a:tint val="75000"/>
+                  </a:schemeClr>
+                </a:solidFill>
+              </a:defRPr>
+            </a:lvl5pPr>
+            <a:lvl6pPr marL="2286000" indent="0">
+              <a:buNone/>
+              <a:defRPr sz="1400">
+                <a:solidFill>
+                  <a:schemeClr val="tx1">
+                    <a:tint val="75000"/>
+                  </a:schemeClr>
+                </a:solidFill>
+              </a:defRPr>
+            </a:lvl6pPr>
+            <a:lvl7pPr marL="2743200" indent="0">
+              <a:buNone/>
+              <a:defRPr sz="1400">
+                <a:solidFill>
+                  <a:schemeClr val="tx1">
+                    <a:tint val="75000"/>
+                  </a:schemeClr>
+                </a:solidFill>
+              </a:defRPr>
+            </a:lvl7pPr>
+            <a:lvl8pPr marL="3200400" indent="0">
+              <a:buNone/>
+              <a:defRPr sz="1400">
+                <a:solidFill>
+                  <a:schemeClr val="tx1">
+                    <a:tint val="75000"/>
+                  </a:schemeClr>
+                </a:solidFill>
+              </a:defRPr>
+            </a:lvl8pPr>
+            <a:lvl9pPr marL="3657600" indent="0">
+              <a:buNone/>
+              <a:defRPr sz="1400">
+                <a:solidFill>
+                  <a:schemeClr val="tx1">
+                    <a:tint val="75000"/>
+                  </a:schemeClr>
+                </a:solidFill>
+              </a:defRPr>
+            </a:lvl9pPr>
+          </a:lstStyle>
+          <a:p>
+            <a:pPr lvl="0"/>
+            <a:r>
+              <a:rPr lang="en-US"/>
+              <a:t>Click to edit Master text styles</a:t>
+            </a:r>
+          </a:p>
+        </p:txBody>
+      </p:sp>
+      <p:sp>
+        <p:nvSpPr>
+          <p:cNvPr id="4" name="Date Placeholder 3"/>
+          <p:cNvSpPr>
+            <a:spLocks noGrp="1"/>
+          </p:cNvSpPr>
+          <p:nvPr>
+            <p:ph type="dt" sz="half" idx="10"/>
+          </p:nvPr>
+        </p:nvSpPr>
+        <p:spPr/>
+        <p:txBody>
+          <a:bodyPr/>
+          <a:lstStyle/>
+          <a:p>
+            <a:fld id="{A983CF50-FD5C-4696-8AB6-CEDA0278C5DB}" type="datetimeFigureOut">
+              <a:rPr lang="en-US" smtClean="0"/>
+              <a:t>4/30/2025</a:t>
+            </a:fld>
+            <a:endParaRPr lang="en-US"/>
+          </a:p>
+        </p:txBody>
+      </p:sp>
+      <p:sp>
+        <p:nvSpPr>
+          <p:cNvPr id="5" name="Footer Placeholder 4"/>
+          <p:cNvSpPr>
+            <a:spLocks noGrp="1"/>
+          </p:cNvSpPr>
+          <p:nvPr>
+            <p:ph type="ftr" sz="quarter" idx="11"/>
+          </p:nvPr>
+        </p:nvSpPr>
+        <p:spPr/>
+        <p:txBody>
+          <a:bodyPr/>
+          <a:lstStyle/>
+          <a:p>
+            <a:endParaRPr lang="en-US"/>
+          </a:p>
+        </p:txBody>
+      </p:sp>
+      <p:sp>
+        <p:nvSpPr>
+          <p:cNvPr id="6" name="Slide Number Placeholder 5"/>
+          <p:cNvSpPr>
+            <a:spLocks noGrp="1"/>
+          </p:cNvSpPr>
+          <p:nvPr>
+            <p:ph type="sldNum" sz="quarter" idx="12"/>
+          </p:nvPr>
+        </p:nvSpPr>
+        <p:spPr/>
+        <p:txBody>
+          <a:bodyPr/>
+          <a:lstStyle/>
+          <a:p>
+            <a:fld id="{38D24A41-7419-4C24-98A0-5F02C9EA068C}" type="slidenum">
+              <a:rPr lang="en-US" smtClean="0"/>
+              <a:t>‹#›</a:t>
+            </a:fld>
+            <a:endParaRPr lang="en-US"/>
+          </a:p>
+        </p:txBody>
+      </p:sp>
+    </p:spTree>
+    <p:extLst>
+      <p:ext uri="{BB962C8B-B14F-4D97-AF65-F5344CB8AC3E}">
+        <p14:creationId xmlns:p14="http://schemas.microsoft.com/office/powerpoint/2010/main" val="3659859822"/>
+      </p:ext>
+    </p:extLst>
+  </p:cSld>
+  <p:clrMapOvr>
+    <a:masterClrMapping/>
+  </p:clrMapOvr>
+</p:sldLayout>
+</file>
+
+<file path=ppt/slideLayouts/slideLayout12.xml><?xml version="1.0" encoding="utf-8"?>
+<p:sldLayout xmlns:a="http://schemas.openxmlformats.org/drawingml/2006/main" xmlns:r="http://schemas.openxmlformats.org/officeDocument/2006/relationships" xmlns:p="http://schemas.openxmlformats.org/presentationml/2006/main" preserve="1">
+  <p:cSld name="Quote with Caption">
+    <p:spTree>
+      <p:nvGrpSpPr>
+        <p:cNvPr id="1" name=""/>
+        <p:cNvGrpSpPr/>
+        <p:nvPr/>
+      </p:nvGrpSpPr>
+      <p:grpSpPr>
+        <a:xfrm>
+          <a:off x="0" y="0"/>
+          <a:ext cx="0" cy="0"/>
+          <a:chOff x="0" y="0"/>
+          <a:chExt cx="0" cy="0"/>
+        </a:xfrm>
+      </p:grpSpPr>
+      <p:sp>
+        <p:nvSpPr>
+          <p:cNvPr id="14" name="TextBox 13"/>
+          <p:cNvSpPr txBox="1"/>
+          <p:nvPr/>
+        </p:nvSpPr>
+        <p:spPr>
+          <a:xfrm>
+            <a:off x="836612" y="786824"/>
+            <a:ext cx="609600" cy="584776"/>
+          </a:xfrm>
+          <a:prstGeom prst="rect">
+            <a:avLst/>
+          </a:prstGeom>
+        </p:spPr>
+        <p:txBody>
+          <a:bodyPr vert="horz" lIns="91440" tIns="45720" rIns="91440" bIns="45720" rtlCol="0" anchor="ctr">
+            <a:noAutofit/>
+          </a:bodyPr>
+          <a:lstStyle>
+            <a:lvl1pPr>
+              <a:spcBef>
+                <a:spcPct val="0"/>
+              </a:spcBef>
+              <a:buNone/>
+              <a:defRPr sz="3200" b="0" cap="all">
+                <a:ln w="3175" cmpd="sng">
+                  <a:noFill/>
+                </a:ln>
+                <a:effectLst>
+                  <a:glow rad="38100">
+                    <a:schemeClr val="bg1">
+                      <a:lumMod val="65000"/>
+                      <a:lumOff val="35000"/>
+                      <a:alpha val="40000"/>
+                    </a:schemeClr>
+                  </a:glow>
+                  <a:outerShdw blurRad="28575" dist="38100" dir="14040000" algn="tl" rotWithShape="0">
+                    <a:srgbClr val="000000">
+                      <a:alpha val="25000"/>
+                    </a:srgbClr>
+                  </a:outerShdw>
+                </a:effectLst>
+              </a:defRPr>
+            </a:lvl1pPr>
+            <a:lvl2pPr>
+              <a:defRPr>
+                <a:solidFill>
+                  <a:schemeClr val="tx2"/>
+                </a:solidFill>
+              </a:defRPr>
+            </a:lvl2pPr>
+            <a:lvl3pPr>
+              <a:defRPr>
+                <a:solidFill>
+                  <a:schemeClr val="tx2"/>
+                </a:solidFill>
+              </a:defRPr>
+            </a:lvl3pPr>
+            <a:lvl4pPr>
+              <a:defRPr>
+                <a:solidFill>
+                  <a:schemeClr val="tx2"/>
+                </a:solidFill>
+              </a:defRPr>
+            </a:lvl4pPr>
+            <a:lvl5pPr>
+              <a:defRPr>
+                <a:solidFill>
+                  <a:schemeClr val="tx2"/>
+                </a:solidFill>
+              </a:defRPr>
+            </a:lvl5pPr>
+            <a:lvl6pPr>
+              <a:defRPr>
+                <a:solidFill>
+                  <a:schemeClr val="tx2"/>
+                </a:solidFill>
+              </a:defRPr>
+            </a:lvl6pPr>
+            <a:lvl7pPr>
+              <a:defRPr>
+                <a:solidFill>
+                  <a:schemeClr val="tx2"/>
+                </a:solidFill>
+              </a:defRPr>
+            </a:lvl7pPr>
+            <a:lvl8pPr>
+              <a:defRPr>
+                <a:solidFill>
+                  <a:schemeClr val="tx2"/>
+                </a:solidFill>
+              </a:defRPr>
+            </a:lvl8pPr>
+            <a:lvl9pPr>
+              <a:defRPr>
+                <a:solidFill>
+                  <a:schemeClr val="tx2"/>
+                </a:solidFill>
+              </a:defRPr>
+            </a:lvl9pPr>
+          </a:lstStyle>
+          <a:p>
+            <a:pPr lvl="0"/>
+            <a:r>
+              <a:rPr lang="en-US" sz="8000" dirty="0">
+                <a:solidFill>
+                  <a:schemeClr val="accent1"/>
+                </a:solidFill>
+              </a:rPr>
+              <a:t>“</a:t>
+            </a:r>
+          </a:p>
+        </p:txBody>
+      </p:sp>
+      <p:sp>
+        <p:nvSpPr>
+          <p:cNvPr id="15" name="TextBox 14"/>
+          <p:cNvSpPr txBox="1"/>
+          <p:nvPr/>
+        </p:nvSpPr>
+        <p:spPr>
+          <a:xfrm>
+            <a:off x="10437812" y="2743200"/>
+            <a:ext cx="609600" cy="584776"/>
+          </a:xfrm>
+          <a:prstGeom prst="rect">
+            <a:avLst/>
+          </a:prstGeom>
+        </p:spPr>
+        <p:txBody>
+          <a:bodyPr vert="horz" lIns="91440" tIns="45720" rIns="91440" bIns="45720" rtlCol="0" anchor="ctr">
+            <a:noAutofit/>
+          </a:bodyPr>
+          <a:lstStyle>
+            <a:lvl1pPr>
+              <a:spcBef>
+                <a:spcPct val="0"/>
+              </a:spcBef>
+              <a:buNone/>
+              <a:defRPr sz="3200" b="0" cap="all">
+                <a:ln w="3175" cmpd="sng">
+                  <a:noFill/>
+                </a:ln>
+                <a:effectLst>
+                  <a:glow rad="38100">
+                    <a:schemeClr val="bg1">
+                      <a:lumMod val="65000"/>
+                      <a:lumOff val="35000"/>
+                      <a:alpha val="40000"/>
+                    </a:schemeClr>
+                  </a:glow>
+                  <a:outerShdw blurRad="28575" dist="38100" dir="14040000" algn="tl" rotWithShape="0">
+                    <a:srgbClr val="000000">
+                      <a:alpha val="25000"/>
+                    </a:srgbClr>
+                  </a:outerShdw>
+                </a:effectLst>
+              </a:defRPr>
+            </a:lvl1pPr>
+            <a:lvl2pPr>
+              <a:defRPr>
+                <a:solidFill>
+                  <a:schemeClr val="tx2"/>
+                </a:solidFill>
+              </a:defRPr>
+            </a:lvl2pPr>
+            <a:lvl3pPr>
+              <a:defRPr>
+                <a:solidFill>
+                  <a:schemeClr val="tx2"/>
+                </a:solidFill>
+              </a:defRPr>
+            </a:lvl3pPr>
+            <a:lvl4pPr>
+              <a:defRPr>
+                <a:solidFill>
+                  <a:schemeClr val="tx2"/>
+                </a:solidFill>
+              </a:defRPr>
+            </a:lvl4pPr>
+            <a:lvl5pPr>
+              <a:defRPr>
+                <a:solidFill>
+                  <a:schemeClr val="tx2"/>
+                </a:solidFill>
+              </a:defRPr>
+            </a:lvl5pPr>
+            <a:lvl6pPr>
+              <a:defRPr>
+                <a:solidFill>
+                  <a:schemeClr val="tx2"/>
+                </a:solidFill>
+              </a:defRPr>
+            </a:lvl6pPr>
+            <a:lvl7pPr>
+              <a:defRPr>
+                <a:solidFill>
+                  <a:schemeClr val="tx2"/>
+                </a:solidFill>
+              </a:defRPr>
+            </a:lvl7pPr>
+            <a:lvl8pPr>
+              <a:defRPr>
+                <a:solidFill>
+                  <a:schemeClr val="tx2"/>
+                </a:solidFill>
+              </a:defRPr>
+            </a:lvl8pPr>
+            <a:lvl9pPr>
+              <a:defRPr>
+                <a:solidFill>
+                  <a:schemeClr val="tx2"/>
+                </a:solidFill>
+              </a:defRPr>
+            </a:lvl9pPr>
+          </a:lstStyle>
+          <a:p>
+            <a:pPr lvl="0" algn="r"/>
+            <a:r>
+              <a:rPr lang="en-US" sz="8000" dirty="0">
+                <a:solidFill>
+                  <a:schemeClr val="accent1"/>
+                </a:solidFill>
+              </a:rPr>
+              <a:t>”</a:t>
+            </a:r>
+          </a:p>
+        </p:txBody>
+      </p:sp>
+      <p:sp>
+        <p:nvSpPr>
+          <p:cNvPr id="2" name="Title 1"/>
+          <p:cNvSpPr>
+            <a:spLocks noGrp="1"/>
+          </p:cNvSpPr>
+          <p:nvPr>
+            <p:ph type="title"/>
+          </p:nvPr>
+        </p:nvSpPr>
+        <p:spPr>
+          <a:xfrm>
+            <a:off x="1446213" y="609601"/>
+            <a:ext cx="9296398" cy="2743199"/>
+          </a:xfrm>
+        </p:spPr>
+        <p:txBody>
+          <a:bodyPr anchor="ctr">
+            <a:normAutofit/>
+          </a:bodyPr>
+          <a:lstStyle>
+            <a:lvl1pPr algn="l">
+              <a:defRPr sz="3200" b="0" cap="all">
+                <a:solidFill>
+                  <a:schemeClr val="tx1"/>
+                </a:solidFill>
+              </a:defRPr>
+            </a:lvl1pPr>
+          </a:lstStyle>
+          <a:p>
+            <a:r>
+              <a:rPr lang="en-US"/>
+              <a:t>Click to edit Master title style</a:t>
+            </a:r>
+            <a:endParaRPr lang="en-US" dirty="0"/>
+          </a:p>
+        </p:txBody>
+      </p:sp>
+      <p:sp>
+        <p:nvSpPr>
+          <p:cNvPr id="10" name="Text Placeholder 9"/>
+          <p:cNvSpPr>
+            <a:spLocks noGrp="1"/>
+          </p:cNvSpPr>
+          <p:nvPr>
+            <p:ph type="body" sz="quarter" idx="13"/>
+          </p:nvPr>
+        </p:nvSpPr>
+        <p:spPr>
+          <a:xfrm>
+            <a:off x="1674812" y="3352800"/>
+            <a:ext cx="8839202" cy="381000"/>
+          </a:xfrm>
+        </p:spPr>
+        <p:txBody>
+          <a:bodyPr anchor="ctr"/>
+          <a:lstStyle>
+            <a:lvl1pPr marL="0" indent="0">
+              <a:buFontTx/>
+              <a:buNone/>
+              <a:defRPr/>
+            </a:lvl1pPr>
+            <a:lvl2pPr marL="457200" indent="0">
+              <a:buFontTx/>
+              <a:buNone/>
+              <a:defRPr/>
+            </a:lvl2pPr>
+            <a:lvl3pPr marL="914400" indent="0">
+              <a:buFontTx/>
+              <a:buNone/>
+              <a:defRPr/>
+            </a:lvl3pPr>
+            <a:lvl4pPr marL="1371600" indent="0">
+              <a:buFontTx/>
+              <a:buNone/>
+              <a:defRPr/>
+            </a:lvl4pPr>
+            <a:lvl5pPr marL="1828800" indent="0">
+              <a:buFontTx/>
+              <a:buNone/>
+              <a:defRPr/>
+            </a:lvl5pPr>
+          </a:lstStyle>
+          <a:p>
+            <a:pPr lvl="0"/>
+            <a:r>
+              <a:rPr lang="en-US"/>
+              <a:t>Click to edit Master text styles</a:t>
+            </a:r>
+          </a:p>
+        </p:txBody>
+      </p:sp>
+      <p:sp>
+        <p:nvSpPr>
+          <p:cNvPr id="3" name="Text Placeholder 2"/>
+          <p:cNvSpPr>
+            <a:spLocks noGrp="1"/>
+          </p:cNvSpPr>
+          <p:nvPr>
+            <p:ph type="body" idx="1"/>
+          </p:nvPr>
+        </p:nvSpPr>
+        <p:spPr>
+          <a:xfrm>
+            <a:off x="1141411" y="4343400"/>
+            <a:ext cx="9906000" cy="1447800"/>
+          </a:xfrm>
+        </p:spPr>
+        <p:txBody>
+          <a:bodyPr vert="horz" lIns="91440" tIns="45720" rIns="91440" bIns="45720" rtlCol="0" anchor="ctr">
+            <a:normAutofit/>
+          </a:bodyPr>
+          <a:lstStyle>
+            <a:lvl1pPr>
+              <a:buNone/>
+              <a:defRPr lang="en-US" sz="2000">
+                <a:gradFill flip="none" rotWithShape="1">
+                  <a:gsLst>
+                    <a:gs pos="0">
+                      <a:schemeClr val="tx1"/>
+                    </a:gs>
+                    <a:gs pos="100000">
+                      <a:schemeClr val="tx1">
+                        <a:lumMod val="75000"/>
+                      </a:schemeClr>
+                    </a:gs>
+                  </a:gsLst>
+                  <a:lin ang="5400000" scaled="0"/>
+                  <a:tileRect/>
+                </a:gradFill>
+              </a:defRPr>
+            </a:lvl1pPr>
+          </a:lstStyle>
+          <a:p>
+            <a:pPr marL="0" lvl="0" indent="0">
+              <a:buNone/>
+            </a:pPr>
+            <a:r>
+              <a:rPr lang="en-US"/>
+              <a:t>Click to edit Master text styles</a:t>
+            </a:r>
+          </a:p>
+        </p:txBody>
+      </p:sp>
+      <p:sp>
+        <p:nvSpPr>
+          <p:cNvPr id="4" name="Date Placeholder 3"/>
+          <p:cNvSpPr>
+            <a:spLocks noGrp="1"/>
+          </p:cNvSpPr>
+          <p:nvPr>
+            <p:ph type="dt" sz="half" idx="10"/>
+          </p:nvPr>
+        </p:nvSpPr>
+        <p:spPr/>
+        <p:txBody>
+          <a:bodyPr/>
+          <a:lstStyle/>
+          <a:p>
+            <a:fld id="{A983CF50-FD5C-4696-8AB6-CEDA0278C5DB}" type="datetimeFigureOut">
+              <a:rPr lang="en-US" smtClean="0"/>
+              <a:t>4/30/2025</a:t>
+            </a:fld>
+            <a:endParaRPr lang="en-US"/>
+          </a:p>
+        </p:txBody>
+      </p:sp>
+      <p:sp>
+        <p:nvSpPr>
+          <p:cNvPr id="5" name="Footer Placeholder 4"/>
+          <p:cNvSpPr>
+            <a:spLocks noGrp="1"/>
+          </p:cNvSpPr>
+          <p:nvPr>
+            <p:ph type="ftr" sz="quarter" idx="11"/>
+          </p:nvPr>
+        </p:nvSpPr>
+        <p:spPr/>
+        <p:txBody>
+          <a:bodyPr/>
+          <a:lstStyle/>
+          <a:p>
+            <a:endParaRPr lang="en-US"/>
+          </a:p>
+        </p:txBody>
+      </p:sp>
+      <p:sp>
+        <p:nvSpPr>
+          <p:cNvPr id="6" name="Slide Number Placeholder 5"/>
+          <p:cNvSpPr>
+            <a:spLocks noGrp="1"/>
+          </p:cNvSpPr>
+          <p:nvPr>
+            <p:ph type="sldNum" sz="quarter" idx="12"/>
+          </p:nvPr>
+        </p:nvSpPr>
+        <p:spPr/>
+        <p:txBody>
+          <a:bodyPr/>
+          <a:lstStyle/>
+          <a:p>
+            <a:fld id="{38D24A41-7419-4C24-98A0-5F02C9EA068C}" type="slidenum">
+              <a:rPr lang="en-US" smtClean="0"/>
+              <a:t>‹#›</a:t>
+            </a:fld>
+            <a:endParaRPr lang="en-US"/>
+          </a:p>
+        </p:txBody>
+      </p:sp>
+    </p:spTree>
+    <p:extLst>
+      <p:ext uri="{BB962C8B-B14F-4D97-AF65-F5344CB8AC3E}">
+        <p14:creationId xmlns:p14="http://schemas.microsoft.com/office/powerpoint/2010/main" val="3941662176"/>
+      </p:ext>
+    </p:extLst>
+  </p:cSld>
+  <p:clrMapOvr>
+    <a:masterClrMapping/>
+  </p:clrMapOvr>
+</p:sldLayout>
+</file>
+
+<file path=ppt/slideLayouts/slideLayout13.xml><?xml version="1.0" encoding="utf-8"?>
+<p:sldLayout xmlns:a="http://schemas.openxmlformats.org/drawingml/2006/main" xmlns:r="http://schemas.openxmlformats.org/officeDocument/2006/relationships" xmlns:p="http://schemas.openxmlformats.org/presentationml/2006/main" preserve="1">
+  <p:cSld name="Name Card">
+    <p:spTree>
+      <p:nvGrpSpPr>
+        <p:cNvPr id="1" name=""/>
+        <p:cNvGrpSpPr/>
+        <p:nvPr/>
+      </p:nvGrpSpPr>
+      <p:grpSpPr>
+        <a:xfrm>
+          <a:off x="0" y="0"/>
+          <a:ext cx="0" cy="0"/>
+          <a:chOff x="0" y="0"/>
+          <a:chExt cx="0" cy="0"/>
+        </a:xfrm>
+      </p:grpSpPr>
+      <p:sp>
+        <p:nvSpPr>
+          <p:cNvPr id="2" name="Title 1"/>
+          <p:cNvSpPr>
+            <a:spLocks noGrp="1"/>
+          </p:cNvSpPr>
+          <p:nvPr>
+            <p:ph type="title"/>
+          </p:nvPr>
+        </p:nvSpPr>
+        <p:spPr>
+          <a:xfrm>
+            <a:off x="1141412" y="3308581"/>
+            <a:ext cx="9906000" cy="1468800"/>
+          </a:xfrm>
+        </p:spPr>
+        <p:txBody>
+          <a:bodyPr anchor="b">
+            <a:normAutofit/>
+          </a:bodyPr>
+          <a:lstStyle>
+            <a:lvl1pPr algn="l">
+              <a:defRPr sz="3200" b="0" cap="all"/>
+            </a:lvl1pPr>
+          </a:lstStyle>
+          <a:p>
+            <a:r>
+              <a:rPr lang="en-US"/>
+              <a:t>Click to edit Master title style</a:t>
+            </a:r>
+            <a:endParaRPr lang="en-US" dirty="0"/>
+          </a:p>
+        </p:txBody>
+      </p:sp>
+      <p:sp>
+        <p:nvSpPr>
+          <p:cNvPr id="3" name="Text Placeholder 2"/>
+          <p:cNvSpPr>
+            <a:spLocks noGrp="1"/>
+          </p:cNvSpPr>
+          <p:nvPr>
+            <p:ph type="body" idx="1"/>
+          </p:nvPr>
+        </p:nvSpPr>
+        <p:spPr>
+          <a:xfrm>
+            <a:off x="1141410" y="4777381"/>
+            <a:ext cx="9906001" cy="860400"/>
+          </a:xfrm>
+        </p:spPr>
+        <p:txBody>
+          <a:bodyPr vert="horz" lIns="91440" tIns="45720" rIns="91440" bIns="45720" rtlCol="0" anchor="t">
+            <a:normAutofit/>
+          </a:bodyPr>
+          <a:lstStyle>
+            <a:lvl1pPr>
+              <a:defRPr lang="en-US" sz="2000">
+                <a:gradFill flip="none" rotWithShape="1">
+                  <a:gsLst>
+                    <a:gs pos="0">
+                      <a:schemeClr val="tx1"/>
+                    </a:gs>
+                    <a:gs pos="100000">
+                      <a:schemeClr val="tx1">
+                        <a:lumMod val="75000"/>
+                      </a:schemeClr>
+                    </a:gs>
+                  </a:gsLst>
+                  <a:lin ang="5400000" scaled="0"/>
+                  <a:tileRect/>
+                </a:gradFill>
+              </a:defRPr>
+            </a:lvl1pPr>
+          </a:lstStyle>
+          <a:p>
+            <a:pPr marL="0" lvl="0" indent="0">
+              <a:buNone/>
+            </a:pPr>
+            <a:r>
+              <a:rPr lang="en-US"/>
+              <a:t>Click to edit Master text styles</a:t>
+            </a:r>
+          </a:p>
+        </p:txBody>
+      </p:sp>
+      <p:sp>
+        <p:nvSpPr>
+          <p:cNvPr id="4" name="Date Placeholder 3"/>
+          <p:cNvSpPr>
+            <a:spLocks noGrp="1"/>
+          </p:cNvSpPr>
+          <p:nvPr>
+            <p:ph type="dt" sz="half" idx="10"/>
+          </p:nvPr>
+        </p:nvSpPr>
+        <p:spPr/>
+        <p:txBody>
+          <a:bodyPr/>
+          <a:lstStyle/>
+          <a:p>
+            <a:fld id="{A983CF50-FD5C-4696-8AB6-CEDA0278C5DB}" type="datetimeFigureOut">
+              <a:rPr lang="en-US" smtClean="0"/>
+              <a:t>4/30/2025</a:t>
+            </a:fld>
+            <a:endParaRPr lang="en-US"/>
+          </a:p>
+        </p:txBody>
+      </p:sp>
+      <p:sp>
+        <p:nvSpPr>
+          <p:cNvPr id="5" name="Footer Placeholder 4"/>
+          <p:cNvSpPr>
+            <a:spLocks noGrp="1"/>
+          </p:cNvSpPr>
+          <p:nvPr>
+            <p:ph type="ftr" sz="quarter" idx="11"/>
+          </p:nvPr>
+        </p:nvSpPr>
+        <p:spPr/>
+        <p:txBody>
+          <a:bodyPr/>
+          <a:lstStyle/>
+          <a:p>
+            <a:endParaRPr lang="en-US"/>
+          </a:p>
+        </p:txBody>
+      </p:sp>
+      <p:sp>
+        <p:nvSpPr>
+          <p:cNvPr id="6" name="Slide Number Placeholder 5"/>
+          <p:cNvSpPr>
+            <a:spLocks noGrp="1"/>
+          </p:cNvSpPr>
+          <p:nvPr>
+            <p:ph type="sldNum" sz="quarter" idx="12"/>
+          </p:nvPr>
+        </p:nvSpPr>
+        <p:spPr/>
+        <p:txBody>
+          <a:bodyPr/>
+          <a:lstStyle/>
+          <a:p>
+            <a:fld id="{38D24A41-7419-4C24-98A0-5F02C9EA068C}" type="slidenum">
+              <a:rPr lang="en-US" smtClean="0"/>
+              <a:t>‹#›</a:t>
+            </a:fld>
+            <a:endParaRPr lang="en-US"/>
+          </a:p>
+        </p:txBody>
+      </p:sp>
+    </p:spTree>
+    <p:extLst>
+      <p:ext uri="{BB962C8B-B14F-4D97-AF65-F5344CB8AC3E}">
+        <p14:creationId xmlns:p14="http://schemas.microsoft.com/office/powerpoint/2010/main" val="1191953749"/>
+      </p:ext>
+    </p:extLst>
+  </p:cSld>
+  <p:clrMapOvr>
+    <a:masterClrMapping/>
+  </p:clrMapOvr>
+</p:sldLayout>
+</file>
+
+<file path=ppt/slideLayouts/slideLayout14.xml><?xml version="1.0" encoding="utf-8"?>
+<p:sldLayout xmlns:a="http://schemas.openxmlformats.org/drawingml/2006/main" xmlns:r="http://schemas.openxmlformats.org/officeDocument/2006/relationships" xmlns:p="http://schemas.openxmlformats.org/presentationml/2006/main" preserve="1">
+  <p:cSld name="Quote Name Card">
+    <p:spTree>
+      <p:nvGrpSpPr>
+        <p:cNvPr id="1" name=""/>
+        <p:cNvGrpSpPr/>
+        <p:nvPr/>
+      </p:nvGrpSpPr>
+      <p:grpSpPr>
+        <a:xfrm>
+          <a:off x="0" y="0"/>
+          <a:ext cx="0" cy="0"/>
+          <a:chOff x="0" y="0"/>
+          <a:chExt cx="0" cy="0"/>
+        </a:xfrm>
+      </p:grpSpPr>
+      <p:sp>
+        <p:nvSpPr>
+          <p:cNvPr id="14" name="TextBox 13"/>
+          <p:cNvSpPr txBox="1"/>
+          <p:nvPr/>
+        </p:nvSpPr>
+        <p:spPr>
+          <a:xfrm>
+            <a:off x="836612" y="786824"/>
+            <a:ext cx="609600" cy="584776"/>
+          </a:xfrm>
+          <a:prstGeom prst="rect">
+            <a:avLst/>
+          </a:prstGeom>
+        </p:spPr>
+        <p:txBody>
+          <a:bodyPr vert="horz" lIns="91440" tIns="45720" rIns="91440" bIns="45720" rtlCol="0" anchor="ctr">
+            <a:noAutofit/>
+          </a:bodyPr>
+          <a:lstStyle>
+            <a:lvl1pPr>
+              <a:spcBef>
+                <a:spcPct val="0"/>
+              </a:spcBef>
+              <a:buNone/>
+              <a:defRPr sz="3200" b="0" cap="all">
+                <a:ln w="3175" cmpd="sng">
+                  <a:noFill/>
+                </a:ln>
+                <a:effectLst>
+                  <a:glow rad="38100">
+                    <a:schemeClr val="bg1">
+                      <a:lumMod val="65000"/>
+                      <a:lumOff val="35000"/>
+                      <a:alpha val="40000"/>
+                    </a:schemeClr>
+                  </a:glow>
+                  <a:outerShdw blurRad="28575" dist="38100" dir="14040000" algn="tl" rotWithShape="0">
+                    <a:srgbClr val="000000">
+                      <a:alpha val="25000"/>
+                    </a:srgbClr>
+                  </a:outerShdw>
+                </a:effectLst>
+              </a:defRPr>
+            </a:lvl1pPr>
+            <a:lvl2pPr>
+              <a:defRPr>
+                <a:solidFill>
+                  <a:schemeClr val="tx2"/>
+                </a:solidFill>
+              </a:defRPr>
+            </a:lvl2pPr>
+            <a:lvl3pPr>
+              <a:defRPr>
+                <a:solidFill>
+                  <a:schemeClr val="tx2"/>
+                </a:solidFill>
+              </a:defRPr>
+            </a:lvl3pPr>
+            <a:lvl4pPr>
+              <a:defRPr>
+                <a:solidFill>
+                  <a:schemeClr val="tx2"/>
+                </a:solidFill>
+              </a:defRPr>
+            </a:lvl4pPr>
+            <a:lvl5pPr>
+              <a:defRPr>
+                <a:solidFill>
+                  <a:schemeClr val="tx2"/>
+                </a:solidFill>
+              </a:defRPr>
+            </a:lvl5pPr>
+            <a:lvl6pPr>
+              <a:defRPr>
+                <a:solidFill>
+                  <a:schemeClr val="tx2"/>
+                </a:solidFill>
+              </a:defRPr>
+            </a:lvl6pPr>
+            <a:lvl7pPr>
+              <a:defRPr>
+                <a:solidFill>
+                  <a:schemeClr val="tx2"/>
+                </a:solidFill>
+              </a:defRPr>
+            </a:lvl7pPr>
+            <a:lvl8pPr>
+              <a:defRPr>
+                <a:solidFill>
+                  <a:schemeClr val="tx2"/>
+                </a:solidFill>
+              </a:defRPr>
+            </a:lvl8pPr>
+            <a:lvl9pPr>
+              <a:defRPr>
+                <a:solidFill>
+                  <a:schemeClr val="tx2"/>
+                </a:solidFill>
+              </a:defRPr>
+            </a:lvl9pPr>
+          </a:lstStyle>
+          <a:p>
+            <a:pPr lvl="0"/>
+            <a:r>
+              <a:rPr lang="en-US" sz="8000" dirty="0">
+                <a:solidFill>
+                  <a:schemeClr val="accent1"/>
+                </a:solidFill>
+              </a:rPr>
+              <a:t>“</a:t>
+            </a:r>
+          </a:p>
+        </p:txBody>
+      </p:sp>
+      <p:sp>
+        <p:nvSpPr>
+          <p:cNvPr id="15" name="TextBox 14"/>
+          <p:cNvSpPr txBox="1"/>
+          <p:nvPr/>
+        </p:nvSpPr>
+        <p:spPr>
+          <a:xfrm>
+            <a:off x="10437812" y="2743200"/>
+            <a:ext cx="609600" cy="584776"/>
+          </a:xfrm>
+          <a:prstGeom prst="rect">
+            <a:avLst/>
+          </a:prstGeom>
+        </p:spPr>
+        <p:txBody>
+          <a:bodyPr vert="horz" lIns="91440" tIns="45720" rIns="91440" bIns="45720" rtlCol="0" anchor="ctr">
+            <a:noAutofit/>
+          </a:bodyPr>
+          <a:lstStyle>
+            <a:lvl1pPr>
+              <a:spcBef>
+                <a:spcPct val="0"/>
+              </a:spcBef>
+              <a:buNone/>
+              <a:defRPr sz="3200" b="0" cap="all">
+                <a:ln w="3175" cmpd="sng">
+                  <a:noFill/>
+                </a:ln>
+                <a:effectLst>
+                  <a:glow rad="38100">
+                    <a:schemeClr val="bg1">
+                      <a:lumMod val="65000"/>
+                      <a:lumOff val="35000"/>
+                      <a:alpha val="40000"/>
+                    </a:schemeClr>
+                  </a:glow>
+                  <a:outerShdw blurRad="28575" dist="38100" dir="14040000" algn="tl" rotWithShape="0">
+                    <a:srgbClr val="000000">
+                      <a:alpha val="25000"/>
+                    </a:srgbClr>
+                  </a:outerShdw>
+                </a:effectLst>
+              </a:defRPr>
+            </a:lvl1pPr>
+            <a:lvl2pPr>
+              <a:defRPr>
+                <a:solidFill>
+                  <a:schemeClr val="tx2"/>
+                </a:solidFill>
+              </a:defRPr>
+            </a:lvl2pPr>
+            <a:lvl3pPr>
+              <a:defRPr>
+                <a:solidFill>
+                  <a:schemeClr val="tx2"/>
+                </a:solidFill>
+              </a:defRPr>
+            </a:lvl3pPr>
+            <a:lvl4pPr>
+              <a:defRPr>
+                <a:solidFill>
+                  <a:schemeClr val="tx2"/>
+                </a:solidFill>
+              </a:defRPr>
+            </a:lvl4pPr>
+            <a:lvl5pPr>
+              <a:defRPr>
+                <a:solidFill>
+                  <a:schemeClr val="tx2"/>
+                </a:solidFill>
+              </a:defRPr>
+            </a:lvl5pPr>
+            <a:lvl6pPr>
+              <a:defRPr>
+                <a:solidFill>
+                  <a:schemeClr val="tx2"/>
+                </a:solidFill>
+              </a:defRPr>
+            </a:lvl6pPr>
+            <a:lvl7pPr>
+              <a:defRPr>
+                <a:solidFill>
+                  <a:schemeClr val="tx2"/>
+                </a:solidFill>
+              </a:defRPr>
+            </a:lvl7pPr>
+            <a:lvl8pPr>
+              <a:defRPr>
+                <a:solidFill>
+                  <a:schemeClr val="tx2"/>
+                </a:solidFill>
+              </a:defRPr>
+            </a:lvl8pPr>
+            <a:lvl9pPr>
+              <a:defRPr>
+                <a:solidFill>
+                  <a:schemeClr val="tx2"/>
+                </a:solidFill>
+              </a:defRPr>
+            </a:lvl9pPr>
+          </a:lstStyle>
+          <a:p>
+            <a:pPr lvl="0" algn="r"/>
+            <a:r>
+              <a:rPr lang="en-US" sz="8000" dirty="0">
+                <a:solidFill>
+                  <a:schemeClr val="accent1"/>
+                </a:solidFill>
+              </a:rPr>
+              <a:t>”</a:t>
+            </a:r>
+          </a:p>
+        </p:txBody>
+      </p:sp>
+      <p:sp>
+        <p:nvSpPr>
+          <p:cNvPr id="2" name="Title 1"/>
+          <p:cNvSpPr>
+            <a:spLocks noGrp="1"/>
+          </p:cNvSpPr>
+          <p:nvPr>
+            <p:ph type="title"/>
+          </p:nvPr>
+        </p:nvSpPr>
+        <p:spPr>
+          <a:xfrm>
+            <a:off x="1446213" y="609601"/>
+            <a:ext cx="9296398" cy="2743199"/>
+          </a:xfrm>
+        </p:spPr>
+        <p:txBody>
+          <a:bodyPr anchor="ctr">
+            <a:normAutofit/>
+          </a:bodyPr>
+          <a:lstStyle>
+            <a:lvl1pPr algn="l">
+              <a:defRPr sz="3200" b="0" cap="all">
+                <a:gradFill flip="none" rotWithShape="1">
+                  <a:gsLst>
+                    <a:gs pos="0">
+                      <a:schemeClr val="tx1"/>
+                    </a:gs>
+                    <a:gs pos="100000">
+                      <a:schemeClr val="tx1">
+                        <a:lumMod val="75000"/>
+                      </a:schemeClr>
+                    </a:gs>
+                  </a:gsLst>
+                  <a:lin ang="5400000" scaled="0"/>
+                  <a:tileRect/>
+                </a:gradFill>
+              </a:defRPr>
+            </a:lvl1pPr>
+          </a:lstStyle>
+          <a:p>
+            <a:r>
+              <a:rPr lang="en-US"/>
+              <a:t>Click to edit Master title style</a:t>
+            </a:r>
+            <a:endParaRPr lang="en-US" dirty="0"/>
+          </a:p>
+        </p:txBody>
+      </p:sp>
+      <p:sp>
+        <p:nvSpPr>
+          <p:cNvPr id="10" name="Text Placeholder 9"/>
+          <p:cNvSpPr>
+            <a:spLocks noGrp="1"/>
+          </p:cNvSpPr>
+          <p:nvPr>
+            <p:ph type="body" sz="quarter" idx="13"/>
+          </p:nvPr>
+        </p:nvSpPr>
+        <p:spPr>
+          <a:xfrm>
+            <a:off x="1141412" y="3886200"/>
+            <a:ext cx="9906000" cy="889000"/>
+          </a:xfrm>
+        </p:spPr>
+        <p:txBody>
+          <a:bodyPr vert="horz" lIns="91440" tIns="45720" rIns="91440" bIns="45720" rtlCol="0" anchor="b">
+            <a:normAutofit/>
+          </a:bodyPr>
+          <a:lstStyle>
+            <a:lvl1pPr>
+              <a:buNone/>
+              <a:defRPr lang="en-US" sz="2400" b="0" cap="all" dirty="0">
+                <a:ln w="3175" cmpd="sng">
+                  <a:noFill/>
+                </a:ln>
+                <a:gradFill flip="none" rotWithShape="1">
+                  <a:gsLst>
+                    <a:gs pos="0">
+                      <a:schemeClr val="tx1"/>
+                    </a:gs>
+                    <a:gs pos="100000">
+                      <a:schemeClr val="tx1">
+                        <a:lumMod val="75000"/>
+                      </a:schemeClr>
+                    </a:gs>
+                  </a:gsLst>
+                  <a:lin ang="5400000" scaled="0"/>
+                  <a:tileRect/>
+                </a:gradFill>
+                <a:effectLst>
+                  <a:glow rad="38100">
+                    <a:schemeClr val="bg1">
+                      <a:lumMod val="65000"/>
+                      <a:lumOff val="35000"/>
+                      <a:alpha val="40000"/>
+                    </a:schemeClr>
+                  </a:glow>
+                  <a:outerShdw blurRad="28575" dist="38100" dir="14040000" algn="tl" rotWithShape="0">
+                    <a:srgbClr val="000000">
+                      <a:alpha val="25000"/>
+                    </a:srgbClr>
+                  </a:outerShdw>
+                </a:effectLst>
+              </a:defRPr>
+            </a:lvl1pPr>
+          </a:lstStyle>
+          <a:p>
+            <a:pPr marL="0" lvl="0">
+              <a:spcBef>
+                <a:spcPct val="0"/>
+              </a:spcBef>
+              <a:buNone/>
+            </a:pPr>
+            <a:r>
+              <a:rPr lang="en-US"/>
+              <a:t>Click to edit Master text styles</a:t>
+            </a:r>
+          </a:p>
+        </p:txBody>
+      </p:sp>
+      <p:sp>
+        <p:nvSpPr>
+          <p:cNvPr id="3" name="Text Placeholder 2"/>
+          <p:cNvSpPr>
+            <a:spLocks noGrp="1"/>
+          </p:cNvSpPr>
+          <p:nvPr>
+            <p:ph type="body" idx="1"/>
+          </p:nvPr>
+        </p:nvSpPr>
+        <p:spPr>
+          <a:xfrm>
+            <a:off x="1141411" y="4775200"/>
+            <a:ext cx="9906000" cy="1016000"/>
+          </a:xfrm>
+        </p:spPr>
+        <p:txBody>
+          <a:bodyPr anchor="t">
+            <a:normAutofit/>
+          </a:bodyPr>
+          <a:lstStyle>
+            <a:lvl1pPr marL="0" indent="0" algn="l">
+              <a:buNone/>
+              <a:defRPr sz="1800">
+                <a:gradFill flip="none" rotWithShape="1">
+                  <a:gsLst>
+                    <a:gs pos="0">
+                      <a:schemeClr val="tx1"/>
+                    </a:gs>
+                    <a:gs pos="100000">
+                      <a:schemeClr val="tx1">
+                        <a:lumMod val="75000"/>
+                      </a:schemeClr>
+                    </a:gs>
+                  </a:gsLst>
+                  <a:lin ang="5400000" scaled="0"/>
+                  <a:tileRect/>
+                </a:gradFill>
+              </a:defRPr>
+            </a:lvl1pPr>
+            <a:lvl2pPr marL="457200" indent="0">
+              <a:buNone/>
+              <a:defRPr sz="1800">
+                <a:solidFill>
+                  <a:schemeClr val="tx1">
+                    <a:tint val="75000"/>
+                  </a:schemeClr>
+                </a:solidFill>
+              </a:defRPr>
+            </a:lvl2pPr>
+            <a:lvl3pPr marL="914400" indent="0">
+              <a:buNone/>
+              <a:defRPr sz="1600">
+                <a:solidFill>
+                  <a:schemeClr val="tx1">
+                    <a:tint val="75000"/>
+                  </a:schemeClr>
+                </a:solidFill>
+              </a:defRPr>
+            </a:lvl3pPr>
+            <a:lvl4pPr marL="1371600" indent="0">
+              <a:buNone/>
+              <a:defRPr sz="1400">
+                <a:solidFill>
+                  <a:schemeClr val="tx1">
+                    <a:tint val="75000"/>
+                  </a:schemeClr>
+                </a:solidFill>
+              </a:defRPr>
+            </a:lvl4pPr>
+            <a:lvl5pPr marL="1828800" indent="0">
+              <a:buNone/>
+              <a:defRPr sz="1400">
+                <a:solidFill>
+                  <a:schemeClr val="tx1">
+                    <a:tint val="75000"/>
+                  </a:schemeClr>
+                </a:solidFill>
+              </a:defRPr>
+            </a:lvl5pPr>
+            <a:lvl6pPr marL="2286000" indent="0">
+              <a:buNone/>
+              <a:defRPr sz="1400">
+                <a:solidFill>
+                  <a:schemeClr val="tx1">
+                    <a:tint val="75000"/>
+                  </a:schemeClr>
+                </a:solidFill>
+              </a:defRPr>
+            </a:lvl6pPr>
+            <a:lvl7pPr marL="2743200" indent="0">
+              <a:buNone/>
+              <a:defRPr sz="1400">
+                <a:solidFill>
+                  <a:schemeClr val="tx1">
+                    <a:tint val="75000"/>
+                  </a:schemeClr>
+                </a:solidFill>
+              </a:defRPr>
+            </a:lvl7pPr>
+            <a:lvl8pPr marL="3200400" indent="0">
+              <a:buNone/>
+              <a:defRPr sz="1400">
+                <a:solidFill>
+                  <a:schemeClr val="tx1">
+                    <a:tint val="75000"/>
+                  </a:schemeClr>
+                </a:solidFill>
+              </a:defRPr>
+            </a:lvl8pPr>
+            <a:lvl9pPr marL="3657600" indent="0">
+              <a:buNone/>
+              <a:defRPr sz="1400">
+                <a:solidFill>
+                  <a:schemeClr val="tx1">
+                    <a:tint val="75000"/>
+                  </a:schemeClr>
+                </a:solidFill>
+              </a:defRPr>
+            </a:lvl9pPr>
+          </a:lstStyle>
+          <a:p>
+            <a:pPr lvl="0"/>
+            <a:r>
+              <a:rPr lang="en-US"/>
+              <a:t>Click to edit Master text styles</a:t>
+            </a:r>
+          </a:p>
+        </p:txBody>
+      </p:sp>
+      <p:sp>
+        <p:nvSpPr>
+          <p:cNvPr id="4" name="Date Placeholder 3"/>
+          <p:cNvSpPr>
+            <a:spLocks noGrp="1"/>
+          </p:cNvSpPr>
+          <p:nvPr>
+            <p:ph type="dt" sz="half" idx="10"/>
+          </p:nvPr>
+        </p:nvSpPr>
+        <p:spPr/>
+        <p:txBody>
+          <a:bodyPr/>
+          <a:lstStyle/>
+          <a:p>
+            <a:fld id="{A983CF50-FD5C-4696-8AB6-CEDA0278C5DB}" type="datetimeFigureOut">
+              <a:rPr lang="en-US" smtClean="0"/>
+              <a:t>4/30/2025</a:t>
+            </a:fld>
+            <a:endParaRPr lang="en-US"/>
+          </a:p>
+        </p:txBody>
+      </p:sp>
+      <p:sp>
+        <p:nvSpPr>
+          <p:cNvPr id="5" name="Footer Placeholder 4"/>
+          <p:cNvSpPr>
+            <a:spLocks noGrp="1"/>
+          </p:cNvSpPr>
+          <p:nvPr>
+            <p:ph type="ftr" sz="quarter" idx="11"/>
+          </p:nvPr>
+        </p:nvSpPr>
+        <p:spPr/>
+        <p:txBody>
+          <a:bodyPr/>
+          <a:lstStyle/>
+          <a:p>
+            <a:endParaRPr lang="en-US"/>
+          </a:p>
+        </p:txBody>
+      </p:sp>
+      <p:sp>
+        <p:nvSpPr>
+          <p:cNvPr id="6" name="Slide Number Placeholder 5"/>
+          <p:cNvSpPr>
+            <a:spLocks noGrp="1"/>
+          </p:cNvSpPr>
+          <p:nvPr>
+            <p:ph type="sldNum" sz="quarter" idx="12"/>
+          </p:nvPr>
+        </p:nvSpPr>
+        <p:spPr/>
+        <p:txBody>
+          <a:bodyPr/>
+          <a:lstStyle/>
+          <a:p>
+            <a:fld id="{38D24A41-7419-4C24-98A0-5F02C9EA068C}" type="slidenum">
+              <a:rPr lang="en-US" smtClean="0"/>
+              <a:t>‹#›</a:t>
+            </a:fld>
+            <a:endParaRPr lang="en-US"/>
+          </a:p>
+        </p:txBody>
+      </p:sp>
+    </p:spTree>
+    <p:extLst>
+      <p:ext uri="{BB962C8B-B14F-4D97-AF65-F5344CB8AC3E}">
+        <p14:creationId xmlns:p14="http://schemas.microsoft.com/office/powerpoint/2010/main" val="3268245847"/>
+      </p:ext>
+    </p:extLst>
+  </p:cSld>
+  <p:clrMapOvr>
+    <a:masterClrMapping/>
+  </p:clrMapOvr>
+</p:sldLayout>
+</file>
+
+<file path=ppt/slideLayouts/slideLayout15.xml><?xml version="1.0" encoding="utf-8"?>
+<p:sldLayout xmlns:a="http://schemas.openxmlformats.org/drawingml/2006/main" xmlns:r="http://schemas.openxmlformats.org/officeDocument/2006/relationships" xmlns:p="http://schemas.openxmlformats.org/presentationml/2006/main" preserve="1">
+  <p:cSld name="True or False">
+    <p:spTree>
+      <p:nvGrpSpPr>
+        <p:cNvPr id="1" name=""/>
+        <p:cNvGrpSpPr/>
+        <p:nvPr/>
+      </p:nvGrpSpPr>
+      <p:grpSpPr>
+        <a:xfrm>
+          <a:off x="0" y="0"/>
+          <a:ext cx="0" cy="0"/>
+          <a:chOff x="0" y="0"/>
+          <a:chExt cx="0" cy="0"/>
+        </a:xfrm>
+      </p:grpSpPr>
+      <p:sp>
+        <p:nvSpPr>
+          <p:cNvPr id="2" name="Title 1"/>
+          <p:cNvSpPr>
+            <a:spLocks noGrp="1"/>
+          </p:cNvSpPr>
+          <p:nvPr>
+            <p:ph type="title"/>
+          </p:nvPr>
+        </p:nvSpPr>
+        <p:spPr>
+          <a:xfrm>
+            <a:off x="1141412" y="609601"/>
+            <a:ext cx="9905999" cy="2743199"/>
+          </a:xfrm>
+        </p:spPr>
+        <p:txBody>
+          <a:bodyPr vert="horz" lIns="91440" tIns="45720" rIns="91440" bIns="45720" rtlCol="0" anchor="ctr">
+            <a:normAutofit/>
+          </a:bodyPr>
+          <a:lstStyle>
+            <a:lvl1pPr>
+              <a:defRPr lang="en-US" b="0" dirty="0"/>
+            </a:lvl1pPr>
+          </a:lstStyle>
+          <a:p>
+            <a:pPr marL="0" lvl="0"/>
+            <a:r>
+              <a:rPr lang="en-US"/>
+              <a:t>Click to edit Master title style</a:t>
+            </a:r>
+            <a:endParaRPr lang="en-US" dirty="0"/>
+          </a:p>
+        </p:txBody>
+      </p:sp>
+      <p:sp>
+        <p:nvSpPr>
+          <p:cNvPr id="10" name="Text Placeholder 9"/>
+          <p:cNvSpPr>
+            <a:spLocks noGrp="1"/>
+          </p:cNvSpPr>
+          <p:nvPr>
+            <p:ph type="body" sz="quarter" idx="13"/>
+          </p:nvPr>
+        </p:nvSpPr>
+        <p:spPr>
+          <a:xfrm>
+            <a:off x="1141412" y="3505200"/>
+            <a:ext cx="9906000" cy="838200"/>
+          </a:xfrm>
+        </p:spPr>
+        <p:txBody>
+          <a:bodyPr vert="horz" lIns="91440" tIns="45720" rIns="91440" bIns="45720" rtlCol="0" anchor="b">
+            <a:normAutofit/>
+          </a:bodyPr>
+          <a:lstStyle>
+            <a:lvl1pPr>
+              <a:buNone/>
+              <a:defRPr lang="en-US" sz="2800" b="0" cap="all" dirty="0">
+                <a:ln w="3175" cmpd="sng">
+                  <a:noFill/>
+                </a:ln>
+                <a:gradFill flip="none" rotWithShape="1">
+                  <a:gsLst>
+                    <a:gs pos="0">
+                      <a:schemeClr val="tx1"/>
+                    </a:gs>
+                    <a:gs pos="100000">
+                      <a:schemeClr val="tx1">
+                        <a:lumMod val="75000"/>
+                      </a:schemeClr>
+                    </a:gs>
+                  </a:gsLst>
+                  <a:lin ang="5400000" scaled="0"/>
+                  <a:tileRect/>
+                </a:gradFill>
+                <a:effectLst>
+                  <a:glow rad="38100">
+                    <a:schemeClr val="bg1">
+                      <a:lumMod val="65000"/>
+                      <a:lumOff val="35000"/>
+                      <a:alpha val="40000"/>
+                    </a:schemeClr>
+                  </a:glow>
+                  <a:outerShdw blurRad="28575" dist="38100" dir="14040000" algn="tl" rotWithShape="0">
+                    <a:srgbClr val="000000">
+                      <a:alpha val="25000"/>
+                    </a:srgbClr>
+                  </a:outerShdw>
+                </a:effectLst>
+              </a:defRPr>
+            </a:lvl1pPr>
+          </a:lstStyle>
+          <a:p>
+            <a:pPr marL="0" lvl="0">
+              <a:spcBef>
+                <a:spcPct val="0"/>
+              </a:spcBef>
+              <a:buNone/>
+            </a:pPr>
+            <a:r>
+              <a:rPr lang="en-US"/>
+              <a:t>Click to edit Master text styles</a:t>
+            </a:r>
+          </a:p>
+        </p:txBody>
+      </p:sp>
+      <p:sp>
+        <p:nvSpPr>
+          <p:cNvPr id="3" name="Text Placeholder 2"/>
+          <p:cNvSpPr>
+            <a:spLocks noGrp="1"/>
+          </p:cNvSpPr>
+          <p:nvPr>
+            <p:ph type="body" idx="1"/>
+          </p:nvPr>
+        </p:nvSpPr>
+        <p:spPr>
+          <a:xfrm>
+            <a:off x="1141411" y="4343400"/>
+            <a:ext cx="9906000" cy="1447800"/>
+          </a:xfrm>
+        </p:spPr>
+        <p:txBody>
+          <a:bodyPr anchor="t">
+            <a:normAutofit/>
+          </a:bodyPr>
+          <a:lstStyle>
+            <a:lvl1pPr marL="0" indent="0" algn="l">
+              <a:buNone/>
+              <a:defRPr sz="1800">
+                <a:gradFill flip="none" rotWithShape="1">
+                  <a:gsLst>
+                    <a:gs pos="0">
+                      <a:schemeClr val="tx1"/>
+                    </a:gs>
+                    <a:gs pos="100000">
+                      <a:schemeClr val="tx1">
+                        <a:lumMod val="75000"/>
+                      </a:schemeClr>
+                    </a:gs>
+                  </a:gsLst>
+                  <a:lin ang="5400000" scaled="0"/>
+                  <a:tileRect/>
+                </a:gradFill>
+              </a:defRPr>
+            </a:lvl1pPr>
+            <a:lvl2pPr marL="457200" indent="0">
+              <a:buNone/>
+              <a:defRPr sz="1800">
+                <a:solidFill>
+                  <a:schemeClr val="tx1">
+                    <a:tint val="75000"/>
+                  </a:schemeClr>
+                </a:solidFill>
+              </a:defRPr>
+            </a:lvl2pPr>
+            <a:lvl3pPr marL="914400" indent="0">
+              <a:buNone/>
+              <a:defRPr sz="1600">
+                <a:solidFill>
+                  <a:schemeClr val="tx1">
+                    <a:tint val="75000"/>
+                  </a:schemeClr>
+                </a:solidFill>
+              </a:defRPr>
+            </a:lvl3pPr>
+            <a:lvl4pPr marL="1371600" indent="0">
+              <a:buNone/>
+              <a:defRPr sz="1400">
+                <a:solidFill>
+                  <a:schemeClr val="tx1">
+                    <a:tint val="75000"/>
+                  </a:schemeClr>
+                </a:solidFill>
+              </a:defRPr>
+            </a:lvl4pPr>
+            <a:lvl5pPr marL="1828800" indent="0">
+              <a:buNone/>
+              <a:defRPr sz="1400">
+                <a:solidFill>
+                  <a:schemeClr val="tx1">
+                    <a:tint val="75000"/>
+                  </a:schemeClr>
+                </a:solidFill>
+              </a:defRPr>
+            </a:lvl5pPr>
+            <a:lvl6pPr marL="2286000" indent="0">
+              <a:buNone/>
+              <a:defRPr sz="1400">
+                <a:solidFill>
+                  <a:schemeClr val="tx1">
+                    <a:tint val="75000"/>
+                  </a:schemeClr>
+                </a:solidFill>
+              </a:defRPr>
+            </a:lvl6pPr>
+            <a:lvl7pPr marL="2743200" indent="0">
+              <a:buNone/>
+              <a:defRPr sz="1400">
+                <a:solidFill>
+                  <a:schemeClr val="tx1">
+                    <a:tint val="75000"/>
+                  </a:schemeClr>
+                </a:solidFill>
+              </a:defRPr>
+            </a:lvl7pPr>
+            <a:lvl8pPr marL="3200400" indent="0">
+              <a:buNone/>
+              <a:defRPr sz="1400">
+                <a:solidFill>
+                  <a:schemeClr val="tx1">
+                    <a:tint val="75000"/>
+                  </a:schemeClr>
+                </a:solidFill>
+              </a:defRPr>
+            </a:lvl8pPr>
+            <a:lvl9pPr marL="3657600" indent="0">
+              <a:buNone/>
+              <a:defRPr sz="1400">
+                <a:solidFill>
+                  <a:schemeClr val="tx1">
+                    <a:tint val="75000"/>
+                  </a:schemeClr>
+                </a:solidFill>
+              </a:defRPr>
+            </a:lvl9pPr>
+          </a:lstStyle>
+          <a:p>
+            <a:pPr lvl="0"/>
+            <a:r>
+              <a:rPr lang="en-US"/>
+              <a:t>Click to edit Master text styles</a:t>
+            </a:r>
+          </a:p>
+        </p:txBody>
+      </p:sp>
+      <p:sp>
+        <p:nvSpPr>
+          <p:cNvPr id="4" name="Date Placeholder 3"/>
+          <p:cNvSpPr>
+            <a:spLocks noGrp="1"/>
+          </p:cNvSpPr>
+          <p:nvPr>
+            <p:ph type="dt" sz="half" idx="10"/>
+          </p:nvPr>
+        </p:nvSpPr>
+        <p:spPr/>
+        <p:txBody>
+          <a:bodyPr/>
+          <a:lstStyle/>
+          <a:p>
+            <a:fld id="{A983CF50-FD5C-4696-8AB6-CEDA0278C5DB}" type="datetimeFigureOut">
+              <a:rPr lang="en-US" smtClean="0"/>
+              <a:t>4/30/2025</a:t>
+            </a:fld>
+            <a:endParaRPr lang="en-US"/>
+          </a:p>
+        </p:txBody>
+      </p:sp>
+      <p:sp>
+        <p:nvSpPr>
+          <p:cNvPr id="5" name="Footer Placeholder 4"/>
+          <p:cNvSpPr>
+            <a:spLocks noGrp="1"/>
+          </p:cNvSpPr>
+          <p:nvPr>
+            <p:ph type="ftr" sz="quarter" idx="11"/>
+          </p:nvPr>
+        </p:nvSpPr>
+        <p:spPr/>
+        <p:txBody>
+          <a:bodyPr/>
+          <a:lstStyle/>
+          <a:p>
+            <a:endParaRPr lang="en-US"/>
+          </a:p>
+        </p:txBody>
+      </p:sp>
+      <p:sp>
+        <p:nvSpPr>
+          <p:cNvPr id="6" name="Slide Number Placeholder 5"/>
+          <p:cNvSpPr>
+            <a:spLocks noGrp="1"/>
+          </p:cNvSpPr>
+          <p:nvPr>
+            <p:ph type="sldNum" sz="quarter" idx="12"/>
+          </p:nvPr>
+        </p:nvSpPr>
+        <p:spPr/>
+        <p:txBody>
+          <a:bodyPr/>
+          <a:lstStyle/>
+          <a:p>
+            <a:fld id="{38D24A41-7419-4C24-98A0-5F02C9EA068C}" type="slidenum">
+              <a:rPr lang="en-US" smtClean="0"/>
+              <a:t>‹#›</a:t>
+            </a:fld>
+            <a:endParaRPr lang="en-US"/>
+          </a:p>
+        </p:txBody>
+      </p:sp>
+    </p:spTree>
+    <p:extLst>
+      <p:ext uri="{BB962C8B-B14F-4D97-AF65-F5344CB8AC3E}">
+        <p14:creationId xmlns:p14="http://schemas.microsoft.com/office/powerpoint/2010/main" val="1035507511"/>
+      </p:ext>
+    </p:extLst>
+  </p:cSld>
+  <p:clrMapOvr>
+    <a:masterClrMapping/>
+  </p:clrMapOvr>
+</p:sldLayout>
+</file>
+
+<file path=ppt/slideLayouts/slideLayout16.xml><?xml version="1.0" encoding="utf-8"?>
 <p:sldLayout xmlns:a="http://schemas.openxmlformats.org/drawingml/2006/main" xmlns:r="http://schemas.openxmlformats.org/officeDocument/2006/relationships" xmlns:p="http://schemas.openxmlformats.org/presentationml/2006/main" type="vertTx" preserve="1">
   <p:cSld name="Title and Vertical Text">
     <p:spTree>
@@ -346,13 +2517,7 @@
       </p:grpSpPr>
       <p:sp>
         <p:nvSpPr>
-          <p:cNvPr id="2" name="Title 1">
-            <a:extLst>
-              <a:ext uri="{FF2B5EF4-FFF2-40B4-BE49-F238E27FC236}">
-                <a16:creationId xmlns:a16="http://schemas.microsoft.com/office/drawing/2014/main" id="{D5EA9A23-630B-9AB8-EB16-FA976A394392}"/>
-              </a:ext>
-            </a:extLst>
-          </p:cNvPr>
+          <p:cNvPr id="7" name="Title 1"/>
           <p:cNvSpPr>
             <a:spLocks noGrp="1"/>
           </p:cNvSpPr>
@@ -360,7 +2525,12 @@
             <p:ph type="title"/>
           </p:nvPr>
         </p:nvSpPr>
-        <p:spPr/>
+        <p:spPr>
+          <a:xfrm>
+            <a:off x="1141413" y="609600"/>
+            <a:ext cx="9905998" cy="1905000"/>
+          </a:xfrm>
+        </p:spPr>
         <p:txBody>
           <a:bodyPr/>
           <a:lstStyle/>
@@ -369,18 +2539,13 @@
               <a:rPr lang="en-US"/>
               <a:t>Click to edit Master title style</a:t>
             </a:r>
-          </a:p>
-        </p:txBody>
-      </p:sp>
-      <p:sp>
-        <p:nvSpPr>
-          <p:cNvPr id="3" name="Vertical Text Placeholder 2">
-            <a:extLst>
-              <a:ext uri="{FF2B5EF4-FFF2-40B4-BE49-F238E27FC236}">
-                <a16:creationId xmlns:a16="http://schemas.microsoft.com/office/drawing/2014/main" id="{65EF6225-7C88-DFFD-8F16-99B8B27FACE0}"/>
-              </a:ext>
-            </a:extLst>
-          </p:cNvPr>
+            <a:endParaRPr lang="en-US" dirty="0"/>
+          </a:p>
+        </p:txBody>
+      </p:sp>
+      <p:sp>
+        <p:nvSpPr>
+          <p:cNvPr id="3" name="Vertical Text Placeholder 2"/>
           <p:cNvSpPr>
             <a:spLocks noGrp="1"/>
           </p:cNvSpPr>
@@ -390,7 +2555,7 @@
         </p:nvSpPr>
         <p:spPr/>
         <p:txBody>
-          <a:bodyPr vert="eaVert"/>
+          <a:bodyPr vert="eaVert" anchor="t"/>
           <a:lstStyle/>
           <a:p>
             <a:pPr lvl="0"/>
@@ -426,18 +2591,13 @@
               <a:rPr lang="en-US"/>
               <a:t>Fifth level</a:t>
             </a:r>
-          </a:p>
-        </p:txBody>
-      </p:sp>
-      <p:sp>
-        <p:nvSpPr>
-          <p:cNvPr id="4" name="Date Placeholder 3">
-            <a:extLst>
-              <a:ext uri="{FF2B5EF4-FFF2-40B4-BE49-F238E27FC236}">
-                <a16:creationId xmlns:a16="http://schemas.microsoft.com/office/drawing/2014/main" id="{BC9475C7-907D-D55A-6A7E-44D7D6CF6484}"/>
-              </a:ext>
-            </a:extLst>
-          </p:cNvPr>
+            <a:endParaRPr lang="en-US" dirty="0"/>
+          </a:p>
+        </p:txBody>
+      </p:sp>
+      <p:sp>
+        <p:nvSpPr>
+          <p:cNvPr id="4" name="Date Placeholder 3"/>
           <p:cNvSpPr>
             <a:spLocks noGrp="1"/>
           </p:cNvSpPr>
@@ -450,9 +2610,9 @@
           <a:bodyPr/>
           <a:lstStyle/>
           <a:p>
-            <a:fld id="{42F1BB42-BFC8-474A-9D69-65C817AE1623}" type="datetimeFigureOut">
+            <a:fld id="{A983CF50-FD5C-4696-8AB6-CEDA0278C5DB}" type="datetimeFigureOut">
               <a:rPr lang="en-US" smtClean="0"/>
-              <a:t>4/14/2025</a:t>
+              <a:t>4/30/2025</a:t>
             </a:fld>
             <a:endParaRPr lang="en-US"/>
           </a:p>
@@ -460,13 +2620,7 @@
       </p:sp>
       <p:sp>
         <p:nvSpPr>
-          <p:cNvPr id="5" name="Footer Placeholder 4">
-            <a:extLst>
-              <a:ext uri="{FF2B5EF4-FFF2-40B4-BE49-F238E27FC236}">
-                <a16:creationId xmlns:a16="http://schemas.microsoft.com/office/drawing/2014/main" id="{B384EF84-8946-9ED5-7AEE-1B556C88DDDE}"/>
-              </a:ext>
-            </a:extLst>
-          </p:cNvPr>
+          <p:cNvPr id="5" name="Footer Placeholder 4"/>
           <p:cNvSpPr>
             <a:spLocks noGrp="1"/>
           </p:cNvSpPr>
@@ -485,13 +2639,7 @@
       </p:sp>
       <p:sp>
         <p:nvSpPr>
-          <p:cNvPr id="6" name="Slide Number Placeholder 5">
-            <a:extLst>
-              <a:ext uri="{FF2B5EF4-FFF2-40B4-BE49-F238E27FC236}">
-                <a16:creationId xmlns:a16="http://schemas.microsoft.com/office/drawing/2014/main" id="{13864A0E-04CE-AD4A-8E8C-8E0F94901050}"/>
-              </a:ext>
-            </a:extLst>
-          </p:cNvPr>
+          <p:cNvPr id="6" name="Slide Number Placeholder 5"/>
           <p:cNvSpPr>
             <a:spLocks noGrp="1"/>
           </p:cNvSpPr>
@@ -504,7 +2652,7 @@
           <a:bodyPr/>
           <a:lstStyle/>
           <a:p>
-            <a:fld id="{755CE2BB-1C59-47FD-A171-B08018B5AE63}" type="slidenum">
+            <a:fld id="{38D24A41-7419-4C24-98A0-5F02C9EA068C}" type="slidenum">
               <a:rPr lang="en-US" smtClean="0"/>
               <a:t>‹#›</a:t>
             </a:fld>
@@ -515,7 +2663,7 @@
     </p:spTree>
     <p:extLst>
       <p:ext uri="{BB962C8B-B14F-4D97-AF65-F5344CB8AC3E}">
-        <p14:creationId xmlns:p14="http://schemas.microsoft.com/office/powerpoint/2010/main" val="1998516363"/>
+        <p14:creationId xmlns:p14="http://schemas.microsoft.com/office/powerpoint/2010/main" val="3121939180"/>
       </p:ext>
     </p:extLst>
   </p:cSld>
@@ -525,7 +2673,7 @@
 </p:sldLayout>
 </file>
 
-<file path=ppt/slideLayouts/slideLayout11.xml><?xml version="1.0" encoding="utf-8"?>
+<file path=ppt/slideLayouts/slideLayout17.xml><?xml version="1.0" encoding="utf-8"?>
 <p:sldLayout xmlns:a="http://schemas.openxmlformats.org/drawingml/2006/main" xmlns:r="http://schemas.openxmlformats.org/officeDocument/2006/relationships" xmlns:p="http://schemas.openxmlformats.org/presentationml/2006/main" type="vertTitleAndTx" preserve="1">
   <p:cSld name="Vertical Title and Text">
     <p:spTree>
@@ -544,13 +2692,7 @@
       </p:grpSpPr>
       <p:sp>
         <p:nvSpPr>
-          <p:cNvPr id="2" name="Vertical Title 1">
-            <a:extLst>
-              <a:ext uri="{FF2B5EF4-FFF2-40B4-BE49-F238E27FC236}">
-                <a16:creationId xmlns:a16="http://schemas.microsoft.com/office/drawing/2014/main" id="{41566B76-4110-8F77-2BED-749E41FDE3EE}"/>
-              </a:ext>
-            </a:extLst>
-          </p:cNvPr>
+          <p:cNvPr id="2" name="Vertical Title 1"/>
           <p:cNvSpPr>
             <a:spLocks noGrp="1"/>
           </p:cNvSpPr>
@@ -560,8 +2702,8 @@
         </p:nvSpPr>
         <p:spPr>
           <a:xfrm>
-            <a:off x="8724900" y="365125"/>
-            <a:ext cx="2628900" cy="5811838"/>
+            <a:off x="8836898" y="609599"/>
+            <a:ext cx="2210514" cy="5181601"/>
           </a:xfrm>
         </p:spPr>
         <p:txBody>
@@ -572,18 +2714,13 @@
               <a:rPr lang="en-US"/>
               <a:t>Click to edit Master title style</a:t>
             </a:r>
-          </a:p>
-        </p:txBody>
-      </p:sp>
-      <p:sp>
-        <p:nvSpPr>
-          <p:cNvPr id="3" name="Vertical Text Placeholder 2">
-            <a:extLst>
-              <a:ext uri="{FF2B5EF4-FFF2-40B4-BE49-F238E27FC236}">
-                <a16:creationId xmlns:a16="http://schemas.microsoft.com/office/drawing/2014/main" id="{1FF08187-AF17-00DF-59FF-8331BF183A7F}"/>
-              </a:ext>
-            </a:extLst>
-          </p:cNvPr>
+            <a:endParaRPr lang="en-US" dirty="0"/>
+          </a:p>
+        </p:txBody>
+      </p:sp>
+      <p:sp>
+        <p:nvSpPr>
+          <p:cNvPr id="3" name="Vertical Text Placeholder 2"/>
           <p:cNvSpPr>
             <a:spLocks noGrp="1"/>
           </p:cNvSpPr>
@@ -593,12 +2730,12 @@
         </p:nvSpPr>
         <p:spPr>
           <a:xfrm>
-            <a:off x="838200" y="365125"/>
-            <a:ext cx="7734300" cy="5811838"/>
+            <a:off x="1141412" y="609600"/>
+            <a:ext cx="7543800" cy="5181600"/>
           </a:xfrm>
         </p:spPr>
         <p:txBody>
-          <a:bodyPr vert="eaVert"/>
+          <a:bodyPr vert="eaVert" anchor="t"/>
           <a:lstStyle/>
           <a:p>
             <a:pPr lvl="0"/>
@@ -634,18 +2771,13 @@
               <a:rPr lang="en-US"/>
               <a:t>Fifth level</a:t>
             </a:r>
-          </a:p>
-        </p:txBody>
-      </p:sp>
-      <p:sp>
-        <p:nvSpPr>
-          <p:cNvPr id="4" name="Date Placeholder 3">
-            <a:extLst>
-              <a:ext uri="{FF2B5EF4-FFF2-40B4-BE49-F238E27FC236}">
-                <a16:creationId xmlns:a16="http://schemas.microsoft.com/office/drawing/2014/main" id="{96A4DFD6-C836-EABB-2301-8475E64A50A9}"/>
-              </a:ext>
-            </a:extLst>
-          </p:cNvPr>
+            <a:endParaRPr lang="en-US" dirty="0"/>
+          </a:p>
+        </p:txBody>
+      </p:sp>
+      <p:sp>
+        <p:nvSpPr>
+          <p:cNvPr id="4" name="Date Placeholder 3"/>
           <p:cNvSpPr>
             <a:spLocks noGrp="1"/>
           </p:cNvSpPr>
@@ -658,9 +2790,9 @@
           <a:bodyPr/>
           <a:lstStyle/>
           <a:p>
-            <a:fld id="{42F1BB42-BFC8-474A-9D69-65C817AE1623}" type="datetimeFigureOut">
+            <a:fld id="{A983CF50-FD5C-4696-8AB6-CEDA0278C5DB}" type="datetimeFigureOut">
               <a:rPr lang="en-US" smtClean="0"/>
-              <a:t>4/14/2025</a:t>
+              <a:t>4/30/2025</a:t>
             </a:fld>
             <a:endParaRPr lang="en-US"/>
           </a:p>
@@ -668,13 +2800,7 @@
       </p:sp>
       <p:sp>
         <p:nvSpPr>
-          <p:cNvPr id="5" name="Footer Placeholder 4">
-            <a:extLst>
-              <a:ext uri="{FF2B5EF4-FFF2-40B4-BE49-F238E27FC236}">
-                <a16:creationId xmlns:a16="http://schemas.microsoft.com/office/drawing/2014/main" id="{2D3F15C8-20C0-22D2-EF01-EB73EA1ADBFF}"/>
-              </a:ext>
-            </a:extLst>
-          </p:cNvPr>
+          <p:cNvPr id="5" name="Footer Placeholder 4"/>
           <p:cNvSpPr>
             <a:spLocks noGrp="1"/>
           </p:cNvSpPr>
@@ -693,13 +2819,7 @@
       </p:sp>
       <p:sp>
         <p:nvSpPr>
-          <p:cNvPr id="6" name="Slide Number Placeholder 5">
-            <a:extLst>
-              <a:ext uri="{FF2B5EF4-FFF2-40B4-BE49-F238E27FC236}">
-                <a16:creationId xmlns:a16="http://schemas.microsoft.com/office/drawing/2014/main" id="{C76C2613-DED4-3220-FAF0-E25D619FB4A5}"/>
-              </a:ext>
-            </a:extLst>
-          </p:cNvPr>
+          <p:cNvPr id="6" name="Slide Number Placeholder 5"/>
           <p:cNvSpPr>
             <a:spLocks noGrp="1"/>
           </p:cNvSpPr>
@@ -712,7 +2832,7 @@
           <a:bodyPr/>
           <a:lstStyle/>
           <a:p>
-            <a:fld id="{755CE2BB-1C59-47FD-A171-B08018B5AE63}" type="slidenum">
+            <a:fld id="{38D24A41-7419-4C24-98A0-5F02C9EA068C}" type="slidenum">
               <a:rPr lang="en-US" smtClean="0"/>
               <a:t>‹#›</a:t>
             </a:fld>
@@ -723,7 +2843,7 @@
     </p:spTree>
     <p:extLst>
       <p:ext uri="{BB962C8B-B14F-4D97-AF65-F5344CB8AC3E}">
-        <p14:creationId xmlns:p14="http://schemas.microsoft.com/office/powerpoint/2010/main" val="1571103968"/>
+        <p14:creationId xmlns:p14="http://schemas.microsoft.com/office/powerpoint/2010/main" val="3215977373"/>
       </p:ext>
     </p:extLst>
   </p:cSld>
@@ -752,13 +2872,7 @@
       </p:grpSpPr>
       <p:sp>
         <p:nvSpPr>
-          <p:cNvPr id="2" name="Title 1">
-            <a:extLst>
-              <a:ext uri="{FF2B5EF4-FFF2-40B4-BE49-F238E27FC236}">
-                <a16:creationId xmlns:a16="http://schemas.microsoft.com/office/drawing/2014/main" id="{93CC95FD-721C-8554-8ADB-9CCAE6F0EA1E}"/>
-              </a:ext>
-            </a:extLst>
-          </p:cNvPr>
+          <p:cNvPr id="2" name="Title 1"/>
           <p:cNvSpPr>
             <a:spLocks noGrp="1"/>
           </p:cNvSpPr>
@@ -775,18 +2889,13 @@
               <a:rPr lang="en-US"/>
               <a:t>Click to edit Master title style</a:t>
             </a:r>
-          </a:p>
-        </p:txBody>
-      </p:sp>
-      <p:sp>
-        <p:nvSpPr>
-          <p:cNvPr id="3" name="Content Placeholder 2">
-            <a:extLst>
-              <a:ext uri="{FF2B5EF4-FFF2-40B4-BE49-F238E27FC236}">
-                <a16:creationId xmlns:a16="http://schemas.microsoft.com/office/drawing/2014/main" id="{857C3FB6-EF70-9BAE-2290-D13596293AE4}"/>
-              </a:ext>
-            </a:extLst>
-          </p:cNvPr>
+            <a:endParaRPr lang="en-US" dirty="0"/>
+          </a:p>
+        </p:txBody>
+      </p:sp>
+      <p:sp>
+        <p:nvSpPr>
+          <p:cNvPr id="3" name="Content Placeholder 2"/>
           <p:cNvSpPr>
             <a:spLocks noGrp="1"/>
           </p:cNvSpPr>
@@ -796,69 +2905,64 @@
         </p:nvSpPr>
         <p:spPr/>
         <p:txBody>
+          <a:bodyPr anchor="ctr"/>
+          <a:lstStyle/>
+          <a:p>
+            <a:pPr lvl="0"/>
+            <a:r>
+              <a:rPr lang="en-US"/>
+              <a:t>Click to edit Master text styles</a:t>
+            </a:r>
+          </a:p>
+          <a:p>
+            <a:pPr lvl="1"/>
+            <a:r>
+              <a:rPr lang="en-US"/>
+              <a:t>Second level</a:t>
+            </a:r>
+          </a:p>
+          <a:p>
+            <a:pPr lvl="2"/>
+            <a:r>
+              <a:rPr lang="en-US"/>
+              <a:t>Third level</a:t>
+            </a:r>
+          </a:p>
+          <a:p>
+            <a:pPr lvl="3"/>
+            <a:r>
+              <a:rPr lang="en-US"/>
+              <a:t>Fourth level</a:t>
+            </a:r>
+          </a:p>
+          <a:p>
+            <a:pPr lvl="4"/>
+            <a:r>
+              <a:rPr lang="en-US"/>
+              <a:t>Fifth level</a:t>
+            </a:r>
+            <a:endParaRPr lang="en-US" dirty="0"/>
+          </a:p>
+        </p:txBody>
+      </p:sp>
+      <p:sp>
+        <p:nvSpPr>
+          <p:cNvPr id="4" name="Date Placeholder 3"/>
+          <p:cNvSpPr>
+            <a:spLocks noGrp="1"/>
+          </p:cNvSpPr>
+          <p:nvPr>
+            <p:ph type="dt" sz="half" idx="10"/>
+          </p:nvPr>
+        </p:nvSpPr>
+        <p:spPr/>
+        <p:txBody>
           <a:bodyPr/>
           <a:lstStyle/>
           <a:p>
-            <a:pPr lvl="0"/>
-            <a:r>
-              <a:rPr lang="en-US"/>
-              <a:t>Click to edit Master text styles</a:t>
-            </a:r>
-          </a:p>
-          <a:p>
-            <a:pPr lvl="1"/>
-            <a:r>
-              <a:rPr lang="en-US"/>
-              <a:t>Second level</a:t>
-            </a:r>
-          </a:p>
-          <a:p>
-            <a:pPr lvl="2"/>
-            <a:r>
-              <a:rPr lang="en-US"/>
-              <a:t>Third level</a:t>
-            </a:r>
-          </a:p>
-          <a:p>
-            <a:pPr lvl="3"/>
-            <a:r>
-              <a:rPr lang="en-US"/>
-              <a:t>Fourth level</a:t>
-            </a:r>
-          </a:p>
-          <a:p>
-            <a:pPr lvl="4"/>
-            <a:r>
-              <a:rPr lang="en-US"/>
-              <a:t>Fifth level</a:t>
-            </a:r>
-          </a:p>
-        </p:txBody>
-      </p:sp>
-      <p:sp>
-        <p:nvSpPr>
-          <p:cNvPr id="4" name="Date Placeholder 3">
-            <a:extLst>
-              <a:ext uri="{FF2B5EF4-FFF2-40B4-BE49-F238E27FC236}">
-                <a16:creationId xmlns:a16="http://schemas.microsoft.com/office/drawing/2014/main" id="{8BA33972-2911-D516-E8CF-B140ABB77B1E}"/>
-              </a:ext>
-            </a:extLst>
-          </p:cNvPr>
-          <p:cNvSpPr>
-            <a:spLocks noGrp="1"/>
-          </p:cNvSpPr>
-          <p:nvPr>
-            <p:ph type="dt" sz="half" idx="10"/>
-          </p:nvPr>
-        </p:nvSpPr>
-        <p:spPr/>
-        <p:txBody>
-          <a:bodyPr/>
-          <a:lstStyle/>
-          <a:p>
-            <a:fld id="{42F1BB42-BFC8-474A-9D69-65C817AE1623}" type="datetimeFigureOut">
+            <a:fld id="{A983CF50-FD5C-4696-8AB6-CEDA0278C5DB}" type="datetimeFigureOut">
               <a:rPr lang="en-US" smtClean="0"/>
-              <a:t>4/14/2025</a:t>
+              <a:t>4/30/2025</a:t>
             </a:fld>
             <a:endParaRPr lang="en-US"/>
           </a:p>
@@ -866,13 +2970,7 @@
       </p:sp>
       <p:sp>
         <p:nvSpPr>
-          <p:cNvPr id="5" name="Footer Placeholder 4">
-            <a:extLst>
-              <a:ext uri="{FF2B5EF4-FFF2-40B4-BE49-F238E27FC236}">
-                <a16:creationId xmlns:a16="http://schemas.microsoft.com/office/drawing/2014/main" id="{44E6987D-7A95-62BB-D43D-00B6F2FAEF88}"/>
-              </a:ext>
-            </a:extLst>
-          </p:cNvPr>
+          <p:cNvPr id="5" name="Footer Placeholder 4"/>
           <p:cNvSpPr>
             <a:spLocks noGrp="1"/>
           </p:cNvSpPr>
@@ -891,13 +2989,7 @@
       </p:sp>
       <p:sp>
         <p:nvSpPr>
-          <p:cNvPr id="6" name="Slide Number Placeholder 5">
-            <a:extLst>
-              <a:ext uri="{FF2B5EF4-FFF2-40B4-BE49-F238E27FC236}">
-                <a16:creationId xmlns:a16="http://schemas.microsoft.com/office/drawing/2014/main" id="{E5B076CE-80FC-5651-49D2-EBB77B93E506}"/>
-              </a:ext>
-            </a:extLst>
-          </p:cNvPr>
+          <p:cNvPr id="6" name="Slide Number Placeholder 5"/>
           <p:cNvSpPr>
             <a:spLocks noGrp="1"/>
           </p:cNvSpPr>
@@ -910,7 +3002,7 @@
           <a:bodyPr/>
           <a:lstStyle/>
           <a:p>
-            <a:fld id="{755CE2BB-1C59-47FD-A171-B08018B5AE63}" type="slidenum">
+            <a:fld id="{38D24A41-7419-4C24-98A0-5F02C9EA068C}" type="slidenum">
               <a:rPr lang="en-US" smtClean="0"/>
               <a:t>‹#›</a:t>
             </a:fld>
@@ -921,7 +3013,7 @@
     </p:spTree>
     <p:extLst>
       <p:ext uri="{BB962C8B-B14F-4D97-AF65-F5344CB8AC3E}">
-        <p14:creationId xmlns:p14="http://schemas.microsoft.com/office/powerpoint/2010/main" val="2927896107"/>
+        <p14:creationId xmlns:p14="http://schemas.microsoft.com/office/powerpoint/2010/main" val="1872506226"/>
       </p:ext>
     </p:extLst>
   </p:cSld>
@@ -950,13 +3042,7 @@
       </p:grpSpPr>
       <p:sp>
         <p:nvSpPr>
-          <p:cNvPr id="2" name="Title 1">
-            <a:extLst>
-              <a:ext uri="{FF2B5EF4-FFF2-40B4-BE49-F238E27FC236}">
-                <a16:creationId xmlns:a16="http://schemas.microsoft.com/office/drawing/2014/main" id="{821D9C70-F348-BF6A-8EA1-C3CEB7E7F541}"/>
-              </a:ext>
-            </a:extLst>
-          </p:cNvPr>
+          <p:cNvPr id="2" name="Title 1"/>
           <p:cNvSpPr>
             <a:spLocks noGrp="1"/>
           </p:cNvSpPr>
@@ -966,15 +3052,15 @@
         </p:nvSpPr>
         <p:spPr>
           <a:xfrm>
-            <a:off x="831850" y="1709738"/>
-            <a:ext cx="10515600" cy="2852737"/>
+            <a:off x="1751013" y="3308581"/>
+            <a:ext cx="8686800" cy="1468800"/>
           </a:xfrm>
         </p:spPr>
         <p:txBody>
           <a:bodyPr anchor="b"/>
           <a:lstStyle>
-            <a:lvl1pPr>
-              <a:defRPr sz="6000"/>
+            <a:lvl1pPr algn="r">
+              <a:defRPr sz="4000" b="0" cap="all"/>
             </a:lvl1pPr>
           </a:lstStyle>
           <a:p>
@@ -982,18 +3068,13 @@
               <a:rPr lang="en-US"/>
               <a:t>Click to edit Master title style</a:t>
             </a:r>
-          </a:p>
-        </p:txBody>
-      </p:sp>
-      <p:sp>
-        <p:nvSpPr>
-          <p:cNvPr id="3" name="Text Placeholder 2">
-            <a:extLst>
-              <a:ext uri="{FF2B5EF4-FFF2-40B4-BE49-F238E27FC236}">
-                <a16:creationId xmlns:a16="http://schemas.microsoft.com/office/drawing/2014/main" id="{26D1C266-7CAD-7220-DD49-AB34878054A3}"/>
-              </a:ext>
-            </a:extLst>
-          </p:cNvPr>
+            <a:endParaRPr lang="en-US" dirty="0"/>
+          </a:p>
+        </p:txBody>
+      </p:sp>
+      <p:sp>
+        <p:nvSpPr>
+          <p:cNvPr id="3" name="Text Placeholder 2"/>
           <p:cNvSpPr>
             <a:spLocks noGrp="1"/>
           </p:cNvSpPr>
@@ -1003,102 +3084,113 @@
         </p:nvSpPr>
         <p:spPr>
           <a:xfrm>
-            <a:off x="831850" y="4589463"/>
-            <a:ext cx="10515600" cy="1500187"/>
+            <a:off x="1751011" y="4777381"/>
+            <a:ext cx="8686801" cy="860400"/>
           </a:xfrm>
         </p:spPr>
         <p:txBody>
-          <a:bodyPr/>
+          <a:bodyPr anchor="t">
+            <a:normAutofit/>
+          </a:bodyPr>
           <a:lstStyle>
-            <a:lvl1pPr marL="0" indent="0">
-              <a:buNone/>
-              <a:defRPr sz="2400">
+            <a:lvl1pPr marL="0" indent="0" algn="r">
+              <a:buNone/>
+              <a:defRPr sz="2000">
+                <a:gradFill flip="none" rotWithShape="1">
+                  <a:gsLst>
+                    <a:gs pos="0">
+                      <a:schemeClr val="tx1"/>
+                    </a:gs>
+                    <a:gs pos="100000">
+                      <a:schemeClr val="tx1">
+                        <a:lumMod val="75000"/>
+                      </a:schemeClr>
+                    </a:gs>
+                  </a:gsLst>
+                  <a:lin ang="5400000" scaled="0"/>
+                  <a:tileRect/>
+                </a:gradFill>
+              </a:defRPr>
+            </a:lvl1pPr>
+            <a:lvl2pPr marL="457200" indent="0">
+              <a:buNone/>
+              <a:defRPr sz="1800">
                 <a:solidFill>
                   <a:schemeClr val="tx1">
                     <a:tint val="75000"/>
                   </a:schemeClr>
                 </a:solidFill>
               </a:defRPr>
-            </a:lvl1pPr>
-            <a:lvl2pPr marL="457200" indent="0">
-              <a:buNone/>
-              <a:defRPr sz="2000">
+            </a:lvl2pPr>
+            <a:lvl3pPr marL="914400" indent="0">
+              <a:buNone/>
+              <a:defRPr sz="1600">
                 <a:solidFill>
                   <a:schemeClr val="tx1">
                     <a:tint val="75000"/>
                   </a:schemeClr>
                 </a:solidFill>
               </a:defRPr>
-            </a:lvl2pPr>
-            <a:lvl3pPr marL="914400" indent="0">
-              <a:buNone/>
-              <a:defRPr sz="1800">
+            </a:lvl3pPr>
+            <a:lvl4pPr marL="1371600" indent="0">
+              <a:buNone/>
+              <a:defRPr sz="1400">
                 <a:solidFill>
                   <a:schemeClr val="tx1">
                     <a:tint val="75000"/>
                   </a:schemeClr>
                 </a:solidFill>
               </a:defRPr>
-            </a:lvl3pPr>
-            <a:lvl4pPr marL="1371600" indent="0">
-              <a:buNone/>
-              <a:defRPr sz="1600">
+            </a:lvl4pPr>
+            <a:lvl5pPr marL="1828800" indent="0">
+              <a:buNone/>
+              <a:defRPr sz="1400">
                 <a:solidFill>
                   <a:schemeClr val="tx1">
                     <a:tint val="75000"/>
                   </a:schemeClr>
                 </a:solidFill>
               </a:defRPr>
-            </a:lvl4pPr>
-            <a:lvl5pPr marL="1828800" indent="0">
-              <a:buNone/>
-              <a:defRPr sz="1600">
+            </a:lvl5pPr>
+            <a:lvl6pPr marL="2286000" indent="0">
+              <a:buNone/>
+              <a:defRPr sz="1400">
                 <a:solidFill>
                   <a:schemeClr val="tx1">
                     <a:tint val="75000"/>
                   </a:schemeClr>
                 </a:solidFill>
               </a:defRPr>
-            </a:lvl5pPr>
-            <a:lvl6pPr marL="2286000" indent="0">
-              <a:buNone/>
-              <a:defRPr sz="1600">
+            </a:lvl6pPr>
+            <a:lvl7pPr marL="2743200" indent="0">
+              <a:buNone/>
+              <a:defRPr sz="1400">
                 <a:solidFill>
                   <a:schemeClr val="tx1">
                     <a:tint val="75000"/>
                   </a:schemeClr>
                 </a:solidFill>
               </a:defRPr>
-            </a:lvl6pPr>
-            <a:lvl7pPr marL="2743200" indent="0">
-              <a:buNone/>
-              <a:defRPr sz="1600">
+            </a:lvl7pPr>
+            <a:lvl8pPr marL="3200400" indent="0">
+              <a:buNone/>
+              <a:defRPr sz="1400">
                 <a:solidFill>
                   <a:schemeClr val="tx1">
                     <a:tint val="75000"/>
                   </a:schemeClr>
                 </a:solidFill>
               </a:defRPr>
-            </a:lvl7pPr>
-            <a:lvl8pPr marL="3200400" indent="0">
-              <a:buNone/>
-              <a:defRPr sz="1600">
+            </a:lvl8pPr>
+            <a:lvl9pPr marL="3657600" indent="0">
+              <a:buNone/>
+              <a:defRPr sz="1400">
                 <a:solidFill>
                   <a:schemeClr val="tx1">
                     <a:tint val="75000"/>
                   </a:schemeClr>
                 </a:solidFill>
               </a:defRPr>
-            </a:lvl8pPr>
-            <a:lvl9pPr marL="3657600" indent="0">
-              <a:buNone/>
-              <a:defRPr sz="1600">
-                <a:solidFill>
-                  <a:schemeClr val="tx1">
-                    <a:tint val="75000"/>
-                  </a:schemeClr>
-                </a:solidFill>
-              </a:defRPr>
             </a:lvl9pPr>
           </a:lstStyle>
           <a:p>
@@ -1112,13 +3204,7 @@
       </p:sp>
       <p:sp>
         <p:nvSpPr>
-          <p:cNvPr id="4" name="Date Placeholder 3">
-            <a:extLst>
-              <a:ext uri="{FF2B5EF4-FFF2-40B4-BE49-F238E27FC236}">
-                <a16:creationId xmlns:a16="http://schemas.microsoft.com/office/drawing/2014/main" id="{317A9DD6-33BC-62A8-B351-50A702E3BF76}"/>
-              </a:ext>
-            </a:extLst>
-          </p:cNvPr>
+          <p:cNvPr id="4" name="Date Placeholder 3"/>
           <p:cNvSpPr>
             <a:spLocks noGrp="1"/>
           </p:cNvSpPr>
@@ -1131,9 +3217,9 @@
           <a:bodyPr/>
           <a:lstStyle/>
           <a:p>
-            <a:fld id="{42F1BB42-BFC8-474A-9D69-65C817AE1623}" type="datetimeFigureOut">
+            <a:fld id="{A983CF50-FD5C-4696-8AB6-CEDA0278C5DB}" type="datetimeFigureOut">
               <a:rPr lang="en-US" smtClean="0"/>
-              <a:t>4/14/2025</a:t>
+              <a:t>4/30/2025</a:t>
             </a:fld>
             <a:endParaRPr lang="en-US"/>
           </a:p>
@@ -1141,13 +3227,7 @@
       </p:sp>
       <p:sp>
         <p:nvSpPr>
-          <p:cNvPr id="5" name="Footer Placeholder 4">
-            <a:extLst>
-              <a:ext uri="{FF2B5EF4-FFF2-40B4-BE49-F238E27FC236}">
-                <a16:creationId xmlns:a16="http://schemas.microsoft.com/office/drawing/2014/main" id="{32038149-578E-961A-8015-697A49E33D61}"/>
-              </a:ext>
-            </a:extLst>
-          </p:cNvPr>
+          <p:cNvPr id="5" name="Footer Placeholder 4"/>
           <p:cNvSpPr>
             <a:spLocks noGrp="1"/>
           </p:cNvSpPr>
@@ -1166,13 +3246,7 @@
       </p:sp>
       <p:sp>
         <p:nvSpPr>
-          <p:cNvPr id="6" name="Slide Number Placeholder 5">
-            <a:extLst>
-              <a:ext uri="{FF2B5EF4-FFF2-40B4-BE49-F238E27FC236}">
-                <a16:creationId xmlns:a16="http://schemas.microsoft.com/office/drawing/2014/main" id="{0AAFA2BB-F7A7-5348-5833-DF4A01800E62}"/>
-              </a:ext>
-            </a:extLst>
-          </p:cNvPr>
+          <p:cNvPr id="6" name="Slide Number Placeholder 5"/>
           <p:cNvSpPr>
             <a:spLocks noGrp="1"/>
           </p:cNvSpPr>
@@ -1185,7 +3259,7 @@
           <a:bodyPr/>
           <a:lstStyle/>
           <a:p>
-            <a:fld id="{755CE2BB-1C59-47FD-A171-B08018B5AE63}" type="slidenum">
+            <a:fld id="{38D24A41-7419-4C24-98A0-5F02C9EA068C}" type="slidenum">
               <a:rPr lang="en-US" smtClean="0"/>
               <a:t>‹#›</a:t>
             </a:fld>
@@ -1196,7 +3270,7 @@
     </p:spTree>
     <p:extLst>
       <p:ext uri="{BB962C8B-B14F-4D97-AF65-F5344CB8AC3E}">
-        <p14:creationId xmlns:p14="http://schemas.microsoft.com/office/powerpoint/2010/main" val="1020517841"/>
+        <p14:creationId xmlns:p14="http://schemas.microsoft.com/office/powerpoint/2010/main" val="3775611828"/>
       </p:ext>
     </p:extLst>
   </p:cSld>
@@ -1225,13 +3299,7 @@
       </p:grpSpPr>
       <p:sp>
         <p:nvSpPr>
-          <p:cNvPr id="2" name="Title 1">
-            <a:extLst>
-              <a:ext uri="{FF2B5EF4-FFF2-40B4-BE49-F238E27FC236}">
-                <a16:creationId xmlns:a16="http://schemas.microsoft.com/office/drawing/2014/main" id="{A2B56B78-5721-68C7-F75F-6B3E46902EFE}"/>
-              </a:ext>
-            </a:extLst>
-          </p:cNvPr>
+          <p:cNvPr id="2" name="Title 1"/>
           <p:cNvSpPr>
             <a:spLocks noGrp="1"/>
           </p:cNvSpPr>
@@ -1248,18 +3316,13 @@
               <a:rPr lang="en-US"/>
               <a:t>Click to edit Master title style</a:t>
             </a:r>
-          </a:p>
-        </p:txBody>
-      </p:sp>
-      <p:sp>
-        <p:nvSpPr>
-          <p:cNvPr id="3" name="Content Placeholder 2">
-            <a:extLst>
-              <a:ext uri="{FF2B5EF4-FFF2-40B4-BE49-F238E27FC236}">
-                <a16:creationId xmlns:a16="http://schemas.microsoft.com/office/drawing/2014/main" id="{3750D647-E52A-924F-5FAE-AF69E2765463}"/>
-              </a:ext>
-            </a:extLst>
-          </p:cNvPr>
+            <a:endParaRPr lang="en-US" dirty="0"/>
+          </a:p>
+        </p:txBody>
+      </p:sp>
+      <p:sp>
+        <p:nvSpPr>
+          <p:cNvPr id="3" name="Content Placeholder 2"/>
           <p:cNvSpPr>
             <a:spLocks noGrp="1"/>
           </p:cNvSpPr>
@@ -1269,13 +3332,43 @@
         </p:nvSpPr>
         <p:spPr>
           <a:xfrm>
-            <a:off x="838200" y="1825625"/>
-            <a:ext cx="5181600" cy="4351338"/>
+            <a:off x="1141412" y="2666999"/>
+            <a:ext cx="4876800" cy="3124201"/>
           </a:xfrm>
         </p:spPr>
         <p:txBody>
-          <a:bodyPr/>
-          <a:lstStyle/>
+          <a:bodyPr>
+            <a:normAutofit/>
+          </a:bodyPr>
+          <a:lstStyle>
+            <a:lvl1pPr>
+              <a:defRPr sz="1800"/>
+            </a:lvl1pPr>
+            <a:lvl2pPr>
+              <a:defRPr sz="1600"/>
+            </a:lvl2pPr>
+            <a:lvl3pPr>
+              <a:defRPr sz="1400"/>
+            </a:lvl3pPr>
+            <a:lvl4pPr>
+              <a:defRPr sz="1200"/>
+            </a:lvl4pPr>
+            <a:lvl5pPr>
+              <a:defRPr sz="1200"/>
+            </a:lvl5pPr>
+            <a:lvl6pPr>
+              <a:defRPr sz="1200"/>
+            </a:lvl6pPr>
+            <a:lvl7pPr>
+              <a:defRPr sz="1200"/>
+            </a:lvl7pPr>
+            <a:lvl8pPr>
+              <a:defRPr sz="1200"/>
+            </a:lvl8pPr>
+            <a:lvl9pPr>
+              <a:defRPr sz="1200"/>
+            </a:lvl9pPr>
+          </a:lstStyle>
           <a:p>
             <a:pPr lvl="0"/>
             <a:r>
@@ -1310,18 +3403,13 @@
               <a:rPr lang="en-US"/>
               <a:t>Fifth level</a:t>
             </a:r>
-          </a:p>
-        </p:txBody>
-      </p:sp>
-      <p:sp>
-        <p:nvSpPr>
-          <p:cNvPr id="4" name="Content Placeholder 3">
-            <a:extLst>
-              <a:ext uri="{FF2B5EF4-FFF2-40B4-BE49-F238E27FC236}">
-                <a16:creationId xmlns:a16="http://schemas.microsoft.com/office/drawing/2014/main" id="{660E8224-6924-4412-FEEA-43C140B76588}"/>
-              </a:ext>
-            </a:extLst>
-          </p:cNvPr>
+            <a:endParaRPr lang="en-US" dirty="0"/>
+          </a:p>
+        </p:txBody>
+      </p:sp>
+      <p:sp>
+        <p:nvSpPr>
+          <p:cNvPr id="4" name="Content Placeholder 3"/>
           <p:cNvSpPr>
             <a:spLocks noGrp="1"/>
           </p:cNvSpPr>
@@ -1331,74 +3419,99 @@
         </p:nvSpPr>
         <p:spPr>
           <a:xfrm>
-            <a:off x="6172200" y="1825625"/>
-            <a:ext cx="5181600" cy="4351338"/>
+            <a:off x="6170612" y="2667000"/>
+            <a:ext cx="4876800" cy="3124200"/>
           </a:xfrm>
         </p:spPr>
         <p:txBody>
+          <a:bodyPr>
+            <a:normAutofit/>
+          </a:bodyPr>
+          <a:lstStyle>
+            <a:lvl1pPr>
+              <a:defRPr sz="1800"/>
+            </a:lvl1pPr>
+            <a:lvl2pPr>
+              <a:defRPr sz="1600"/>
+            </a:lvl2pPr>
+            <a:lvl3pPr>
+              <a:defRPr sz="1400"/>
+            </a:lvl3pPr>
+            <a:lvl4pPr>
+              <a:defRPr sz="1200"/>
+            </a:lvl4pPr>
+            <a:lvl5pPr>
+              <a:defRPr sz="1200"/>
+            </a:lvl5pPr>
+            <a:lvl6pPr>
+              <a:defRPr sz="1200"/>
+            </a:lvl6pPr>
+            <a:lvl7pPr>
+              <a:defRPr sz="1200"/>
+            </a:lvl7pPr>
+            <a:lvl8pPr>
+              <a:defRPr sz="1200"/>
+            </a:lvl8pPr>
+            <a:lvl9pPr>
+              <a:defRPr sz="1200"/>
+            </a:lvl9pPr>
+          </a:lstStyle>
+          <a:p>
+            <a:pPr lvl="0"/>
+            <a:r>
+              <a:rPr lang="en-US"/>
+              <a:t>Click to edit Master text styles</a:t>
+            </a:r>
+          </a:p>
+          <a:p>
+            <a:pPr lvl="1"/>
+            <a:r>
+              <a:rPr lang="en-US"/>
+              <a:t>Second level</a:t>
+            </a:r>
+          </a:p>
+          <a:p>
+            <a:pPr lvl="2"/>
+            <a:r>
+              <a:rPr lang="en-US"/>
+              <a:t>Third level</a:t>
+            </a:r>
+          </a:p>
+          <a:p>
+            <a:pPr lvl="3"/>
+            <a:r>
+              <a:rPr lang="en-US"/>
+              <a:t>Fourth level</a:t>
+            </a:r>
+          </a:p>
+          <a:p>
+            <a:pPr lvl="4"/>
+            <a:r>
+              <a:rPr lang="en-US"/>
+              <a:t>Fifth level</a:t>
+            </a:r>
+            <a:endParaRPr lang="en-US" dirty="0"/>
+          </a:p>
+        </p:txBody>
+      </p:sp>
+      <p:sp>
+        <p:nvSpPr>
+          <p:cNvPr id="5" name="Date Placeholder 4"/>
+          <p:cNvSpPr>
+            <a:spLocks noGrp="1"/>
+          </p:cNvSpPr>
+          <p:nvPr>
+            <p:ph type="dt" sz="half" idx="10"/>
+          </p:nvPr>
+        </p:nvSpPr>
+        <p:spPr/>
+        <p:txBody>
           <a:bodyPr/>
           <a:lstStyle/>
           <a:p>
-            <a:pPr lvl="0"/>
-            <a:r>
-              <a:rPr lang="en-US"/>
-              <a:t>Click to edit Master text styles</a:t>
-            </a:r>
-          </a:p>
-          <a:p>
-            <a:pPr lvl="1"/>
-            <a:r>
-              <a:rPr lang="en-US"/>
-              <a:t>Second level</a:t>
-            </a:r>
-          </a:p>
-          <a:p>
-            <a:pPr lvl="2"/>
-            <a:r>
-              <a:rPr lang="en-US"/>
-              <a:t>Third level</a:t>
-            </a:r>
-          </a:p>
-          <a:p>
-            <a:pPr lvl="3"/>
-            <a:r>
-              <a:rPr lang="en-US"/>
-              <a:t>Fourth level</a:t>
-            </a:r>
-          </a:p>
-          <a:p>
-            <a:pPr lvl="4"/>
-            <a:r>
-              <a:rPr lang="en-US"/>
-              <a:t>Fifth level</a:t>
-            </a:r>
-          </a:p>
-        </p:txBody>
-      </p:sp>
-      <p:sp>
-        <p:nvSpPr>
-          <p:cNvPr id="5" name="Date Placeholder 4">
-            <a:extLst>
-              <a:ext uri="{FF2B5EF4-FFF2-40B4-BE49-F238E27FC236}">
-                <a16:creationId xmlns:a16="http://schemas.microsoft.com/office/drawing/2014/main" id="{407F4A7E-6ABA-E390-CFF9-9F09E2794A3C}"/>
-              </a:ext>
-            </a:extLst>
-          </p:cNvPr>
-          <p:cNvSpPr>
-            <a:spLocks noGrp="1"/>
-          </p:cNvSpPr>
-          <p:nvPr>
-            <p:ph type="dt" sz="half" idx="10"/>
-          </p:nvPr>
-        </p:nvSpPr>
-        <p:spPr/>
-        <p:txBody>
-          <a:bodyPr/>
-          <a:lstStyle/>
-          <a:p>
-            <a:fld id="{42F1BB42-BFC8-474A-9D69-65C817AE1623}" type="datetimeFigureOut">
+            <a:fld id="{A983CF50-FD5C-4696-8AB6-CEDA0278C5DB}" type="datetimeFigureOut">
               <a:rPr lang="en-US" smtClean="0"/>
-              <a:t>4/14/2025</a:t>
+              <a:t>4/30/2025</a:t>
             </a:fld>
             <a:endParaRPr lang="en-US"/>
           </a:p>
@@ -1406,13 +3519,7 @@
       </p:sp>
       <p:sp>
         <p:nvSpPr>
-          <p:cNvPr id="6" name="Footer Placeholder 5">
-            <a:extLst>
-              <a:ext uri="{FF2B5EF4-FFF2-40B4-BE49-F238E27FC236}">
-                <a16:creationId xmlns:a16="http://schemas.microsoft.com/office/drawing/2014/main" id="{B2CC7737-284D-4AE7-9667-9929E4DF9EBD}"/>
-              </a:ext>
-            </a:extLst>
-          </p:cNvPr>
+          <p:cNvPr id="6" name="Footer Placeholder 5"/>
           <p:cNvSpPr>
             <a:spLocks noGrp="1"/>
           </p:cNvSpPr>
@@ -1431,13 +3538,7 @@
       </p:sp>
       <p:sp>
         <p:nvSpPr>
-          <p:cNvPr id="7" name="Slide Number Placeholder 6">
-            <a:extLst>
-              <a:ext uri="{FF2B5EF4-FFF2-40B4-BE49-F238E27FC236}">
-                <a16:creationId xmlns:a16="http://schemas.microsoft.com/office/drawing/2014/main" id="{CAC59587-F96A-0923-135D-5ADD5A744F3B}"/>
-              </a:ext>
-            </a:extLst>
-          </p:cNvPr>
+          <p:cNvPr id="7" name="Slide Number Placeholder 6"/>
           <p:cNvSpPr>
             <a:spLocks noGrp="1"/>
           </p:cNvSpPr>
@@ -1450,7 +3551,7 @@
           <a:bodyPr/>
           <a:lstStyle/>
           <a:p>
-            <a:fld id="{755CE2BB-1C59-47FD-A171-B08018B5AE63}" type="slidenum">
+            <a:fld id="{38D24A41-7419-4C24-98A0-5F02C9EA068C}" type="slidenum">
               <a:rPr lang="en-US" smtClean="0"/>
               <a:t>‹#›</a:t>
             </a:fld>
@@ -1461,7 +3562,7 @@
     </p:spTree>
     <p:extLst>
       <p:ext uri="{BB962C8B-B14F-4D97-AF65-F5344CB8AC3E}">
-        <p14:creationId xmlns:p14="http://schemas.microsoft.com/office/powerpoint/2010/main" val="4087553297"/>
+        <p14:creationId xmlns:p14="http://schemas.microsoft.com/office/powerpoint/2010/main" val="1094002694"/>
       </p:ext>
     </p:extLst>
   </p:cSld>
@@ -1490,65 +3591,55 @@
       </p:grpSpPr>
       <p:sp>
         <p:nvSpPr>
-          <p:cNvPr id="2" name="Title 1">
-            <a:extLst>
-              <a:ext uri="{FF2B5EF4-FFF2-40B4-BE49-F238E27FC236}">
-                <a16:creationId xmlns:a16="http://schemas.microsoft.com/office/drawing/2014/main" id="{C19EF91F-000F-D67D-0F85-D15168AC0AC9}"/>
-              </a:ext>
-            </a:extLst>
-          </p:cNvPr>
+          <p:cNvPr id="2" name="Title 1"/>
           <p:cNvSpPr>
             <a:spLocks noGrp="1"/>
           </p:cNvSpPr>
           <p:nvPr>
             <p:ph type="title"/>
+          </p:nvPr>
+        </p:nvSpPr>
+        <p:spPr/>
+        <p:txBody>
+          <a:bodyPr/>
+          <a:lstStyle>
+            <a:lvl1pPr>
+              <a:defRPr/>
+            </a:lvl1pPr>
+          </a:lstStyle>
+          <a:p>
+            <a:r>
+              <a:rPr lang="en-US"/>
+              <a:t>Click to edit Master title style</a:t>
+            </a:r>
+            <a:endParaRPr lang="en-US" dirty="0"/>
+          </a:p>
+        </p:txBody>
+      </p:sp>
+      <p:sp>
+        <p:nvSpPr>
+          <p:cNvPr id="3" name="Text Placeholder 2"/>
+          <p:cNvSpPr>
+            <a:spLocks noGrp="1"/>
+          </p:cNvSpPr>
+          <p:nvPr>
+            <p:ph type="body" idx="1"/>
           </p:nvPr>
         </p:nvSpPr>
         <p:spPr>
           <a:xfrm>
-            <a:off x="839788" y="365125"/>
-            <a:ext cx="10515600" cy="1325563"/>
+            <a:off x="1429280" y="2658533"/>
+            <a:ext cx="4588931" cy="576262"/>
           </a:xfrm>
         </p:spPr>
         <p:txBody>
-          <a:bodyPr/>
-          <a:lstStyle/>
-          <a:p>
-            <a:r>
-              <a:rPr lang="en-US"/>
-              <a:t>Click to edit Master title style</a:t>
-            </a:r>
-          </a:p>
-        </p:txBody>
-      </p:sp>
-      <p:sp>
-        <p:nvSpPr>
-          <p:cNvPr id="3" name="Text Placeholder 2">
-            <a:extLst>
-              <a:ext uri="{FF2B5EF4-FFF2-40B4-BE49-F238E27FC236}">
-                <a16:creationId xmlns:a16="http://schemas.microsoft.com/office/drawing/2014/main" id="{18EC8171-2D85-3C42-C27F-7BB4625DF17A}"/>
-              </a:ext>
-            </a:extLst>
-          </p:cNvPr>
-          <p:cNvSpPr>
-            <a:spLocks noGrp="1"/>
-          </p:cNvSpPr>
-          <p:nvPr>
-            <p:ph type="body" idx="1"/>
-          </p:nvPr>
-        </p:nvSpPr>
-        <p:spPr>
-          <a:xfrm>
-            <a:off x="839788" y="1681163"/>
-            <a:ext cx="5157787" cy="823912"/>
-          </a:xfrm>
-        </p:spPr>
-        <p:txBody>
-          <a:bodyPr anchor="b"/>
+          <a:bodyPr anchor="b">
+            <a:noAutofit/>
+          </a:bodyPr>
           <a:lstStyle>
             <a:lvl1pPr marL="0" indent="0">
               <a:buNone/>
-              <a:defRPr sz="2400" b="1"/>
+              <a:defRPr sz="2800" b="0"/>
             </a:lvl1pPr>
             <a:lvl2pPr marL="457200" indent="0">
               <a:buNone/>
@@ -1594,13 +3685,7 @@
       </p:sp>
       <p:sp>
         <p:nvSpPr>
-          <p:cNvPr id="4" name="Content Placeholder 3">
-            <a:extLst>
-              <a:ext uri="{FF2B5EF4-FFF2-40B4-BE49-F238E27FC236}">
-                <a16:creationId xmlns:a16="http://schemas.microsoft.com/office/drawing/2014/main" id="{60CE4239-9A54-93AA-BD4F-8A3B5DDD3457}"/>
-              </a:ext>
-            </a:extLst>
-          </p:cNvPr>
+          <p:cNvPr id="4" name="Content Placeholder 3"/>
           <p:cNvSpPr>
             <a:spLocks noGrp="1"/>
           </p:cNvSpPr>
@@ -1610,13 +3695,43 @@
         </p:nvSpPr>
         <p:spPr>
           <a:xfrm>
-            <a:off x="839788" y="2505075"/>
-            <a:ext cx="5157787" cy="3684588"/>
+            <a:off x="1141412" y="3243262"/>
+            <a:ext cx="4876800" cy="2547937"/>
           </a:xfrm>
         </p:spPr>
         <p:txBody>
-          <a:bodyPr/>
-          <a:lstStyle/>
+          <a:bodyPr anchor="t">
+            <a:normAutofit/>
+          </a:bodyPr>
+          <a:lstStyle>
+            <a:lvl1pPr>
+              <a:defRPr sz="1800"/>
+            </a:lvl1pPr>
+            <a:lvl2pPr>
+              <a:defRPr sz="1600"/>
+            </a:lvl2pPr>
+            <a:lvl3pPr>
+              <a:defRPr sz="1400"/>
+            </a:lvl3pPr>
+            <a:lvl4pPr>
+              <a:defRPr sz="1200"/>
+            </a:lvl4pPr>
+            <a:lvl5pPr>
+              <a:defRPr sz="1200"/>
+            </a:lvl5pPr>
+            <a:lvl6pPr>
+              <a:defRPr sz="1200"/>
+            </a:lvl6pPr>
+            <a:lvl7pPr>
+              <a:defRPr sz="1200"/>
+            </a:lvl7pPr>
+            <a:lvl8pPr>
+              <a:defRPr sz="1200"/>
+            </a:lvl8pPr>
+            <a:lvl9pPr>
+              <a:defRPr sz="1200"/>
+            </a:lvl9pPr>
+          </a:lstStyle>
           <a:p>
             <a:pPr lvl="0"/>
             <a:r>
@@ -1651,18 +3766,13 @@
               <a:rPr lang="en-US"/>
               <a:t>Fifth level</a:t>
             </a:r>
-          </a:p>
-        </p:txBody>
-      </p:sp>
-      <p:sp>
-        <p:nvSpPr>
-          <p:cNvPr id="5" name="Text Placeholder 4">
-            <a:extLst>
-              <a:ext uri="{FF2B5EF4-FFF2-40B4-BE49-F238E27FC236}">
-                <a16:creationId xmlns:a16="http://schemas.microsoft.com/office/drawing/2014/main" id="{02306598-B8A7-EA36-4629-7CBC80CF7225}"/>
-              </a:ext>
-            </a:extLst>
-          </p:cNvPr>
+            <a:endParaRPr lang="en-US" dirty="0"/>
+          </a:p>
+        </p:txBody>
+      </p:sp>
+      <p:sp>
+        <p:nvSpPr>
+          <p:cNvPr id="5" name="Text Placeholder 4"/>
           <p:cNvSpPr>
             <a:spLocks noGrp="1"/>
           </p:cNvSpPr>
@@ -1672,16 +3782,18 @@
         </p:nvSpPr>
         <p:spPr>
           <a:xfrm>
-            <a:off x="6172200" y="1681163"/>
-            <a:ext cx="5183188" cy="823912"/>
+            <a:off x="6443133" y="2667000"/>
+            <a:ext cx="4604280" cy="576262"/>
           </a:xfrm>
         </p:spPr>
         <p:txBody>
-          <a:bodyPr anchor="b"/>
+          <a:bodyPr anchor="b">
+            <a:noAutofit/>
+          </a:bodyPr>
           <a:lstStyle>
             <a:lvl1pPr marL="0" indent="0">
               <a:buNone/>
-              <a:defRPr sz="2400" b="1"/>
+              <a:defRPr sz="2800" b="0"/>
             </a:lvl1pPr>
             <a:lvl2pPr marL="457200" indent="0">
               <a:buNone/>
@@ -1727,13 +3839,7 @@
       </p:sp>
       <p:sp>
         <p:nvSpPr>
-          <p:cNvPr id="6" name="Content Placeholder 5">
-            <a:extLst>
-              <a:ext uri="{FF2B5EF4-FFF2-40B4-BE49-F238E27FC236}">
-                <a16:creationId xmlns:a16="http://schemas.microsoft.com/office/drawing/2014/main" id="{4AEEA84C-6F63-898D-EE30-04C0A3B72AE4}"/>
-              </a:ext>
-            </a:extLst>
-          </p:cNvPr>
+          <p:cNvPr id="6" name="Content Placeholder 5"/>
           <p:cNvSpPr>
             <a:spLocks noGrp="1"/>
           </p:cNvSpPr>
@@ -1743,74 +3849,99 @@
         </p:nvSpPr>
         <p:spPr>
           <a:xfrm>
-            <a:off x="6172200" y="2505075"/>
-            <a:ext cx="5183188" cy="3684588"/>
+            <a:off x="6170612" y="3243262"/>
+            <a:ext cx="4876801" cy="2547937"/>
           </a:xfrm>
         </p:spPr>
         <p:txBody>
+          <a:bodyPr anchor="t">
+            <a:normAutofit/>
+          </a:bodyPr>
+          <a:lstStyle>
+            <a:lvl1pPr>
+              <a:defRPr sz="1800"/>
+            </a:lvl1pPr>
+            <a:lvl2pPr>
+              <a:defRPr sz="1600"/>
+            </a:lvl2pPr>
+            <a:lvl3pPr>
+              <a:defRPr sz="1400"/>
+            </a:lvl3pPr>
+            <a:lvl4pPr>
+              <a:defRPr sz="1200"/>
+            </a:lvl4pPr>
+            <a:lvl5pPr>
+              <a:defRPr sz="1200"/>
+            </a:lvl5pPr>
+            <a:lvl6pPr>
+              <a:defRPr sz="1200"/>
+            </a:lvl6pPr>
+            <a:lvl7pPr>
+              <a:defRPr sz="1200"/>
+            </a:lvl7pPr>
+            <a:lvl8pPr>
+              <a:defRPr sz="1200"/>
+            </a:lvl8pPr>
+            <a:lvl9pPr>
+              <a:defRPr sz="1200"/>
+            </a:lvl9pPr>
+          </a:lstStyle>
+          <a:p>
+            <a:pPr lvl="0"/>
+            <a:r>
+              <a:rPr lang="en-US"/>
+              <a:t>Click to edit Master text styles</a:t>
+            </a:r>
+          </a:p>
+          <a:p>
+            <a:pPr lvl="1"/>
+            <a:r>
+              <a:rPr lang="en-US"/>
+              <a:t>Second level</a:t>
+            </a:r>
+          </a:p>
+          <a:p>
+            <a:pPr lvl="2"/>
+            <a:r>
+              <a:rPr lang="en-US"/>
+              <a:t>Third level</a:t>
+            </a:r>
+          </a:p>
+          <a:p>
+            <a:pPr lvl="3"/>
+            <a:r>
+              <a:rPr lang="en-US"/>
+              <a:t>Fourth level</a:t>
+            </a:r>
+          </a:p>
+          <a:p>
+            <a:pPr lvl="4"/>
+            <a:r>
+              <a:rPr lang="en-US"/>
+              <a:t>Fifth level</a:t>
+            </a:r>
+            <a:endParaRPr lang="en-US" dirty="0"/>
+          </a:p>
+        </p:txBody>
+      </p:sp>
+      <p:sp>
+        <p:nvSpPr>
+          <p:cNvPr id="7" name="Date Placeholder 6"/>
+          <p:cNvSpPr>
+            <a:spLocks noGrp="1"/>
+          </p:cNvSpPr>
+          <p:nvPr>
+            <p:ph type="dt" sz="half" idx="10"/>
+          </p:nvPr>
+        </p:nvSpPr>
+        <p:spPr/>
+        <p:txBody>
           <a:bodyPr/>
           <a:lstStyle/>
           <a:p>
-            <a:pPr lvl="0"/>
-            <a:r>
-              <a:rPr lang="en-US"/>
-              <a:t>Click to edit Master text styles</a:t>
-            </a:r>
-          </a:p>
-          <a:p>
-            <a:pPr lvl="1"/>
-            <a:r>
-              <a:rPr lang="en-US"/>
-              <a:t>Second level</a:t>
-            </a:r>
-          </a:p>
-          <a:p>
-            <a:pPr lvl="2"/>
-            <a:r>
-              <a:rPr lang="en-US"/>
-              <a:t>Third level</a:t>
-            </a:r>
-          </a:p>
-          <a:p>
-            <a:pPr lvl="3"/>
-            <a:r>
-              <a:rPr lang="en-US"/>
-              <a:t>Fourth level</a:t>
-            </a:r>
-          </a:p>
-          <a:p>
-            <a:pPr lvl="4"/>
-            <a:r>
-              <a:rPr lang="en-US"/>
-              <a:t>Fifth level</a:t>
-            </a:r>
-          </a:p>
-        </p:txBody>
-      </p:sp>
-      <p:sp>
-        <p:nvSpPr>
-          <p:cNvPr id="7" name="Date Placeholder 6">
-            <a:extLst>
-              <a:ext uri="{FF2B5EF4-FFF2-40B4-BE49-F238E27FC236}">
-                <a16:creationId xmlns:a16="http://schemas.microsoft.com/office/drawing/2014/main" id="{E53619A7-051E-0864-E8F0-3ACC74D029FA}"/>
-              </a:ext>
-            </a:extLst>
-          </p:cNvPr>
-          <p:cNvSpPr>
-            <a:spLocks noGrp="1"/>
-          </p:cNvSpPr>
-          <p:nvPr>
-            <p:ph type="dt" sz="half" idx="10"/>
-          </p:nvPr>
-        </p:nvSpPr>
-        <p:spPr/>
-        <p:txBody>
-          <a:bodyPr/>
-          <a:lstStyle/>
-          <a:p>
-            <a:fld id="{42F1BB42-BFC8-474A-9D69-65C817AE1623}" type="datetimeFigureOut">
+            <a:fld id="{A983CF50-FD5C-4696-8AB6-CEDA0278C5DB}" type="datetimeFigureOut">
               <a:rPr lang="en-US" smtClean="0"/>
-              <a:t>4/14/2025</a:t>
+              <a:t>4/30/2025</a:t>
             </a:fld>
             <a:endParaRPr lang="en-US"/>
           </a:p>
@@ -1818,13 +3949,7 @@
       </p:sp>
       <p:sp>
         <p:nvSpPr>
-          <p:cNvPr id="8" name="Footer Placeholder 7">
-            <a:extLst>
-              <a:ext uri="{FF2B5EF4-FFF2-40B4-BE49-F238E27FC236}">
-                <a16:creationId xmlns:a16="http://schemas.microsoft.com/office/drawing/2014/main" id="{4EA2483B-BB1F-1B02-D896-FFA5305794DD}"/>
-              </a:ext>
-            </a:extLst>
-          </p:cNvPr>
+          <p:cNvPr id="8" name="Footer Placeholder 7"/>
           <p:cNvSpPr>
             <a:spLocks noGrp="1"/>
           </p:cNvSpPr>
@@ -1843,13 +3968,7 @@
       </p:sp>
       <p:sp>
         <p:nvSpPr>
-          <p:cNvPr id="9" name="Slide Number Placeholder 8">
-            <a:extLst>
-              <a:ext uri="{FF2B5EF4-FFF2-40B4-BE49-F238E27FC236}">
-                <a16:creationId xmlns:a16="http://schemas.microsoft.com/office/drawing/2014/main" id="{758142AD-9D3E-C5A4-93BD-828E61705AA7}"/>
-              </a:ext>
-            </a:extLst>
-          </p:cNvPr>
+          <p:cNvPr id="9" name="Slide Number Placeholder 8"/>
           <p:cNvSpPr>
             <a:spLocks noGrp="1"/>
           </p:cNvSpPr>
@@ -1862,7 +3981,7 @@
           <a:bodyPr/>
           <a:lstStyle/>
           <a:p>
-            <a:fld id="{755CE2BB-1C59-47FD-A171-B08018B5AE63}" type="slidenum">
+            <a:fld id="{38D24A41-7419-4C24-98A0-5F02C9EA068C}" type="slidenum">
               <a:rPr lang="en-US" smtClean="0"/>
               <a:t>‹#›</a:t>
             </a:fld>
@@ -1873,7 +3992,7 @@
     </p:spTree>
     <p:extLst>
       <p:ext uri="{BB962C8B-B14F-4D97-AF65-F5344CB8AC3E}">
-        <p14:creationId xmlns:p14="http://schemas.microsoft.com/office/powerpoint/2010/main" val="1640699384"/>
+        <p14:creationId xmlns:p14="http://schemas.microsoft.com/office/powerpoint/2010/main" val="1929419984"/>
       </p:ext>
     </p:extLst>
   </p:cSld>
@@ -1902,13 +4021,7 @@
       </p:grpSpPr>
       <p:sp>
         <p:nvSpPr>
-          <p:cNvPr id="2" name="Title 1">
-            <a:extLst>
-              <a:ext uri="{FF2B5EF4-FFF2-40B4-BE49-F238E27FC236}">
-                <a16:creationId xmlns:a16="http://schemas.microsoft.com/office/drawing/2014/main" id="{04EB9959-7681-E73D-E16A-0ADB7ABE7B61}"/>
-              </a:ext>
-            </a:extLst>
-          </p:cNvPr>
+          <p:cNvPr id="2" name="Title 1"/>
           <p:cNvSpPr>
             <a:spLocks noGrp="1"/>
           </p:cNvSpPr>
@@ -1925,18 +4038,13 @@
               <a:rPr lang="en-US"/>
               <a:t>Click to edit Master title style</a:t>
             </a:r>
-          </a:p>
-        </p:txBody>
-      </p:sp>
-      <p:sp>
-        <p:nvSpPr>
-          <p:cNvPr id="3" name="Date Placeholder 2">
-            <a:extLst>
-              <a:ext uri="{FF2B5EF4-FFF2-40B4-BE49-F238E27FC236}">
-                <a16:creationId xmlns:a16="http://schemas.microsoft.com/office/drawing/2014/main" id="{BFF3B9E7-F3F8-72DF-EC7A-68A24B15404F}"/>
-              </a:ext>
-            </a:extLst>
-          </p:cNvPr>
+            <a:endParaRPr lang="en-US" dirty="0"/>
+          </a:p>
+        </p:txBody>
+      </p:sp>
+      <p:sp>
+        <p:nvSpPr>
+          <p:cNvPr id="3" name="Date Placeholder 2"/>
           <p:cNvSpPr>
             <a:spLocks noGrp="1"/>
           </p:cNvSpPr>
@@ -1949,9 +4057,9 @@
           <a:bodyPr/>
           <a:lstStyle/>
           <a:p>
-            <a:fld id="{42F1BB42-BFC8-474A-9D69-65C817AE1623}" type="datetimeFigureOut">
+            <a:fld id="{A983CF50-FD5C-4696-8AB6-CEDA0278C5DB}" type="datetimeFigureOut">
               <a:rPr lang="en-US" smtClean="0"/>
-              <a:t>4/14/2025</a:t>
+              <a:t>4/30/2025</a:t>
             </a:fld>
             <a:endParaRPr lang="en-US"/>
           </a:p>
@@ -1959,13 +4067,7 @@
       </p:sp>
       <p:sp>
         <p:nvSpPr>
-          <p:cNvPr id="4" name="Footer Placeholder 3">
-            <a:extLst>
-              <a:ext uri="{FF2B5EF4-FFF2-40B4-BE49-F238E27FC236}">
-                <a16:creationId xmlns:a16="http://schemas.microsoft.com/office/drawing/2014/main" id="{06DB70E5-CAB9-45E1-C487-93A914A1A290}"/>
-              </a:ext>
-            </a:extLst>
-          </p:cNvPr>
+          <p:cNvPr id="4" name="Footer Placeholder 3"/>
           <p:cNvSpPr>
             <a:spLocks noGrp="1"/>
           </p:cNvSpPr>
@@ -1984,13 +4086,7 @@
       </p:sp>
       <p:sp>
         <p:nvSpPr>
-          <p:cNvPr id="5" name="Slide Number Placeholder 4">
-            <a:extLst>
-              <a:ext uri="{FF2B5EF4-FFF2-40B4-BE49-F238E27FC236}">
-                <a16:creationId xmlns:a16="http://schemas.microsoft.com/office/drawing/2014/main" id="{6A236DE9-E1BA-8047-1E2F-894B998C8629}"/>
-              </a:ext>
-            </a:extLst>
-          </p:cNvPr>
+          <p:cNvPr id="5" name="Slide Number Placeholder 4"/>
           <p:cNvSpPr>
             <a:spLocks noGrp="1"/>
           </p:cNvSpPr>
@@ -2003,7 +4099,7 @@
           <a:bodyPr/>
           <a:lstStyle/>
           <a:p>
-            <a:fld id="{755CE2BB-1C59-47FD-A171-B08018B5AE63}" type="slidenum">
+            <a:fld id="{38D24A41-7419-4C24-98A0-5F02C9EA068C}" type="slidenum">
               <a:rPr lang="en-US" smtClean="0"/>
               <a:t>‹#›</a:t>
             </a:fld>
@@ -2014,7 +4110,7 @@
     </p:spTree>
     <p:extLst>
       <p:ext uri="{BB962C8B-B14F-4D97-AF65-F5344CB8AC3E}">
-        <p14:creationId xmlns:p14="http://schemas.microsoft.com/office/powerpoint/2010/main" val="3332286392"/>
+        <p14:creationId xmlns:p14="http://schemas.microsoft.com/office/powerpoint/2010/main" val="1486659796"/>
       </p:ext>
     </p:extLst>
   </p:cSld>
@@ -2043,13 +4139,7 @@
       </p:grpSpPr>
       <p:sp>
         <p:nvSpPr>
-          <p:cNvPr id="2" name="Date Placeholder 1">
-            <a:extLst>
-              <a:ext uri="{FF2B5EF4-FFF2-40B4-BE49-F238E27FC236}">
-                <a16:creationId xmlns:a16="http://schemas.microsoft.com/office/drawing/2014/main" id="{0FE71BA1-956E-A2AE-22BF-C0605E96DC4A}"/>
-              </a:ext>
-            </a:extLst>
-          </p:cNvPr>
+          <p:cNvPr id="2" name="Date Placeholder 1"/>
           <p:cNvSpPr>
             <a:spLocks noGrp="1"/>
           </p:cNvSpPr>
@@ -2062,9 +4152,9 @@
           <a:bodyPr/>
           <a:lstStyle/>
           <a:p>
-            <a:fld id="{42F1BB42-BFC8-474A-9D69-65C817AE1623}" type="datetimeFigureOut">
+            <a:fld id="{A983CF50-FD5C-4696-8AB6-CEDA0278C5DB}" type="datetimeFigureOut">
               <a:rPr lang="en-US" smtClean="0"/>
-              <a:t>4/14/2025</a:t>
+              <a:t>4/30/2025</a:t>
             </a:fld>
             <a:endParaRPr lang="en-US"/>
           </a:p>
@@ -2072,13 +4162,7 @@
       </p:sp>
       <p:sp>
         <p:nvSpPr>
-          <p:cNvPr id="3" name="Footer Placeholder 2">
-            <a:extLst>
-              <a:ext uri="{FF2B5EF4-FFF2-40B4-BE49-F238E27FC236}">
-                <a16:creationId xmlns:a16="http://schemas.microsoft.com/office/drawing/2014/main" id="{4B3756B4-7F0E-1499-E3B0-4C02C53C440C}"/>
-              </a:ext>
-            </a:extLst>
-          </p:cNvPr>
+          <p:cNvPr id="3" name="Footer Placeholder 2"/>
           <p:cNvSpPr>
             <a:spLocks noGrp="1"/>
           </p:cNvSpPr>
@@ -2097,13 +4181,7 @@
       </p:sp>
       <p:sp>
         <p:nvSpPr>
-          <p:cNvPr id="4" name="Slide Number Placeholder 3">
-            <a:extLst>
-              <a:ext uri="{FF2B5EF4-FFF2-40B4-BE49-F238E27FC236}">
-                <a16:creationId xmlns:a16="http://schemas.microsoft.com/office/drawing/2014/main" id="{F17D175B-2BB2-A8D5-C581-A741289BE2C0}"/>
-              </a:ext>
-            </a:extLst>
-          </p:cNvPr>
+          <p:cNvPr id="4" name="Slide Number Placeholder 3"/>
           <p:cNvSpPr>
             <a:spLocks noGrp="1"/>
           </p:cNvSpPr>
@@ -2116,7 +4194,7 @@
           <a:bodyPr/>
           <a:lstStyle/>
           <a:p>
-            <a:fld id="{755CE2BB-1C59-47FD-A171-B08018B5AE63}" type="slidenum">
+            <a:fld id="{38D24A41-7419-4C24-98A0-5F02C9EA068C}" type="slidenum">
               <a:rPr lang="en-US" smtClean="0"/>
               <a:t>‹#›</a:t>
             </a:fld>
@@ -2127,7 +4205,7 @@
     </p:spTree>
     <p:extLst>
       <p:ext uri="{BB962C8B-B14F-4D97-AF65-F5344CB8AC3E}">
-        <p14:creationId xmlns:p14="http://schemas.microsoft.com/office/powerpoint/2010/main" val="2307185267"/>
+        <p14:creationId xmlns:p14="http://schemas.microsoft.com/office/powerpoint/2010/main" val="1080961227"/>
       </p:ext>
     </p:extLst>
   </p:cSld>
@@ -2156,13 +4234,7 @@
       </p:grpSpPr>
       <p:sp>
         <p:nvSpPr>
-          <p:cNvPr id="2" name="Title 1">
-            <a:extLst>
-              <a:ext uri="{FF2B5EF4-FFF2-40B4-BE49-F238E27FC236}">
-                <a16:creationId xmlns:a16="http://schemas.microsoft.com/office/drawing/2014/main" id="{21315B61-19ED-9996-7377-C535A54FDFF6}"/>
-              </a:ext>
-            </a:extLst>
-          </p:cNvPr>
+          <p:cNvPr id="2" name="Title 1"/>
           <p:cNvSpPr>
             <a:spLocks noGrp="1"/>
           </p:cNvSpPr>
@@ -2172,139 +4244,135 @@
         </p:nvSpPr>
         <p:spPr>
           <a:xfrm>
-            <a:off x="839788" y="457200"/>
-            <a:ext cx="3932237" cy="1600200"/>
+            <a:off x="1141411" y="1600200"/>
+            <a:ext cx="3549121" cy="1371600"/>
           </a:xfrm>
         </p:spPr>
         <p:txBody>
-          <a:bodyPr anchor="b"/>
+          <a:bodyPr anchor="b">
+            <a:normAutofit/>
+          </a:bodyPr>
+          <a:lstStyle>
+            <a:lvl1pPr algn="l">
+              <a:defRPr sz="2400" b="0"/>
+            </a:lvl1pPr>
+          </a:lstStyle>
+          <a:p>
+            <a:r>
+              <a:rPr lang="en-US"/>
+              <a:t>Click to edit Master title style</a:t>
+            </a:r>
+            <a:endParaRPr lang="en-US" dirty="0"/>
+          </a:p>
+        </p:txBody>
+      </p:sp>
+      <p:sp>
+        <p:nvSpPr>
+          <p:cNvPr id="3" name="Content Placeholder 2"/>
+          <p:cNvSpPr>
+            <a:spLocks noGrp="1"/>
+          </p:cNvSpPr>
+          <p:nvPr>
+            <p:ph idx="1"/>
+          </p:nvPr>
+        </p:nvSpPr>
+        <p:spPr>
+          <a:xfrm>
+            <a:off x="5103812" y="609601"/>
+            <a:ext cx="5943601" cy="5181600"/>
+          </a:xfrm>
+        </p:spPr>
+        <p:txBody>
+          <a:bodyPr anchor="ctr">
+            <a:normAutofit/>
+          </a:bodyPr>
           <a:lstStyle>
             <a:lvl1pPr>
-              <a:defRPr sz="3200"/>
+              <a:defRPr sz="2000"/>
             </a:lvl1pPr>
+            <a:lvl2pPr>
+              <a:defRPr sz="1800"/>
+            </a:lvl2pPr>
+            <a:lvl3pPr>
+              <a:defRPr sz="1600"/>
+            </a:lvl3pPr>
+            <a:lvl4pPr>
+              <a:defRPr sz="1400"/>
+            </a:lvl4pPr>
+            <a:lvl5pPr>
+              <a:defRPr sz="1400"/>
+            </a:lvl5pPr>
+            <a:lvl6pPr>
+              <a:defRPr sz="1400"/>
+            </a:lvl6pPr>
+            <a:lvl7pPr>
+              <a:defRPr sz="1400"/>
+            </a:lvl7pPr>
+            <a:lvl8pPr>
+              <a:defRPr sz="1400"/>
+            </a:lvl8pPr>
+            <a:lvl9pPr>
+              <a:defRPr sz="1400"/>
+            </a:lvl9pPr>
           </a:lstStyle>
           <a:p>
-            <a:r>
-              <a:rPr lang="en-US"/>
-              <a:t>Click to edit Master title style</a:t>
-            </a:r>
-          </a:p>
-        </p:txBody>
-      </p:sp>
-      <p:sp>
-        <p:nvSpPr>
-          <p:cNvPr id="3" name="Content Placeholder 2">
-            <a:extLst>
-              <a:ext uri="{FF2B5EF4-FFF2-40B4-BE49-F238E27FC236}">
-                <a16:creationId xmlns:a16="http://schemas.microsoft.com/office/drawing/2014/main" id="{78D443CE-CBF2-4147-9D16-EA602BE072E8}"/>
-              </a:ext>
-            </a:extLst>
-          </p:cNvPr>
-          <p:cNvSpPr>
-            <a:spLocks noGrp="1"/>
-          </p:cNvSpPr>
-          <p:nvPr>
-            <p:ph idx="1"/>
+            <a:pPr lvl="0"/>
+            <a:r>
+              <a:rPr lang="en-US"/>
+              <a:t>Click to edit Master text styles</a:t>
+            </a:r>
+          </a:p>
+          <a:p>
+            <a:pPr lvl="1"/>
+            <a:r>
+              <a:rPr lang="en-US"/>
+              <a:t>Second level</a:t>
+            </a:r>
+          </a:p>
+          <a:p>
+            <a:pPr lvl="2"/>
+            <a:r>
+              <a:rPr lang="en-US"/>
+              <a:t>Third level</a:t>
+            </a:r>
+          </a:p>
+          <a:p>
+            <a:pPr lvl="3"/>
+            <a:r>
+              <a:rPr lang="en-US"/>
+              <a:t>Fourth level</a:t>
+            </a:r>
+          </a:p>
+          <a:p>
+            <a:pPr lvl="4"/>
+            <a:r>
+              <a:rPr lang="en-US"/>
+              <a:t>Fifth level</a:t>
+            </a:r>
+            <a:endParaRPr lang="en-US" dirty="0"/>
+          </a:p>
+        </p:txBody>
+      </p:sp>
+      <p:sp>
+        <p:nvSpPr>
+          <p:cNvPr id="4" name="Text Placeholder 3"/>
+          <p:cNvSpPr>
+            <a:spLocks noGrp="1"/>
+          </p:cNvSpPr>
+          <p:nvPr>
+            <p:ph type="body" sz="half" idx="2"/>
           </p:nvPr>
         </p:nvSpPr>
         <p:spPr>
           <a:xfrm>
-            <a:off x="5183188" y="987425"/>
-            <a:ext cx="6172200" cy="4873625"/>
+            <a:off x="1141411" y="2971800"/>
+            <a:ext cx="3549121" cy="1828800"/>
           </a:xfrm>
         </p:spPr>
         <p:txBody>
-          <a:bodyPr/>
-          <a:lstStyle>
-            <a:lvl1pPr>
-              <a:defRPr sz="3200"/>
-            </a:lvl1pPr>
-            <a:lvl2pPr>
-              <a:defRPr sz="2800"/>
-            </a:lvl2pPr>
-            <a:lvl3pPr>
-              <a:defRPr sz="2400"/>
-            </a:lvl3pPr>
-            <a:lvl4pPr>
-              <a:defRPr sz="2000"/>
-            </a:lvl4pPr>
-            <a:lvl5pPr>
-              <a:defRPr sz="2000"/>
-            </a:lvl5pPr>
-            <a:lvl6pPr>
-              <a:defRPr sz="2000"/>
-            </a:lvl6pPr>
-            <a:lvl7pPr>
-              <a:defRPr sz="2000"/>
-            </a:lvl7pPr>
-            <a:lvl8pPr>
-              <a:defRPr sz="2000"/>
-            </a:lvl8pPr>
-            <a:lvl9pPr>
-              <a:defRPr sz="2000"/>
-            </a:lvl9pPr>
-          </a:lstStyle>
-          <a:p>
-            <a:pPr lvl="0"/>
-            <a:r>
-              <a:rPr lang="en-US"/>
-              <a:t>Click to edit Master text styles</a:t>
-            </a:r>
-          </a:p>
-          <a:p>
-            <a:pPr lvl="1"/>
-            <a:r>
-              <a:rPr lang="en-US"/>
-              <a:t>Second level</a:t>
-            </a:r>
-          </a:p>
-          <a:p>
-            <a:pPr lvl="2"/>
-            <a:r>
-              <a:rPr lang="en-US"/>
-              <a:t>Third level</a:t>
-            </a:r>
-          </a:p>
-          <a:p>
-            <a:pPr lvl="3"/>
-            <a:r>
-              <a:rPr lang="en-US"/>
-              <a:t>Fourth level</a:t>
-            </a:r>
-          </a:p>
-          <a:p>
-            <a:pPr lvl="4"/>
-            <a:r>
-              <a:rPr lang="en-US"/>
-              <a:t>Fifth level</a:t>
-            </a:r>
-          </a:p>
-        </p:txBody>
-      </p:sp>
-      <p:sp>
-        <p:nvSpPr>
-          <p:cNvPr id="4" name="Text Placeholder 3">
-            <a:extLst>
-              <a:ext uri="{FF2B5EF4-FFF2-40B4-BE49-F238E27FC236}">
-                <a16:creationId xmlns:a16="http://schemas.microsoft.com/office/drawing/2014/main" id="{C10539C8-5DBB-0879-DF78-9F7C550BC84B}"/>
-              </a:ext>
-            </a:extLst>
-          </p:cNvPr>
-          <p:cNvSpPr>
-            <a:spLocks noGrp="1"/>
-          </p:cNvSpPr>
-          <p:nvPr>
-            <p:ph type="body" sz="half" idx="2"/>
-          </p:nvPr>
-        </p:nvSpPr>
-        <p:spPr>
-          <a:xfrm>
-            <a:off x="839788" y="2057400"/>
-            <a:ext cx="3932237" cy="3811588"/>
-          </a:xfrm>
-        </p:spPr>
-        <p:txBody>
-          <a:bodyPr/>
+          <a:bodyPr>
+            <a:normAutofit/>
+          </a:bodyPr>
           <a:lstStyle>
             <a:lvl1pPr marL="0" indent="0">
               <a:buNone/>
@@ -2312,35 +4380,35 @@
             </a:lvl1pPr>
             <a:lvl2pPr marL="457200" indent="0">
               <a:buNone/>
-              <a:defRPr sz="1400"/>
+              <a:defRPr sz="1200"/>
             </a:lvl2pPr>
             <a:lvl3pPr marL="914400" indent="0">
               <a:buNone/>
-              <a:defRPr sz="1200"/>
+              <a:defRPr sz="1000"/>
             </a:lvl3pPr>
             <a:lvl4pPr marL="1371600" indent="0">
               <a:buNone/>
-              <a:defRPr sz="1000"/>
+              <a:defRPr sz="900"/>
             </a:lvl4pPr>
             <a:lvl5pPr marL="1828800" indent="0">
               <a:buNone/>
-              <a:defRPr sz="1000"/>
+              <a:defRPr sz="900"/>
             </a:lvl5pPr>
             <a:lvl6pPr marL="2286000" indent="0">
               <a:buNone/>
-              <a:defRPr sz="1000"/>
+              <a:defRPr sz="900"/>
             </a:lvl6pPr>
             <a:lvl7pPr marL="2743200" indent="0">
               <a:buNone/>
-              <a:defRPr sz="1000"/>
+              <a:defRPr sz="900"/>
             </a:lvl7pPr>
             <a:lvl8pPr marL="3200400" indent="0">
               <a:buNone/>
-              <a:defRPr sz="1000"/>
+              <a:defRPr sz="900"/>
             </a:lvl8pPr>
             <a:lvl9pPr marL="3657600" indent="0">
               <a:buNone/>
-              <a:defRPr sz="1000"/>
+              <a:defRPr sz="900"/>
             </a:lvl9pPr>
           </a:lstStyle>
           <a:p>
@@ -2354,13 +4422,7 @@
       </p:sp>
       <p:sp>
         <p:nvSpPr>
-          <p:cNvPr id="5" name="Date Placeholder 4">
-            <a:extLst>
-              <a:ext uri="{FF2B5EF4-FFF2-40B4-BE49-F238E27FC236}">
-                <a16:creationId xmlns:a16="http://schemas.microsoft.com/office/drawing/2014/main" id="{E25DC850-6A23-BAF3-70C0-9E7F837B2E5A}"/>
-              </a:ext>
-            </a:extLst>
-          </p:cNvPr>
+          <p:cNvPr id="5" name="Date Placeholder 4"/>
           <p:cNvSpPr>
             <a:spLocks noGrp="1"/>
           </p:cNvSpPr>
@@ -2373,9 +4435,9 @@
           <a:bodyPr/>
           <a:lstStyle/>
           <a:p>
-            <a:fld id="{42F1BB42-BFC8-474A-9D69-65C817AE1623}" type="datetimeFigureOut">
+            <a:fld id="{A983CF50-FD5C-4696-8AB6-CEDA0278C5DB}" type="datetimeFigureOut">
               <a:rPr lang="en-US" smtClean="0"/>
-              <a:t>4/14/2025</a:t>
+              <a:t>4/30/2025</a:t>
             </a:fld>
             <a:endParaRPr lang="en-US"/>
           </a:p>
@@ -2383,13 +4445,7 @@
       </p:sp>
       <p:sp>
         <p:nvSpPr>
-          <p:cNvPr id="6" name="Footer Placeholder 5">
-            <a:extLst>
-              <a:ext uri="{FF2B5EF4-FFF2-40B4-BE49-F238E27FC236}">
-                <a16:creationId xmlns:a16="http://schemas.microsoft.com/office/drawing/2014/main" id="{BE56673B-B07A-532B-5190-1C3118E5730F}"/>
-              </a:ext>
-            </a:extLst>
-          </p:cNvPr>
+          <p:cNvPr id="6" name="Footer Placeholder 5"/>
           <p:cNvSpPr>
             <a:spLocks noGrp="1"/>
           </p:cNvSpPr>
@@ -2408,13 +4464,7 @@
       </p:sp>
       <p:sp>
         <p:nvSpPr>
-          <p:cNvPr id="7" name="Slide Number Placeholder 6">
-            <a:extLst>
-              <a:ext uri="{FF2B5EF4-FFF2-40B4-BE49-F238E27FC236}">
-                <a16:creationId xmlns:a16="http://schemas.microsoft.com/office/drawing/2014/main" id="{7FF74C3B-8807-04E3-8C9F-DD258EAC1446}"/>
-              </a:ext>
-            </a:extLst>
-          </p:cNvPr>
+          <p:cNvPr id="7" name="Slide Number Placeholder 6"/>
           <p:cNvSpPr>
             <a:spLocks noGrp="1"/>
           </p:cNvSpPr>
@@ -2427,7 +4477,7 @@
           <a:bodyPr/>
           <a:lstStyle/>
           <a:p>
-            <a:fld id="{755CE2BB-1C59-47FD-A171-B08018B5AE63}" type="slidenum">
+            <a:fld id="{38D24A41-7419-4C24-98A0-5F02C9EA068C}" type="slidenum">
               <a:rPr lang="en-US" smtClean="0"/>
               <a:t>‹#›</a:t>
             </a:fld>
@@ -2438,7 +4488,7 @@
     </p:spTree>
     <p:extLst>
       <p:ext uri="{BB962C8B-B14F-4D97-AF65-F5344CB8AC3E}">
-        <p14:creationId xmlns:p14="http://schemas.microsoft.com/office/powerpoint/2010/main" val="3485015861"/>
+        <p14:creationId xmlns:p14="http://schemas.microsoft.com/office/powerpoint/2010/main" val="4115047668"/>
       </p:ext>
     </p:extLst>
   </p:cSld>
@@ -2467,13 +4517,7 @@
       </p:grpSpPr>
       <p:sp>
         <p:nvSpPr>
-          <p:cNvPr id="2" name="Title 1">
-            <a:extLst>
-              <a:ext uri="{FF2B5EF4-FFF2-40B4-BE49-F238E27FC236}">
-                <a16:creationId xmlns:a16="http://schemas.microsoft.com/office/drawing/2014/main" id="{1127763B-F838-CDAF-DD99-33613BFB8EDE}"/>
-              </a:ext>
-            </a:extLst>
-          </p:cNvPr>
+          <p:cNvPr id="2" name="Title 1"/>
           <p:cNvSpPr>
             <a:spLocks noGrp="1"/>
           </p:cNvSpPr>
@@ -2483,15 +4527,17 @@
         </p:nvSpPr>
         <p:spPr>
           <a:xfrm>
-            <a:off x="839788" y="457200"/>
-            <a:ext cx="3932237" cy="1600200"/>
+            <a:off x="1141411" y="1600200"/>
+            <a:ext cx="5334001" cy="1371600"/>
           </a:xfrm>
         </p:spPr>
         <p:txBody>
-          <a:bodyPr anchor="b"/>
+          <a:bodyPr anchor="b">
+            <a:normAutofit/>
+          </a:bodyPr>
           <a:lstStyle>
-            <a:lvl1pPr>
-              <a:defRPr sz="3200"/>
+            <a:lvl1pPr algn="l">
+              <a:defRPr sz="2800" b="0"/>
             </a:lvl1pPr>
           </a:lstStyle>
           <a:p>
@@ -2499,20 +4545,15 @@
               <a:rPr lang="en-US"/>
               <a:t>Click to edit Master title style</a:t>
             </a:r>
-          </a:p>
-        </p:txBody>
-      </p:sp>
-      <p:sp>
-        <p:nvSpPr>
-          <p:cNvPr id="3" name="Picture Placeholder 2">
-            <a:extLst>
-              <a:ext uri="{FF2B5EF4-FFF2-40B4-BE49-F238E27FC236}">
-                <a16:creationId xmlns:a16="http://schemas.microsoft.com/office/drawing/2014/main" id="{27F91C54-BF73-7361-412A-BBA3CB9454C8}"/>
-              </a:ext>
-            </a:extLst>
-          </p:cNvPr>
-          <p:cNvSpPr>
-            <a:spLocks noGrp="1"/>
+            <a:endParaRPr lang="en-US" dirty="0"/>
+          </a:p>
+        </p:txBody>
+      </p:sp>
+      <p:sp>
+        <p:nvSpPr>
+          <p:cNvPr id="14" name="Picture Placeholder 2"/>
+          <p:cNvSpPr>
+            <a:spLocks noGrp="1" noChangeAspect="1"/>
           </p:cNvSpPr>
           <p:nvPr>
             <p:ph type="pic" idx="1"/>
@@ -2520,118 +4561,143 @@
         </p:nvSpPr>
         <p:spPr>
           <a:xfrm>
-            <a:off x="5183188" y="987425"/>
-            <a:ext cx="6172200" cy="4873625"/>
+            <a:off x="7433733" y="-18288"/>
+            <a:ext cx="3276599" cy="6903720"/>
           </a:xfrm>
+          <a:ln w="38100">
+            <a:gradFill flip="none" rotWithShape="1">
+              <a:gsLst>
+                <a:gs pos="0">
+                  <a:schemeClr val="bg2"/>
+                </a:gs>
+                <a:gs pos="100000">
+                  <a:schemeClr val="bg2">
+                    <a:lumMod val="75000"/>
+                  </a:schemeClr>
+                </a:gs>
+              </a:gsLst>
+              <a:lin ang="5400000" scaled="0"/>
+              <a:tileRect/>
+            </a:gradFill>
+          </a:ln>
+          <a:effectLst>
+            <a:innerShdw blurRad="57150" dist="38100" dir="10800000">
+              <a:srgbClr val="000000">
+                <a:alpha val="70000"/>
+              </a:srgbClr>
+            </a:innerShdw>
+          </a:effectLst>
         </p:spPr>
         <p:txBody>
-          <a:bodyPr/>
+          <a:bodyPr anchor="t">
+            <a:normAutofit/>
+          </a:bodyPr>
           <a:lstStyle>
-            <a:lvl1pPr marL="0" indent="0">
-              <a:buNone/>
-              <a:defRPr sz="3200"/>
-            </a:lvl1pPr>
-            <a:lvl2pPr marL="457200" indent="0">
-              <a:buNone/>
-              <a:defRPr sz="2800"/>
-            </a:lvl2pPr>
-            <a:lvl3pPr marL="914400" indent="0">
-              <a:buNone/>
-              <a:defRPr sz="2400"/>
-            </a:lvl3pPr>
-            <a:lvl4pPr marL="1371600" indent="0">
-              <a:buNone/>
-              <a:defRPr sz="2000"/>
-            </a:lvl4pPr>
-            <a:lvl5pPr marL="1828800" indent="0">
-              <a:buNone/>
-              <a:defRPr sz="2000"/>
-            </a:lvl5pPr>
-            <a:lvl6pPr marL="2286000" indent="0">
-              <a:buNone/>
-              <a:defRPr sz="2000"/>
-            </a:lvl6pPr>
-            <a:lvl7pPr marL="2743200" indent="0">
-              <a:buNone/>
-              <a:defRPr sz="2000"/>
-            </a:lvl7pPr>
-            <a:lvl8pPr marL="3200400" indent="0">
-              <a:buNone/>
-              <a:defRPr sz="2000"/>
-            </a:lvl8pPr>
-            <a:lvl9pPr marL="3657600" indent="0">
-              <a:buNone/>
-              <a:defRPr sz="2000"/>
-            </a:lvl9pPr>
-          </a:lstStyle>
-          <a:p>
-            <a:endParaRPr lang="en-US"/>
-          </a:p>
-        </p:txBody>
-      </p:sp>
-      <p:sp>
-        <p:nvSpPr>
-          <p:cNvPr id="4" name="Text Placeholder 3">
-            <a:extLst>
-              <a:ext uri="{FF2B5EF4-FFF2-40B4-BE49-F238E27FC236}">
-                <a16:creationId xmlns:a16="http://schemas.microsoft.com/office/drawing/2014/main" id="{DBABB65F-D556-C76B-6CF4-238E88582F14}"/>
-              </a:ext>
-            </a:extLst>
-          </p:cNvPr>
-          <p:cNvSpPr>
-            <a:spLocks noGrp="1"/>
-          </p:cNvSpPr>
-          <p:nvPr>
-            <p:ph type="body" sz="half" idx="2"/>
-          </p:nvPr>
-        </p:nvSpPr>
-        <p:spPr>
-          <a:xfrm>
-            <a:off x="839788" y="2057400"/>
-            <a:ext cx="3932237" cy="3811588"/>
-          </a:xfrm>
-        </p:spPr>
-        <p:txBody>
-          <a:bodyPr/>
-          <a:lstStyle>
-            <a:lvl1pPr marL="0" indent="0">
+            <a:lvl1pPr marL="0" indent="0" algn="ctr">
               <a:buNone/>
               <a:defRPr sz="1600"/>
             </a:lvl1pPr>
             <a:lvl2pPr marL="457200" indent="0">
               <a:buNone/>
-              <a:defRPr sz="1400"/>
+              <a:defRPr sz="1600"/>
             </a:lvl2pPr>
             <a:lvl3pPr marL="914400" indent="0">
               <a:buNone/>
-              <a:defRPr sz="1200"/>
+              <a:defRPr sz="1600"/>
             </a:lvl3pPr>
             <a:lvl4pPr marL="1371600" indent="0">
               <a:buNone/>
-              <a:defRPr sz="1000"/>
+              <a:defRPr sz="1600"/>
             </a:lvl4pPr>
             <a:lvl5pPr marL="1828800" indent="0">
               <a:buNone/>
-              <a:defRPr sz="1000"/>
+              <a:defRPr sz="1600"/>
             </a:lvl5pPr>
             <a:lvl6pPr marL="2286000" indent="0">
               <a:buNone/>
-              <a:defRPr sz="1000"/>
+              <a:defRPr sz="1600"/>
             </a:lvl6pPr>
             <a:lvl7pPr marL="2743200" indent="0">
               <a:buNone/>
-              <a:defRPr sz="1000"/>
+              <a:defRPr sz="1600"/>
             </a:lvl7pPr>
             <a:lvl8pPr marL="3200400" indent="0">
               <a:buNone/>
-              <a:defRPr sz="1000"/>
+              <a:defRPr sz="1600"/>
             </a:lvl8pPr>
             <a:lvl9pPr marL="3657600" indent="0">
               <a:buNone/>
-              <a:defRPr sz="1000"/>
+              <a:defRPr sz="1600"/>
             </a:lvl9pPr>
           </a:lstStyle>
           <a:p>
+            <a:r>
+              <a:rPr lang="en-US"/>
+              <a:t>Click icon to add picture</a:t>
+            </a:r>
+            <a:endParaRPr lang="en-US" dirty="0"/>
+          </a:p>
+        </p:txBody>
+      </p:sp>
+      <p:sp>
+        <p:nvSpPr>
+          <p:cNvPr id="4" name="Text Placeholder 3"/>
+          <p:cNvSpPr>
+            <a:spLocks noGrp="1"/>
+          </p:cNvSpPr>
+          <p:nvPr>
+            <p:ph type="body" sz="half" idx="2"/>
+          </p:nvPr>
+        </p:nvSpPr>
+        <p:spPr>
+          <a:xfrm>
+            <a:off x="1141411" y="2971800"/>
+            <a:ext cx="5334001" cy="1828800"/>
+          </a:xfrm>
+        </p:spPr>
+        <p:txBody>
+          <a:bodyPr>
+            <a:normAutofit/>
+          </a:bodyPr>
+          <a:lstStyle>
+            <a:lvl1pPr marL="0" indent="0">
+              <a:buNone/>
+              <a:defRPr sz="1800"/>
+            </a:lvl1pPr>
+            <a:lvl2pPr marL="457200" indent="0">
+              <a:buNone/>
+              <a:defRPr sz="1200"/>
+            </a:lvl2pPr>
+            <a:lvl3pPr marL="914400" indent="0">
+              <a:buNone/>
+              <a:defRPr sz="1000"/>
+            </a:lvl3pPr>
+            <a:lvl4pPr marL="1371600" indent="0">
+              <a:buNone/>
+              <a:defRPr sz="900"/>
+            </a:lvl4pPr>
+            <a:lvl5pPr marL="1828800" indent="0">
+              <a:buNone/>
+              <a:defRPr sz="900"/>
+            </a:lvl5pPr>
+            <a:lvl6pPr marL="2286000" indent="0">
+              <a:buNone/>
+              <a:defRPr sz="900"/>
+            </a:lvl6pPr>
+            <a:lvl7pPr marL="2743200" indent="0">
+              <a:buNone/>
+              <a:defRPr sz="900"/>
+            </a:lvl7pPr>
+            <a:lvl8pPr marL="3200400" indent="0">
+              <a:buNone/>
+              <a:defRPr sz="900"/>
+            </a:lvl8pPr>
+            <a:lvl9pPr marL="3657600" indent="0">
+              <a:buNone/>
+              <a:defRPr sz="900"/>
+            </a:lvl9pPr>
+          </a:lstStyle>
+          <a:p>
             <a:pPr lvl="0"/>
             <a:r>
               <a:rPr lang="en-US"/>
@@ -2642,13 +4708,7 @@
       </p:sp>
       <p:sp>
         <p:nvSpPr>
-          <p:cNvPr id="5" name="Date Placeholder 4">
-            <a:extLst>
-              <a:ext uri="{FF2B5EF4-FFF2-40B4-BE49-F238E27FC236}">
-                <a16:creationId xmlns:a16="http://schemas.microsoft.com/office/drawing/2014/main" id="{3C16E873-9A02-2556-621D-7F0B85389C49}"/>
-              </a:ext>
-            </a:extLst>
-          </p:cNvPr>
+          <p:cNvPr id="5" name="Date Placeholder 4"/>
           <p:cNvSpPr>
             <a:spLocks noGrp="1"/>
           </p:cNvSpPr>
@@ -2656,14 +4716,19 @@
             <p:ph type="dt" sz="half" idx="10"/>
           </p:nvPr>
         </p:nvSpPr>
-        <p:spPr/>
+        <p:spPr>
+          <a:xfrm>
+            <a:off x="6399212" y="5883275"/>
+            <a:ext cx="914400" cy="365125"/>
+          </a:xfrm>
+        </p:spPr>
         <p:txBody>
           <a:bodyPr/>
           <a:lstStyle/>
           <a:p>
-            <a:fld id="{42F1BB42-BFC8-474A-9D69-65C817AE1623}" type="datetimeFigureOut">
+            <a:fld id="{A983CF50-FD5C-4696-8AB6-CEDA0278C5DB}" type="datetimeFigureOut">
               <a:rPr lang="en-US" smtClean="0"/>
-              <a:t>4/14/2025</a:t>
+              <a:t>4/30/2025</a:t>
             </a:fld>
             <a:endParaRPr lang="en-US"/>
           </a:p>
@@ -2671,13 +4736,7 @@
       </p:sp>
       <p:sp>
         <p:nvSpPr>
-          <p:cNvPr id="6" name="Footer Placeholder 5">
-            <a:extLst>
-              <a:ext uri="{FF2B5EF4-FFF2-40B4-BE49-F238E27FC236}">
-                <a16:creationId xmlns:a16="http://schemas.microsoft.com/office/drawing/2014/main" id="{167870F1-4D91-1669-D6FA-CC4F90D8DD6B}"/>
-              </a:ext>
-            </a:extLst>
-          </p:cNvPr>
+          <p:cNvPr id="6" name="Footer Placeholder 5"/>
           <p:cNvSpPr>
             <a:spLocks noGrp="1"/>
           </p:cNvSpPr>
@@ -2685,7 +4744,12 @@
             <p:ph type="ftr" sz="quarter" idx="11"/>
           </p:nvPr>
         </p:nvSpPr>
-        <p:spPr/>
+        <p:spPr>
+          <a:xfrm>
+            <a:off x="1141412" y="5883275"/>
+            <a:ext cx="5105400" cy="365125"/>
+          </a:xfrm>
+        </p:spPr>
         <p:txBody>
           <a:bodyPr/>
           <a:lstStyle/>
@@ -2696,13 +4760,7 @@
       </p:sp>
       <p:sp>
         <p:nvSpPr>
-          <p:cNvPr id="7" name="Slide Number Placeholder 6">
-            <a:extLst>
-              <a:ext uri="{FF2B5EF4-FFF2-40B4-BE49-F238E27FC236}">
-                <a16:creationId xmlns:a16="http://schemas.microsoft.com/office/drawing/2014/main" id="{77D97812-FAF6-99C1-4804-FBCFB63CF520}"/>
-              </a:ext>
-            </a:extLst>
-          </p:cNvPr>
+          <p:cNvPr id="7" name="Slide Number Placeholder 6"/>
           <p:cNvSpPr>
             <a:spLocks noGrp="1"/>
           </p:cNvSpPr>
@@ -2710,12 +4768,17 @@
             <p:ph type="sldNum" sz="quarter" idx="12"/>
           </p:nvPr>
         </p:nvSpPr>
-        <p:spPr/>
+        <p:spPr>
+          <a:xfrm>
+            <a:off x="10742612" y="5883275"/>
+            <a:ext cx="322567" cy="365125"/>
+          </a:xfrm>
+        </p:spPr>
         <p:txBody>
           <a:bodyPr/>
           <a:lstStyle/>
           <a:p>
-            <a:fld id="{755CE2BB-1C59-47FD-A171-B08018B5AE63}" type="slidenum">
+            <a:fld id="{38D24A41-7419-4C24-98A0-5F02C9EA068C}" type="slidenum">
               <a:rPr lang="en-US" smtClean="0"/>
               <a:t>‹#›</a:t>
             </a:fld>
@@ -2726,7 +4789,7 @@
     </p:spTree>
     <p:extLst>
       <p:ext uri="{BB962C8B-B14F-4D97-AF65-F5344CB8AC3E}">
-        <p14:creationId xmlns:p14="http://schemas.microsoft.com/office/powerpoint/2010/main" val="3552603568"/>
+        <p14:creationId xmlns:p14="http://schemas.microsoft.com/office/powerpoint/2010/main" val="488349093"/>
       </p:ext>
     </p:extLst>
   </p:cSld>
@@ -2740,8 +4803,8 @@
 <p:sldMaster xmlns:a="http://schemas.openxmlformats.org/drawingml/2006/main" xmlns:r="http://schemas.openxmlformats.org/officeDocument/2006/relationships" xmlns:p="http://schemas.openxmlformats.org/presentationml/2006/main">
   <p:cSld>
     <p:bg>
-      <p:bgRef idx="1001">
-        <a:schemeClr val="bg1"/>
+      <p:bgRef idx="1003">
+        <a:schemeClr val="bg2"/>
       </p:bgRef>
     </p:bg>
     <p:spTree>
@@ -2760,13 +4823,7 @@
       </p:grpSpPr>
       <p:sp>
         <p:nvSpPr>
-          <p:cNvPr id="2" name="Title Placeholder 1">
-            <a:extLst>
-              <a:ext uri="{FF2B5EF4-FFF2-40B4-BE49-F238E27FC236}">
-                <a16:creationId xmlns:a16="http://schemas.microsoft.com/office/drawing/2014/main" id="{5C3FA657-91EE-C00F-A746-CD6931ED7781}"/>
-              </a:ext>
-            </a:extLst>
-          </p:cNvPr>
+          <p:cNvPr id="2" name="Title Placeholder 1"/>
           <p:cNvSpPr>
             <a:spLocks noGrp="1"/>
           </p:cNvSpPr>
@@ -2776,8 +4833,8 @@
         </p:nvSpPr>
         <p:spPr>
           <a:xfrm>
-            <a:off x="838200" y="365125"/>
-            <a:ext cx="10515600" cy="1325563"/>
+            <a:off x="1141413" y="609600"/>
+            <a:ext cx="9905998" cy="1905000"/>
           </a:xfrm>
           <a:prstGeom prst="rect">
             <a:avLst/>
@@ -2793,18 +4850,13 @@
               <a:rPr lang="en-US"/>
               <a:t>Click to edit Master title style</a:t>
             </a:r>
-          </a:p>
-        </p:txBody>
-      </p:sp>
-      <p:sp>
-        <p:nvSpPr>
-          <p:cNvPr id="3" name="Text Placeholder 2">
-            <a:extLst>
-              <a:ext uri="{FF2B5EF4-FFF2-40B4-BE49-F238E27FC236}">
-                <a16:creationId xmlns:a16="http://schemas.microsoft.com/office/drawing/2014/main" id="{86AFAB6A-1B97-5ED4-E07E-EB86EDEBD152}"/>
-              </a:ext>
-            </a:extLst>
-          </p:cNvPr>
+            <a:endParaRPr lang="en-US" dirty="0"/>
+          </a:p>
+        </p:txBody>
+      </p:sp>
+      <p:sp>
+        <p:nvSpPr>
+          <p:cNvPr id="3" name="Text Placeholder 2"/>
           <p:cNvSpPr>
             <a:spLocks noGrp="1"/>
           </p:cNvSpPr>
@@ -2814,15 +4866,15 @@
         </p:nvSpPr>
         <p:spPr>
           <a:xfrm>
-            <a:off x="838200" y="1825625"/>
-            <a:ext cx="10515600" cy="4351338"/>
+            <a:off x="1141413" y="2666999"/>
+            <a:ext cx="9905998" cy="3124201"/>
           </a:xfrm>
           <a:prstGeom prst="rect">
             <a:avLst/>
           </a:prstGeom>
         </p:spPr>
         <p:txBody>
-          <a:bodyPr vert="horz" lIns="91440" tIns="45720" rIns="91440" bIns="45720" rtlCol="0">
+          <a:bodyPr vert="horz" lIns="91440" tIns="45720" rIns="91440" bIns="45720" rtlCol="0" anchor="ctr">
             <a:normAutofit/>
           </a:bodyPr>
           <a:lstStyle/>
@@ -2860,18 +4912,13 @@
               <a:rPr lang="en-US"/>
               <a:t>Fifth level</a:t>
             </a:r>
-          </a:p>
-        </p:txBody>
-      </p:sp>
-      <p:sp>
-        <p:nvSpPr>
-          <p:cNvPr id="4" name="Date Placeholder 3">
-            <a:extLst>
-              <a:ext uri="{FF2B5EF4-FFF2-40B4-BE49-F238E27FC236}">
-                <a16:creationId xmlns:a16="http://schemas.microsoft.com/office/drawing/2014/main" id="{DBAE69EA-43C7-591C-7DF3-6655D1B75EF5}"/>
-              </a:ext>
-            </a:extLst>
-          </p:cNvPr>
+            <a:endParaRPr lang="en-US" dirty="0"/>
+          </a:p>
+        </p:txBody>
+      </p:sp>
+      <p:sp>
+        <p:nvSpPr>
+          <p:cNvPr id="4" name="Date Placeholder 3"/>
           <p:cNvSpPr>
             <a:spLocks noGrp="1"/>
           </p:cNvSpPr>
@@ -2881,8 +4928,8 @@
         </p:nvSpPr>
         <p:spPr>
           <a:xfrm>
-            <a:off x="838200" y="6356350"/>
-            <a:ext cx="2743200" cy="365125"/>
+            <a:off x="8837612" y="5883275"/>
+            <a:ext cx="1600200" cy="365125"/>
           </a:xfrm>
           <a:prstGeom prst="rect">
             <a:avLst/>
@@ -2891,20 +4938,28 @@
         <p:txBody>
           <a:bodyPr vert="horz" lIns="91440" tIns="45720" rIns="91440" bIns="45720" rtlCol="0" anchor="ctr"/>
           <a:lstStyle>
-            <a:lvl1pPr algn="l">
-              <a:defRPr sz="1200">
+            <a:lvl1pPr algn="r">
+              <a:defRPr sz="900" b="1" i="0">
                 <a:solidFill>
                   <a:schemeClr val="tx1">
-                    <a:tint val="75000"/>
+                    <a:lumMod val="75000"/>
                   </a:schemeClr>
                 </a:solidFill>
+                <a:effectLst>
+                  <a:outerShdw blurRad="50800" dist="38100" dir="2700000" algn="tl" rotWithShape="0">
+                    <a:srgbClr val="000000">
+                      <a:alpha val="43000"/>
+                    </a:srgbClr>
+                  </a:outerShdw>
+                </a:effectLst>
+                <a:latin typeface="+mn-lt"/>
               </a:defRPr>
             </a:lvl1pPr>
           </a:lstStyle>
           <a:p>
-            <a:fld id="{42F1BB42-BFC8-474A-9D69-65C817AE1623}" type="datetimeFigureOut">
+            <a:fld id="{A983CF50-FD5C-4696-8AB6-CEDA0278C5DB}" type="datetimeFigureOut">
               <a:rPr lang="en-US" smtClean="0"/>
-              <a:t>4/14/2025</a:t>
+              <a:t>4/30/2025</a:t>
             </a:fld>
             <a:endParaRPr lang="en-US"/>
           </a:p>
@@ -2912,13 +4967,7 @@
       </p:sp>
       <p:sp>
         <p:nvSpPr>
-          <p:cNvPr id="5" name="Footer Placeholder 4">
-            <a:extLst>
-              <a:ext uri="{FF2B5EF4-FFF2-40B4-BE49-F238E27FC236}">
-                <a16:creationId xmlns:a16="http://schemas.microsoft.com/office/drawing/2014/main" id="{7DC11DA8-1406-3A2C-4356-477E157C28EA}"/>
-              </a:ext>
-            </a:extLst>
-          </p:cNvPr>
+          <p:cNvPr id="5" name="Footer Placeholder 4"/>
           <p:cNvSpPr>
             <a:spLocks noGrp="1"/>
           </p:cNvSpPr>
@@ -2928,8 +4977,8 @@
         </p:nvSpPr>
         <p:spPr>
           <a:xfrm>
-            <a:off x="4038600" y="6356350"/>
-            <a:ext cx="4114800" cy="365125"/>
+            <a:off x="1141412" y="5883275"/>
+            <a:ext cx="7543800" cy="365125"/>
           </a:xfrm>
           <a:prstGeom prst="rect">
             <a:avLst/>
@@ -2938,13 +4987,21 @@
         <p:txBody>
           <a:bodyPr vert="horz" lIns="91440" tIns="45720" rIns="91440" bIns="45720" rtlCol="0" anchor="ctr"/>
           <a:lstStyle>
-            <a:lvl1pPr algn="ctr">
-              <a:defRPr sz="1200">
+            <a:lvl1pPr algn="l">
+              <a:defRPr sz="900" b="1" i="0">
                 <a:solidFill>
                   <a:schemeClr val="tx1">
-                    <a:tint val="75000"/>
+                    <a:lumMod val="75000"/>
                   </a:schemeClr>
                 </a:solidFill>
+                <a:effectLst>
+                  <a:outerShdw blurRad="50800" dist="38100" dir="2700000" algn="tl" rotWithShape="0">
+                    <a:srgbClr val="000000">
+                      <a:alpha val="43000"/>
+                    </a:srgbClr>
+                  </a:outerShdw>
+                </a:effectLst>
+                <a:latin typeface="+mn-lt"/>
               </a:defRPr>
             </a:lvl1pPr>
           </a:lstStyle>
@@ -2955,13 +5012,7 @@
       </p:sp>
       <p:sp>
         <p:nvSpPr>
-          <p:cNvPr id="6" name="Slide Number Placeholder 5">
-            <a:extLst>
-              <a:ext uri="{FF2B5EF4-FFF2-40B4-BE49-F238E27FC236}">
-                <a16:creationId xmlns:a16="http://schemas.microsoft.com/office/drawing/2014/main" id="{96954644-9926-6D06-0326-89DA137D89E8}"/>
-              </a:ext>
-            </a:extLst>
-          </p:cNvPr>
+          <p:cNvPr id="6" name="Slide Number Placeholder 5"/>
           <p:cNvSpPr>
             <a:spLocks noGrp="1"/>
           </p:cNvSpPr>
@@ -2971,8 +5022,8 @@
         </p:nvSpPr>
         <p:spPr>
           <a:xfrm>
-            <a:off x="8610600" y="6356350"/>
-            <a:ext cx="2743200" cy="365125"/>
+            <a:off x="10514012" y="5883275"/>
+            <a:ext cx="551167" cy="365125"/>
           </a:xfrm>
           <a:prstGeom prst="rect">
             <a:avLst/>
@@ -2982,17 +5033,25 @@
           <a:bodyPr vert="horz" lIns="91440" tIns="45720" rIns="91440" bIns="45720" rtlCol="0" anchor="ctr"/>
           <a:lstStyle>
             <a:lvl1pPr algn="r">
-              <a:defRPr sz="1200">
+              <a:defRPr sz="900" b="1" i="0">
                 <a:solidFill>
                   <a:schemeClr val="tx1">
-                    <a:tint val="75000"/>
+                    <a:lumMod val="75000"/>
                   </a:schemeClr>
                 </a:solidFill>
+                <a:effectLst>
+                  <a:outerShdw blurRad="50800" dist="38100" dir="2700000" algn="tl" rotWithShape="0">
+                    <a:srgbClr val="000000">
+                      <a:alpha val="43000"/>
+                    </a:srgbClr>
+                  </a:outerShdw>
+                </a:effectLst>
+                <a:latin typeface="+mn-lt"/>
               </a:defRPr>
             </a:lvl1pPr>
           </a:lstStyle>
           <a:p>
-            <a:fld id="{755CE2BB-1C59-47FD-A171-B08018B5AE63}" type="slidenum">
+            <a:fld id="{38D24A41-7419-4C24-98A0-5F02C9EA068C}" type="slidenum">
               <a:rPr lang="en-US" smtClean="0"/>
               <a:t>‹#›</a:t>
             </a:fld>
@@ -3003,202 +5062,550 @@
     </p:spTree>
     <p:extLst>
       <p:ext uri="{BB962C8B-B14F-4D97-AF65-F5344CB8AC3E}">
-        <p14:creationId xmlns:p14="http://schemas.microsoft.com/office/powerpoint/2010/main" val="2106183364"/>
+        <p14:creationId xmlns:p14="http://schemas.microsoft.com/office/powerpoint/2010/main" val="3019212289"/>
       </p:ext>
     </p:extLst>
   </p:cSld>
-  <p:clrMap bg1="lt1" tx1="dk1" bg2="lt2" tx2="dk2" accent1="accent1" accent2="accent2" accent3="accent3" accent4="accent4" accent5="accent5" accent6="accent6" hlink="hlink" folHlink="folHlink"/>
+  <p:clrMap bg1="dk1" tx1="lt1" bg2="dk2" tx2="lt2" accent1="accent1" accent2="accent2" accent3="accent3" accent4="accent4" accent5="accent5" accent6="accent6" hlink="hlink" folHlink="folHlink"/>
   <p:sldLayoutIdLst>
-    <p:sldLayoutId id="2147483649" r:id="rId1"/>
-    <p:sldLayoutId id="2147483650" r:id="rId2"/>
-    <p:sldLayoutId id="2147483651" r:id="rId3"/>
-    <p:sldLayoutId id="2147483652" r:id="rId4"/>
-    <p:sldLayoutId id="2147483653" r:id="rId5"/>
-    <p:sldLayoutId id="2147483654" r:id="rId6"/>
-    <p:sldLayoutId id="2147483655" r:id="rId7"/>
-    <p:sldLayoutId id="2147483656" r:id="rId8"/>
-    <p:sldLayoutId id="2147483657" r:id="rId9"/>
-    <p:sldLayoutId id="2147483658" r:id="rId10"/>
-    <p:sldLayoutId id="2147483659" r:id="rId11"/>
+    <p:sldLayoutId id="2147483661" r:id="rId1"/>
+    <p:sldLayoutId id="2147483662" r:id="rId2"/>
+    <p:sldLayoutId id="2147483663" r:id="rId3"/>
+    <p:sldLayoutId id="2147483664" r:id="rId4"/>
+    <p:sldLayoutId id="2147483665" r:id="rId5"/>
+    <p:sldLayoutId id="2147483666" r:id="rId6"/>
+    <p:sldLayoutId id="2147483667" r:id="rId7"/>
+    <p:sldLayoutId id="2147483668" r:id="rId8"/>
+    <p:sldLayoutId id="2147483669" r:id="rId9"/>
+    <p:sldLayoutId id="2147483670" r:id="rId10"/>
+    <p:sldLayoutId id="2147483671" r:id="rId11"/>
+    <p:sldLayoutId id="2147483672" r:id="rId12"/>
+    <p:sldLayoutId id="2147483673" r:id="rId13"/>
+    <p:sldLayoutId id="2147483674" r:id="rId14"/>
+    <p:sldLayoutId id="2147483675" r:id="rId15"/>
+    <p:sldLayoutId id="2147483676" r:id="rId16"/>
+    <p:sldLayoutId id="2147483677" r:id="rId17"/>
   </p:sldLayoutIdLst>
   <p:txStyles>
     <p:titleStyle>
-      <a:lvl1pPr algn="l" defTabSz="914400" rtl="0" eaLnBrk="1" latinLnBrk="0" hangingPunct="1">
-        <a:lnSpc>
-          <a:spcPct val="90000"/>
-        </a:lnSpc>
+      <a:lvl1pPr algn="l" defTabSz="457200" rtl="0" eaLnBrk="1" latinLnBrk="0" hangingPunct="1">
         <a:spcBef>
           <a:spcPct val="0"/>
         </a:spcBef>
         <a:buNone/>
-        <a:defRPr sz="4400" kern="1200">
-          <a:solidFill>
-            <a:schemeClr val="tx1"/>
-          </a:solidFill>
+        <a:defRPr sz="3200" kern="1200" cap="all">
+          <a:ln w="3175" cmpd="sng">
+            <a:noFill/>
+          </a:ln>
+          <a:gradFill flip="none" rotWithShape="1">
+            <a:gsLst>
+              <a:gs pos="0">
+                <a:schemeClr val="tx1"/>
+              </a:gs>
+              <a:gs pos="100000">
+                <a:schemeClr val="tx1">
+                  <a:lumMod val="65000"/>
+                </a:schemeClr>
+              </a:gs>
+            </a:gsLst>
+            <a:lin ang="5580000" scaled="0"/>
+            <a:tileRect/>
+          </a:gradFill>
+          <a:effectLst>
+            <a:glow rad="38100">
+              <a:schemeClr val="bg1">
+                <a:lumMod val="65000"/>
+                <a:lumOff val="35000"/>
+                <a:alpha val="40000"/>
+              </a:schemeClr>
+            </a:glow>
+            <a:outerShdw blurRad="28575" dist="38100" dir="14040000" algn="tl" rotWithShape="0">
+              <a:srgbClr val="000000">
+                <a:alpha val="25000"/>
+              </a:srgbClr>
+            </a:outerShdw>
+          </a:effectLst>
           <a:latin typeface="+mj-lt"/>
           <a:ea typeface="+mj-ea"/>
           <a:cs typeface="+mj-cs"/>
         </a:defRPr>
       </a:lvl1pPr>
+      <a:lvl2pPr eaLnBrk="1" hangingPunct="1">
+        <a:defRPr>
+          <a:solidFill>
+            <a:schemeClr val="tx2"/>
+          </a:solidFill>
+        </a:defRPr>
+      </a:lvl2pPr>
+      <a:lvl3pPr eaLnBrk="1" hangingPunct="1">
+        <a:defRPr>
+          <a:solidFill>
+            <a:schemeClr val="tx2"/>
+          </a:solidFill>
+        </a:defRPr>
+      </a:lvl3pPr>
+      <a:lvl4pPr eaLnBrk="1" hangingPunct="1">
+        <a:defRPr>
+          <a:solidFill>
+            <a:schemeClr val="tx2"/>
+          </a:solidFill>
+        </a:defRPr>
+      </a:lvl4pPr>
+      <a:lvl5pPr eaLnBrk="1" hangingPunct="1">
+        <a:defRPr>
+          <a:solidFill>
+            <a:schemeClr val="tx2"/>
+          </a:solidFill>
+        </a:defRPr>
+      </a:lvl5pPr>
+      <a:lvl6pPr eaLnBrk="1" hangingPunct="1">
+        <a:defRPr>
+          <a:solidFill>
+            <a:schemeClr val="tx2"/>
+          </a:solidFill>
+        </a:defRPr>
+      </a:lvl6pPr>
+      <a:lvl7pPr eaLnBrk="1" hangingPunct="1">
+        <a:defRPr>
+          <a:solidFill>
+            <a:schemeClr val="tx2"/>
+          </a:solidFill>
+        </a:defRPr>
+      </a:lvl7pPr>
+      <a:lvl8pPr eaLnBrk="1" hangingPunct="1">
+        <a:defRPr>
+          <a:solidFill>
+            <a:schemeClr val="tx2"/>
+          </a:solidFill>
+        </a:defRPr>
+      </a:lvl8pPr>
+      <a:lvl9pPr eaLnBrk="1" hangingPunct="1">
+        <a:defRPr>
+          <a:solidFill>
+            <a:schemeClr val="tx2"/>
+          </a:solidFill>
+        </a:defRPr>
+      </a:lvl9pPr>
     </p:titleStyle>
     <p:bodyStyle>
-      <a:lvl1pPr marL="228600" indent="-228600" algn="l" defTabSz="914400" rtl="0" eaLnBrk="1" latinLnBrk="0" hangingPunct="1">
-        <a:lnSpc>
-          <a:spcPct val="90000"/>
-        </a:lnSpc>
+      <a:lvl1pPr marL="285750" indent="-285750" algn="l" defTabSz="457200" rtl="0" eaLnBrk="1" latinLnBrk="0" hangingPunct="1">
         <a:spcBef>
-          <a:spcPts val="1000"/>
+          <a:spcPct val="20000"/>
         </a:spcBef>
-        <a:buFont typeface="Arial" panose="020B0604020202020204" pitchFamily="34" charset="0"/>
+        <a:spcAft>
+          <a:spcPts val="600"/>
+        </a:spcAft>
+        <a:buClr>
+          <a:schemeClr val="tx1"/>
+        </a:buClr>
+        <a:buSzPct val="100000"/>
+        <a:buFont typeface="Arial"/>
         <a:buChar char="•"/>
-        <a:defRPr sz="2800" kern="1200">
-          <a:solidFill>
-            <a:schemeClr val="tx1"/>
-          </a:solidFill>
+        <a:defRPr sz="2000" kern="1200" cap="small">
+          <a:gradFill flip="none" rotWithShape="1">
+            <a:gsLst>
+              <a:gs pos="0">
+                <a:schemeClr val="tx1"/>
+              </a:gs>
+              <a:gs pos="100000">
+                <a:schemeClr val="tx1">
+                  <a:lumMod val="75000"/>
+                </a:schemeClr>
+              </a:gs>
+            </a:gsLst>
+            <a:lin ang="5580000" scaled="0"/>
+            <a:tileRect/>
+          </a:gradFill>
+          <a:effectLst>
+            <a:glow rad="38100">
+              <a:schemeClr val="bg1">
+                <a:lumMod val="50000"/>
+                <a:lumOff val="50000"/>
+                <a:alpha val="20000"/>
+              </a:schemeClr>
+            </a:glow>
+            <a:outerShdw blurRad="44450" dist="12700" dir="13860000" algn="tl" rotWithShape="0">
+              <a:srgbClr val="000000">
+                <a:alpha val="20000"/>
+              </a:srgbClr>
+            </a:outerShdw>
+          </a:effectLst>
           <a:latin typeface="+mn-lt"/>
           <a:ea typeface="+mn-ea"/>
           <a:cs typeface="+mn-cs"/>
         </a:defRPr>
       </a:lvl1pPr>
-      <a:lvl2pPr marL="685800" indent="-228600" algn="l" defTabSz="914400" rtl="0" eaLnBrk="1" latinLnBrk="0" hangingPunct="1">
-        <a:lnSpc>
-          <a:spcPct val="90000"/>
-        </a:lnSpc>
+      <a:lvl2pPr marL="742950" indent="-285750" algn="l" defTabSz="457200" rtl="0" eaLnBrk="1" latinLnBrk="0" hangingPunct="1">
         <a:spcBef>
-          <a:spcPts val="500"/>
+          <a:spcPct val="20000"/>
         </a:spcBef>
-        <a:buFont typeface="Arial" panose="020B0604020202020204" pitchFamily="34" charset="0"/>
+        <a:spcAft>
+          <a:spcPts val="600"/>
+        </a:spcAft>
+        <a:buClr>
+          <a:schemeClr val="tx1"/>
+        </a:buClr>
+        <a:buSzPct val="100000"/>
+        <a:buFont typeface="Arial"/>
         <a:buChar char="•"/>
-        <a:defRPr sz="2400" kern="1200">
-          <a:solidFill>
-            <a:schemeClr val="tx1"/>
-          </a:solidFill>
+        <a:defRPr sz="1800" kern="1200" cap="small">
+          <a:gradFill flip="none" rotWithShape="1">
+            <a:gsLst>
+              <a:gs pos="0">
+                <a:schemeClr val="tx1"/>
+              </a:gs>
+              <a:gs pos="100000">
+                <a:schemeClr val="tx1">
+                  <a:lumMod val="75000"/>
+                </a:schemeClr>
+              </a:gs>
+            </a:gsLst>
+            <a:lin ang="5580000" scaled="0"/>
+            <a:tileRect/>
+          </a:gradFill>
+          <a:effectLst>
+            <a:glow rad="38100">
+              <a:schemeClr val="bg1">
+                <a:lumMod val="50000"/>
+                <a:lumOff val="50000"/>
+                <a:alpha val="20000"/>
+              </a:schemeClr>
+            </a:glow>
+            <a:outerShdw blurRad="44450" dist="12700" dir="13860000" algn="tl" rotWithShape="0">
+              <a:srgbClr val="000000">
+                <a:alpha val="20000"/>
+              </a:srgbClr>
+            </a:outerShdw>
+          </a:effectLst>
           <a:latin typeface="+mn-lt"/>
           <a:ea typeface="+mn-ea"/>
           <a:cs typeface="+mn-cs"/>
         </a:defRPr>
       </a:lvl2pPr>
-      <a:lvl3pPr marL="1143000" indent="-228600" algn="l" defTabSz="914400" rtl="0" eaLnBrk="1" latinLnBrk="0" hangingPunct="1">
-        <a:lnSpc>
-          <a:spcPct val="90000"/>
-        </a:lnSpc>
+      <a:lvl3pPr marL="1200150" indent="-285750" algn="l" defTabSz="457200" rtl="0" eaLnBrk="1" latinLnBrk="0" hangingPunct="1">
         <a:spcBef>
-          <a:spcPts val="500"/>
+          <a:spcPct val="20000"/>
         </a:spcBef>
-        <a:buFont typeface="Arial" panose="020B0604020202020204" pitchFamily="34" charset="0"/>
+        <a:spcAft>
+          <a:spcPts val="600"/>
+        </a:spcAft>
+        <a:buClr>
+          <a:schemeClr val="tx1"/>
+        </a:buClr>
+        <a:buSzPct val="100000"/>
+        <a:buFont typeface="Arial"/>
         <a:buChar char="•"/>
-        <a:defRPr sz="2000" kern="1200">
-          <a:solidFill>
-            <a:schemeClr val="tx1"/>
-          </a:solidFill>
+        <a:defRPr sz="1600" kern="1200" cap="small">
+          <a:gradFill flip="none" rotWithShape="1">
+            <a:gsLst>
+              <a:gs pos="0">
+                <a:schemeClr val="tx1"/>
+              </a:gs>
+              <a:gs pos="100000">
+                <a:schemeClr val="tx1">
+                  <a:lumMod val="75000"/>
+                </a:schemeClr>
+              </a:gs>
+            </a:gsLst>
+            <a:lin ang="5580000" scaled="0"/>
+            <a:tileRect/>
+          </a:gradFill>
+          <a:effectLst>
+            <a:glow rad="38100">
+              <a:schemeClr val="bg1">
+                <a:lumMod val="50000"/>
+                <a:lumOff val="50000"/>
+                <a:alpha val="20000"/>
+              </a:schemeClr>
+            </a:glow>
+            <a:outerShdw blurRad="44450" dist="12700" dir="13860000" algn="tl" rotWithShape="0">
+              <a:srgbClr val="000000">
+                <a:alpha val="20000"/>
+              </a:srgbClr>
+            </a:outerShdw>
+          </a:effectLst>
           <a:latin typeface="+mn-lt"/>
           <a:ea typeface="+mn-ea"/>
           <a:cs typeface="+mn-cs"/>
         </a:defRPr>
       </a:lvl3pPr>
-      <a:lvl4pPr marL="1600200" indent="-228600" algn="l" defTabSz="914400" rtl="0" eaLnBrk="1" latinLnBrk="0" hangingPunct="1">
-        <a:lnSpc>
-          <a:spcPct val="90000"/>
-        </a:lnSpc>
+      <a:lvl4pPr marL="1543050" indent="-171450" algn="l" defTabSz="457200" rtl="0" eaLnBrk="1" latinLnBrk="0" hangingPunct="1">
         <a:spcBef>
-          <a:spcPts val="500"/>
+          <a:spcPct val="20000"/>
         </a:spcBef>
-        <a:buFont typeface="Arial" panose="020B0604020202020204" pitchFamily="34" charset="0"/>
+        <a:spcAft>
+          <a:spcPts val="600"/>
+        </a:spcAft>
+        <a:buClr>
+          <a:schemeClr val="tx1"/>
+        </a:buClr>
+        <a:buSzPct val="100000"/>
+        <a:buFont typeface="Arial"/>
         <a:buChar char="•"/>
-        <a:defRPr sz="1800" kern="1200">
-          <a:solidFill>
-            <a:schemeClr val="tx1"/>
-          </a:solidFill>
+        <a:defRPr sz="1400" kern="1200" cap="small">
+          <a:gradFill flip="none" rotWithShape="1">
+            <a:gsLst>
+              <a:gs pos="0">
+                <a:schemeClr val="tx1"/>
+              </a:gs>
+              <a:gs pos="100000">
+                <a:schemeClr val="tx1">
+                  <a:lumMod val="75000"/>
+                </a:schemeClr>
+              </a:gs>
+            </a:gsLst>
+            <a:lin ang="5580000" scaled="0"/>
+            <a:tileRect/>
+          </a:gradFill>
+          <a:effectLst>
+            <a:glow rad="38100">
+              <a:schemeClr val="bg1">
+                <a:lumMod val="50000"/>
+                <a:lumOff val="50000"/>
+                <a:alpha val="20000"/>
+              </a:schemeClr>
+            </a:glow>
+            <a:outerShdw blurRad="44450" dist="12700" dir="13860000" algn="tl" rotWithShape="0">
+              <a:srgbClr val="000000">
+                <a:alpha val="20000"/>
+              </a:srgbClr>
+            </a:outerShdw>
+          </a:effectLst>
           <a:latin typeface="+mn-lt"/>
           <a:ea typeface="+mn-ea"/>
           <a:cs typeface="+mn-cs"/>
         </a:defRPr>
       </a:lvl4pPr>
-      <a:lvl5pPr marL="2057400" indent="-228600" algn="l" defTabSz="914400" rtl="0" eaLnBrk="1" latinLnBrk="0" hangingPunct="1">
-        <a:lnSpc>
-          <a:spcPct val="90000"/>
-        </a:lnSpc>
+      <a:lvl5pPr marL="2000250" indent="-171450" algn="l" defTabSz="457200" rtl="0" eaLnBrk="1" latinLnBrk="0" hangingPunct="1">
         <a:spcBef>
-          <a:spcPts val="500"/>
+          <a:spcPct val="20000"/>
         </a:spcBef>
-        <a:buFont typeface="Arial" panose="020B0604020202020204" pitchFamily="34" charset="0"/>
+        <a:spcAft>
+          <a:spcPts val="600"/>
+        </a:spcAft>
+        <a:buClr>
+          <a:schemeClr val="tx1"/>
+        </a:buClr>
+        <a:buSzPct val="100000"/>
+        <a:buFont typeface="Arial"/>
         <a:buChar char="•"/>
-        <a:defRPr sz="1800" kern="1200">
-          <a:solidFill>
-            <a:schemeClr val="tx1"/>
-          </a:solidFill>
+        <a:defRPr sz="1400" kern="1200" cap="small">
+          <a:gradFill flip="none" rotWithShape="1">
+            <a:gsLst>
+              <a:gs pos="0">
+                <a:schemeClr val="tx1"/>
+              </a:gs>
+              <a:gs pos="100000">
+                <a:schemeClr val="tx1">
+                  <a:lumMod val="75000"/>
+                </a:schemeClr>
+              </a:gs>
+            </a:gsLst>
+            <a:lin ang="5580000" scaled="0"/>
+            <a:tileRect/>
+          </a:gradFill>
+          <a:effectLst>
+            <a:glow rad="38100">
+              <a:schemeClr val="bg1">
+                <a:lumMod val="50000"/>
+                <a:lumOff val="50000"/>
+                <a:alpha val="20000"/>
+              </a:schemeClr>
+            </a:glow>
+            <a:outerShdw blurRad="44450" dist="12700" dir="13860000" algn="tl" rotWithShape="0">
+              <a:srgbClr val="000000">
+                <a:alpha val="20000"/>
+              </a:srgbClr>
+            </a:outerShdw>
+          </a:effectLst>
           <a:latin typeface="+mn-lt"/>
           <a:ea typeface="+mn-ea"/>
           <a:cs typeface="+mn-cs"/>
         </a:defRPr>
       </a:lvl5pPr>
-      <a:lvl6pPr marL="2514600" indent="-228600" algn="l" defTabSz="914400" rtl="0" eaLnBrk="1" latinLnBrk="0" hangingPunct="1">
-        <a:lnSpc>
-          <a:spcPct val="90000"/>
-        </a:lnSpc>
+      <a:lvl6pPr marL="2514600" indent="-228600" algn="l" defTabSz="457200" rtl="0" eaLnBrk="1" latinLnBrk="0" hangingPunct="1">
         <a:spcBef>
-          <a:spcPts val="500"/>
+          <a:spcPct val="20000"/>
         </a:spcBef>
-        <a:buFont typeface="Arial" panose="020B0604020202020204" pitchFamily="34" charset="0"/>
+        <a:spcAft>
+          <a:spcPts val="600"/>
+        </a:spcAft>
+        <a:buClr>
+          <a:schemeClr val="tx1"/>
+        </a:buClr>
+        <a:buSzPct val="100000"/>
+        <a:buFont typeface="Arial"/>
         <a:buChar char="•"/>
-        <a:defRPr sz="1800" kern="1200">
-          <a:solidFill>
-            <a:schemeClr val="tx1"/>
-          </a:solidFill>
+        <a:defRPr sz="1200" kern="1200" cap="small">
+          <a:gradFill flip="none" rotWithShape="1">
+            <a:gsLst>
+              <a:gs pos="0">
+                <a:schemeClr val="tx1"/>
+              </a:gs>
+              <a:gs pos="100000">
+                <a:schemeClr val="tx1">
+                  <a:lumMod val="75000"/>
+                </a:schemeClr>
+              </a:gs>
+            </a:gsLst>
+            <a:lin ang="5580000" scaled="0"/>
+            <a:tileRect/>
+          </a:gradFill>
+          <a:effectLst>
+            <a:glow rad="38100">
+              <a:schemeClr val="bg1">
+                <a:lumMod val="50000"/>
+                <a:lumOff val="50000"/>
+                <a:alpha val="20000"/>
+              </a:schemeClr>
+            </a:glow>
+            <a:outerShdw blurRad="44450" dist="12700" dir="13860000" algn="tl" rotWithShape="0">
+              <a:srgbClr val="000000">
+                <a:alpha val="20000"/>
+              </a:srgbClr>
+            </a:outerShdw>
+          </a:effectLst>
           <a:latin typeface="+mn-lt"/>
           <a:ea typeface="+mn-ea"/>
           <a:cs typeface="+mn-cs"/>
         </a:defRPr>
       </a:lvl6pPr>
-      <a:lvl7pPr marL="2971800" indent="-228600" algn="l" defTabSz="914400" rtl="0" eaLnBrk="1" latinLnBrk="0" hangingPunct="1">
-        <a:lnSpc>
-          <a:spcPct val="90000"/>
-        </a:lnSpc>
+      <a:lvl7pPr marL="2971800" indent="-228600" algn="l" defTabSz="457200" rtl="0" eaLnBrk="1" latinLnBrk="0" hangingPunct="1">
         <a:spcBef>
-          <a:spcPts val="500"/>
+          <a:spcPct val="20000"/>
         </a:spcBef>
-        <a:buFont typeface="Arial" panose="020B0604020202020204" pitchFamily="34" charset="0"/>
+        <a:spcAft>
+          <a:spcPts val="600"/>
+        </a:spcAft>
+        <a:buClr>
+          <a:schemeClr val="tx1"/>
+        </a:buClr>
+        <a:buSzPct val="100000"/>
+        <a:buFont typeface="Arial"/>
         <a:buChar char="•"/>
-        <a:defRPr sz="1800" kern="1200">
-          <a:solidFill>
-            <a:schemeClr val="tx1"/>
-          </a:solidFill>
+        <a:defRPr sz="1200" kern="1200" cap="small">
+          <a:gradFill flip="none" rotWithShape="1">
+            <a:gsLst>
+              <a:gs pos="0">
+                <a:schemeClr val="tx1"/>
+              </a:gs>
+              <a:gs pos="100000">
+                <a:schemeClr val="tx1">
+                  <a:lumMod val="75000"/>
+                </a:schemeClr>
+              </a:gs>
+            </a:gsLst>
+            <a:lin ang="5580000" scaled="0"/>
+            <a:tileRect/>
+          </a:gradFill>
+          <a:effectLst>
+            <a:glow rad="38100">
+              <a:schemeClr val="bg1">
+                <a:lumMod val="50000"/>
+                <a:lumOff val="50000"/>
+                <a:alpha val="20000"/>
+              </a:schemeClr>
+            </a:glow>
+            <a:outerShdw blurRad="44450" dist="12700" dir="13860000" algn="tl" rotWithShape="0">
+              <a:srgbClr val="000000">
+                <a:alpha val="20000"/>
+              </a:srgbClr>
+            </a:outerShdw>
+          </a:effectLst>
           <a:latin typeface="+mn-lt"/>
           <a:ea typeface="+mn-ea"/>
           <a:cs typeface="+mn-cs"/>
         </a:defRPr>
       </a:lvl7pPr>
-      <a:lvl8pPr marL="3429000" indent="-228600" algn="l" defTabSz="914400" rtl="0" eaLnBrk="1" latinLnBrk="0" hangingPunct="1">
-        <a:lnSpc>
-          <a:spcPct val="90000"/>
-        </a:lnSpc>
+      <a:lvl8pPr marL="3429000" indent="-228600" algn="l" defTabSz="457200" rtl="0" eaLnBrk="1" latinLnBrk="0" hangingPunct="1">
         <a:spcBef>
-          <a:spcPts val="500"/>
+          <a:spcPct val="20000"/>
         </a:spcBef>
-        <a:buFont typeface="Arial" panose="020B0604020202020204" pitchFamily="34" charset="0"/>
+        <a:spcAft>
+          <a:spcPts val="600"/>
+        </a:spcAft>
+        <a:buClr>
+          <a:schemeClr val="tx1"/>
+        </a:buClr>
+        <a:buSzPct val="100000"/>
+        <a:buFont typeface="Arial"/>
         <a:buChar char="•"/>
-        <a:defRPr sz="1800" kern="1200">
-          <a:solidFill>
-            <a:schemeClr val="tx1"/>
-          </a:solidFill>
+        <a:defRPr sz="1200" kern="1200" cap="small">
+          <a:gradFill flip="none" rotWithShape="1">
+            <a:gsLst>
+              <a:gs pos="0">
+                <a:schemeClr val="tx1"/>
+              </a:gs>
+              <a:gs pos="100000">
+                <a:schemeClr val="tx1">
+                  <a:lumMod val="75000"/>
+                </a:schemeClr>
+              </a:gs>
+            </a:gsLst>
+            <a:lin ang="5580000" scaled="0"/>
+            <a:tileRect/>
+          </a:gradFill>
+          <a:effectLst>
+            <a:glow rad="38100">
+              <a:schemeClr val="bg1">
+                <a:lumMod val="50000"/>
+                <a:lumOff val="50000"/>
+                <a:alpha val="20000"/>
+              </a:schemeClr>
+            </a:glow>
+            <a:outerShdw blurRad="44450" dist="12700" dir="13860000" algn="tl" rotWithShape="0">
+              <a:srgbClr val="000000">
+                <a:alpha val="20000"/>
+              </a:srgbClr>
+            </a:outerShdw>
+          </a:effectLst>
           <a:latin typeface="+mn-lt"/>
           <a:ea typeface="+mn-ea"/>
           <a:cs typeface="+mn-cs"/>
         </a:defRPr>
       </a:lvl8pPr>
-      <a:lvl9pPr marL="3886200" indent="-228600" algn="l" defTabSz="914400" rtl="0" eaLnBrk="1" latinLnBrk="0" hangingPunct="1">
-        <a:lnSpc>
-          <a:spcPct val="90000"/>
-        </a:lnSpc>
+      <a:lvl9pPr marL="3886200" indent="-228600" algn="l" defTabSz="457200" rtl="0" eaLnBrk="1" latinLnBrk="0" hangingPunct="1">
         <a:spcBef>
-          <a:spcPts val="500"/>
+          <a:spcPct val="20000"/>
         </a:spcBef>
-        <a:buFont typeface="Arial" panose="020B0604020202020204" pitchFamily="34" charset="0"/>
+        <a:spcAft>
+          <a:spcPts val="600"/>
+        </a:spcAft>
+        <a:buClr>
+          <a:schemeClr val="tx1"/>
+        </a:buClr>
+        <a:buSzPct val="100000"/>
+        <a:buFont typeface="Arial"/>
         <a:buChar char="•"/>
-        <a:defRPr sz="1800" kern="1200">
-          <a:solidFill>
-            <a:schemeClr val="tx1"/>
-          </a:solidFill>
+        <a:defRPr sz="1200" kern="1200" cap="small">
+          <a:gradFill flip="none" rotWithShape="1">
+            <a:gsLst>
+              <a:gs pos="0">
+                <a:schemeClr val="tx1"/>
+              </a:gs>
+              <a:gs pos="100000">
+                <a:schemeClr val="tx1">
+                  <a:lumMod val="75000"/>
+                </a:schemeClr>
+              </a:gs>
+            </a:gsLst>
+            <a:lin ang="5580000" scaled="0"/>
+            <a:tileRect/>
+          </a:gradFill>
+          <a:effectLst>
+            <a:glow rad="38100">
+              <a:schemeClr val="bg1">
+                <a:lumMod val="50000"/>
+                <a:lumOff val="50000"/>
+                <a:alpha val="20000"/>
+              </a:schemeClr>
+            </a:glow>
+            <a:outerShdw blurRad="44450" dist="12700" dir="13860000" algn="tl" rotWithShape="0">
+              <a:srgbClr val="000000">
+                <a:alpha val="20000"/>
+              </a:srgbClr>
+            </a:outerShdw>
+          </a:effectLst>
           <a:latin typeface="+mn-lt"/>
           <a:ea typeface="+mn-ea"/>
           <a:cs typeface="+mn-cs"/>
@@ -3209,7 +5616,7 @@
       <a:defPPr>
         <a:defRPr lang="en-US"/>
       </a:defPPr>
-      <a:lvl1pPr marL="0" algn="l" defTabSz="914400" rtl="0" eaLnBrk="1" latinLnBrk="0" hangingPunct="1">
+      <a:lvl1pPr marL="0" algn="l" defTabSz="457200" rtl="0" eaLnBrk="1" latinLnBrk="0" hangingPunct="1">
         <a:defRPr sz="1800" kern="1200">
           <a:solidFill>
             <a:schemeClr val="tx1"/>
@@ -3219,7 +5626,7 @@
           <a:cs typeface="+mn-cs"/>
         </a:defRPr>
       </a:lvl1pPr>
-      <a:lvl2pPr marL="457200" algn="l" defTabSz="914400" rtl="0" eaLnBrk="1" latinLnBrk="0" hangingPunct="1">
+      <a:lvl2pPr marL="457200" algn="l" defTabSz="457200" rtl="0" eaLnBrk="1" latinLnBrk="0" hangingPunct="1">
         <a:defRPr sz="1800" kern="1200">
           <a:solidFill>
             <a:schemeClr val="tx1"/>
@@ -3229,7 +5636,7 @@
           <a:cs typeface="+mn-cs"/>
         </a:defRPr>
       </a:lvl2pPr>
-      <a:lvl3pPr marL="914400" algn="l" defTabSz="914400" rtl="0" eaLnBrk="1" latinLnBrk="0" hangingPunct="1">
+      <a:lvl3pPr marL="914400" algn="l" defTabSz="457200" rtl="0" eaLnBrk="1" latinLnBrk="0" hangingPunct="1">
         <a:defRPr sz="1800" kern="1200">
           <a:solidFill>
             <a:schemeClr val="tx1"/>
@@ -3239,7 +5646,7 @@
           <a:cs typeface="+mn-cs"/>
         </a:defRPr>
       </a:lvl3pPr>
-      <a:lvl4pPr marL="1371600" algn="l" defTabSz="914400" rtl="0" eaLnBrk="1" latinLnBrk="0" hangingPunct="1">
+      <a:lvl4pPr marL="1371600" algn="l" defTabSz="457200" rtl="0" eaLnBrk="1" latinLnBrk="0" hangingPunct="1">
         <a:defRPr sz="1800" kern="1200">
           <a:solidFill>
             <a:schemeClr val="tx1"/>
@@ -3249,7 +5656,7 @@
           <a:cs typeface="+mn-cs"/>
         </a:defRPr>
       </a:lvl4pPr>
-      <a:lvl5pPr marL="1828800" algn="l" defTabSz="914400" rtl="0" eaLnBrk="1" latinLnBrk="0" hangingPunct="1">
+      <a:lvl5pPr marL="1828800" algn="l" defTabSz="457200" rtl="0" eaLnBrk="1" latinLnBrk="0" hangingPunct="1">
         <a:defRPr sz="1800" kern="1200">
           <a:solidFill>
             <a:schemeClr val="tx1"/>
@@ -3259,7 +5666,7 @@
           <a:cs typeface="+mn-cs"/>
         </a:defRPr>
       </a:lvl5pPr>
-      <a:lvl6pPr marL="2286000" algn="l" defTabSz="914400" rtl="0" eaLnBrk="1" latinLnBrk="0" hangingPunct="1">
+      <a:lvl6pPr marL="2286000" algn="l" defTabSz="457200" rtl="0" eaLnBrk="1" latinLnBrk="0" hangingPunct="1">
         <a:defRPr sz="1800" kern="1200">
           <a:solidFill>
             <a:schemeClr val="tx1"/>
@@ -3269,7 +5676,7 @@
           <a:cs typeface="+mn-cs"/>
         </a:defRPr>
       </a:lvl6pPr>
-      <a:lvl7pPr marL="2743200" algn="l" defTabSz="914400" rtl="0" eaLnBrk="1" latinLnBrk="0" hangingPunct="1">
+      <a:lvl7pPr marL="2743200" algn="l" defTabSz="457200" rtl="0" eaLnBrk="1" latinLnBrk="0" hangingPunct="1">
         <a:defRPr sz="1800" kern="1200">
           <a:solidFill>
             <a:schemeClr val="tx1"/>
@@ -3279,7 +5686,7 @@
           <a:cs typeface="+mn-cs"/>
         </a:defRPr>
       </a:lvl7pPr>
-      <a:lvl8pPr marL="3200400" algn="l" defTabSz="914400" rtl="0" eaLnBrk="1" latinLnBrk="0" hangingPunct="1">
+      <a:lvl8pPr marL="3200400" algn="l" defTabSz="457200" rtl="0" eaLnBrk="1" latinLnBrk="0" hangingPunct="1">
         <a:defRPr sz="1800" kern="1200">
           <a:solidFill>
             <a:schemeClr val="tx1"/>
@@ -3289,7 +5696,7 @@
           <a:cs typeface="+mn-cs"/>
         </a:defRPr>
       </a:lvl8pPr>
-      <a:lvl9pPr marL="3657600" algn="l" defTabSz="914400" rtl="0" eaLnBrk="1" latinLnBrk="0" hangingPunct="1">
+      <a:lvl9pPr marL="3657600" algn="l" defTabSz="457200" rtl="0" eaLnBrk="1" latinLnBrk="0" hangingPunct="1">
         <a:defRPr sz="1800" kern="1200">
           <a:solidFill>
             <a:schemeClr val="tx1"/>
@@ -3326,7 +5733,7 @@
           <p:cNvPr id="2" name="Title 1">
             <a:extLst>
               <a:ext uri="{FF2B5EF4-FFF2-40B4-BE49-F238E27FC236}">
-                <a16:creationId xmlns:a16="http://schemas.microsoft.com/office/drawing/2014/main" id="{9ED35C0E-B4EE-36B8-9B66-2BCEBD132C16}"/>
+                <a16:creationId xmlns:a16="http://schemas.microsoft.com/office/drawing/2014/main" id="{716774B4-B544-E5F6-2437-2AC6536DD9FF}"/>
               </a:ext>
             </a:extLst>
           </p:cNvPr>
@@ -3342,7 +5749,11 @@
           <a:bodyPr/>
           <a:lstStyle/>
           <a:p>
-            <a:endParaRPr lang="en-US"/>
+            <a:r>
+              <a:rPr lang="en-US" dirty="0" err="1"/>
+              <a:t>EncryptNotes</a:t>
+            </a:r>
+            <a:endParaRPr lang="en-US" dirty="0"/>
           </a:p>
         </p:txBody>
       </p:sp>
@@ -3351,7 +5762,7 @@
           <p:cNvPr id="3" name="Subtitle 2">
             <a:extLst>
               <a:ext uri="{FF2B5EF4-FFF2-40B4-BE49-F238E27FC236}">
-                <a16:creationId xmlns:a16="http://schemas.microsoft.com/office/drawing/2014/main" id="{D1F376CA-E776-AA4B-998B-5DC49F06685E}"/>
+                <a16:creationId xmlns:a16="http://schemas.microsoft.com/office/drawing/2014/main" id="{A0EF6099-B7E2-AFA9-4B9E-94A36CA3E9EF}"/>
               </a:ext>
             </a:extLst>
           </p:cNvPr>
@@ -3367,14 +5778,1134 @@
           <a:bodyPr/>
           <a:lstStyle/>
           <a:p>
-            <a:endParaRPr lang="en-US"/>
+            <a:r>
+              <a:rPr lang="en-US" dirty="0"/>
+              <a:t>Secure and Intelligent Note Management</a:t>
+            </a:r>
+          </a:p>
+        </p:txBody>
+      </p:sp>
+      <p:sp>
+        <p:nvSpPr>
+          <p:cNvPr id="4" name="TextBox 3">
+            <a:extLst>
+              <a:ext uri="{FF2B5EF4-FFF2-40B4-BE49-F238E27FC236}">
+                <a16:creationId xmlns:a16="http://schemas.microsoft.com/office/drawing/2014/main" id="{03C5AE63-3A29-ABB6-54AC-D750911916AD}"/>
+              </a:ext>
+            </a:extLst>
+          </p:cNvPr>
+          <p:cNvSpPr txBox="1"/>
+          <p:nvPr/>
+        </p:nvSpPr>
+        <p:spPr>
+          <a:xfrm>
+            <a:off x="4666648" y="4385548"/>
+            <a:ext cx="2858703" cy="369332"/>
+          </a:xfrm>
+          <a:prstGeom prst="rect">
+            <a:avLst/>
+          </a:prstGeom>
+          <a:noFill/>
+        </p:spPr>
+        <p:txBody>
+          <a:bodyPr wrap="square" rtlCol="0">
+            <a:spAutoFit/>
+          </a:bodyPr>
+          <a:lstStyle/>
+          <a:p>
+            <a:r>
+              <a:rPr lang="en-US" dirty="0"/>
+              <a:t>CPT-200 Team 2 Phase 4</a:t>
+            </a:r>
           </a:p>
         </p:txBody>
       </p:sp>
     </p:spTree>
     <p:extLst>
       <p:ext uri="{BB962C8B-B14F-4D97-AF65-F5344CB8AC3E}">
-        <p14:creationId xmlns:p14="http://schemas.microsoft.com/office/powerpoint/2010/main" val="2666493700"/>
+        <p14:creationId xmlns:p14="http://schemas.microsoft.com/office/powerpoint/2010/main" val="3750658521"/>
+      </p:ext>
+    </p:extLst>
+  </p:cSld>
+  <p:clrMapOvr>
+    <a:masterClrMapping/>
+  </p:clrMapOvr>
+</p:sld>
+</file>
+
+<file path=ppt/slides/slide10.xml><?xml version="1.0" encoding="utf-8"?>
+<p:sld xmlns:a="http://schemas.openxmlformats.org/drawingml/2006/main" xmlns:r="http://schemas.openxmlformats.org/officeDocument/2006/relationships" xmlns:p="http://schemas.openxmlformats.org/presentationml/2006/main">
+  <p:cSld>
+    <p:spTree>
+      <p:nvGrpSpPr>
+        <p:cNvPr id="1" name=""/>
+        <p:cNvGrpSpPr/>
+        <p:nvPr/>
+      </p:nvGrpSpPr>
+      <p:grpSpPr>
+        <a:xfrm>
+          <a:off x="0" y="0"/>
+          <a:ext cx="0" cy="0"/>
+          <a:chOff x="0" y="0"/>
+          <a:chExt cx="0" cy="0"/>
+        </a:xfrm>
+      </p:grpSpPr>
+      <p:sp>
+        <p:nvSpPr>
+          <p:cNvPr id="2" name="Title 1">
+            <a:extLst>
+              <a:ext uri="{FF2B5EF4-FFF2-40B4-BE49-F238E27FC236}">
+                <a16:creationId xmlns:a16="http://schemas.microsoft.com/office/drawing/2014/main" id="{0AD4E77C-0CD8-0FC8-52F6-B04EB879D799}"/>
+              </a:ext>
+            </a:extLst>
+          </p:cNvPr>
+          <p:cNvSpPr>
+            <a:spLocks noGrp="1"/>
+          </p:cNvSpPr>
+          <p:nvPr>
+            <p:ph type="title"/>
+          </p:nvPr>
+        </p:nvSpPr>
+        <p:spPr/>
+        <p:txBody>
+          <a:bodyPr/>
+          <a:lstStyle/>
+          <a:p>
+            <a:r>
+              <a:rPr lang="en-US" dirty="0"/>
+              <a:t>DEMONSTRATION</a:t>
+            </a:r>
+          </a:p>
+        </p:txBody>
+      </p:sp>
+      <p:sp>
+        <p:nvSpPr>
+          <p:cNvPr id="3" name="Content Placeholder 2">
+            <a:extLst>
+              <a:ext uri="{FF2B5EF4-FFF2-40B4-BE49-F238E27FC236}">
+                <a16:creationId xmlns:a16="http://schemas.microsoft.com/office/drawing/2014/main" id="{C78EF7D1-A0A4-CC89-E337-611E61DA2FB1}"/>
+              </a:ext>
+            </a:extLst>
+          </p:cNvPr>
+          <p:cNvSpPr>
+            <a:spLocks noGrp="1"/>
+          </p:cNvSpPr>
+          <p:nvPr>
+            <p:ph idx="1"/>
+          </p:nvPr>
+        </p:nvSpPr>
+        <p:spPr/>
+        <p:txBody>
+          <a:bodyPr/>
+          <a:lstStyle/>
+          <a:p>
+            <a:endParaRPr lang="en-US"/>
+          </a:p>
+        </p:txBody>
+      </p:sp>
+    </p:spTree>
+    <p:extLst>
+      <p:ext uri="{BB962C8B-B14F-4D97-AF65-F5344CB8AC3E}">
+        <p14:creationId xmlns:p14="http://schemas.microsoft.com/office/powerpoint/2010/main" val="4248588887"/>
+      </p:ext>
+    </p:extLst>
+  </p:cSld>
+  <p:clrMapOvr>
+    <a:masterClrMapping/>
+  </p:clrMapOvr>
+</p:sld>
+</file>
+
+<file path=ppt/slides/slide11.xml><?xml version="1.0" encoding="utf-8"?>
+<p:sld xmlns:a="http://schemas.openxmlformats.org/drawingml/2006/main" xmlns:r="http://schemas.openxmlformats.org/officeDocument/2006/relationships" xmlns:p="http://schemas.openxmlformats.org/presentationml/2006/main">
+  <p:cSld>
+    <p:spTree>
+      <p:nvGrpSpPr>
+        <p:cNvPr id="1" name=""/>
+        <p:cNvGrpSpPr/>
+        <p:nvPr/>
+      </p:nvGrpSpPr>
+      <p:grpSpPr>
+        <a:xfrm>
+          <a:off x="0" y="0"/>
+          <a:ext cx="0" cy="0"/>
+          <a:chOff x="0" y="0"/>
+          <a:chExt cx="0" cy="0"/>
+        </a:xfrm>
+      </p:grpSpPr>
+      <p:sp>
+        <p:nvSpPr>
+          <p:cNvPr id="2" name="Title 1">
+            <a:extLst>
+              <a:ext uri="{FF2B5EF4-FFF2-40B4-BE49-F238E27FC236}">
+                <a16:creationId xmlns:a16="http://schemas.microsoft.com/office/drawing/2014/main" id="{D6046A5F-04B7-E666-C0BD-391C785DF237}"/>
+              </a:ext>
+            </a:extLst>
+          </p:cNvPr>
+          <p:cNvSpPr>
+            <a:spLocks noGrp="1"/>
+          </p:cNvSpPr>
+          <p:nvPr>
+            <p:ph type="title"/>
+          </p:nvPr>
+        </p:nvSpPr>
+        <p:spPr/>
+        <p:txBody>
+          <a:bodyPr/>
+          <a:lstStyle/>
+          <a:p>
+            <a:r>
+              <a:rPr lang="en-US" dirty="0"/>
+              <a:t>Any Questions?</a:t>
+            </a:r>
+          </a:p>
+        </p:txBody>
+      </p:sp>
+      <p:sp>
+        <p:nvSpPr>
+          <p:cNvPr id="3" name="Content Placeholder 2">
+            <a:extLst>
+              <a:ext uri="{FF2B5EF4-FFF2-40B4-BE49-F238E27FC236}">
+                <a16:creationId xmlns:a16="http://schemas.microsoft.com/office/drawing/2014/main" id="{067821FB-D4F3-E10F-85DE-CDEFA625E556}"/>
+              </a:ext>
+            </a:extLst>
+          </p:cNvPr>
+          <p:cNvSpPr>
+            <a:spLocks noGrp="1"/>
+          </p:cNvSpPr>
+          <p:nvPr>
+            <p:ph idx="1"/>
+          </p:nvPr>
+        </p:nvSpPr>
+        <p:spPr/>
+        <p:txBody>
+          <a:bodyPr/>
+          <a:lstStyle/>
+          <a:p>
+            <a:endParaRPr lang="en-US"/>
+          </a:p>
+        </p:txBody>
+      </p:sp>
+    </p:spTree>
+    <p:extLst>
+      <p:ext uri="{BB962C8B-B14F-4D97-AF65-F5344CB8AC3E}">
+        <p14:creationId xmlns:p14="http://schemas.microsoft.com/office/powerpoint/2010/main" val="2529474582"/>
+      </p:ext>
+    </p:extLst>
+  </p:cSld>
+  <p:clrMapOvr>
+    <a:masterClrMapping/>
+  </p:clrMapOvr>
+</p:sld>
+</file>
+
+<file path=ppt/slides/slide2.xml><?xml version="1.0" encoding="utf-8"?>
+<p:sld xmlns:a="http://schemas.openxmlformats.org/drawingml/2006/main" xmlns:r="http://schemas.openxmlformats.org/officeDocument/2006/relationships" xmlns:p="http://schemas.openxmlformats.org/presentationml/2006/main">
+  <p:cSld>
+    <p:spTree>
+      <p:nvGrpSpPr>
+        <p:cNvPr id="1" name=""/>
+        <p:cNvGrpSpPr/>
+        <p:nvPr/>
+      </p:nvGrpSpPr>
+      <p:grpSpPr>
+        <a:xfrm>
+          <a:off x="0" y="0"/>
+          <a:ext cx="0" cy="0"/>
+          <a:chOff x="0" y="0"/>
+          <a:chExt cx="0" cy="0"/>
+        </a:xfrm>
+      </p:grpSpPr>
+      <p:sp>
+        <p:nvSpPr>
+          <p:cNvPr id="2" name="Title 1">
+            <a:extLst>
+              <a:ext uri="{FF2B5EF4-FFF2-40B4-BE49-F238E27FC236}">
+                <a16:creationId xmlns:a16="http://schemas.microsoft.com/office/drawing/2014/main" id="{71009A36-DC85-E421-80F0-0A2FFD57C546}"/>
+              </a:ext>
+            </a:extLst>
+          </p:cNvPr>
+          <p:cNvSpPr>
+            <a:spLocks noGrp="1"/>
+          </p:cNvSpPr>
+          <p:nvPr>
+            <p:ph type="title"/>
+          </p:nvPr>
+        </p:nvSpPr>
+        <p:spPr/>
+        <p:txBody>
+          <a:bodyPr/>
+          <a:lstStyle/>
+          <a:p>
+            <a:r>
+              <a:rPr lang="en-US" dirty="0"/>
+              <a:t>What is </a:t>
+            </a:r>
+            <a:r>
+              <a:rPr lang="en-US" dirty="0" err="1"/>
+              <a:t>EncryptNotes</a:t>
+            </a:r>
+            <a:r>
+              <a:rPr lang="en-US" dirty="0"/>
+              <a:t>?</a:t>
+            </a:r>
+          </a:p>
+        </p:txBody>
+      </p:sp>
+      <p:sp>
+        <p:nvSpPr>
+          <p:cNvPr id="3" name="Content Placeholder 2">
+            <a:extLst>
+              <a:ext uri="{FF2B5EF4-FFF2-40B4-BE49-F238E27FC236}">
+                <a16:creationId xmlns:a16="http://schemas.microsoft.com/office/drawing/2014/main" id="{973EE8C1-B7C0-0367-A265-2CB463B12D6B}"/>
+              </a:ext>
+            </a:extLst>
+          </p:cNvPr>
+          <p:cNvSpPr>
+            <a:spLocks noGrp="1"/>
+          </p:cNvSpPr>
+          <p:nvPr>
+            <p:ph idx="1"/>
+          </p:nvPr>
+        </p:nvSpPr>
+        <p:spPr/>
+        <p:txBody>
+          <a:bodyPr>
+            <a:normAutofit/>
+          </a:bodyPr>
+          <a:lstStyle/>
+          <a:p>
+            <a:r>
+              <a:rPr lang="en-US" sz="2600" dirty="0"/>
+              <a:t>Secure, AI-powered Note App</a:t>
+            </a:r>
+          </a:p>
+          <a:p>
+            <a:r>
+              <a:rPr lang="en-US" sz="2600" dirty="0"/>
+              <a:t>Accessed from Web Browser</a:t>
+            </a:r>
+          </a:p>
+          <a:p>
+            <a:r>
+              <a:rPr lang="en-US" sz="2600" dirty="0"/>
+              <a:t>Privacy &amp; Efficiency Top priorities</a:t>
+            </a:r>
+          </a:p>
+        </p:txBody>
+      </p:sp>
+    </p:spTree>
+    <p:extLst>
+      <p:ext uri="{BB962C8B-B14F-4D97-AF65-F5344CB8AC3E}">
+        <p14:creationId xmlns:p14="http://schemas.microsoft.com/office/powerpoint/2010/main" val="3187782824"/>
+      </p:ext>
+    </p:extLst>
+  </p:cSld>
+  <p:clrMapOvr>
+    <a:masterClrMapping/>
+  </p:clrMapOvr>
+</p:sld>
+</file>
+
+<file path=ppt/slides/slide3.xml><?xml version="1.0" encoding="utf-8"?>
+<p:sld xmlns:a="http://schemas.openxmlformats.org/drawingml/2006/main" xmlns:r="http://schemas.openxmlformats.org/officeDocument/2006/relationships" xmlns:p="http://schemas.openxmlformats.org/presentationml/2006/main">
+  <p:cSld>
+    <p:spTree>
+      <p:nvGrpSpPr>
+        <p:cNvPr id="1" name=""/>
+        <p:cNvGrpSpPr/>
+        <p:nvPr/>
+      </p:nvGrpSpPr>
+      <p:grpSpPr>
+        <a:xfrm>
+          <a:off x="0" y="0"/>
+          <a:ext cx="0" cy="0"/>
+          <a:chOff x="0" y="0"/>
+          <a:chExt cx="0" cy="0"/>
+        </a:xfrm>
+      </p:grpSpPr>
+      <p:sp>
+        <p:nvSpPr>
+          <p:cNvPr id="2" name="Title 1">
+            <a:extLst>
+              <a:ext uri="{FF2B5EF4-FFF2-40B4-BE49-F238E27FC236}">
+                <a16:creationId xmlns:a16="http://schemas.microsoft.com/office/drawing/2014/main" id="{AFE8F3E4-2B6F-3CB7-E480-A07301791795}"/>
+              </a:ext>
+            </a:extLst>
+          </p:cNvPr>
+          <p:cNvSpPr>
+            <a:spLocks noGrp="1"/>
+          </p:cNvSpPr>
+          <p:nvPr>
+            <p:ph type="title"/>
+          </p:nvPr>
+        </p:nvSpPr>
+        <p:spPr/>
+        <p:txBody>
+          <a:bodyPr/>
+          <a:lstStyle/>
+          <a:p>
+            <a:r>
+              <a:rPr lang="en-US" dirty="0"/>
+              <a:t>Why </a:t>
+            </a:r>
+            <a:r>
+              <a:rPr lang="en-US" dirty="0" err="1"/>
+              <a:t>EncryptNotes</a:t>
+            </a:r>
+            <a:r>
+              <a:rPr lang="en-US" dirty="0"/>
+              <a:t>?</a:t>
+            </a:r>
+          </a:p>
+        </p:txBody>
+      </p:sp>
+      <p:sp>
+        <p:nvSpPr>
+          <p:cNvPr id="3" name="Content Placeholder 2">
+            <a:extLst>
+              <a:ext uri="{FF2B5EF4-FFF2-40B4-BE49-F238E27FC236}">
+                <a16:creationId xmlns:a16="http://schemas.microsoft.com/office/drawing/2014/main" id="{81E75F59-D20D-F5C6-CDC6-460A9708366C}"/>
+              </a:ext>
+            </a:extLst>
+          </p:cNvPr>
+          <p:cNvSpPr>
+            <a:spLocks noGrp="1"/>
+          </p:cNvSpPr>
+          <p:nvPr>
+            <p:ph idx="1"/>
+          </p:nvPr>
+        </p:nvSpPr>
+        <p:spPr/>
+        <p:txBody>
+          <a:bodyPr>
+            <a:normAutofit/>
+          </a:bodyPr>
+          <a:lstStyle/>
+          <a:p>
+            <a:r>
+              <a:rPr lang="en-US" sz="2600" dirty="0"/>
+              <a:t>Other apps -</a:t>
+            </a:r>
+          </a:p>
+          <a:p>
+            <a:pPr lvl="1"/>
+            <a:r>
+              <a:rPr lang="en-US" sz="2600" dirty="0"/>
+              <a:t>Lack of security</a:t>
+            </a:r>
+          </a:p>
+          <a:p>
+            <a:pPr lvl="1"/>
+            <a:r>
+              <a:rPr lang="en-US" sz="2600" dirty="0"/>
+              <a:t>Poor organization</a:t>
+            </a:r>
+          </a:p>
+          <a:p>
+            <a:pPr lvl="1"/>
+            <a:r>
+              <a:rPr lang="en-US" sz="2600" dirty="0"/>
+              <a:t>No automatic categorization</a:t>
+            </a:r>
+          </a:p>
+        </p:txBody>
+      </p:sp>
+    </p:spTree>
+    <p:extLst>
+      <p:ext uri="{BB962C8B-B14F-4D97-AF65-F5344CB8AC3E}">
+        <p14:creationId xmlns:p14="http://schemas.microsoft.com/office/powerpoint/2010/main" val="1824075243"/>
+      </p:ext>
+    </p:extLst>
+  </p:cSld>
+  <p:clrMapOvr>
+    <a:masterClrMapping/>
+  </p:clrMapOvr>
+</p:sld>
+</file>
+
+<file path=ppt/slides/slide4.xml><?xml version="1.0" encoding="utf-8"?>
+<p:sld xmlns:a="http://schemas.openxmlformats.org/drawingml/2006/main" xmlns:r="http://schemas.openxmlformats.org/officeDocument/2006/relationships" xmlns:p="http://schemas.openxmlformats.org/presentationml/2006/main">
+  <p:cSld>
+    <p:spTree>
+      <p:nvGrpSpPr>
+        <p:cNvPr id="1" name=""/>
+        <p:cNvGrpSpPr/>
+        <p:nvPr/>
+      </p:nvGrpSpPr>
+      <p:grpSpPr>
+        <a:xfrm>
+          <a:off x="0" y="0"/>
+          <a:ext cx="0" cy="0"/>
+          <a:chOff x="0" y="0"/>
+          <a:chExt cx="0" cy="0"/>
+        </a:xfrm>
+      </p:grpSpPr>
+      <p:sp>
+        <p:nvSpPr>
+          <p:cNvPr id="2" name="Title 1">
+            <a:extLst>
+              <a:ext uri="{FF2B5EF4-FFF2-40B4-BE49-F238E27FC236}">
+                <a16:creationId xmlns:a16="http://schemas.microsoft.com/office/drawing/2014/main" id="{191BEA63-768A-C296-73CE-FB1EDFA93A6D}"/>
+              </a:ext>
+            </a:extLst>
+          </p:cNvPr>
+          <p:cNvSpPr>
+            <a:spLocks noGrp="1"/>
+          </p:cNvSpPr>
+          <p:nvPr>
+            <p:ph type="title"/>
+          </p:nvPr>
+        </p:nvSpPr>
+        <p:spPr/>
+        <p:txBody>
+          <a:bodyPr/>
+          <a:lstStyle/>
+          <a:p>
+            <a:r>
+              <a:rPr lang="en-US" dirty="0"/>
+              <a:t>Solution</a:t>
+            </a:r>
+          </a:p>
+        </p:txBody>
+      </p:sp>
+      <p:sp>
+        <p:nvSpPr>
+          <p:cNvPr id="3" name="Content Placeholder 2">
+            <a:extLst>
+              <a:ext uri="{FF2B5EF4-FFF2-40B4-BE49-F238E27FC236}">
+                <a16:creationId xmlns:a16="http://schemas.microsoft.com/office/drawing/2014/main" id="{F0DB0EFB-00E5-1599-8E26-8385B22B2D94}"/>
+              </a:ext>
+            </a:extLst>
+          </p:cNvPr>
+          <p:cNvSpPr>
+            <a:spLocks noGrp="1"/>
+          </p:cNvSpPr>
+          <p:nvPr>
+            <p:ph idx="1"/>
+          </p:nvPr>
+        </p:nvSpPr>
+        <p:spPr/>
+        <p:txBody>
+          <a:bodyPr>
+            <a:normAutofit/>
+          </a:bodyPr>
+          <a:lstStyle/>
+          <a:p>
+            <a:r>
+              <a:rPr lang="en-US" sz="2600" dirty="0"/>
+              <a:t>End to End Encryption</a:t>
+            </a:r>
+          </a:p>
+          <a:p>
+            <a:r>
+              <a:rPr lang="en-US" sz="2600" dirty="0"/>
+              <a:t>AI-Power Categorization</a:t>
+            </a:r>
+          </a:p>
+          <a:p>
+            <a:r>
+              <a:rPr lang="en-US" sz="2600" dirty="0"/>
+              <a:t>User-Controlled Security Setting</a:t>
+            </a:r>
+          </a:p>
+        </p:txBody>
+      </p:sp>
+    </p:spTree>
+    <p:extLst>
+      <p:ext uri="{BB962C8B-B14F-4D97-AF65-F5344CB8AC3E}">
+        <p14:creationId xmlns:p14="http://schemas.microsoft.com/office/powerpoint/2010/main" val="14336385"/>
+      </p:ext>
+    </p:extLst>
+  </p:cSld>
+  <p:clrMapOvr>
+    <a:masterClrMapping/>
+  </p:clrMapOvr>
+</p:sld>
+</file>
+
+<file path=ppt/slides/slide5.xml><?xml version="1.0" encoding="utf-8"?>
+<p:sld xmlns:a="http://schemas.openxmlformats.org/drawingml/2006/main" xmlns:r="http://schemas.openxmlformats.org/officeDocument/2006/relationships" xmlns:p="http://schemas.openxmlformats.org/presentationml/2006/main">
+  <p:cSld>
+    <p:spTree>
+      <p:nvGrpSpPr>
+        <p:cNvPr id="1" name=""/>
+        <p:cNvGrpSpPr/>
+        <p:nvPr/>
+      </p:nvGrpSpPr>
+      <p:grpSpPr>
+        <a:xfrm>
+          <a:off x="0" y="0"/>
+          <a:ext cx="0" cy="0"/>
+          <a:chOff x="0" y="0"/>
+          <a:chExt cx="0" cy="0"/>
+        </a:xfrm>
+      </p:grpSpPr>
+      <p:sp>
+        <p:nvSpPr>
+          <p:cNvPr id="2" name="Title 1">
+            <a:extLst>
+              <a:ext uri="{FF2B5EF4-FFF2-40B4-BE49-F238E27FC236}">
+                <a16:creationId xmlns:a16="http://schemas.microsoft.com/office/drawing/2014/main" id="{8D78510C-A2C7-A2D5-7B80-3381177557B1}"/>
+              </a:ext>
+            </a:extLst>
+          </p:cNvPr>
+          <p:cNvSpPr>
+            <a:spLocks noGrp="1"/>
+          </p:cNvSpPr>
+          <p:nvPr>
+            <p:ph type="title"/>
+          </p:nvPr>
+        </p:nvSpPr>
+        <p:spPr/>
+        <p:txBody>
+          <a:bodyPr/>
+          <a:lstStyle/>
+          <a:p>
+            <a:r>
+              <a:rPr lang="en-US" dirty="0"/>
+              <a:t>Features</a:t>
+            </a:r>
+          </a:p>
+        </p:txBody>
+      </p:sp>
+      <p:sp>
+        <p:nvSpPr>
+          <p:cNvPr id="3" name="Content Placeholder 2">
+            <a:extLst>
+              <a:ext uri="{FF2B5EF4-FFF2-40B4-BE49-F238E27FC236}">
+                <a16:creationId xmlns:a16="http://schemas.microsoft.com/office/drawing/2014/main" id="{27BBD2A4-CD5B-8EB1-5DEF-FC435FE739A8}"/>
+              </a:ext>
+            </a:extLst>
+          </p:cNvPr>
+          <p:cNvSpPr>
+            <a:spLocks noGrp="1"/>
+          </p:cNvSpPr>
+          <p:nvPr>
+            <p:ph idx="1"/>
+          </p:nvPr>
+        </p:nvSpPr>
+        <p:spPr/>
+        <p:txBody>
+          <a:bodyPr>
+            <a:normAutofit/>
+          </a:bodyPr>
+          <a:lstStyle/>
+          <a:p>
+            <a:r>
+              <a:rPr lang="en-US" sz="2600" dirty="0"/>
+              <a:t>Secure Encryption</a:t>
+            </a:r>
+          </a:p>
+          <a:p>
+            <a:r>
+              <a:rPr lang="en-US" sz="2600" dirty="0"/>
+              <a:t>AI Categorization</a:t>
+            </a:r>
+          </a:p>
+          <a:p>
+            <a:r>
+              <a:rPr lang="en-US" sz="2600" dirty="0"/>
+              <a:t>Note Editing and management</a:t>
+            </a:r>
+          </a:p>
+          <a:p>
+            <a:r>
+              <a:rPr lang="en-US" sz="2600" dirty="0"/>
+              <a:t>User account Control</a:t>
+            </a:r>
+          </a:p>
+        </p:txBody>
+      </p:sp>
+    </p:spTree>
+    <p:extLst>
+      <p:ext uri="{BB962C8B-B14F-4D97-AF65-F5344CB8AC3E}">
+        <p14:creationId xmlns:p14="http://schemas.microsoft.com/office/powerpoint/2010/main" val="4202847791"/>
+      </p:ext>
+    </p:extLst>
+  </p:cSld>
+  <p:clrMapOvr>
+    <a:masterClrMapping/>
+  </p:clrMapOvr>
+</p:sld>
+</file>
+
+<file path=ppt/slides/slide6.xml><?xml version="1.0" encoding="utf-8"?>
+<p:sld xmlns:a="http://schemas.openxmlformats.org/drawingml/2006/main" xmlns:r="http://schemas.openxmlformats.org/officeDocument/2006/relationships" xmlns:p="http://schemas.openxmlformats.org/presentationml/2006/main">
+  <p:cSld>
+    <p:spTree>
+      <p:nvGrpSpPr>
+        <p:cNvPr id="1" name=""/>
+        <p:cNvGrpSpPr/>
+        <p:nvPr/>
+      </p:nvGrpSpPr>
+      <p:grpSpPr>
+        <a:xfrm>
+          <a:off x="0" y="0"/>
+          <a:ext cx="0" cy="0"/>
+          <a:chOff x="0" y="0"/>
+          <a:chExt cx="0" cy="0"/>
+        </a:xfrm>
+      </p:grpSpPr>
+      <p:sp>
+        <p:nvSpPr>
+          <p:cNvPr id="2" name="Title 1">
+            <a:extLst>
+              <a:ext uri="{FF2B5EF4-FFF2-40B4-BE49-F238E27FC236}">
+                <a16:creationId xmlns:a16="http://schemas.microsoft.com/office/drawing/2014/main" id="{4094AF3D-87A0-8D7B-ED75-2BDA29D15BDC}"/>
+              </a:ext>
+            </a:extLst>
+          </p:cNvPr>
+          <p:cNvSpPr>
+            <a:spLocks noGrp="1"/>
+          </p:cNvSpPr>
+          <p:nvPr>
+            <p:ph type="title"/>
+          </p:nvPr>
+        </p:nvSpPr>
+        <p:spPr/>
+        <p:txBody>
+          <a:bodyPr/>
+          <a:lstStyle/>
+          <a:p>
+            <a:r>
+              <a:rPr lang="en-US" dirty="0"/>
+              <a:t>Technical Overview</a:t>
+            </a:r>
+          </a:p>
+        </p:txBody>
+      </p:sp>
+      <p:sp>
+        <p:nvSpPr>
+          <p:cNvPr id="3" name="Content Placeholder 2">
+            <a:extLst>
+              <a:ext uri="{FF2B5EF4-FFF2-40B4-BE49-F238E27FC236}">
+                <a16:creationId xmlns:a16="http://schemas.microsoft.com/office/drawing/2014/main" id="{7CA006D7-7350-B626-6838-94BB9353B028}"/>
+              </a:ext>
+            </a:extLst>
+          </p:cNvPr>
+          <p:cNvSpPr>
+            <a:spLocks noGrp="1"/>
+          </p:cNvSpPr>
+          <p:nvPr>
+            <p:ph idx="1"/>
+          </p:nvPr>
+        </p:nvSpPr>
+        <p:spPr>
+          <a:xfrm>
+            <a:off x="1141413" y="2666999"/>
+            <a:ext cx="9905998" cy="3387292"/>
+          </a:xfrm>
+        </p:spPr>
+        <p:txBody>
+          <a:bodyPr>
+            <a:normAutofit fontScale="92500" lnSpcReduction="10000"/>
+          </a:bodyPr>
+          <a:lstStyle/>
+          <a:p>
+            <a:r>
+              <a:rPr lang="en-US" sz="2600" dirty="0"/>
+              <a:t>Encryption</a:t>
+            </a:r>
+          </a:p>
+          <a:p>
+            <a:pPr lvl="1"/>
+            <a:r>
+              <a:rPr lang="en-US" sz="2600" dirty="0"/>
+              <a:t>Data Encrypted Before Saving to Database</a:t>
+            </a:r>
+          </a:p>
+          <a:p>
+            <a:pPr lvl="1"/>
+            <a:r>
+              <a:rPr lang="en-US" sz="2600" dirty="0"/>
+              <a:t>Decrypted Upon access from Database</a:t>
+            </a:r>
+          </a:p>
+          <a:p>
+            <a:r>
+              <a:rPr lang="en-US" sz="2600" dirty="0"/>
+              <a:t>AI Integration</a:t>
+            </a:r>
+          </a:p>
+          <a:p>
+            <a:pPr lvl="1"/>
+            <a:r>
+              <a:rPr lang="en-US" sz="2600" dirty="0"/>
+              <a:t>Google Cloud Natural Language API</a:t>
+            </a:r>
+          </a:p>
+          <a:p>
+            <a:r>
+              <a:rPr lang="en-US" sz="2600" dirty="0"/>
+              <a:t>User Authentication</a:t>
+            </a:r>
+          </a:p>
+          <a:p>
+            <a:pPr lvl="1"/>
+            <a:r>
+              <a:rPr lang="en-US" sz="2600" dirty="0"/>
+              <a:t>Secure authentication With Django</a:t>
+            </a:r>
+          </a:p>
+          <a:p>
+            <a:pPr marL="457200" lvl="1" indent="0">
+              <a:buNone/>
+            </a:pPr>
+            <a:endParaRPr lang="en-US" dirty="0"/>
+          </a:p>
+        </p:txBody>
+      </p:sp>
+    </p:spTree>
+    <p:extLst>
+      <p:ext uri="{BB962C8B-B14F-4D97-AF65-F5344CB8AC3E}">
+        <p14:creationId xmlns:p14="http://schemas.microsoft.com/office/powerpoint/2010/main" val="2762413227"/>
+      </p:ext>
+    </p:extLst>
+  </p:cSld>
+  <p:clrMapOvr>
+    <a:masterClrMapping/>
+  </p:clrMapOvr>
+</p:sld>
+</file>
+
+<file path=ppt/slides/slide7.xml><?xml version="1.0" encoding="utf-8"?>
+<p:sld xmlns:a="http://schemas.openxmlformats.org/drawingml/2006/main" xmlns:r="http://schemas.openxmlformats.org/officeDocument/2006/relationships" xmlns:p="http://schemas.openxmlformats.org/presentationml/2006/main">
+  <p:cSld>
+    <p:spTree>
+      <p:nvGrpSpPr>
+        <p:cNvPr id="1" name=""/>
+        <p:cNvGrpSpPr/>
+        <p:nvPr/>
+      </p:nvGrpSpPr>
+      <p:grpSpPr>
+        <a:xfrm>
+          <a:off x="0" y="0"/>
+          <a:ext cx="0" cy="0"/>
+          <a:chOff x="0" y="0"/>
+          <a:chExt cx="0" cy="0"/>
+        </a:xfrm>
+      </p:grpSpPr>
+      <p:sp>
+        <p:nvSpPr>
+          <p:cNvPr id="2" name="Title 1">
+            <a:extLst>
+              <a:ext uri="{FF2B5EF4-FFF2-40B4-BE49-F238E27FC236}">
+                <a16:creationId xmlns:a16="http://schemas.microsoft.com/office/drawing/2014/main" id="{308B33AA-4F96-E571-FECF-9906F7BFB816}"/>
+              </a:ext>
+            </a:extLst>
+          </p:cNvPr>
+          <p:cNvSpPr>
+            <a:spLocks noGrp="1"/>
+          </p:cNvSpPr>
+          <p:nvPr>
+            <p:ph type="title"/>
+          </p:nvPr>
+        </p:nvSpPr>
+        <p:spPr/>
+        <p:txBody>
+          <a:bodyPr/>
+          <a:lstStyle/>
+          <a:p>
+            <a:r>
+              <a:rPr lang="en-US" dirty="0"/>
+              <a:t>Market Opportunity</a:t>
+            </a:r>
+          </a:p>
+        </p:txBody>
+      </p:sp>
+      <p:sp>
+        <p:nvSpPr>
+          <p:cNvPr id="3" name="Content Placeholder 2">
+            <a:extLst>
+              <a:ext uri="{FF2B5EF4-FFF2-40B4-BE49-F238E27FC236}">
+                <a16:creationId xmlns:a16="http://schemas.microsoft.com/office/drawing/2014/main" id="{24CCFCA5-5A83-4B89-040D-E428DC2920A0}"/>
+              </a:ext>
+            </a:extLst>
+          </p:cNvPr>
+          <p:cNvSpPr>
+            <a:spLocks noGrp="1"/>
+          </p:cNvSpPr>
+          <p:nvPr>
+            <p:ph idx="1"/>
+          </p:nvPr>
+        </p:nvSpPr>
+        <p:spPr/>
+        <p:txBody>
+          <a:bodyPr/>
+          <a:lstStyle/>
+          <a:p>
+            <a:r>
+              <a:rPr lang="en-US" sz="2600" dirty="0"/>
+              <a:t>Potential Use Cases Include:</a:t>
+            </a:r>
+          </a:p>
+          <a:p>
+            <a:pPr lvl="1"/>
+            <a:r>
+              <a:rPr lang="en-US" sz="2600" dirty="0"/>
+              <a:t>Students – secure college Notes</a:t>
+            </a:r>
+          </a:p>
+          <a:p>
+            <a:pPr lvl="1"/>
+            <a:r>
+              <a:rPr lang="en-US" sz="2600" dirty="0"/>
+              <a:t>Business Professional – Secure Work Notes</a:t>
+            </a:r>
+          </a:p>
+          <a:p>
+            <a:pPr lvl="1"/>
+            <a:r>
+              <a:rPr lang="en-US" sz="2600" dirty="0"/>
+              <a:t>Other Privacy Focused Individuals</a:t>
+            </a:r>
+          </a:p>
+          <a:p>
+            <a:pPr marL="457200" lvl="1" indent="0">
+              <a:buNone/>
+            </a:pPr>
+            <a:endParaRPr lang="en-US" dirty="0"/>
+          </a:p>
+        </p:txBody>
+      </p:sp>
+    </p:spTree>
+    <p:extLst>
+      <p:ext uri="{BB962C8B-B14F-4D97-AF65-F5344CB8AC3E}">
+        <p14:creationId xmlns:p14="http://schemas.microsoft.com/office/powerpoint/2010/main" val="3692215242"/>
+      </p:ext>
+    </p:extLst>
+  </p:cSld>
+  <p:clrMapOvr>
+    <a:masterClrMapping/>
+  </p:clrMapOvr>
+</p:sld>
+</file>
+
+<file path=ppt/slides/slide8.xml><?xml version="1.0" encoding="utf-8"?>
+<p:sld xmlns:a="http://schemas.openxmlformats.org/drawingml/2006/main" xmlns:r="http://schemas.openxmlformats.org/officeDocument/2006/relationships" xmlns:p="http://schemas.openxmlformats.org/presentationml/2006/main">
+  <p:cSld>
+    <p:spTree>
+      <p:nvGrpSpPr>
+        <p:cNvPr id="1" name=""/>
+        <p:cNvGrpSpPr/>
+        <p:nvPr/>
+      </p:nvGrpSpPr>
+      <p:grpSpPr>
+        <a:xfrm>
+          <a:off x="0" y="0"/>
+          <a:ext cx="0" cy="0"/>
+          <a:chOff x="0" y="0"/>
+          <a:chExt cx="0" cy="0"/>
+        </a:xfrm>
+      </p:grpSpPr>
+      <p:sp>
+        <p:nvSpPr>
+          <p:cNvPr id="2" name="Title 1">
+            <a:extLst>
+              <a:ext uri="{FF2B5EF4-FFF2-40B4-BE49-F238E27FC236}">
+                <a16:creationId xmlns:a16="http://schemas.microsoft.com/office/drawing/2014/main" id="{1C817752-F386-1ADA-60EE-582E1DAF9D9B}"/>
+              </a:ext>
+            </a:extLst>
+          </p:cNvPr>
+          <p:cNvSpPr>
+            <a:spLocks noGrp="1"/>
+          </p:cNvSpPr>
+          <p:nvPr>
+            <p:ph type="title"/>
+          </p:nvPr>
+        </p:nvSpPr>
+        <p:spPr/>
+        <p:txBody>
+          <a:bodyPr/>
+          <a:lstStyle/>
+          <a:p>
+            <a:r>
+              <a:rPr lang="en-US" dirty="0"/>
+              <a:t>Advantage</a:t>
+            </a:r>
+          </a:p>
+        </p:txBody>
+      </p:sp>
+      <p:sp>
+        <p:nvSpPr>
+          <p:cNvPr id="3" name="Content Placeholder 2">
+            <a:extLst>
+              <a:ext uri="{FF2B5EF4-FFF2-40B4-BE49-F238E27FC236}">
+                <a16:creationId xmlns:a16="http://schemas.microsoft.com/office/drawing/2014/main" id="{D4CE3A70-CB3B-4AC8-D90C-19A0CE35D480}"/>
+              </a:ext>
+            </a:extLst>
+          </p:cNvPr>
+          <p:cNvSpPr>
+            <a:spLocks noGrp="1"/>
+          </p:cNvSpPr>
+          <p:nvPr>
+            <p:ph idx="1"/>
+          </p:nvPr>
+        </p:nvSpPr>
+        <p:spPr/>
+        <p:txBody>
+          <a:bodyPr>
+            <a:normAutofit/>
+          </a:bodyPr>
+          <a:lstStyle/>
+          <a:p>
+            <a:r>
+              <a:rPr lang="en-US" sz="2600" dirty="0"/>
+              <a:t>General Notes Apps lack encryption</a:t>
+            </a:r>
+          </a:p>
+          <a:p>
+            <a:r>
+              <a:rPr lang="en-US" sz="2600" dirty="0"/>
+              <a:t>Few apps integrate AI organization</a:t>
+            </a:r>
+          </a:p>
+          <a:p>
+            <a:r>
+              <a:rPr lang="en-US" sz="2600" dirty="0"/>
+              <a:t>Gives Users Control over Security Settings</a:t>
+            </a:r>
+          </a:p>
+        </p:txBody>
+      </p:sp>
+    </p:spTree>
+    <p:extLst>
+      <p:ext uri="{BB962C8B-B14F-4D97-AF65-F5344CB8AC3E}">
+        <p14:creationId xmlns:p14="http://schemas.microsoft.com/office/powerpoint/2010/main" val="3833261054"/>
+      </p:ext>
+    </p:extLst>
+  </p:cSld>
+  <p:clrMapOvr>
+    <a:masterClrMapping/>
+  </p:clrMapOvr>
+</p:sld>
+</file>
+
+<file path=ppt/slides/slide9.xml><?xml version="1.0" encoding="utf-8"?>
+<p:sld xmlns:a="http://schemas.openxmlformats.org/drawingml/2006/main" xmlns:r="http://schemas.openxmlformats.org/officeDocument/2006/relationships" xmlns:p="http://schemas.openxmlformats.org/presentationml/2006/main">
+  <p:cSld>
+    <p:spTree>
+      <p:nvGrpSpPr>
+        <p:cNvPr id="1" name=""/>
+        <p:cNvGrpSpPr/>
+        <p:nvPr/>
+      </p:nvGrpSpPr>
+      <p:grpSpPr>
+        <a:xfrm>
+          <a:off x="0" y="0"/>
+          <a:ext cx="0" cy="0"/>
+          <a:chOff x="0" y="0"/>
+          <a:chExt cx="0" cy="0"/>
+        </a:xfrm>
+      </p:grpSpPr>
+      <p:sp>
+        <p:nvSpPr>
+          <p:cNvPr id="2" name="Title 1">
+            <a:extLst>
+              <a:ext uri="{FF2B5EF4-FFF2-40B4-BE49-F238E27FC236}">
+                <a16:creationId xmlns:a16="http://schemas.microsoft.com/office/drawing/2014/main" id="{4FBD409D-8131-C61F-9282-28A36AFAC8EA}"/>
+              </a:ext>
+            </a:extLst>
+          </p:cNvPr>
+          <p:cNvSpPr>
+            <a:spLocks noGrp="1"/>
+          </p:cNvSpPr>
+          <p:nvPr>
+            <p:ph type="title"/>
+          </p:nvPr>
+        </p:nvSpPr>
+        <p:spPr/>
+        <p:txBody>
+          <a:bodyPr/>
+          <a:lstStyle/>
+          <a:p>
+            <a:r>
+              <a:rPr lang="en-US" dirty="0"/>
+              <a:t>Future Growth &amp; Monetization</a:t>
+            </a:r>
+          </a:p>
+        </p:txBody>
+      </p:sp>
+      <p:sp>
+        <p:nvSpPr>
+          <p:cNvPr id="3" name="Content Placeholder 2">
+            <a:extLst>
+              <a:ext uri="{FF2B5EF4-FFF2-40B4-BE49-F238E27FC236}">
+                <a16:creationId xmlns:a16="http://schemas.microsoft.com/office/drawing/2014/main" id="{AE7FD3F4-4D79-C037-1E2F-21D270873936}"/>
+              </a:ext>
+            </a:extLst>
+          </p:cNvPr>
+          <p:cNvSpPr>
+            <a:spLocks noGrp="1"/>
+          </p:cNvSpPr>
+          <p:nvPr>
+            <p:ph idx="1"/>
+          </p:nvPr>
+        </p:nvSpPr>
+        <p:spPr>
+          <a:xfrm>
+            <a:off x="1141413" y="2390275"/>
+            <a:ext cx="9905998" cy="3858126"/>
+          </a:xfrm>
+        </p:spPr>
+        <p:txBody>
+          <a:bodyPr>
+            <a:noAutofit/>
+          </a:bodyPr>
+          <a:lstStyle/>
+          <a:p>
+            <a:r>
+              <a:rPr lang="en-US" sz="2600" dirty="0"/>
+              <a:t>Growth</a:t>
+            </a:r>
+          </a:p>
+          <a:p>
+            <a:pPr lvl="1"/>
+            <a:r>
+              <a:rPr lang="en-US" sz="2600" dirty="0"/>
+              <a:t>Mobile App</a:t>
+            </a:r>
+          </a:p>
+          <a:p>
+            <a:pPr lvl="1"/>
+            <a:r>
+              <a:rPr lang="en-US" sz="2600" dirty="0"/>
+              <a:t>Expanded AI Capabilities</a:t>
+            </a:r>
+          </a:p>
+          <a:p>
+            <a:r>
+              <a:rPr lang="en-US" sz="2600" dirty="0"/>
+              <a:t>Monetization</a:t>
+            </a:r>
+          </a:p>
+          <a:p>
+            <a:pPr lvl="1"/>
+            <a:r>
+              <a:rPr lang="en-US" sz="2600" dirty="0"/>
+              <a:t>Subscription-Based Features</a:t>
+            </a:r>
+          </a:p>
+          <a:p>
+            <a:pPr lvl="1"/>
+            <a:r>
+              <a:rPr lang="en-US" sz="2600" dirty="0"/>
+              <a:t>Enterprise Solutions</a:t>
+            </a:r>
+          </a:p>
+          <a:p>
+            <a:pPr marL="457200" lvl="1" indent="0">
+              <a:buNone/>
+            </a:pPr>
+            <a:endParaRPr lang="en-US" sz="2600" dirty="0"/>
+          </a:p>
+        </p:txBody>
+      </p:sp>
+    </p:spTree>
+    <p:extLst>
+      <p:ext uri="{BB962C8B-B14F-4D97-AF65-F5344CB8AC3E}">
+        <p14:creationId xmlns:p14="http://schemas.microsoft.com/office/powerpoint/2010/main" val="2872032394"/>
       </p:ext>
     </p:extLst>
   </p:cSld>
@@ -3385,9 +6916,9 @@
 </file>
 
 <file path=ppt/theme/theme1.xml><?xml version="1.0" encoding="utf-8"?>
-<a:theme xmlns:a="http://schemas.openxmlformats.org/drawingml/2006/main" name="Office Theme">
+<a:theme xmlns:a="http://schemas.openxmlformats.org/drawingml/2006/main" name="Mesh">
   <a:themeElements>
-    <a:clrScheme name="Office">
+    <a:clrScheme name="Mesh">
       <a:dk1>
         <a:sysClr val="windowText" lastClr="000000"/>
       </a:dk1>
@@ -3395,100 +6926,48 @@
         <a:sysClr val="window" lastClr="FFFFFF"/>
       </a:lt1>
       <a:dk2>
-        <a:srgbClr val="44546A"/>
+        <a:srgbClr val="363D46"/>
       </a:dk2>
       <a:lt2>
-        <a:srgbClr val="E7E6E6"/>
+        <a:srgbClr val="EBEBEB"/>
       </a:lt2>
       <a:accent1>
-        <a:srgbClr val="4472C4"/>
+        <a:srgbClr val="6F6F6F"/>
       </a:accent1>
       <a:accent2>
-        <a:srgbClr val="ED7D31"/>
+        <a:srgbClr val="BFBFA5"/>
       </a:accent2>
       <a:accent3>
-        <a:srgbClr val="A5A5A5"/>
+        <a:srgbClr val="DCD084"/>
       </a:accent3>
       <a:accent4>
-        <a:srgbClr val="FFC000"/>
+        <a:srgbClr val="E7BF5F"/>
       </a:accent4>
       <a:accent5>
-        <a:srgbClr val="5B9BD5"/>
+        <a:srgbClr val="E9A039"/>
       </a:accent5>
       <a:accent6>
-        <a:srgbClr val="70AD47"/>
+        <a:srgbClr val="CF7133"/>
       </a:accent6>
       <a:hlink>
-        <a:srgbClr val="0563C1"/>
+        <a:srgbClr val="F28943"/>
       </a:hlink>
       <a:folHlink>
-        <a:srgbClr val="954F72"/>
+        <a:srgbClr val="F1B76C"/>
       </a:folHlink>
     </a:clrScheme>
-    <a:fontScheme name="Office">
+    <a:fontScheme name="Mesh">
       <a:majorFont>
-        <a:latin typeface="Calibri Light" panose="020F0302020204030204"/>
+        <a:latin typeface="Century Gothic" panose="020B0502020202020204"/>
         <a:ea typeface=""/>
         <a:cs typeface=""/>
-        <a:font script="Jpan" typeface="游ゴシック Light"/>
+        <a:font script="Jpan" typeface="ＭＳ ゴシック"/>
         <a:font script="Hang" typeface="맑은 고딕"/>
-        <a:font script="Hans" typeface="等线 Light"/>
+        <a:font script="Hans" typeface="宋体"/>
         <a:font script="Hant" typeface="新細明體"/>
-        <a:font script="Arab" typeface="Times New Roman"/>
-        <a:font script="Hebr" typeface="Times New Roman"/>
-        <a:font script="Thai" typeface="Angsana New"/>
-        <a:font script="Ethi" typeface="Nyala"/>
-        <a:font script="Beng" typeface="Vrinda"/>
-        <a:font script="Gujr" typeface="Shruti"/>
-        <a:font script="Khmr" typeface="MoolBoran"/>
-        <a:font script="Knda" typeface="Tunga"/>
-        <a:font script="Guru" typeface="Raavi"/>
-        <a:font script="Cans" typeface="Euphemia"/>
-        <a:font script="Cher" typeface="Plantagenet Cherokee"/>
-        <a:font script="Yiii" typeface="Microsoft Yi Baiti"/>
-        <a:font script="Tibt" typeface="Microsoft Himalaya"/>
-        <a:font script="Thaa" typeface="MV Boli"/>
-        <a:font script="Deva" typeface="Mangal"/>
-        <a:font script="Telu" typeface="Gautami"/>
-        <a:font script="Taml" typeface="Latha"/>
-        <a:font script="Syrc" typeface="Estrangelo Edessa"/>
-        <a:font script="Orya" typeface="Kalinga"/>
-        <a:font script="Mlym" typeface="Kartika"/>
-        <a:font script="Laoo" typeface="DokChampa"/>
-        <a:font script="Sinh" typeface="Iskoola Pota"/>
-        <a:font script="Mong" typeface="Mongolian Baiti"/>
-        <a:font script="Viet" typeface="Times New Roman"/>
-        <a:font script="Uigh" typeface="Microsoft Uighur"/>
-        <a:font script="Geor" typeface="Sylfaen"/>
-        <a:font script="Armn" typeface="Arial"/>
-        <a:font script="Bugi" typeface="Leelawadee UI"/>
-        <a:font script="Bopo" typeface="Microsoft JhengHei"/>
-        <a:font script="Java" typeface="Javanese Text"/>
-        <a:font script="Lisu" typeface="Segoe UI"/>
-        <a:font script="Mymr" typeface="Myanmar Text"/>
-        <a:font script="Nkoo" typeface="Ebrima"/>
-        <a:font script="Olck" typeface="Nirmala UI"/>
-        <a:font script="Osma" typeface="Ebrima"/>
-        <a:font script="Phag" typeface="Phagspa"/>
-        <a:font script="Syrn" typeface="Estrangelo Edessa"/>
-        <a:font script="Syrj" typeface="Estrangelo Edessa"/>
-        <a:font script="Syre" typeface="Estrangelo Edessa"/>
-        <a:font script="Sora" typeface="Nirmala UI"/>
-        <a:font script="Tale" typeface="Microsoft Tai Le"/>
-        <a:font script="Talu" typeface="Microsoft New Tai Lue"/>
-        <a:font script="Tfng" typeface="Ebrima"/>
-      </a:majorFont>
-      <a:minorFont>
-        <a:latin typeface="Calibri" panose="020F0502020204030204"/>
-        <a:ea typeface=""/>
-        <a:cs typeface=""/>
-        <a:font script="Jpan" typeface="游ゴシック"/>
-        <a:font script="Hang" typeface="맑은 고딕"/>
-        <a:font script="Hans" typeface="等线"/>
-        <a:font script="Hant" typeface="新細明體"/>
-        <a:font script="Arab" typeface="Arial"/>
-        <a:font script="Hebr" typeface="Arial"/>
-        <a:font script="Thai" typeface="Cordia New"/>
+        <a:font script="Arab" typeface="Tahoma"/>
+        <a:font script="Hebr" typeface="Gisha"/>
+        <a:font script="Thai" typeface="DilleniaUPC"/>
         <a:font script="Ethi" typeface="Nyala"/>
         <a:font script="Beng" typeface="Vrinda"/>
         <a:font script="Gujr" typeface="Shruti"/>
@@ -3509,29 +6988,47 @@
         <a:font script="Laoo" typeface="DokChampa"/>
         <a:font script="Sinh" typeface="Iskoola Pota"/>
         <a:font script="Mong" typeface="Mongolian Baiti"/>
-        <a:font script="Viet" typeface="Arial"/>
+        <a:font script="Viet" typeface="Tahoma"/>
         <a:font script="Uigh" typeface="Microsoft Uighur"/>
         <a:font script="Geor" typeface="Sylfaen"/>
-        <a:font script="Armn" typeface="Arial"/>
-        <a:font script="Bugi" typeface="Leelawadee UI"/>
-        <a:font script="Bopo" typeface="Microsoft JhengHei"/>
-        <a:font script="Java" typeface="Javanese Text"/>
-        <a:font script="Lisu" typeface="Segoe UI"/>
-        <a:font script="Mymr" typeface="Myanmar Text"/>
-        <a:font script="Nkoo" typeface="Ebrima"/>
-        <a:font script="Olck" typeface="Nirmala UI"/>
-        <a:font script="Osma" typeface="Ebrima"/>
-        <a:font script="Phag" typeface="Phagspa"/>
-        <a:font script="Syrn" typeface="Estrangelo Edessa"/>
-        <a:font script="Syrj" typeface="Estrangelo Edessa"/>
-        <a:font script="Syre" typeface="Estrangelo Edessa"/>
-        <a:font script="Sora" typeface="Nirmala UI"/>
-        <a:font script="Tale" typeface="Microsoft Tai Le"/>
-        <a:font script="Talu" typeface="Microsoft New Tai Lue"/>
-        <a:font script="Tfng" typeface="Ebrima"/>
+      </a:majorFont>
+      <a:minorFont>
+        <a:latin typeface="Century Gothic" panose="020B0502020202020204"/>
+        <a:ea typeface=""/>
+        <a:cs typeface=""/>
+        <a:font script="Jpan" typeface="ＭＳ ゴシック"/>
+        <a:font script="Hang" typeface="맑은 고딕"/>
+        <a:font script="Hans" typeface="宋体"/>
+        <a:font script="Hant" typeface="新細明體"/>
+        <a:font script="Arab" typeface="Tahoma"/>
+        <a:font script="Hebr" typeface="Gisha"/>
+        <a:font script="Thai" typeface="DilleniaUPC"/>
+        <a:font script="Ethi" typeface="Nyala"/>
+        <a:font script="Beng" typeface="Vrinda"/>
+        <a:font script="Gujr" typeface="Shruti"/>
+        <a:font script="Khmr" typeface="DaunPenh"/>
+        <a:font script="Knda" typeface="Tunga"/>
+        <a:font script="Guru" typeface="Raavi"/>
+        <a:font script="Cans" typeface="Euphemia"/>
+        <a:font script="Cher" typeface="Plantagenet Cherokee"/>
+        <a:font script="Yiii" typeface="Microsoft Yi Baiti"/>
+        <a:font script="Tibt" typeface="Microsoft Himalaya"/>
+        <a:font script="Thaa" typeface="MV Boli"/>
+        <a:font script="Deva" typeface="Mangal"/>
+        <a:font script="Telu" typeface="Gautami"/>
+        <a:font script="Taml" typeface="Latha"/>
+        <a:font script="Syrc" typeface="Estrangelo Edessa"/>
+        <a:font script="Orya" typeface="Kalinga"/>
+        <a:font script="Mlym" typeface="Kartika"/>
+        <a:font script="Laoo" typeface="DokChampa"/>
+        <a:font script="Sinh" typeface="Iskoola Pota"/>
+        <a:font script="Mong" typeface="Mongolian Baiti"/>
+        <a:font script="Viet" typeface="Verdana"/>
+        <a:font script="Uigh" typeface="Microsoft Uighur"/>
+        <a:font script="Geor" typeface="Sylfaen"/>
       </a:minorFont>
     </a:fontScheme>
-    <a:fmtScheme name="Office">
+    <a:fmtScheme name="Mesh">
       <a:fillStyleLst>
         <a:solidFill>
           <a:schemeClr val="phClr"/>
@@ -3540,23 +7037,13 @@
           <a:gsLst>
             <a:gs pos="0">
               <a:schemeClr val="phClr">
+                <a:tint val="60000"/>
                 <a:lumMod val="110000"/>
-                <a:satMod val="105000"/>
-                <a:tint val="67000"/>
-              </a:schemeClr>
-            </a:gs>
-            <a:gs pos="50000">
-              <a:schemeClr val="phClr">
-                <a:lumMod val="105000"/>
-                <a:satMod val="103000"/>
-                <a:tint val="73000"/>
               </a:schemeClr>
             </a:gs>
             <a:gs pos="100000">
               <a:schemeClr val="phClr">
-                <a:lumMod val="105000"/>
-                <a:satMod val="109000"/>
-                <a:tint val="81000"/>
+                <a:tint val="82000"/>
               </a:schemeClr>
             </a:gs>
           </a:gsLst>
@@ -3566,23 +7053,14 @@
           <a:gsLst>
             <a:gs pos="0">
               <a:schemeClr val="phClr">
-                <a:satMod val="103000"/>
-                <a:lumMod val="102000"/>
-                <a:tint val="94000"/>
-              </a:schemeClr>
-            </a:gs>
-            <a:gs pos="50000">
-              <a:schemeClr val="phClr">
-                <a:satMod val="110000"/>
-                <a:lumMod val="100000"/>
-                <a:shade val="100000"/>
+                <a:tint val="96000"/>
+                <a:lumMod val="104000"/>
               </a:schemeClr>
             </a:gs>
             <a:gs pos="100000">
               <a:schemeClr val="phClr">
-                <a:lumMod val="99000"/>
-                <a:satMod val="120000"/>
-                <a:shade val="78000"/>
+                <a:shade val="84000"/>
+                <a:lumMod val="84000"/>
               </a:schemeClr>
             </a:gs>
           </a:gsLst>
@@ -3590,26 +7068,23 @@
         </a:gradFill>
       </a:fillStyleLst>
       <a:lnStyleLst>
-        <a:ln w="6350" cap="flat" cmpd="sng" algn="ctr">
+        <a:ln w="9525" cap="rnd" cmpd="sng" algn="ctr">
           <a:solidFill>
             <a:schemeClr val="phClr"/>
           </a:solidFill>
           <a:prstDash val="solid"/>
-          <a:miter lim="800000"/>
         </a:ln>
-        <a:ln w="12700" cap="flat" cmpd="sng" algn="ctr">
+        <a:ln w="19050" cap="rnd" cmpd="sng" algn="ctr">
           <a:solidFill>
             <a:schemeClr val="phClr"/>
           </a:solidFill>
           <a:prstDash val="solid"/>
-          <a:miter lim="800000"/>
         </a:ln>
-        <a:ln w="19050" cap="flat" cmpd="sng" algn="ctr">
+        <a:ln w="25400" cap="rnd" cmpd="sng" algn="ctr">
           <a:solidFill>
             <a:schemeClr val="phClr"/>
           </a:solidFill>
           <a:prstDash val="solid"/>
-          <a:miter lim="800000"/>
         </a:ln>
       </a:lnStyleLst>
       <a:effectStyleLst>
@@ -3617,55 +7092,72 @@
           <a:effectLst/>
         </a:effectStyle>
         <a:effectStyle>
-          <a:effectLst/>
+          <a:effectLst>
+            <a:innerShdw blurRad="50800" dist="25400" dir="13500000">
+              <a:srgbClr val="000000">
+                <a:alpha val="55000"/>
+              </a:srgbClr>
+            </a:innerShdw>
+          </a:effectLst>
         </a:effectStyle>
         <a:effectStyle>
           <a:effectLst>
-            <a:outerShdw blurRad="57150" dist="19050" dir="5400000" algn="ctr" rotWithShape="0">
+            <a:outerShdw blurRad="50800" dist="38100" dir="5400000" rotWithShape="0">
               <a:srgbClr val="000000">
-                <a:alpha val="63000"/>
+                <a:alpha val="60000"/>
               </a:srgbClr>
             </a:outerShdw>
           </a:effectLst>
+          <a:scene3d>
+            <a:camera prst="orthographicFront">
+              <a:rot lat="0" lon="0" rev="0"/>
+            </a:camera>
+            <a:lightRig rig="threePt" dir="tl"/>
+          </a:scene3d>
+          <a:sp3d>
+            <a:bevelT w="25400" h="25400" prst="slope"/>
+          </a:sp3d>
         </a:effectStyle>
       </a:effectStyleLst>
       <a:bgFillStyleLst>
         <a:solidFill>
           <a:schemeClr val="phClr"/>
         </a:solidFill>
-        <a:solidFill>
-          <a:schemeClr val="phClr">
-            <a:tint val="95000"/>
-            <a:satMod val="170000"/>
-          </a:schemeClr>
-        </a:solidFill>
         <a:gradFill rotWithShape="1">
           <a:gsLst>
             <a:gs pos="0">
               <a:schemeClr val="phClr">
-                <a:tint val="93000"/>
-                <a:satMod val="150000"/>
-                <a:shade val="98000"/>
-                <a:lumMod val="102000"/>
-              </a:schemeClr>
-            </a:gs>
-            <a:gs pos="50000">
-              <a:schemeClr val="phClr">
-                <a:tint val="98000"/>
-                <a:satMod val="130000"/>
-                <a:shade val="90000"/>
-                <a:lumMod val="103000"/>
+                <a:tint val="90000"/>
+                <a:lumMod val="110000"/>
               </a:schemeClr>
             </a:gs>
             <a:gs pos="100000">
               <a:schemeClr val="phClr">
-                <a:shade val="63000"/>
-                <a:satMod val="120000"/>
+                <a:shade val="64000"/>
+                <a:lumMod val="98000"/>
               </a:schemeClr>
             </a:gs>
           </a:gsLst>
           <a:lin ang="5400000" scaled="0"/>
         </a:gradFill>
+        <a:blipFill rotWithShape="1">
+          <a:blip xmlns:r="http://schemas.openxmlformats.org/officeDocument/2006/relationships" r:embed="rId1">
+            <a:duotone>
+              <a:schemeClr val="phClr">
+                <a:shade val="28000"/>
+                <a:satMod val="94000"/>
+                <a:lumMod val="20000"/>
+              </a:schemeClr>
+              <a:schemeClr val="phClr">
+                <a:tint val="94000"/>
+                <a:shade val="84000"/>
+                <a:satMod val="148000"/>
+                <a:lumMod val="114000"/>
+              </a:schemeClr>
+            </a:duotone>
+          </a:blip>
+          <a:stretch/>
+        </a:blipFill>
       </a:bgFillStyleLst>
     </a:fmtScheme>
   </a:themeElements>
@@ -3673,7 +7165,7 @@
   <a:extraClrSchemeLst/>
   <a:extLst>
     <a:ext uri="{05A4C25C-085E-4340-85A3-A5531E510DB2}">
-      <thm15:themeFamily xmlns:thm15="http://schemas.microsoft.com/office/thememl/2012/main" name="Office Theme" id="{62F939B6-93AF-4DB8-9C6B-D6C7DFDC589F}" vid="{4A3C46E8-61CC-4603-A589-7422A47A8E4A}"/>
+      <thm15:themeFamily xmlns:thm15="http://schemas.microsoft.com/office/thememl/2012/main" name="Mesh" id="{789EC3FE-34FD-429C-9918-760025E6C145}" vid="{B8BE45C0-8141-4D58-8C71-A009BC26FBBB}"/>
     </a:ext>
   </a:extLst>
 </a:theme>

--- a/Phase 4 Documentation/Team_2_Presentation_4.pptx
+++ b/Phase 4 Documentation/Team_2_Presentation_4.pptx
@@ -2,10 +2,22 @@
 <file path=ppt/presentation.xml><?xml version="1.0" encoding="utf-8"?>
 <p:presentation xmlns:a="http://schemas.openxmlformats.org/drawingml/2006/main" xmlns:r="http://schemas.openxmlformats.org/officeDocument/2006/relationships" xmlns:p="http://schemas.openxmlformats.org/presentationml/2006/main" saveSubsetFonts="1">
   <p:sldMasterIdLst>
-    <p:sldMasterId id="2147483648" r:id="rId1"/>
+    <p:sldMasterId id="2147483732" r:id="rId1"/>
   </p:sldMasterIdLst>
+  <p:notesMasterIdLst>
+    <p:notesMasterId r:id="rId12"/>
+  </p:notesMasterIdLst>
   <p:sldIdLst>
     <p:sldId id="256" r:id="rId2"/>
+    <p:sldId id="257" r:id="rId3"/>
+    <p:sldId id="258" r:id="rId4"/>
+    <p:sldId id="259" r:id="rId5"/>
+    <p:sldId id="260" r:id="rId6"/>
+    <p:sldId id="261" r:id="rId7"/>
+    <p:sldId id="262" r:id="rId8"/>
+    <p:sldId id="263" r:id="rId9"/>
+    <p:sldId id="264" r:id="rId10"/>
+    <p:sldId id="265" r:id="rId11"/>
   </p:sldIdLst>
   <p:sldSz cx="12192000" cy="6858000"/>
   <p:notesSz cx="6858000" cy="9144000"/>
@@ -13,7 +25,7 @@
     <a:defPPr>
       <a:defRPr lang="en-US"/>
     </a:defPPr>
-    <a:lvl1pPr marL="0" algn="l" defTabSz="914400" rtl="0" eaLnBrk="1" latinLnBrk="0" hangingPunct="1">
+    <a:lvl1pPr marL="0" algn="l" defTabSz="457200" rtl="0" eaLnBrk="1" latinLnBrk="0" hangingPunct="1">
       <a:defRPr sz="1800" kern="1200">
         <a:solidFill>
           <a:schemeClr val="tx1"/>
@@ -23,7 +35,7 @@
         <a:cs typeface="+mn-cs"/>
       </a:defRPr>
     </a:lvl1pPr>
-    <a:lvl2pPr marL="457200" algn="l" defTabSz="914400" rtl="0" eaLnBrk="1" latinLnBrk="0" hangingPunct="1">
+    <a:lvl2pPr marL="457200" algn="l" defTabSz="457200" rtl="0" eaLnBrk="1" latinLnBrk="0" hangingPunct="1">
       <a:defRPr sz="1800" kern="1200">
         <a:solidFill>
           <a:schemeClr val="tx1"/>
@@ -33,7 +45,7 @@
         <a:cs typeface="+mn-cs"/>
       </a:defRPr>
     </a:lvl2pPr>
-    <a:lvl3pPr marL="914400" algn="l" defTabSz="914400" rtl="0" eaLnBrk="1" latinLnBrk="0" hangingPunct="1">
+    <a:lvl3pPr marL="914400" algn="l" defTabSz="457200" rtl="0" eaLnBrk="1" latinLnBrk="0" hangingPunct="1">
       <a:defRPr sz="1800" kern="1200">
         <a:solidFill>
           <a:schemeClr val="tx1"/>
@@ -43,7 +55,7 @@
         <a:cs typeface="+mn-cs"/>
       </a:defRPr>
     </a:lvl3pPr>
-    <a:lvl4pPr marL="1371600" algn="l" defTabSz="914400" rtl="0" eaLnBrk="1" latinLnBrk="0" hangingPunct="1">
+    <a:lvl4pPr marL="1371600" algn="l" defTabSz="457200" rtl="0" eaLnBrk="1" latinLnBrk="0" hangingPunct="1">
       <a:defRPr sz="1800" kern="1200">
         <a:solidFill>
           <a:schemeClr val="tx1"/>
@@ -53,7 +65,7 @@
         <a:cs typeface="+mn-cs"/>
       </a:defRPr>
     </a:lvl4pPr>
-    <a:lvl5pPr marL="1828800" algn="l" defTabSz="914400" rtl="0" eaLnBrk="1" latinLnBrk="0" hangingPunct="1">
+    <a:lvl5pPr marL="1828800" algn="l" defTabSz="457200" rtl="0" eaLnBrk="1" latinLnBrk="0" hangingPunct="1">
       <a:defRPr sz="1800" kern="1200">
         <a:solidFill>
           <a:schemeClr val="tx1"/>
@@ -63,7 +75,7 @@
         <a:cs typeface="+mn-cs"/>
       </a:defRPr>
     </a:lvl5pPr>
-    <a:lvl6pPr marL="2286000" algn="l" defTabSz="914400" rtl="0" eaLnBrk="1" latinLnBrk="0" hangingPunct="1">
+    <a:lvl6pPr marL="2286000" algn="l" defTabSz="457200" rtl="0" eaLnBrk="1" latinLnBrk="0" hangingPunct="1">
       <a:defRPr sz="1800" kern="1200">
         <a:solidFill>
           <a:schemeClr val="tx1"/>
@@ -73,7 +85,7 @@
         <a:cs typeface="+mn-cs"/>
       </a:defRPr>
     </a:lvl6pPr>
-    <a:lvl7pPr marL="2743200" algn="l" defTabSz="914400" rtl="0" eaLnBrk="1" latinLnBrk="0" hangingPunct="1">
+    <a:lvl7pPr marL="2743200" algn="l" defTabSz="457200" rtl="0" eaLnBrk="1" latinLnBrk="0" hangingPunct="1">
       <a:defRPr sz="1800" kern="1200">
         <a:solidFill>
           <a:schemeClr val="tx1"/>
@@ -83,7 +95,7 @@
         <a:cs typeface="+mn-cs"/>
       </a:defRPr>
     </a:lvl7pPr>
-    <a:lvl8pPr marL="3200400" algn="l" defTabSz="914400" rtl="0" eaLnBrk="1" latinLnBrk="0" hangingPunct="1">
+    <a:lvl8pPr marL="3200400" algn="l" defTabSz="457200" rtl="0" eaLnBrk="1" latinLnBrk="0" hangingPunct="1">
       <a:defRPr sz="1800" kern="1200">
         <a:solidFill>
           <a:schemeClr val="tx1"/>
@@ -93,7 +105,7 @@
         <a:cs typeface="+mn-cs"/>
       </a:defRPr>
     </a:lvl8pPr>
-    <a:lvl9pPr marL="3657600" algn="l" defTabSz="914400" rtl="0" eaLnBrk="1" latinLnBrk="0" hangingPunct="1">
+    <a:lvl9pPr marL="3657600" algn="l" defTabSz="457200" rtl="0" eaLnBrk="1" latinLnBrk="0" hangingPunct="1">
       <a:defRPr sz="1800" kern="1200">
         <a:solidFill>
           <a:schemeClr val="tx1"/>
@@ -104,7 +116,445 @@
       </a:defRPr>
     </a:lvl9pPr>
   </p:defaultTextStyle>
+  <p:extLst>
+    <p:ext uri="{EFAFB233-063F-42B5-8137-9DF3F51BA10A}">
+      <p15:sldGuideLst xmlns:p15="http://schemas.microsoft.com/office/powerpoint/2012/main"/>
+    </p:ext>
+  </p:extLst>
 </p:presentation>
+</file>
+
+<file path=ppt/notesMasters/notesMaster1.xml><?xml version="1.0" encoding="utf-8"?>
+<p:notesMaster xmlns:a="http://schemas.openxmlformats.org/drawingml/2006/main" xmlns:r="http://schemas.openxmlformats.org/officeDocument/2006/relationships" xmlns:p="http://schemas.openxmlformats.org/presentationml/2006/main">
+  <p:cSld>
+    <p:bg>
+      <p:bgRef idx="1001">
+        <a:schemeClr val="bg1"/>
+      </p:bgRef>
+    </p:bg>
+    <p:spTree>
+      <p:nvGrpSpPr>
+        <p:cNvPr id="1" name=""/>
+        <p:cNvGrpSpPr/>
+        <p:nvPr/>
+      </p:nvGrpSpPr>
+      <p:grpSpPr>
+        <a:xfrm>
+          <a:off x="0" y="0"/>
+          <a:ext cx="0" cy="0"/>
+          <a:chOff x="0" y="0"/>
+          <a:chExt cx="0" cy="0"/>
+        </a:xfrm>
+      </p:grpSpPr>
+      <p:sp>
+        <p:nvSpPr>
+          <p:cNvPr id="2" name="Header Placeholder 1"/>
+          <p:cNvSpPr>
+            <a:spLocks noGrp="1"/>
+          </p:cNvSpPr>
+          <p:nvPr>
+            <p:ph type="hdr" sz="quarter"/>
+          </p:nvPr>
+        </p:nvSpPr>
+        <p:spPr>
+          <a:xfrm>
+            <a:off x="0" y="0"/>
+            <a:ext cx="2971800" cy="458788"/>
+          </a:xfrm>
+          <a:prstGeom prst="rect">
+            <a:avLst/>
+          </a:prstGeom>
+        </p:spPr>
+        <p:txBody>
+          <a:bodyPr vert="horz" lIns="91440" tIns="45720" rIns="91440" bIns="45720" rtlCol="0"/>
+          <a:lstStyle>
+            <a:lvl1pPr algn="l">
+              <a:defRPr sz="1200"/>
+            </a:lvl1pPr>
+          </a:lstStyle>
+          <a:p>
+            <a:endParaRPr lang="en-US"/>
+          </a:p>
+        </p:txBody>
+      </p:sp>
+      <p:sp>
+        <p:nvSpPr>
+          <p:cNvPr id="3" name="Date Placeholder 2"/>
+          <p:cNvSpPr>
+            <a:spLocks noGrp="1"/>
+          </p:cNvSpPr>
+          <p:nvPr>
+            <p:ph type="dt" idx="1"/>
+          </p:nvPr>
+        </p:nvSpPr>
+        <p:spPr>
+          <a:xfrm>
+            <a:off x="3884613" y="0"/>
+            <a:ext cx="2971800" cy="458788"/>
+          </a:xfrm>
+          <a:prstGeom prst="rect">
+            <a:avLst/>
+          </a:prstGeom>
+        </p:spPr>
+        <p:txBody>
+          <a:bodyPr vert="horz" lIns="91440" tIns="45720" rIns="91440" bIns="45720" rtlCol="0"/>
+          <a:lstStyle>
+            <a:lvl1pPr algn="r">
+              <a:defRPr sz="1200"/>
+            </a:lvl1pPr>
+          </a:lstStyle>
+          <a:p>
+            <a:fld id="{DD997E93-1C09-47B7-89B0-78454C233E1A}" type="datetimeFigureOut">
+              <a:rPr lang="en-US" smtClean="0"/>
+              <a:t>5/3/2025</a:t>
+            </a:fld>
+            <a:endParaRPr lang="en-US"/>
+          </a:p>
+        </p:txBody>
+      </p:sp>
+      <p:sp>
+        <p:nvSpPr>
+          <p:cNvPr id="4" name="Slide Image Placeholder 3"/>
+          <p:cNvSpPr>
+            <a:spLocks noGrp="1" noRot="1" noChangeAspect="1"/>
+          </p:cNvSpPr>
+          <p:nvPr>
+            <p:ph type="sldImg" idx="2"/>
+          </p:nvPr>
+        </p:nvSpPr>
+        <p:spPr>
+          <a:xfrm>
+            <a:off x="685800" y="1143000"/>
+            <a:ext cx="5486400" cy="3086100"/>
+          </a:xfrm>
+          <a:prstGeom prst="rect">
+            <a:avLst/>
+          </a:prstGeom>
+          <a:noFill/>
+          <a:ln w="12700">
+            <a:solidFill>
+              <a:prstClr val="black"/>
+            </a:solidFill>
+          </a:ln>
+        </p:spPr>
+        <p:txBody>
+          <a:bodyPr vert="horz" lIns="91440" tIns="45720" rIns="91440" bIns="45720" rtlCol="0" anchor="ctr"/>
+          <a:lstStyle/>
+          <a:p>
+            <a:endParaRPr lang="en-US"/>
+          </a:p>
+        </p:txBody>
+      </p:sp>
+      <p:sp>
+        <p:nvSpPr>
+          <p:cNvPr id="5" name="Notes Placeholder 4"/>
+          <p:cNvSpPr>
+            <a:spLocks noGrp="1"/>
+          </p:cNvSpPr>
+          <p:nvPr>
+            <p:ph type="body" sz="quarter" idx="3"/>
+          </p:nvPr>
+        </p:nvSpPr>
+        <p:spPr>
+          <a:xfrm>
+            <a:off x="685800" y="4400550"/>
+            <a:ext cx="5486400" cy="3600450"/>
+          </a:xfrm>
+          <a:prstGeom prst="rect">
+            <a:avLst/>
+          </a:prstGeom>
+        </p:spPr>
+        <p:txBody>
+          <a:bodyPr vert="horz" lIns="91440" tIns="45720" rIns="91440" bIns="45720" rtlCol="0"/>
+          <a:lstStyle/>
+          <a:p>
+            <a:pPr lvl="0"/>
+            <a:r>
+              <a:rPr lang="en-US"/>
+              <a:t>Click to edit Master text styles</a:t>
+            </a:r>
+          </a:p>
+          <a:p>
+            <a:pPr lvl="1"/>
+            <a:r>
+              <a:rPr lang="en-US"/>
+              <a:t>Second level</a:t>
+            </a:r>
+          </a:p>
+          <a:p>
+            <a:pPr lvl="2"/>
+            <a:r>
+              <a:rPr lang="en-US"/>
+              <a:t>Third level</a:t>
+            </a:r>
+          </a:p>
+          <a:p>
+            <a:pPr lvl="3"/>
+            <a:r>
+              <a:rPr lang="en-US"/>
+              <a:t>Fourth level</a:t>
+            </a:r>
+          </a:p>
+          <a:p>
+            <a:pPr lvl="4"/>
+            <a:r>
+              <a:rPr lang="en-US"/>
+              <a:t>Fifth level</a:t>
+            </a:r>
+          </a:p>
+        </p:txBody>
+      </p:sp>
+      <p:sp>
+        <p:nvSpPr>
+          <p:cNvPr id="6" name="Footer Placeholder 5"/>
+          <p:cNvSpPr>
+            <a:spLocks noGrp="1"/>
+          </p:cNvSpPr>
+          <p:nvPr>
+            <p:ph type="ftr" sz="quarter" idx="4"/>
+          </p:nvPr>
+        </p:nvSpPr>
+        <p:spPr>
+          <a:xfrm>
+            <a:off x="0" y="8685213"/>
+            <a:ext cx="2971800" cy="458787"/>
+          </a:xfrm>
+          <a:prstGeom prst="rect">
+            <a:avLst/>
+          </a:prstGeom>
+        </p:spPr>
+        <p:txBody>
+          <a:bodyPr vert="horz" lIns="91440" tIns="45720" rIns="91440" bIns="45720" rtlCol="0" anchor="b"/>
+          <a:lstStyle>
+            <a:lvl1pPr algn="l">
+              <a:defRPr sz="1200"/>
+            </a:lvl1pPr>
+          </a:lstStyle>
+          <a:p>
+            <a:endParaRPr lang="en-US"/>
+          </a:p>
+        </p:txBody>
+      </p:sp>
+      <p:sp>
+        <p:nvSpPr>
+          <p:cNvPr id="7" name="Slide Number Placeholder 6"/>
+          <p:cNvSpPr>
+            <a:spLocks noGrp="1"/>
+          </p:cNvSpPr>
+          <p:nvPr>
+            <p:ph type="sldNum" sz="quarter" idx="5"/>
+          </p:nvPr>
+        </p:nvSpPr>
+        <p:spPr>
+          <a:xfrm>
+            <a:off x="3884613" y="8685213"/>
+            <a:ext cx="2971800" cy="458787"/>
+          </a:xfrm>
+          <a:prstGeom prst="rect">
+            <a:avLst/>
+          </a:prstGeom>
+        </p:spPr>
+        <p:txBody>
+          <a:bodyPr vert="horz" lIns="91440" tIns="45720" rIns="91440" bIns="45720" rtlCol="0" anchor="b"/>
+          <a:lstStyle>
+            <a:lvl1pPr algn="r">
+              <a:defRPr sz="1200"/>
+            </a:lvl1pPr>
+          </a:lstStyle>
+          <a:p>
+            <a:fld id="{0D8C348F-56DB-4CE2-B61D-80F8FC89407A}" type="slidenum">
+              <a:rPr lang="en-US" smtClean="0"/>
+              <a:t>‹#›</a:t>
+            </a:fld>
+            <a:endParaRPr lang="en-US"/>
+          </a:p>
+        </p:txBody>
+      </p:sp>
+    </p:spTree>
+    <p:extLst>
+      <p:ext uri="{BB962C8B-B14F-4D97-AF65-F5344CB8AC3E}">
+        <p14:creationId xmlns:p14="http://schemas.microsoft.com/office/powerpoint/2010/main" val="3754985886"/>
+      </p:ext>
+    </p:extLst>
+  </p:cSld>
+  <p:clrMap bg1="lt1" tx1="dk1" bg2="lt2" tx2="dk2" accent1="accent1" accent2="accent2" accent3="accent3" accent4="accent4" accent5="accent5" accent6="accent6" hlink="hlink" folHlink="folHlink"/>
+  <p:notesStyle>
+    <a:lvl1pPr marL="0" algn="l" defTabSz="914400" rtl="0" eaLnBrk="1" latinLnBrk="0" hangingPunct="1">
+      <a:defRPr sz="1200" kern="1200">
+        <a:solidFill>
+          <a:schemeClr val="tx1"/>
+        </a:solidFill>
+        <a:latin typeface="+mn-lt"/>
+        <a:ea typeface="+mn-ea"/>
+        <a:cs typeface="+mn-cs"/>
+      </a:defRPr>
+    </a:lvl1pPr>
+    <a:lvl2pPr marL="457200" algn="l" defTabSz="914400" rtl="0" eaLnBrk="1" latinLnBrk="0" hangingPunct="1">
+      <a:defRPr sz="1200" kern="1200">
+        <a:solidFill>
+          <a:schemeClr val="tx1"/>
+        </a:solidFill>
+        <a:latin typeface="+mn-lt"/>
+        <a:ea typeface="+mn-ea"/>
+        <a:cs typeface="+mn-cs"/>
+      </a:defRPr>
+    </a:lvl2pPr>
+    <a:lvl3pPr marL="914400" algn="l" defTabSz="914400" rtl="0" eaLnBrk="1" latinLnBrk="0" hangingPunct="1">
+      <a:defRPr sz="1200" kern="1200">
+        <a:solidFill>
+          <a:schemeClr val="tx1"/>
+        </a:solidFill>
+        <a:latin typeface="+mn-lt"/>
+        <a:ea typeface="+mn-ea"/>
+        <a:cs typeface="+mn-cs"/>
+      </a:defRPr>
+    </a:lvl3pPr>
+    <a:lvl4pPr marL="1371600" algn="l" defTabSz="914400" rtl="0" eaLnBrk="1" latinLnBrk="0" hangingPunct="1">
+      <a:defRPr sz="1200" kern="1200">
+        <a:solidFill>
+          <a:schemeClr val="tx1"/>
+        </a:solidFill>
+        <a:latin typeface="+mn-lt"/>
+        <a:ea typeface="+mn-ea"/>
+        <a:cs typeface="+mn-cs"/>
+      </a:defRPr>
+    </a:lvl4pPr>
+    <a:lvl5pPr marL="1828800" algn="l" defTabSz="914400" rtl="0" eaLnBrk="1" latinLnBrk="0" hangingPunct="1">
+      <a:defRPr sz="1200" kern="1200">
+        <a:solidFill>
+          <a:schemeClr val="tx1"/>
+        </a:solidFill>
+        <a:latin typeface="+mn-lt"/>
+        <a:ea typeface="+mn-ea"/>
+        <a:cs typeface="+mn-cs"/>
+      </a:defRPr>
+    </a:lvl5pPr>
+    <a:lvl6pPr marL="2286000" algn="l" defTabSz="914400" rtl="0" eaLnBrk="1" latinLnBrk="0" hangingPunct="1">
+      <a:defRPr sz="1200" kern="1200">
+        <a:solidFill>
+          <a:schemeClr val="tx1"/>
+        </a:solidFill>
+        <a:latin typeface="+mn-lt"/>
+        <a:ea typeface="+mn-ea"/>
+        <a:cs typeface="+mn-cs"/>
+      </a:defRPr>
+    </a:lvl6pPr>
+    <a:lvl7pPr marL="2743200" algn="l" defTabSz="914400" rtl="0" eaLnBrk="1" latinLnBrk="0" hangingPunct="1">
+      <a:defRPr sz="1200" kern="1200">
+        <a:solidFill>
+          <a:schemeClr val="tx1"/>
+        </a:solidFill>
+        <a:latin typeface="+mn-lt"/>
+        <a:ea typeface="+mn-ea"/>
+        <a:cs typeface="+mn-cs"/>
+      </a:defRPr>
+    </a:lvl7pPr>
+    <a:lvl8pPr marL="3200400" algn="l" defTabSz="914400" rtl="0" eaLnBrk="1" latinLnBrk="0" hangingPunct="1">
+      <a:defRPr sz="1200" kern="1200">
+        <a:solidFill>
+          <a:schemeClr val="tx1"/>
+        </a:solidFill>
+        <a:latin typeface="+mn-lt"/>
+        <a:ea typeface="+mn-ea"/>
+        <a:cs typeface="+mn-cs"/>
+      </a:defRPr>
+    </a:lvl8pPr>
+    <a:lvl9pPr marL="3657600" algn="l" defTabSz="914400" rtl="0" eaLnBrk="1" latinLnBrk="0" hangingPunct="1">
+      <a:defRPr sz="1200" kern="1200">
+        <a:solidFill>
+          <a:schemeClr val="tx1"/>
+        </a:solidFill>
+        <a:latin typeface="+mn-lt"/>
+        <a:ea typeface="+mn-ea"/>
+        <a:cs typeface="+mn-cs"/>
+      </a:defRPr>
+    </a:lvl9pPr>
+  </p:notesStyle>
+</p:notesMaster>
+</file>
+
+<file path=ppt/notesSlides/notesSlide1.xml><?xml version="1.0" encoding="utf-8"?>
+<p:notes xmlns:a="http://schemas.openxmlformats.org/drawingml/2006/main" xmlns:r="http://schemas.openxmlformats.org/officeDocument/2006/relationships" xmlns:p="http://schemas.openxmlformats.org/presentationml/2006/main">
+  <p:cSld>
+    <p:spTree>
+      <p:nvGrpSpPr>
+        <p:cNvPr id="1" name=""/>
+        <p:cNvGrpSpPr/>
+        <p:nvPr/>
+      </p:nvGrpSpPr>
+      <p:grpSpPr>
+        <a:xfrm>
+          <a:off x="0" y="0"/>
+          <a:ext cx="0" cy="0"/>
+          <a:chOff x="0" y="0"/>
+          <a:chExt cx="0" cy="0"/>
+        </a:xfrm>
+      </p:grpSpPr>
+      <p:sp>
+        <p:nvSpPr>
+          <p:cNvPr id="2" name="Slide Image Placeholder 1"/>
+          <p:cNvSpPr>
+            <a:spLocks noGrp="1" noRot="1" noChangeAspect="1"/>
+          </p:cNvSpPr>
+          <p:nvPr>
+            <p:ph type="sldImg"/>
+          </p:nvPr>
+        </p:nvSpPr>
+        <p:spPr/>
+      </p:sp>
+      <p:sp>
+        <p:nvSpPr>
+          <p:cNvPr id="3" name="Notes Placeholder 2"/>
+          <p:cNvSpPr>
+            <a:spLocks noGrp="1"/>
+          </p:cNvSpPr>
+          <p:nvPr>
+            <p:ph type="body" idx="1"/>
+          </p:nvPr>
+        </p:nvSpPr>
+        <p:spPr/>
+        <p:txBody>
+          <a:bodyPr/>
+          <a:lstStyle/>
+          <a:p>
+            <a:endParaRPr lang="en-US" dirty="0"/>
+          </a:p>
+        </p:txBody>
+      </p:sp>
+      <p:sp>
+        <p:nvSpPr>
+          <p:cNvPr id="4" name="Slide Number Placeholder 3"/>
+          <p:cNvSpPr>
+            <a:spLocks noGrp="1"/>
+          </p:cNvSpPr>
+          <p:nvPr>
+            <p:ph type="sldNum" sz="quarter" idx="5"/>
+          </p:nvPr>
+        </p:nvSpPr>
+        <p:spPr/>
+        <p:txBody>
+          <a:bodyPr/>
+          <a:lstStyle/>
+          <a:p>
+            <a:fld id="{0D8C348F-56DB-4CE2-B61D-80F8FC89407A}" type="slidenum">
+              <a:rPr lang="en-US" smtClean="0"/>
+              <a:t>1</a:t>
+            </a:fld>
+            <a:endParaRPr lang="en-US"/>
+          </a:p>
+        </p:txBody>
+      </p:sp>
+    </p:spTree>
+    <p:extLst>
+      <p:ext uri="{BB962C8B-B14F-4D97-AF65-F5344CB8AC3E}">
+        <p14:creationId xmlns:p14="http://schemas.microsoft.com/office/powerpoint/2010/main" val="910294267"/>
+      </p:ext>
+    </p:extLst>
+  </p:cSld>
+  <p:clrMapOvr>
+    <a:masterClrMapping/>
+  </p:clrMapOvr>
+</p:notes>
 </file>
 
 <file path=ppt/slideLayouts/slideLayout1.xml><?xml version="1.0" encoding="utf-8"?>
@@ -126,31 +576,76 @@
       </p:grpSpPr>
       <p:sp>
         <p:nvSpPr>
-          <p:cNvPr id="2" name="Title 1">
-            <a:extLst>
-              <a:ext uri="{FF2B5EF4-FFF2-40B4-BE49-F238E27FC236}">
-                <a16:creationId xmlns:a16="http://schemas.microsoft.com/office/drawing/2014/main" id="{6BD7D83E-0566-A905-8346-77669951FE0A}"/>
-              </a:ext>
-            </a:extLst>
-          </p:cNvPr>
-          <p:cNvSpPr>
-            <a:spLocks noGrp="1"/>
-          </p:cNvSpPr>
-          <p:nvPr>
-            <p:ph type="ctrTitle"/>
-          </p:nvPr>
+          <p:cNvPr id="7" name="Rectangle 6"/>
+          <p:cNvSpPr>
+            <a:spLocks noChangeAspect="1"/>
+          </p:cNvSpPr>
+          <p:nvPr/>
         </p:nvSpPr>
         <p:spPr>
           <a:xfrm>
-            <a:off x="1524000" y="1122363"/>
-            <a:ext cx="9144000" cy="2387600"/>
+            <a:off x="231140" y="243840"/>
+            <a:ext cx="11724640" cy="6377939"/>
+          </a:xfrm>
+          <a:prstGeom prst="rect">
+            <a:avLst/>
+          </a:prstGeom>
+          <a:solidFill>
+            <a:schemeClr val="accent1"/>
+          </a:solidFill>
+          <a:ln w="12700">
+            <a:solidFill>
+              <a:srgbClr val="FFFFFF"/>
+            </a:solidFill>
+          </a:ln>
+        </p:spPr>
+        <p:style>
+          <a:lnRef idx="2">
+            <a:schemeClr val="accent1">
+              <a:shade val="50000"/>
+            </a:schemeClr>
+          </a:lnRef>
+          <a:fillRef idx="1">
+            <a:schemeClr val="accent1"/>
+          </a:fillRef>
+          <a:effectRef idx="0">
+            <a:schemeClr val="accent1"/>
+          </a:effectRef>
+          <a:fontRef idx="minor">
+            <a:schemeClr val="lt1"/>
+          </a:fontRef>
+        </p:style>
+      </p:sp>
+      <p:sp>
+        <p:nvSpPr>
+          <p:cNvPr id="2" name="Title 1"/>
+          <p:cNvSpPr>
+            <a:spLocks noGrp="1"/>
+          </p:cNvSpPr>
+          <p:nvPr>
+            <p:ph type="ctrTitle"/>
+          </p:nvPr>
+        </p:nvSpPr>
+        <p:spPr>
+          <a:xfrm>
+            <a:off x="1109980" y="882376"/>
+            <a:ext cx="9966960" cy="2926080"/>
           </a:xfrm>
         </p:spPr>
         <p:txBody>
-          <a:bodyPr anchor="b"/>
+          <a:bodyPr anchor="b">
+            <a:normAutofit/>
+          </a:bodyPr>
           <a:lstStyle>
             <a:lvl1pPr algn="ctr">
-              <a:defRPr sz="6000"/>
+              <a:lnSpc>
+                <a:spcPct val="85000"/>
+              </a:lnSpc>
+              <a:defRPr sz="7200" b="1" cap="all" baseline="0">
+                <a:solidFill>
+                  <a:srgbClr val="FFFFFF"/>
+                </a:solidFill>
+              </a:defRPr>
             </a:lvl1pPr>
           </a:lstStyle>
           <a:p>
@@ -158,18 +653,13 @@
               <a:rPr lang="en-US"/>
               <a:t>Click to edit Master title style</a:t>
             </a:r>
-          </a:p>
-        </p:txBody>
-      </p:sp>
-      <p:sp>
-        <p:nvSpPr>
-          <p:cNvPr id="3" name="Subtitle 2">
-            <a:extLst>
-              <a:ext uri="{FF2B5EF4-FFF2-40B4-BE49-F238E27FC236}">
-                <a16:creationId xmlns:a16="http://schemas.microsoft.com/office/drawing/2014/main" id="{A12F70AF-2276-773F-0005-2566F93625B9}"/>
-              </a:ext>
-            </a:extLst>
-          </p:cNvPr>
+            <a:endParaRPr lang="en-US" dirty="0"/>
+          </a:p>
+        </p:txBody>
+      </p:sp>
+      <p:sp>
+        <p:nvSpPr>
+          <p:cNvPr id="3" name="Subtitle 2"/>
           <p:cNvSpPr>
             <a:spLocks noGrp="1"/>
           </p:cNvSpPr>
@@ -179,48 +669,54 @@
         </p:nvSpPr>
         <p:spPr>
           <a:xfrm>
-            <a:off x="1524000" y="3602038"/>
-            <a:ext cx="9144000" cy="1655762"/>
+            <a:off x="1709530" y="3869634"/>
+            <a:ext cx="8767860" cy="1388165"/>
           </a:xfrm>
         </p:spPr>
         <p:txBody>
-          <a:bodyPr/>
+          <a:bodyPr>
+            <a:normAutofit/>
+          </a:bodyPr>
           <a:lstStyle>
             <a:lvl1pPr marL="0" indent="0" algn="ctr">
               <a:buNone/>
-              <a:defRPr sz="2400"/>
+              <a:defRPr sz="2200">
+                <a:solidFill>
+                  <a:srgbClr val="FFFFFF"/>
+                </a:solidFill>
+              </a:defRPr>
             </a:lvl1pPr>
             <a:lvl2pPr marL="457200" indent="0" algn="ctr">
               <a:buNone/>
-              <a:defRPr sz="2000"/>
+              <a:defRPr sz="2200"/>
             </a:lvl2pPr>
             <a:lvl3pPr marL="914400" indent="0" algn="ctr">
               <a:buNone/>
-              <a:defRPr sz="1800"/>
+              <a:defRPr sz="2200"/>
             </a:lvl3pPr>
             <a:lvl4pPr marL="1371600" indent="0" algn="ctr">
               <a:buNone/>
-              <a:defRPr sz="1600"/>
+              <a:defRPr sz="2000"/>
             </a:lvl4pPr>
             <a:lvl5pPr marL="1828800" indent="0" algn="ctr">
               <a:buNone/>
-              <a:defRPr sz="1600"/>
+              <a:defRPr sz="2000"/>
             </a:lvl5pPr>
             <a:lvl6pPr marL="2286000" indent="0" algn="ctr">
               <a:buNone/>
-              <a:defRPr sz="1600"/>
+              <a:defRPr sz="2000"/>
             </a:lvl6pPr>
             <a:lvl7pPr marL="2743200" indent="0" algn="ctr">
               <a:buNone/>
-              <a:defRPr sz="1600"/>
+              <a:defRPr sz="2000"/>
             </a:lvl7pPr>
             <a:lvl8pPr marL="3200400" indent="0" algn="ctr">
               <a:buNone/>
-              <a:defRPr sz="1600"/>
+              <a:defRPr sz="2000"/>
             </a:lvl8pPr>
             <a:lvl9pPr marL="3657600" indent="0" algn="ctr">
               <a:buNone/>
-              <a:defRPr sz="1600"/>
+              <a:defRPr sz="2000"/>
             </a:lvl9pPr>
           </a:lstStyle>
           <a:p>
@@ -228,18 +724,13 @@
               <a:rPr lang="en-US"/>
               <a:t>Click to edit Master subtitle style</a:t>
             </a:r>
-          </a:p>
-        </p:txBody>
-      </p:sp>
-      <p:sp>
-        <p:nvSpPr>
-          <p:cNvPr id="4" name="Date Placeholder 3">
-            <a:extLst>
-              <a:ext uri="{FF2B5EF4-FFF2-40B4-BE49-F238E27FC236}">
-                <a16:creationId xmlns:a16="http://schemas.microsoft.com/office/drawing/2014/main" id="{845561D9-CF32-D7B7-9189-5EB8B5A55FB6}"/>
-              </a:ext>
-            </a:extLst>
-          </p:cNvPr>
+            <a:endParaRPr lang="en-US" dirty="0"/>
+          </a:p>
+        </p:txBody>
+      </p:sp>
+      <p:sp>
+        <p:nvSpPr>
+          <p:cNvPr id="4" name="Date Placeholder 3"/>
           <p:cNvSpPr>
             <a:spLocks noGrp="1"/>
           </p:cNvSpPr>
@@ -250,11 +741,19 @@
         <p:spPr/>
         <p:txBody>
           <a:bodyPr/>
-          <a:lstStyle/>
+          <a:lstStyle>
+            <a:lvl1pPr>
+              <a:defRPr>
+                <a:solidFill>
+                  <a:srgbClr val="FFFFFF"/>
+                </a:solidFill>
+              </a:defRPr>
+            </a:lvl1pPr>
+          </a:lstStyle>
           <a:p>
             <a:fld id="{42F1BB42-BFC8-474A-9D69-65C817AE1623}" type="datetimeFigureOut">
               <a:rPr lang="en-US" smtClean="0"/>
-              <a:t>4/14/2025</a:t>
+              <a:t>5/3/2025</a:t>
             </a:fld>
             <a:endParaRPr lang="en-US"/>
           </a:p>
@@ -262,13 +761,7 @@
       </p:sp>
       <p:sp>
         <p:nvSpPr>
-          <p:cNvPr id="5" name="Footer Placeholder 4">
-            <a:extLst>
-              <a:ext uri="{FF2B5EF4-FFF2-40B4-BE49-F238E27FC236}">
-                <a16:creationId xmlns:a16="http://schemas.microsoft.com/office/drawing/2014/main" id="{EF9BD3FF-CDAB-CC04-B867-8A8F147BD437}"/>
-              </a:ext>
-            </a:extLst>
-          </p:cNvPr>
+          <p:cNvPr id="5" name="Footer Placeholder 4"/>
           <p:cNvSpPr>
             <a:spLocks noGrp="1"/>
           </p:cNvSpPr>
@@ -279,7 +772,15 @@
         <p:spPr/>
         <p:txBody>
           <a:bodyPr/>
-          <a:lstStyle/>
+          <a:lstStyle>
+            <a:lvl1pPr>
+              <a:defRPr>
+                <a:solidFill>
+                  <a:srgbClr val="FFFFFF"/>
+                </a:solidFill>
+              </a:defRPr>
+            </a:lvl1pPr>
+          </a:lstStyle>
           <a:p>
             <a:endParaRPr lang="en-US"/>
           </a:p>
@@ -287,13 +788,7 @@
       </p:sp>
       <p:sp>
         <p:nvSpPr>
-          <p:cNvPr id="6" name="Slide Number Placeholder 5">
-            <a:extLst>
-              <a:ext uri="{FF2B5EF4-FFF2-40B4-BE49-F238E27FC236}">
-                <a16:creationId xmlns:a16="http://schemas.microsoft.com/office/drawing/2014/main" id="{3CD53773-8D34-6080-6442-BDBD757B1467}"/>
-              </a:ext>
-            </a:extLst>
-          </p:cNvPr>
+          <p:cNvPr id="6" name="Slide Number Placeholder 5"/>
           <p:cNvSpPr>
             <a:spLocks noGrp="1"/>
           </p:cNvSpPr>
@@ -304,7 +799,15 @@
         <p:spPr/>
         <p:txBody>
           <a:bodyPr/>
-          <a:lstStyle/>
+          <a:lstStyle>
+            <a:lvl1pPr>
+              <a:defRPr>
+                <a:solidFill>
+                  <a:srgbClr val="FFFFFF"/>
+                </a:solidFill>
+              </a:defRPr>
+            </a:lvl1pPr>
+          </a:lstStyle>
           <a:p>
             <a:fld id="{755CE2BB-1C59-47FD-A171-B08018B5AE63}" type="slidenum">
               <a:rPr lang="en-US" smtClean="0"/>
@@ -314,10 +817,45 @@
           </a:p>
         </p:txBody>
       </p:sp>
+      <p:cxnSp>
+        <p:nvCxnSpPr>
+          <p:cNvPr id="8" name="Straight Connector 7"/>
+          <p:cNvCxnSpPr/>
+          <p:nvPr/>
+        </p:nvCxnSpPr>
+        <p:spPr>
+          <a:xfrm>
+            <a:off x="1978660" y="3733800"/>
+            <a:ext cx="8229601" cy="0"/>
+          </a:xfrm>
+          <a:prstGeom prst="line">
+            <a:avLst/>
+          </a:prstGeom>
+          <a:ln>
+            <a:solidFill>
+              <a:srgbClr val="FFFFFF"/>
+            </a:solidFill>
+          </a:ln>
+        </p:spPr>
+        <p:style>
+          <a:lnRef idx="1">
+            <a:schemeClr val="accent1"/>
+          </a:lnRef>
+          <a:fillRef idx="0">
+            <a:schemeClr val="accent1"/>
+          </a:fillRef>
+          <a:effectRef idx="0">
+            <a:schemeClr val="accent1"/>
+          </a:effectRef>
+          <a:fontRef idx="minor">
+            <a:schemeClr val="tx1"/>
+          </a:fontRef>
+        </p:style>
+      </p:cxnSp>
     </p:spTree>
     <p:extLst>
       <p:ext uri="{BB962C8B-B14F-4D97-AF65-F5344CB8AC3E}">
-        <p14:creationId xmlns:p14="http://schemas.microsoft.com/office/powerpoint/2010/main" val="3082766799"/>
+        <p14:creationId xmlns:p14="http://schemas.microsoft.com/office/powerpoint/2010/main" val="3888007435"/>
       </p:ext>
     </p:extLst>
   </p:cSld>
@@ -346,13 +884,7 @@
       </p:grpSpPr>
       <p:sp>
         <p:nvSpPr>
-          <p:cNvPr id="2" name="Title 1">
-            <a:extLst>
-              <a:ext uri="{FF2B5EF4-FFF2-40B4-BE49-F238E27FC236}">
-                <a16:creationId xmlns:a16="http://schemas.microsoft.com/office/drawing/2014/main" id="{D5EA9A23-630B-9AB8-EB16-FA976A394392}"/>
-              </a:ext>
-            </a:extLst>
-          </p:cNvPr>
+          <p:cNvPr id="2" name="Title 1"/>
           <p:cNvSpPr>
             <a:spLocks noGrp="1"/>
           </p:cNvSpPr>
@@ -369,18 +901,13 @@
               <a:rPr lang="en-US"/>
               <a:t>Click to edit Master title style</a:t>
             </a:r>
-          </a:p>
-        </p:txBody>
-      </p:sp>
-      <p:sp>
-        <p:nvSpPr>
-          <p:cNvPr id="3" name="Vertical Text Placeholder 2">
-            <a:extLst>
-              <a:ext uri="{FF2B5EF4-FFF2-40B4-BE49-F238E27FC236}">
-                <a16:creationId xmlns:a16="http://schemas.microsoft.com/office/drawing/2014/main" id="{65EF6225-7C88-DFFD-8F16-99B8B27FACE0}"/>
-              </a:ext>
-            </a:extLst>
-          </p:cNvPr>
+            <a:endParaRPr lang="en-US" dirty="0"/>
+          </a:p>
+        </p:txBody>
+      </p:sp>
+      <p:sp>
+        <p:nvSpPr>
+          <p:cNvPr id="3" name="Vertical Text Placeholder 2"/>
           <p:cNvSpPr>
             <a:spLocks noGrp="1"/>
           </p:cNvSpPr>
@@ -426,18 +953,13 @@
               <a:rPr lang="en-US"/>
               <a:t>Fifth level</a:t>
             </a:r>
-          </a:p>
-        </p:txBody>
-      </p:sp>
-      <p:sp>
-        <p:nvSpPr>
-          <p:cNvPr id="4" name="Date Placeholder 3">
-            <a:extLst>
-              <a:ext uri="{FF2B5EF4-FFF2-40B4-BE49-F238E27FC236}">
-                <a16:creationId xmlns:a16="http://schemas.microsoft.com/office/drawing/2014/main" id="{BC9475C7-907D-D55A-6A7E-44D7D6CF6484}"/>
-              </a:ext>
-            </a:extLst>
-          </p:cNvPr>
+            <a:endParaRPr lang="en-US" dirty="0"/>
+          </a:p>
+        </p:txBody>
+      </p:sp>
+      <p:sp>
+        <p:nvSpPr>
+          <p:cNvPr id="4" name="Date Placeholder 3"/>
           <p:cNvSpPr>
             <a:spLocks noGrp="1"/>
           </p:cNvSpPr>
@@ -452,7 +974,7 @@
           <a:p>
             <a:fld id="{42F1BB42-BFC8-474A-9D69-65C817AE1623}" type="datetimeFigureOut">
               <a:rPr lang="en-US" smtClean="0"/>
-              <a:t>4/14/2025</a:t>
+              <a:t>5/3/2025</a:t>
             </a:fld>
             <a:endParaRPr lang="en-US"/>
           </a:p>
@@ -460,13 +982,7 @@
       </p:sp>
       <p:sp>
         <p:nvSpPr>
-          <p:cNvPr id="5" name="Footer Placeholder 4">
-            <a:extLst>
-              <a:ext uri="{FF2B5EF4-FFF2-40B4-BE49-F238E27FC236}">
-                <a16:creationId xmlns:a16="http://schemas.microsoft.com/office/drawing/2014/main" id="{B384EF84-8946-9ED5-7AEE-1B556C88DDDE}"/>
-              </a:ext>
-            </a:extLst>
-          </p:cNvPr>
+          <p:cNvPr id="5" name="Footer Placeholder 4"/>
           <p:cNvSpPr>
             <a:spLocks noGrp="1"/>
           </p:cNvSpPr>
@@ -485,13 +1001,7 @@
       </p:sp>
       <p:sp>
         <p:nvSpPr>
-          <p:cNvPr id="6" name="Slide Number Placeholder 5">
-            <a:extLst>
-              <a:ext uri="{FF2B5EF4-FFF2-40B4-BE49-F238E27FC236}">
-                <a16:creationId xmlns:a16="http://schemas.microsoft.com/office/drawing/2014/main" id="{13864A0E-04CE-AD4A-8E8C-8E0F94901050}"/>
-              </a:ext>
-            </a:extLst>
-          </p:cNvPr>
+          <p:cNvPr id="6" name="Slide Number Placeholder 5"/>
           <p:cNvSpPr>
             <a:spLocks noGrp="1"/>
           </p:cNvSpPr>
@@ -515,7 +1025,7 @@
     </p:spTree>
     <p:extLst>
       <p:ext uri="{BB962C8B-B14F-4D97-AF65-F5344CB8AC3E}">
-        <p14:creationId xmlns:p14="http://schemas.microsoft.com/office/powerpoint/2010/main" val="1998516363"/>
+        <p14:creationId xmlns:p14="http://schemas.microsoft.com/office/powerpoint/2010/main" val="4260634532"/>
       </p:ext>
     </p:extLst>
   </p:cSld>
@@ -544,13 +1054,7 @@
       </p:grpSpPr>
       <p:sp>
         <p:nvSpPr>
-          <p:cNvPr id="2" name="Vertical Title 1">
-            <a:extLst>
-              <a:ext uri="{FF2B5EF4-FFF2-40B4-BE49-F238E27FC236}">
-                <a16:creationId xmlns:a16="http://schemas.microsoft.com/office/drawing/2014/main" id="{41566B76-4110-8F77-2BED-749E41FDE3EE}"/>
-              </a:ext>
-            </a:extLst>
-          </p:cNvPr>
+          <p:cNvPr id="2" name="Vertical Title 1"/>
           <p:cNvSpPr>
             <a:spLocks noGrp="1"/>
           </p:cNvSpPr>
@@ -560,8 +1064,8 @@
         </p:nvSpPr>
         <p:spPr>
           <a:xfrm>
-            <a:off x="8724900" y="365125"/>
-            <a:ext cx="2628900" cy="5811838"/>
+            <a:off x="8724900" y="762000"/>
+            <a:ext cx="2324100" cy="5410200"/>
           </a:xfrm>
         </p:spPr>
         <p:txBody>
@@ -572,18 +1076,13 @@
               <a:rPr lang="en-US"/>
               <a:t>Click to edit Master title style</a:t>
             </a:r>
-          </a:p>
-        </p:txBody>
-      </p:sp>
-      <p:sp>
-        <p:nvSpPr>
-          <p:cNvPr id="3" name="Vertical Text Placeholder 2">
-            <a:extLst>
-              <a:ext uri="{FF2B5EF4-FFF2-40B4-BE49-F238E27FC236}">
-                <a16:creationId xmlns:a16="http://schemas.microsoft.com/office/drawing/2014/main" id="{1FF08187-AF17-00DF-59FF-8331BF183A7F}"/>
-              </a:ext>
-            </a:extLst>
-          </p:cNvPr>
+            <a:endParaRPr lang="en-US" dirty="0"/>
+          </a:p>
+        </p:txBody>
+      </p:sp>
+      <p:sp>
+        <p:nvSpPr>
+          <p:cNvPr id="3" name="Vertical Text Placeholder 2"/>
           <p:cNvSpPr>
             <a:spLocks noGrp="1"/>
           </p:cNvSpPr>
@@ -593,8 +1092,8 @@
         </p:nvSpPr>
         <p:spPr>
           <a:xfrm>
-            <a:off x="838200" y="365125"/>
-            <a:ext cx="7734300" cy="5811838"/>
+            <a:off x="1143000" y="762000"/>
+            <a:ext cx="7429500" cy="5410200"/>
           </a:xfrm>
         </p:spPr>
         <p:txBody>
@@ -634,18 +1133,13 @@
               <a:rPr lang="en-US"/>
               <a:t>Fifth level</a:t>
             </a:r>
-          </a:p>
-        </p:txBody>
-      </p:sp>
-      <p:sp>
-        <p:nvSpPr>
-          <p:cNvPr id="4" name="Date Placeholder 3">
-            <a:extLst>
-              <a:ext uri="{FF2B5EF4-FFF2-40B4-BE49-F238E27FC236}">
-                <a16:creationId xmlns:a16="http://schemas.microsoft.com/office/drawing/2014/main" id="{96A4DFD6-C836-EABB-2301-8475E64A50A9}"/>
-              </a:ext>
-            </a:extLst>
-          </p:cNvPr>
+            <a:endParaRPr lang="en-US" dirty="0"/>
+          </a:p>
+        </p:txBody>
+      </p:sp>
+      <p:sp>
+        <p:nvSpPr>
+          <p:cNvPr id="4" name="Date Placeholder 3"/>
           <p:cNvSpPr>
             <a:spLocks noGrp="1"/>
           </p:cNvSpPr>
@@ -660,7 +1154,7 @@
           <a:p>
             <a:fld id="{42F1BB42-BFC8-474A-9D69-65C817AE1623}" type="datetimeFigureOut">
               <a:rPr lang="en-US" smtClean="0"/>
-              <a:t>4/14/2025</a:t>
+              <a:t>5/3/2025</a:t>
             </a:fld>
             <a:endParaRPr lang="en-US"/>
           </a:p>
@@ -668,13 +1162,7 @@
       </p:sp>
       <p:sp>
         <p:nvSpPr>
-          <p:cNvPr id="5" name="Footer Placeholder 4">
-            <a:extLst>
-              <a:ext uri="{FF2B5EF4-FFF2-40B4-BE49-F238E27FC236}">
-                <a16:creationId xmlns:a16="http://schemas.microsoft.com/office/drawing/2014/main" id="{2D3F15C8-20C0-22D2-EF01-EB73EA1ADBFF}"/>
-              </a:ext>
-            </a:extLst>
-          </p:cNvPr>
+          <p:cNvPr id="5" name="Footer Placeholder 4"/>
           <p:cNvSpPr>
             <a:spLocks noGrp="1"/>
           </p:cNvSpPr>
@@ -693,13 +1181,7 @@
       </p:sp>
       <p:sp>
         <p:nvSpPr>
-          <p:cNvPr id="6" name="Slide Number Placeholder 5">
-            <a:extLst>
-              <a:ext uri="{FF2B5EF4-FFF2-40B4-BE49-F238E27FC236}">
-                <a16:creationId xmlns:a16="http://schemas.microsoft.com/office/drawing/2014/main" id="{C76C2613-DED4-3220-FAF0-E25D619FB4A5}"/>
-              </a:ext>
-            </a:extLst>
-          </p:cNvPr>
+          <p:cNvPr id="6" name="Slide Number Placeholder 5"/>
           <p:cNvSpPr>
             <a:spLocks noGrp="1"/>
           </p:cNvSpPr>
@@ -723,7 +1205,7 @@
     </p:spTree>
     <p:extLst>
       <p:ext uri="{BB962C8B-B14F-4D97-AF65-F5344CB8AC3E}">
-        <p14:creationId xmlns:p14="http://schemas.microsoft.com/office/powerpoint/2010/main" val="1571103968"/>
+        <p14:creationId xmlns:p14="http://schemas.microsoft.com/office/powerpoint/2010/main" val="4285223159"/>
       </p:ext>
     </p:extLst>
   </p:cSld>
@@ -752,13 +1234,7 @@
       </p:grpSpPr>
       <p:sp>
         <p:nvSpPr>
-          <p:cNvPr id="2" name="Title 1">
-            <a:extLst>
-              <a:ext uri="{FF2B5EF4-FFF2-40B4-BE49-F238E27FC236}">
-                <a16:creationId xmlns:a16="http://schemas.microsoft.com/office/drawing/2014/main" id="{93CC95FD-721C-8554-8ADB-9CCAE6F0EA1E}"/>
-              </a:ext>
-            </a:extLst>
-          </p:cNvPr>
+          <p:cNvPr id="2" name="Title 1"/>
           <p:cNvSpPr>
             <a:spLocks noGrp="1"/>
           </p:cNvSpPr>
@@ -775,18 +1251,13 @@
               <a:rPr lang="en-US"/>
               <a:t>Click to edit Master title style</a:t>
             </a:r>
-          </a:p>
-        </p:txBody>
-      </p:sp>
-      <p:sp>
-        <p:nvSpPr>
-          <p:cNvPr id="3" name="Content Placeholder 2">
-            <a:extLst>
-              <a:ext uri="{FF2B5EF4-FFF2-40B4-BE49-F238E27FC236}">
-                <a16:creationId xmlns:a16="http://schemas.microsoft.com/office/drawing/2014/main" id="{857C3FB6-EF70-9BAE-2290-D13596293AE4}"/>
-              </a:ext>
-            </a:extLst>
-          </p:cNvPr>
+            <a:endParaRPr lang="en-US" dirty="0"/>
+          </a:p>
+        </p:txBody>
+      </p:sp>
+      <p:sp>
+        <p:nvSpPr>
+          <p:cNvPr id="3" name="Content Placeholder 2"/>
           <p:cNvSpPr>
             <a:spLocks noGrp="1"/>
           </p:cNvSpPr>
@@ -832,18 +1303,13 @@
               <a:rPr lang="en-US"/>
               <a:t>Fifth level</a:t>
             </a:r>
-          </a:p>
-        </p:txBody>
-      </p:sp>
-      <p:sp>
-        <p:nvSpPr>
-          <p:cNvPr id="4" name="Date Placeholder 3">
-            <a:extLst>
-              <a:ext uri="{FF2B5EF4-FFF2-40B4-BE49-F238E27FC236}">
-                <a16:creationId xmlns:a16="http://schemas.microsoft.com/office/drawing/2014/main" id="{8BA33972-2911-D516-E8CF-B140ABB77B1E}"/>
-              </a:ext>
-            </a:extLst>
-          </p:cNvPr>
+            <a:endParaRPr lang="en-US" dirty="0"/>
+          </a:p>
+        </p:txBody>
+      </p:sp>
+      <p:sp>
+        <p:nvSpPr>
+          <p:cNvPr id="4" name="Date Placeholder 3"/>
           <p:cNvSpPr>
             <a:spLocks noGrp="1"/>
           </p:cNvSpPr>
@@ -858,7 +1324,7 @@
           <a:p>
             <a:fld id="{42F1BB42-BFC8-474A-9D69-65C817AE1623}" type="datetimeFigureOut">
               <a:rPr lang="en-US" smtClean="0"/>
-              <a:t>4/14/2025</a:t>
+              <a:t>5/3/2025</a:t>
             </a:fld>
             <a:endParaRPr lang="en-US"/>
           </a:p>
@@ -866,13 +1332,7 @@
       </p:sp>
       <p:sp>
         <p:nvSpPr>
-          <p:cNvPr id="5" name="Footer Placeholder 4">
-            <a:extLst>
-              <a:ext uri="{FF2B5EF4-FFF2-40B4-BE49-F238E27FC236}">
-                <a16:creationId xmlns:a16="http://schemas.microsoft.com/office/drawing/2014/main" id="{44E6987D-7A95-62BB-D43D-00B6F2FAEF88}"/>
-              </a:ext>
-            </a:extLst>
-          </p:cNvPr>
+          <p:cNvPr id="5" name="Footer Placeholder 4"/>
           <p:cNvSpPr>
             <a:spLocks noGrp="1"/>
           </p:cNvSpPr>
@@ -891,13 +1351,7 @@
       </p:sp>
       <p:sp>
         <p:nvSpPr>
-          <p:cNvPr id="6" name="Slide Number Placeholder 5">
-            <a:extLst>
-              <a:ext uri="{FF2B5EF4-FFF2-40B4-BE49-F238E27FC236}">
-                <a16:creationId xmlns:a16="http://schemas.microsoft.com/office/drawing/2014/main" id="{E5B076CE-80FC-5651-49D2-EBB77B93E506}"/>
-              </a:ext>
-            </a:extLst>
-          </p:cNvPr>
+          <p:cNvPr id="6" name="Slide Number Placeholder 5"/>
           <p:cNvSpPr>
             <a:spLocks noGrp="1"/>
           </p:cNvSpPr>
@@ -921,7 +1375,7 @@
     </p:spTree>
     <p:extLst>
       <p:ext uri="{BB962C8B-B14F-4D97-AF65-F5344CB8AC3E}">
-        <p14:creationId xmlns:p14="http://schemas.microsoft.com/office/powerpoint/2010/main" val="2927896107"/>
+        <p14:creationId xmlns:p14="http://schemas.microsoft.com/office/powerpoint/2010/main" val="580411340"/>
       </p:ext>
     </p:extLst>
   </p:cSld>
@@ -950,13 +1404,7 @@
       </p:grpSpPr>
       <p:sp>
         <p:nvSpPr>
-          <p:cNvPr id="2" name="Title 1">
-            <a:extLst>
-              <a:ext uri="{FF2B5EF4-FFF2-40B4-BE49-F238E27FC236}">
-                <a16:creationId xmlns:a16="http://schemas.microsoft.com/office/drawing/2014/main" id="{821D9C70-F348-BF6A-8EA1-C3CEB7E7F541}"/>
-              </a:ext>
-            </a:extLst>
-          </p:cNvPr>
+          <p:cNvPr id="2" name="Title 1"/>
           <p:cNvSpPr>
             <a:spLocks noGrp="1"/>
           </p:cNvSpPr>
@@ -966,15 +1414,20 @@
         </p:nvSpPr>
         <p:spPr>
           <a:xfrm>
-            <a:off x="831850" y="1709738"/>
-            <a:ext cx="10515600" cy="2852737"/>
+            <a:off x="1106424" y="1173575"/>
+            <a:ext cx="9966960" cy="2926080"/>
           </a:xfrm>
         </p:spPr>
         <p:txBody>
-          <a:bodyPr anchor="b"/>
+          <a:bodyPr anchor="b">
+            <a:noAutofit/>
+          </a:bodyPr>
           <a:lstStyle>
-            <a:lvl1pPr>
-              <a:defRPr sz="6000"/>
+            <a:lvl1pPr algn="ctr">
+              <a:lnSpc>
+                <a:spcPct val="85000"/>
+              </a:lnSpc>
+              <a:defRPr sz="7200" b="0" cap="all" baseline="0"/>
             </a:lvl1pPr>
           </a:lstStyle>
           <a:p>
@@ -982,18 +1435,13 @@
               <a:rPr lang="en-US"/>
               <a:t>Click to edit Master title style</a:t>
             </a:r>
-          </a:p>
-        </p:txBody>
-      </p:sp>
-      <p:sp>
-        <p:nvSpPr>
-          <p:cNvPr id="3" name="Text Placeholder 2">
-            <a:extLst>
-              <a:ext uri="{FF2B5EF4-FFF2-40B4-BE49-F238E27FC236}">
-                <a16:creationId xmlns:a16="http://schemas.microsoft.com/office/drawing/2014/main" id="{26D1C266-7CAD-7220-DD49-AB34878054A3}"/>
-              </a:ext>
-            </a:extLst>
-          </p:cNvPr>
+            <a:endParaRPr lang="en-US" dirty="0"/>
+          </a:p>
+        </p:txBody>
+      </p:sp>
+      <p:sp>
+        <p:nvSpPr>
+          <p:cNvPr id="3" name="Text Placeholder 2"/>
           <p:cNvSpPr>
             <a:spLocks noGrp="1"/>
           </p:cNvSpPr>
@@ -1003,26 +1451,26 @@
         </p:nvSpPr>
         <p:spPr>
           <a:xfrm>
-            <a:off x="831850" y="4589463"/>
-            <a:ext cx="10515600" cy="1500187"/>
+            <a:off x="1709928" y="4154520"/>
+            <a:ext cx="8769096" cy="1363806"/>
           </a:xfrm>
         </p:spPr>
         <p:txBody>
-          <a:bodyPr/>
+          <a:bodyPr anchor="t">
+            <a:normAutofit/>
+          </a:bodyPr>
           <a:lstStyle>
-            <a:lvl1pPr marL="0" indent="0">
-              <a:buNone/>
-              <a:defRPr sz="2400">
+            <a:lvl1pPr marL="0" indent="0" algn="ctr">
+              <a:buNone/>
+              <a:defRPr sz="2200">
                 <a:solidFill>
-                  <a:schemeClr val="tx1">
-                    <a:tint val="75000"/>
-                  </a:schemeClr>
+                  <a:schemeClr val="accent1"/>
                 </a:solidFill>
               </a:defRPr>
             </a:lvl1pPr>
             <a:lvl2pPr marL="457200" indent="0">
               <a:buNone/>
-              <a:defRPr sz="2000">
+              <a:defRPr sz="1800">
                 <a:solidFill>
                   <a:schemeClr val="tx1">
                     <a:tint val="75000"/>
@@ -1032,7 +1480,7 @@
             </a:lvl2pPr>
             <a:lvl3pPr marL="914400" indent="0">
               <a:buNone/>
-              <a:defRPr sz="1800">
+              <a:defRPr sz="1600">
                 <a:solidFill>
                   <a:schemeClr val="tx1">
                     <a:tint val="75000"/>
@@ -1042,7 +1490,7 @@
             </a:lvl3pPr>
             <a:lvl4pPr marL="1371600" indent="0">
               <a:buNone/>
-              <a:defRPr sz="1600">
+              <a:defRPr sz="1400">
                 <a:solidFill>
                   <a:schemeClr val="tx1">
                     <a:tint val="75000"/>
@@ -1052,7 +1500,7 @@
             </a:lvl4pPr>
             <a:lvl5pPr marL="1828800" indent="0">
               <a:buNone/>
-              <a:defRPr sz="1600">
+              <a:defRPr sz="1400">
                 <a:solidFill>
                   <a:schemeClr val="tx1">
                     <a:tint val="75000"/>
@@ -1062,7 +1510,7 @@
             </a:lvl5pPr>
             <a:lvl6pPr marL="2286000" indent="0">
               <a:buNone/>
-              <a:defRPr sz="1600">
+              <a:defRPr sz="1400">
                 <a:solidFill>
                   <a:schemeClr val="tx1">
                     <a:tint val="75000"/>
@@ -1072,7 +1520,7 @@
             </a:lvl6pPr>
             <a:lvl7pPr marL="2743200" indent="0">
               <a:buNone/>
-              <a:defRPr sz="1600">
+              <a:defRPr sz="1400">
                 <a:solidFill>
                   <a:schemeClr val="tx1">
                     <a:tint val="75000"/>
@@ -1082,7 +1530,7 @@
             </a:lvl7pPr>
             <a:lvl8pPr marL="3200400" indent="0">
               <a:buNone/>
-              <a:defRPr sz="1600">
+              <a:defRPr sz="1400">
                 <a:solidFill>
                   <a:schemeClr val="tx1">
                     <a:tint val="75000"/>
@@ -1092,7 +1540,7 @@
             </a:lvl8pPr>
             <a:lvl9pPr marL="3657600" indent="0">
               <a:buNone/>
-              <a:defRPr sz="1600">
+              <a:defRPr sz="1400">
                 <a:solidFill>
                   <a:schemeClr val="tx1">
                     <a:tint val="75000"/>
@@ -1112,13 +1560,7 @@
       </p:sp>
       <p:sp>
         <p:nvSpPr>
-          <p:cNvPr id="4" name="Date Placeholder 3">
-            <a:extLst>
-              <a:ext uri="{FF2B5EF4-FFF2-40B4-BE49-F238E27FC236}">
-                <a16:creationId xmlns:a16="http://schemas.microsoft.com/office/drawing/2014/main" id="{317A9DD6-33BC-62A8-B351-50A702E3BF76}"/>
-              </a:ext>
-            </a:extLst>
-          </p:cNvPr>
+          <p:cNvPr id="4" name="Date Placeholder 3"/>
           <p:cNvSpPr>
             <a:spLocks noGrp="1"/>
           </p:cNvSpPr>
@@ -1133,7 +1575,7 @@
           <a:p>
             <a:fld id="{42F1BB42-BFC8-474A-9D69-65C817AE1623}" type="datetimeFigureOut">
               <a:rPr lang="en-US" smtClean="0"/>
-              <a:t>4/14/2025</a:t>
+              <a:t>5/3/2025</a:t>
             </a:fld>
             <a:endParaRPr lang="en-US"/>
           </a:p>
@@ -1141,13 +1583,7 @@
       </p:sp>
       <p:sp>
         <p:nvSpPr>
-          <p:cNvPr id="5" name="Footer Placeholder 4">
-            <a:extLst>
-              <a:ext uri="{FF2B5EF4-FFF2-40B4-BE49-F238E27FC236}">
-                <a16:creationId xmlns:a16="http://schemas.microsoft.com/office/drawing/2014/main" id="{32038149-578E-961A-8015-697A49E33D61}"/>
-              </a:ext>
-            </a:extLst>
-          </p:cNvPr>
+          <p:cNvPr id="5" name="Footer Placeholder 4"/>
           <p:cNvSpPr>
             <a:spLocks noGrp="1"/>
           </p:cNvSpPr>
@@ -1166,13 +1602,7 @@
       </p:sp>
       <p:sp>
         <p:nvSpPr>
-          <p:cNvPr id="6" name="Slide Number Placeholder 5">
-            <a:extLst>
-              <a:ext uri="{FF2B5EF4-FFF2-40B4-BE49-F238E27FC236}">
-                <a16:creationId xmlns:a16="http://schemas.microsoft.com/office/drawing/2014/main" id="{0AAFA2BB-F7A7-5348-5833-DF4A01800E62}"/>
-              </a:ext>
-            </a:extLst>
-          </p:cNvPr>
+          <p:cNvPr id="6" name="Slide Number Placeholder 5"/>
           <p:cNvSpPr>
             <a:spLocks noGrp="1"/>
           </p:cNvSpPr>
@@ -1193,10 +1623,45 @@
           </a:p>
         </p:txBody>
       </p:sp>
+      <p:cxnSp>
+        <p:nvCxnSpPr>
+          <p:cNvPr id="7" name="Straight Connector 6"/>
+          <p:cNvCxnSpPr/>
+          <p:nvPr/>
+        </p:nvCxnSpPr>
+        <p:spPr>
+          <a:xfrm>
+            <a:off x="1981200" y="4020408"/>
+            <a:ext cx="8229601" cy="0"/>
+          </a:xfrm>
+          <a:prstGeom prst="line">
+            <a:avLst/>
+          </a:prstGeom>
+          <a:ln>
+            <a:solidFill>
+              <a:schemeClr val="accent1"/>
+            </a:solidFill>
+          </a:ln>
+        </p:spPr>
+        <p:style>
+          <a:lnRef idx="1">
+            <a:schemeClr val="accent1"/>
+          </a:lnRef>
+          <a:fillRef idx="0">
+            <a:schemeClr val="accent1"/>
+          </a:fillRef>
+          <a:effectRef idx="0">
+            <a:schemeClr val="accent1"/>
+          </a:effectRef>
+          <a:fontRef idx="minor">
+            <a:schemeClr val="tx1"/>
+          </a:fontRef>
+        </p:style>
+      </p:cxnSp>
     </p:spTree>
     <p:extLst>
       <p:ext uri="{BB962C8B-B14F-4D97-AF65-F5344CB8AC3E}">
-        <p14:creationId xmlns:p14="http://schemas.microsoft.com/office/powerpoint/2010/main" val="1020517841"/>
+        <p14:creationId xmlns:p14="http://schemas.microsoft.com/office/powerpoint/2010/main" val="3795852108"/>
       </p:ext>
     </p:extLst>
   </p:cSld>
@@ -1225,13 +1690,7 @@
       </p:grpSpPr>
       <p:sp>
         <p:nvSpPr>
-          <p:cNvPr id="2" name="Title 1">
-            <a:extLst>
-              <a:ext uri="{FF2B5EF4-FFF2-40B4-BE49-F238E27FC236}">
-                <a16:creationId xmlns:a16="http://schemas.microsoft.com/office/drawing/2014/main" id="{A2B56B78-5721-68C7-F75F-6B3E46902EFE}"/>
-              </a:ext>
-            </a:extLst>
-          </p:cNvPr>
+          <p:cNvPr id="8" name="Title 7"/>
           <p:cNvSpPr>
             <a:spLocks noGrp="1"/>
           </p:cNvSpPr>
@@ -1248,18 +1707,13 @@
               <a:rPr lang="en-US"/>
               <a:t>Click to edit Master title style</a:t>
             </a:r>
-          </a:p>
-        </p:txBody>
-      </p:sp>
-      <p:sp>
-        <p:nvSpPr>
-          <p:cNvPr id="3" name="Content Placeholder 2">
-            <a:extLst>
-              <a:ext uri="{FF2B5EF4-FFF2-40B4-BE49-F238E27FC236}">
-                <a16:creationId xmlns:a16="http://schemas.microsoft.com/office/drawing/2014/main" id="{3750D647-E52A-924F-5FAE-AF69E2765463}"/>
-              </a:ext>
-            </a:extLst>
-          </p:cNvPr>
+            <a:endParaRPr lang="en-US" dirty="0"/>
+          </a:p>
+        </p:txBody>
+      </p:sp>
+      <p:sp>
+        <p:nvSpPr>
+          <p:cNvPr id="3" name="Content Placeholder 2"/>
           <p:cNvSpPr>
             <a:spLocks noGrp="1"/>
           </p:cNvSpPr>
@@ -1269,13 +1723,41 @@
         </p:nvSpPr>
         <p:spPr>
           <a:xfrm>
-            <a:off x="838200" y="1825625"/>
-            <a:ext cx="5181600" cy="4351338"/>
+            <a:off x="1143000" y="2057399"/>
+            <a:ext cx="4754880" cy="4023360"/>
           </a:xfrm>
         </p:spPr>
         <p:txBody>
           <a:bodyPr/>
-          <a:lstStyle/>
+          <a:lstStyle>
+            <a:lvl1pPr>
+              <a:defRPr sz="2200"/>
+            </a:lvl1pPr>
+            <a:lvl2pPr>
+              <a:defRPr sz="2000"/>
+            </a:lvl2pPr>
+            <a:lvl3pPr>
+              <a:defRPr sz="1800"/>
+            </a:lvl3pPr>
+            <a:lvl4pPr>
+              <a:defRPr sz="1600"/>
+            </a:lvl4pPr>
+            <a:lvl5pPr>
+              <a:defRPr sz="1600"/>
+            </a:lvl5pPr>
+            <a:lvl6pPr>
+              <a:defRPr sz="1600"/>
+            </a:lvl6pPr>
+            <a:lvl7pPr>
+              <a:defRPr sz="1600"/>
+            </a:lvl7pPr>
+            <a:lvl8pPr>
+              <a:defRPr sz="1600"/>
+            </a:lvl8pPr>
+            <a:lvl9pPr>
+              <a:defRPr sz="1600"/>
+            </a:lvl9pPr>
+          </a:lstStyle>
           <a:p>
             <a:pPr lvl="0"/>
             <a:r>
@@ -1310,18 +1792,13 @@
               <a:rPr lang="en-US"/>
               <a:t>Fifth level</a:t>
             </a:r>
-          </a:p>
-        </p:txBody>
-      </p:sp>
-      <p:sp>
-        <p:nvSpPr>
-          <p:cNvPr id="4" name="Content Placeholder 3">
-            <a:extLst>
-              <a:ext uri="{FF2B5EF4-FFF2-40B4-BE49-F238E27FC236}">
-                <a16:creationId xmlns:a16="http://schemas.microsoft.com/office/drawing/2014/main" id="{660E8224-6924-4412-FEEA-43C140B76588}"/>
-              </a:ext>
-            </a:extLst>
-          </p:cNvPr>
+            <a:endParaRPr lang="en-US" dirty="0"/>
+          </a:p>
+        </p:txBody>
+      </p:sp>
+      <p:sp>
+        <p:nvSpPr>
+          <p:cNvPr id="4" name="Content Placeholder 3"/>
           <p:cNvSpPr>
             <a:spLocks noGrp="1"/>
           </p:cNvSpPr>
@@ -1331,13 +1808,41 @@
         </p:nvSpPr>
         <p:spPr>
           <a:xfrm>
-            <a:off x="6172200" y="1825625"/>
-            <a:ext cx="5181600" cy="4351338"/>
+            <a:off x="6267612" y="2057400"/>
+            <a:ext cx="4754880" cy="4023360"/>
           </a:xfrm>
         </p:spPr>
         <p:txBody>
           <a:bodyPr/>
-          <a:lstStyle/>
+          <a:lstStyle>
+            <a:lvl1pPr>
+              <a:defRPr sz="2200"/>
+            </a:lvl1pPr>
+            <a:lvl2pPr>
+              <a:defRPr sz="2000"/>
+            </a:lvl2pPr>
+            <a:lvl3pPr>
+              <a:defRPr sz="1800"/>
+            </a:lvl3pPr>
+            <a:lvl4pPr>
+              <a:defRPr sz="1600"/>
+            </a:lvl4pPr>
+            <a:lvl5pPr>
+              <a:defRPr sz="1600"/>
+            </a:lvl5pPr>
+            <a:lvl6pPr>
+              <a:defRPr sz="1600"/>
+            </a:lvl6pPr>
+            <a:lvl7pPr>
+              <a:defRPr sz="1600"/>
+            </a:lvl7pPr>
+            <a:lvl8pPr>
+              <a:defRPr sz="1600"/>
+            </a:lvl8pPr>
+            <a:lvl9pPr>
+              <a:defRPr sz="1600"/>
+            </a:lvl9pPr>
+          </a:lstStyle>
           <a:p>
             <a:pPr lvl="0"/>
             <a:r>
@@ -1372,18 +1877,13 @@
               <a:rPr lang="en-US"/>
               <a:t>Fifth level</a:t>
             </a:r>
-          </a:p>
-        </p:txBody>
-      </p:sp>
-      <p:sp>
-        <p:nvSpPr>
-          <p:cNvPr id="5" name="Date Placeholder 4">
-            <a:extLst>
-              <a:ext uri="{FF2B5EF4-FFF2-40B4-BE49-F238E27FC236}">
-                <a16:creationId xmlns:a16="http://schemas.microsoft.com/office/drawing/2014/main" id="{407F4A7E-6ABA-E390-CFF9-9F09E2794A3C}"/>
-              </a:ext>
-            </a:extLst>
-          </p:cNvPr>
+            <a:endParaRPr lang="en-US" dirty="0"/>
+          </a:p>
+        </p:txBody>
+      </p:sp>
+      <p:sp>
+        <p:nvSpPr>
+          <p:cNvPr id="5" name="Date Placeholder 4"/>
           <p:cNvSpPr>
             <a:spLocks noGrp="1"/>
           </p:cNvSpPr>
@@ -1398,7 +1898,7 @@
           <a:p>
             <a:fld id="{42F1BB42-BFC8-474A-9D69-65C817AE1623}" type="datetimeFigureOut">
               <a:rPr lang="en-US" smtClean="0"/>
-              <a:t>4/14/2025</a:t>
+              <a:t>5/3/2025</a:t>
             </a:fld>
             <a:endParaRPr lang="en-US"/>
           </a:p>
@@ -1406,13 +1906,7 @@
       </p:sp>
       <p:sp>
         <p:nvSpPr>
-          <p:cNvPr id="6" name="Footer Placeholder 5">
-            <a:extLst>
-              <a:ext uri="{FF2B5EF4-FFF2-40B4-BE49-F238E27FC236}">
-                <a16:creationId xmlns:a16="http://schemas.microsoft.com/office/drawing/2014/main" id="{B2CC7737-284D-4AE7-9667-9929E4DF9EBD}"/>
-              </a:ext>
-            </a:extLst>
-          </p:cNvPr>
+          <p:cNvPr id="6" name="Footer Placeholder 5"/>
           <p:cNvSpPr>
             <a:spLocks noGrp="1"/>
           </p:cNvSpPr>
@@ -1431,13 +1925,7 @@
       </p:sp>
       <p:sp>
         <p:nvSpPr>
-          <p:cNvPr id="7" name="Slide Number Placeholder 6">
-            <a:extLst>
-              <a:ext uri="{FF2B5EF4-FFF2-40B4-BE49-F238E27FC236}">
-                <a16:creationId xmlns:a16="http://schemas.microsoft.com/office/drawing/2014/main" id="{CAC59587-F96A-0923-135D-5ADD5A744F3B}"/>
-              </a:ext>
-            </a:extLst>
-          </p:cNvPr>
+          <p:cNvPr id="7" name="Slide Number Placeholder 6"/>
           <p:cNvSpPr>
             <a:spLocks noGrp="1"/>
           </p:cNvSpPr>
@@ -1461,7 +1949,7 @@
     </p:spTree>
     <p:extLst>
       <p:ext uri="{BB962C8B-B14F-4D97-AF65-F5344CB8AC3E}">
-        <p14:creationId xmlns:p14="http://schemas.microsoft.com/office/powerpoint/2010/main" val="4087553297"/>
+        <p14:creationId xmlns:p14="http://schemas.microsoft.com/office/powerpoint/2010/main" val="1504026133"/>
       </p:ext>
     </p:extLst>
   </p:cSld>
@@ -1490,63 +1978,50 @@
       </p:grpSpPr>
       <p:sp>
         <p:nvSpPr>
-          <p:cNvPr id="2" name="Title 1">
-            <a:extLst>
-              <a:ext uri="{FF2B5EF4-FFF2-40B4-BE49-F238E27FC236}">
-                <a16:creationId xmlns:a16="http://schemas.microsoft.com/office/drawing/2014/main" id="{C19EF91F-000F-D67D-0F85-D15168AC0AC9}"/>
-              </a:ext>
-            </a:extLst>
-          </p:cNvPr>
+          <p:cNvPr id="10" name="Title 9"/>
           <p:cNvSpPr>
             <a:spLocks noGrp="1"/>
           </p:cNvSpPr>
           <p:nvPr>
             <p:ph type="title"/>
+          </p:nvPr>
+        </p:nvSpPr>
+        <p:spPr/>
+        <p:txBody>
+          <a:bodyPr/>
+          <a:lstStyle/>
+          <a:p>
+            <a:r>
+              <a:rPr lang="en-US"/>
+              <a:t>Click to edit Master title style</a:t>
+            </a:r>
+            <a:endParaRPr lang="en-US" dirty="0"/>
+          </a:p>
+        </p:txBody>
+      </p:sp>
+      <p:sp>
+        <p:nvSpPr>
+          <p:cNvPr id="3" name="Text Placeholder 2"/>
+          <p:cNvSpPr>
+            <a:spLocks noGrp="1"/>
+          </p:cNvSpPr>
+          <p:nvPr>
+            <p:ph type="body" idx="1"/>
           </p:nvPr>
         </p:nvSpPr>
         <p:spPr>
           <a:xfrm>
-            <a:off x="839788" y="365125"/>
-            <a:ext cx="10515600" cy="1325563"/>
+            <a:off x="1143000" y="2001511"/>
+            <a:ext cx="4754880" cy="777240"/>
           </a:xfrm>
         </p:spPr>
         <p:txBody>
-          <a:bodyPr/>
-          <a:lstStyle/>
-          <a:p>
-            <a:r>
-              <a:rPr lang="en-US"/>
-              <a:t>Click to edit Master title style</a:t>
-            </a:r>
-          </a:p>
-        </p:txBody>
-      </p:sp>
-      <p:sp>
-        <p:nvSpPr>
-          <p:cNvPr id="3" name="Text Placeholder 2">
-            <a:extLst>
-              <a:ext uri="{FF2B5EF4-FFF2-40B4-BE49-F238E27FC236}">
-                <a16:creationId xmlns:a16="http://schemas.microsoft.com/office/drawing/2014/main" id="{18EC8171-2D85-3C42-C27F-7BB4625DF17A}"/>
-              </a:ext>
-            </a:extLst>
-          </p:cNvPr>
-          <p:cNvSpPr>
-            <a:spLocks noGrp="1"/>
-          </p:cNvSpPr>
-          <p:nvPr>
-            <p:ph type="body" idx="1"/>
-          </p:nvPr>
-        </p:nvSpPr>
-        <p:spPr>
-          <a:xfrm>
-            <a:off x="839788" y="1681163"/>
-            <a:ext cx="5157787" cy="823912"/>
-          </a:xfrm>
-        </p:spPr>
-        <p:txBody>
-          <a:bodyPr anchor="b"/>
+          <a:bodyPr anchor="ctr"/>
           <a:lstStyle>
             <a:lvl1pPr marL="0" indent="0">
+              <a:spcBef>
+                <a:spcPts val="0"/>
+              </a:spcBef>
               <a:buNone/>
               <a:defRPr sz="2400" b="1"/>
             </a:lvl1pPr>
@@ -1594,13 +2069,7 @@
       </p:sp>
       <p:sp>
         <p:nvSpPr>
-          <p:cNvPr id="4" name="Content Placeholder 3">
-            <a:extLst>
-              <a:ext uri="{FF2B5EF4-FFF2-40B4-BE49-F238E27FC236}">
-                <a16:creationId xmlns:a16="http://schemas.microsoft.com/office/drawing/2014/main" id="{60CE4239-9A54-93AA-BD4F-8A3B5DDD3457}"/>
-              </a:ext>
-            </a:extLst>
-          </p:cNvPr>
+          <p:cNvPr id="4" name="Content Placeholder 3"/>
           <p:cNvSpPr>
             <a:spLocks noGrp="1"/>
           </p:cNvSpPr>
@@ -1610,13 +2079,41 @@
         </p:nvSpPr>
         <p:spPr>
           <a:xfrm>
-            <a:off x="839788" y="2505075"/>
-            <a:ext cx="5157787" cy="3684588"/>
+            <a:off x="1143000" y="2721483"/>
+            <a:ext cx="4754880" cy="3383280"/>
           </a:xfrm>
         </p:spPr>
         <p:txBody>
           <a:bodyPr/>
-          <a:lstStyle/>
+          <a:lstStyle>
+            <a:lvl1pPr>
+              <a:defRPr sz="2200"/>
+            </a:lvl1pPr>
+            <a:lvl2pPr>
+              <a:defRPr sz="2000"/>
+            </a:lvl2pPr>
+            <a:lvl3pPr>
+              <a:defRPr sz="1800"/>
+            </a:lvl3pPr>
+            <a:lvl4pPr>
+              <a:defRPr sz="1600"/>
+            </a:lvl4pPr>
+            <a:lvl5pPr>
+              <a:defRPr sz="1600"/>
+            </a:lvl5pPr>
+            <a:lvl6pPr>
+              <a:defRPr sz="1600"/>
+            </a:lvl6pPr>
+            <a:lvl7pPr>
+              <a:defRPr sz="1600"/>
+            </a:lvl7pPr>
+            <a:lvl8pPr>
+              <a:defRPr sz="1600"/>
+            </a:lvl8pPr>
+            <a:lvl9pPr>
+              <a:defRPr sz="1600"/>
+            </a:lvl9pPr>
+          </a:lstStyle>
           <a:p>
             <a:pPr lvl="0"/>
             <a:r>
@@ -1651,18 +2148,13 @@
               <a:rPr lang="en-US"/>
               <a:t>Fifth level</a:t>
             </a:r>
-          </a:p>
-        </p:txBody>
-      </p:sp>
-      <p:sp>
-        <p:nvSpPr>
-          <p:cNvPr id="5" name="Text Placeholder 4">
-            <a:extLst>
-              <a:ext uri="{FF2B5EF4-FFF2-40B4-BE49-F238E27FC236}">
-                <a16:creationId xmlns:a16="http://schemas.microsoft.com/office/drawing/2014/main" id="{02306598-B8A7-EA36-4629-7CBC80CF7225}"/>
-              </a:ext>
-            </a:extLst>
-          </p:cNvPr>
+            <a:endParaRPr lang="en-US" dirty="0"/>
+          </a:p>
+        </p:txBody>
+      </p:sp>
+      <p:sp>
+        <p:nvSpPr>
+          <p:cNvPr id="5" name="Text Placeholder 4"/>
           <p:cNvSpPr>
             <a:spLocks noGrp="1"/>
           </p:cNvSpPr>
@@ -1672,14 +2164,17 @@
         </p:nvSpPr>
         <p:spPr>
           <a:xfrm>
-            <a:off x="6172200" y="1681163"/>
-            <a:ext cx="5183188" cy="823912"/>
+            <a:off x="6269173" y="1999032"/>
+            <a:ext cx="4754880" cy="777240"/>
           </a:xfrm>
         </p:spPr>
         <p:txBody>
-          <a:bodyPr anchor="b"/>
+          <a:bodyPr anchor="ctr"/>
           <a:lstStyle>
             <a:lvl1pPr marL="0" indent="0">
+              <a:spcBef>
+                <a:spcPts val="0"/>
+              </a:spcBef>
               <a:buNone/>
               <a:defRPr sz="2400" b="1"/>
             </a:lvl1pPr>
@@ -1727,13 +2222,7 @@
       </p:sp>
       <p:sp>
         <p:nvSpPr>
-          <p:cNvPr id="6" name="Content Placeholder 5">
-            <a:extLst>
-              <a:ext uri="{FF2B5EF4-FFF2-40B4-BE49-F238E27FC236}">
-                <a16:creationId xmlns:a16="http://schemas.microsoft.com/office/drawing/2014/main" id="{4AEEA84C-6F63-898D-EE30-04C0A3B72AE4}"/>
-              </a:ext>
-            </a:extLst>
-          </p:cNvPr>
+          <p:cNvPr id="6" name="Content Placeholder 5"/>
           <p:cNvSpPr>
             <a:spLocks noGrp="1"/>
           </p:cNvSpPr>
@@ -1743,13 +2232,41 @@
         </p:nvSpPr>
         <p:spPr>
           <a:xfrm>
-            <a:off x="6172200" y="2505075"/>
-            <a:ext cx="5183188" cy="3684588"/>
+            <a:off x="6269173" y="2719322"/>
+            <a:ext cx="4754880" cy="3383280"/>
           </a:xfrm>
         </p:spPr>
         <p:txBody>
           <a:bodyPr/>
-          <a:lstStyle/>
+          <a:lstStyle>
+            <a:lvl1pPr>
+              <a:defRPr sz="2200"/>
+            </a:lvl1pPr>
+            <a:lvl2pPr>
+              <a:defRPr sz="2000"/>
+            </a:lvl2pPr>
+            <a:lvl3pPr>
+              <a:defRPr sz="1800"/>
+            </a:lvl3pPr>
+            <a:lvl4pPr>
+              <a:defRPr sz="1600"/>
+            </a:lvl4pPr>
+            <a:lvl5pPr>
+              <a:defRPr sz="1600"/>
+            </a:lvl5pPr>
+            <a:lvl6pPr>
+              <a:defRPr sz="1600"/>
+            </a:lvl6pPr>
+            <a:lvl7pPr>
+              <a:defRPr sz="1600"/>
+            </a:lvl7pPr>
+            <a:lvl8pPr>
+              <a:defRPr sz="1600"/>
+            </a:lvl8pPr>
+            <a:lvl9pPr>
+              <a:defRPr sz="1600"/>
+            </a:lvl9pPr>
+          </a:lstStyle>
           <a:p>
             <a:pPr lvl="0"/>
             <a:r>
@@ -1784,18 +2301,13 @@
               <a:rPr lang="en-US"/>
               <a:t>Fifth level</a:t>
             </a:r>
-          </a:p>
-        </p:txBody>
-      </p:sp>
-      <p:sp>
-        <p:nvSpPr>
-          <p:cNvPr id="7" name="Date Placeholder 6">
-            <a:extLst>
-              <a:ext uri="{FF2B5EF4-FFF2-40B4-BE49-F238E27FC236}">
-                <a16:creationId xmlns:a16="http://schemas.microsoft.com/office/drawing/2014/main" id="{E53619A7-051E-0864-E8F0-3ACC74D029FA}"/>
-              </a:ext>
-            </a:extLst>
-          </p:cNvPr>
+            <a:endParaRPr lang="en-US" dirty="0"/>
+          </a:p>
+        </p:txBody>
+      </p:sp>
+      <p:sp>
+        <p:nvSpPr>
+          <p:cNvPr id="7" name="Date Placeholder 6"/>
           <p:cNvSpPr>
             <a:spLocks noGrp="1"/>
           </p:cNvSpPr>
@@ -1810,7 +2322,7 @@
           <a:p>
             <a:fld id="{42F1BB42-BFC8-474A-9D69-65C817AE1623}" type="datetimeFigureOut">
               <a:rPr lang="en-US" smtClean="0"/>
-              <a:t>4/14/2025</a:t>
+              <a:t>5/3/2025</a:t>
             </a:fld>
             <a:endParaRPr lang="en-US"/>
           </a:p>
@@ -1818,13 +2330,7 @@
       </p:sp>
       <p:sp>
         <p:nvSpPr>
-          <p:cNvPr id="8" name="Footer Placeholder 7">
-            <a:extLst>
-              <a:ext uri="{FF2B5EF4-FFF2-40B4-BE49-F238E27FC236}">
-                <a16:creationId xmlns:a16="http://schemas.microsoft.com/office/drawing/2014/main" id="{4EA2483B-BB1F-1B02-D896-FFA5305794DD}"/>
-              </a:ext>
-            </a:extLst>
-          </p:cNvPr>
+          <p:cNvPr id="8" name="Footer Placeholder 7"/>
           <p:cNvSpPr>
             <a:spLocks noGrp="1"/>
           </p:cNvSpPr>
@@ -1843,13 +2349,7 @@
       </p:sp>
       <p:sp>
         <p:nvSpPr>
-          <p:cNvPr id="9" name="Slide Number Placeholder 8">
-            <a:extLst>
-              <a:ext uri="{FF2B5EF4-FFF2-40B4-BE49-F238E27FC236}">
-                <a16:creationId xmlns:a16="http://schemas.microsoft.com/office/drawing/2014/main" id="{758142AD-9D3E-C5A4-93BD-828E61705AA7}"/>
-              </a:ext>
-            </a:extLst>
-          </p:cNvPr>
+          <p:cNvPr id="9" name="Slide Number Placeholder 8"/>
           <p:cNvSpPr>
             <a:spLocks noGrp="1"/>
           </p:cNvSpPr>
@@ -1873,7 +2373,7 @@
     </p:spTree>
     <p:extLst>
       <p:ext uri="{BB962C8B-B14F-4D97-AF65-F5344CB8AC3E}">
-        <p14:creationId xmlns:p14="http://schemas.microsoft.com/office/powerpoint/2010/main" val="1640699384"/>
+        <p14:creationId xmlns:p14="http://schemas.microsoft.com/office/powerpoint/2010/main" val="1187704019"/>
       </p:ext>
     </p:extLst>
   </p:cSld>
@@ -1902,13 +2402,7 @@
       </p:grpSpPr>
       <p:sp>
         <p:nvSpPr>
-          <p:cNvPr id="2" name="Title 1">
-            <a:extLst>
-              <a:ext uri="{FF2B5EF4-FFF2-40B4-BE49-F238E27FC236}">
-                <a16:creationId xmlns:a16="http://schemas.microsoft.com/office/drawing/2014/main" id="{04EB9959-7681-E73D-E16A-0ADB7ABE7B61}"/>
-              </a:ext>
-            </a:extLst>
-          </p:cNvPr>
+          <p:cNvPr id="2" name="Title 1"/>
           <p:cNvSpPr>
             <a:spLocks noGrp="1"/>
           </p:cNvSpPr>
@@ -1925,18 +2419,13 @@
               <a:rPr lang="en-US"/>
               <a:t>Click to edit Master title style</a:t>
             </a:r>
-          </a:p>
-        </p:txBody>
-      </p:sp>
-      <p:sp>
-        <p:nvSpPr>
-          <p:cNvPr id="3" name="Date Placeholder 2">
-            <a:extLst>
-              <a:ext uri="{FF2B5EF4-FFF2-40B4-BE49-F238E27FC236}">
-                <a16:creationId xmlns:a16="http://schemas.microsoft.com/office/drawing/2014/main" id="{BFF3B9E7-F3F8-72DF-EC7A-68A24B15404F}"/>
-              </a:ext>
-            </a:extLst>
-          </p:cNvPr>
+            <a:endParaRPr lang="en-US" dirty="0"/>
+          </a:p>
+        </p:txBody>
+      </p:sp>
+      <p:sp>
+        <p:nvSpPr>
+          <p:cNvPr id="3" name="Date Placeholder 2"/>
           <p:cNvSpPr>
             <a:spLocks noGrp="1"/>
           </p:cNvSpPr>
@@ -1951,7 +2440,7 @@
           <a:p>
             <a:fld id="{42F1BB42-BFC8-474A-9D69-65C817AE1623}" type="datetimeFigureOut">
               <a:rPr lang="en-US" smtClean="0"/>
-              <a:t>4/14/2025</a:t>
+              <a:t>5/3/2025</a:t>
             </a:fld>
             <a:endParaRPr lang="en-US"/>
           </a:p>
@@ -1959,13 +2448,7 @@
       </p:sp>
       <p:sp>
         <p:nvSpPr>
-          <p:cNvPr id="4" name="Footer Placeholder 3">
-            <a:extLst>
-              <a:ext uri="{FF2B5EF4-FFF2-40B4-BE49-F238E27FC236}">
-                <a16:creationId xmlns:a16="http://schemas.microsoft.com/office/drawing/2014/main" id="{06DB70E5-CAB9-45E1-C487-93A914A1A290}"/>
-              </a:ext>
-            </a:extLst>
-          </p:cNvPr>
+          <p:cNvPr id="4" name="Footer Placeholder 3"/>
           <p:cNvSpPr>
             <a:spLocks noGrp="1"/>
           </p:cNvSpPr>
@@ -1984,13 +2467,7 @@
       </p:sp>
       <p:sp>
         <p:nvSpPr>
-          <p:cNvPr id="5" name="Slide Number Placeholder 4">
-            <a:extLst>
-              <a:ext uri="{FF2B5EF4-FFF2-40B4-BE49-F238E27FC236}">
-                <a16:creationId xmlns:a16="http://schemas.microsoft.com/office/drawing/2014/main" id="{6A236DE9-E1BA-8047-1E2F-894B998C8629}"/>
-              </a:ext>
-            </a:extLst>
-          </p:cNvPr>
+          <p:cNvPr id="5" name="Slide Number Placeholder 4"/>
           <p:cNvSpPr>
             <a:spLocks noGrp="1"/>
           </p:cNvSpPr>
@@ -2014,7 +2491,7 @@
     </p:spTree>
     <p:extLst>
       <p:ext uri="{BB962C8B-B14F-4D97-AF65-F5344CB8AC3E}">
-        <p14:creationId xmlns:p14="http://schemas.microsoft.com/office/powerpoint/2010/main" val="3332286392"/>
+        <p14:creationId xmlns:p14="http://schemas.microsoft.com/office/powerpoint/2010/main" val="1438600053"/>
       </p:ext>
     </p:extLst>
   </p:cSld>
@@ -2043,13 +2520,7 @@
       </p:grpSpPr>
       <p:sp>
         <p:nvSpPr>
-          <p:cNvPr id="2" name="Date Placeholder 1">
-            <a:extLst>
-              <a:ext uri="{FF2B5EF4-FFF2-40B4-BE49-F238E27FC236}">
-                <a16:creationId xmlns:a16="http://schemas.microsoft.com/office/drawing/2014/main" id="{0FE71BA1-956E-A2AE-22BF-C0605E96DC4A}"/>
-              </a:ext>
-            </a:extLst>
-          </p:cNvPr>
+          <p:cNvPr id="2" name="Date Placeholder 1"/>
           <p:cNvSpPr>
             <a:spLocks noGrp="1"/>
           </p:cNvSpPr>
@@ -2064,7 +2535,7 @@
           <a:p>
             <a:fld id="{42F1BB42-BFC8-474A-9D69-65C817AE1623}" type="datetimeFigureOut">
               <a:rPr lang="en-US" smtClean="0"/>
-              <a:t>4/14/2025</a:t>
+              <a:t>5/3/2025</a:t>
             </a:fld>
             <a:endParaRPr lang="en-US"/>
           </a:p>
@@ -2072,13 +2543,7 @@
       </p:sp>
       <p:sp>
         <p:nvSpPr>
-          <p:cNvPr id="3" name="Footer Placeholder 2">
-            <a:extLst>
-              <a:ext uri="{FF2B5EF4-FFF2-40B4-BE49-F238E27FC236}">
-                <a16:creationId xmlns:a16="http://schemas.microsoft.com/office/drawing/2014/main" id="{4B3756B4-7F0E-1499-E3B0-4C02C53C440C}"/>
-              </a:ext>
-            </a:extLst>
-          </p:cNvPr>
+          <p:cNvPr id="3" name="Footer Placeholder 2"/>
           <p:cNvSpPr>
             <a:spLocks noGrp="1"/>
           </p:cNvSpPr>
@@ -2097,13 +2562,7 @@
       </p:sp>
       <p:sp>
         <p:nvSpPr>
-          <p:cNvPr id="4" name="Slide Number Placeholder 3">
-            <a:extLst>
-              <a:ext uri="{FF2B5EF4-FFF2-40B4-BE49-F238E27FC236}">
-                <a16:creationId xmlns:a16="http://schemas.microsoft.com/office/drawing/2014/main" id="{F17D175B-2BB2-A8D5-C581-A741289BE2C0}"/>
-              </a:ext>
-            </a:extLst>
-          </p:cNvPr>
+          <p:cNvPr id="4" name="Slide Number Placeholder 3"/>
           <p:cNvSpPr>
             <a:spLocks noGrp="1"/>
           </p:cNvSpPr>
@@ -2127,7 +2586,7 @@
     </p:spTree>
     <p:extLst>
       <p:ext uri="{BB962C8B-B14F-4D97-AF65-F5344CB8AC3E}">
-        <p14:creationId xmlns:p14="http://schemas.microsoft.com/office/powerpoint/2010/main" val="2307185267"/>
+        <p14:creationId xmlns:p14="http://schemas.microsoft.com/office/powerpoint/2010/main" val="1454093596"/>
       </p:ext>
     </p:extLst>
   </p:cSld>
@@ -2156,13 +2615,7 @@
       </p:grpSpPr>
       <p:sp>
         <p:nvSpPr>
-          <p:cNvPr id="2" name="Title 1">
-            <a:extLst>
-              <a:ext uri="{FF2B5EF4-FFF2-40B4-BE49-F238E27FC236}">
-                <a16:creationId xmlns:a16="http://schemas.microsoft.com/office/drawing/2014/main" id="{21315B61-19ED-9996-7377-C535A54FDFF6}"/>
-              </a:ext>
-            </a:extLst>
-          </p:cNvPr>
+          <p:cNvPr id="2" name="Title 1"/>
           <p:cNvSpPr>
             <a:spLocks noGrp="1"/>
           </p:cNvSpPr>
@@ -2172,15 +2625,20 @@
         </p:nvSpPr>
         <p:spPr>
           <a:xfrm>
-            <a:off x="839788" y="457200"/>
-            <a:ext cx="3932237" cy="1600200"/>
+            <a:off x="1143000" y="1097280"/>
+            <a:ext cx="3931920" cy="1737360"/>
           </a:xfrm>
         </p:spPr>
         <p:txBody>
-          <a:bodyPr anchor="b"/>
+          <a:bodyPr anchor="b">
+            <a:noAutofit/>
+          </a:bodyPr>
           <a:lstStyle>
             <a:lvl1pPr>
-              <a:defRPr sz="3200"/>
+              <a:lnSpc>
+                <a:spcPct val="90000"/>
+              </a:lnSpc>
+              <a:defRPr sz="4000" b="0"/>
             </a:lvl1pPr>
           </a:lstStyle>
           <a:p>
@@ -2188,18 +2646,13 @@
               <a:rPr lang="en-US"/>
               <a:t>Click to edit Master title style</a:t>
             </a:r>
-          </a:p>
-        </p:txBody>
-      </p:sp>
-      <p:sp>
-        <p:nvSpPr>
-          <p:cNvPr id="3" name="Content Placeholder 2">
-            <a:extLst>
-              <a:ext uri="{FF2B5EF4-FFF2-40B4-BE49-F238E27FC236}">
-                <a16:creationId xmlns:a16="http://schemas.microsoft.com/office/drawing/2014/main" id="{78D443CE-CBF2-4147-9D16-EA602BE072E8}"/>
-              </a:ext>
-            </a:extLst>
-          </p:cNvPr>
+            <a:endParaRPr lang="en-US" dirty="0"/>
+          </a:p>
+        </p:txBody>
+      </p:sp>
+      <p:sp>
+        <p:nvSpPr>
+          <p:cNvPr id="3" name="Content Placeholder 2"/>
           <p:cNvSpPr>
             <a:spLocks noGrp="1"/>
           </p:cNvSpPr>
@@ -2209,8 +2662,8 @@
         </p:nvSpPr>
         <p:spPr>
           <a:xfrm>
-            <a:off x="5183188" y="987425"/>
-            <a:ext cx="6172200" cy="4873625"/>
+            <a:off x="5852159" y="1097280"/>
+            <a:ext cx="5212080" cy="4663440"/>
           </a:xfrm>
         </p:spPr>
         <p:txBody>
@@ -2278,18 +2731,13 @@
               <a:rPr lang="en-US"/>
               <a:t>Fifth level</a:t>
             </a:r>
-          </a:p>
-        </p:txBody>
-      </p:sp>
-      <p:sp>
-        <p:nvSpPr>
-          <p:cNvPr id="4" name="Text Placeholder 3">
-            <a:extLst>
-              <a:ext uri="{FF2B5EF4-FFF2-40B4-BE49-F238E27FC236}">
-                <a16:creationId xmlns:a16="http://schemas.microsoft.com/office/drawing/2014/main" id="{C10539C8-5DBB-0879-DF78-9F7C550BC84B}"/>
-              </a:ext>
-            </a:extLst>
-          </p:cNvPr>
+            <a:endParaRPr lang="en-US" dirty="0"/>
+          </a:p>
+        </p:txBody>
+      </p:sp>
+      <p:sp>
+        <p:nvSpPr>
+          <p:cNvPr id="4" name="Text Placeholder 3"/>
           <p:cNvSpPr>
             <a:spLocks noGrp="1"/>
           </p:cNvSpPr>
@@ -2299,48 +2747,56 @@
         </p:nvSpPr>
         <p:spPr>
           <a:xfrm>
-            <a:off x="839788" y="2057400"/>
-            <a:ext cx="3932237" cy="3811588"/>
+            <a:off x="1143000" y="2834640"/>
+            <a:ext cx="3931920" cy="3017520"/>
           </a:xfrm>
         </p:spPr>
         <p:txBody>
-          <a:bodyPr/>
+          <a:bodyPr>
+            <a:normAutofit/>
+          </a:bodyPr>
           <a:lstStyle>
             <a:lvl1pPr marL="0" indent="0">
-              <a:buNone/>
-              <a:defRPr sz="1600"/>
+              <a:lnSpc>
+                <a:spcPct val="100000"/>
+              </a:lnSpc>
+              <a:spcBef>
+                <a:spcPts val="1000"/>
+              </a:spcBef>
+              <a:buNone/>
+              <a:defRPr sz="1700"/>
             </a:lvl1pPr>
             <a:lvl2pPr marL="457200" indent="0">
               <a:buNone/>
-              <a:defRPr sz="1400"/>
+              <a:defRPr sz="1200"/>
             </a:lvl2pPr>
             <a:lvl3pPr marL="914400" indent="0">
               <a:buNone/>
-              <a:defRPr sz="1200"/>
+              <a:defRPr sz="1000"/>
             </a:lvl3pPr>
             <a:lvl4pPr marL="1371600" indent="0">
               <a:buNone/>
-              <a:defRPr sz="1000"/>
+              <a:defRPr sz="900"/>
             </a:lvl4pPr>
             <a:lvl5pPr marL="1828800" indent="0">
               <a:buNone/>
-              <a:defRPr sz="1000"/>
+              <a:defRPr sz="900"/>
             </a:lvl5pPr>
             <a:lvl6pPr marL="2286000" indent="0">
               <a:buNone/>
-              <a:defRPr sz="1000"/>
+              <a:defRPr sz="900"/>
             </a:lvl6pPr>
             <a:lvl7pPr marL="2743200" indent="0">
               <a:buNone/>
-              <a:defRPr sz="1000"/>
+              <a:defRPr sz="900"/>
             </a:lvl7pPr>
             <a:lvl8pPr marL="3200400" indent="0">
               <a:buNone/>
-              <a:defRPr sz="1000"/>
+              <a:defRPr sz="900"/>
             </a:lvl8pPr>
             <a:lvl9pPr marL="3657600" indent="0">
               <a:buNone/>
-              <a:defRPr sz="1000"/>
+              <a:defRPr sz="900"/>
             </a:lvl9pPr>
           </a:lstStyle>
           <a:p>
@@ -2354,13 +2810,7 @@
       </p:sp>
       <p:sp>
         <p:nvSpPr>
-          <p:cNvPr id="5" name="Date Placeholder 4">
-            <a:extLst>
-              <a:ext uri="{FF2B5EF4-FFF2-40B4-BE49-F238E27FC236}">
-                <a16:creationId xmlns:a16="http://schemas.microsoft.com/office/drawing/2014/main" id="{E25DC850-6A23-BAF3-70C0-9E7F837B2E5A}"/>
-              </a:ext>
-            </a:extLst>
-          </p:cNvPr>
+          <p:cNvPr id="5" name="Date Placeholder 4"/>
           <p:cNvSpPr>
             <a:spLocks noGrp="1"/>
           </p:cNvSpPr>
@@ -2375,7 +2825,7 @@
           <a:p>
             <a:fld id="{42F1BB42-BFC8-474A-9D69-65C817AE1623}" type="datetimeFigureOut">
               <a:rPr lang="en-US" smtClean="0"/>
-              <a:t>4/14/2025</a:t>
+              <a:t>5/3/2025</a:t>
             </a:fld>
             <a:endParaRPr lang="en-US"/>
           </a:p>
@@ -2383,13 +2833,7 @@
       </p:sp>
       <p:sp>
         <p:nvSpPr>
-          <p:cNvPr id="6" name="Footer Placeholder 5">
-            <a:extLst>
-              <a:ext uri="{FF2B5EF4-FFF2-40B4-BE49-F238E27FC236}">
-                <a16:creationId xmlns:a16="http://schemas.microsoft.com/office/drawing/2014/main" id="{BE56673B-B07A-532B-5190-1C3118E5730F}"/>
-              </a:ext>
-            </a:extLst>
-          </p:cNvPr>
+          <p:cNvPr id="6" name="Footer Placeholder 5"/>
           <p:cNvSpPr>
             <a:spLocks noGrp="1"/>
           </p:cNvSpPr>
@@ -2408,13 +2852,7 @@
       </p:sp>
       <p:sp>
         <p:nvSpPr>
-          <p:cNvPr id="7" name="Slide Number Placeholder 6">
-            <a:extLst>
-              <a:ext uri="{FF2B5EF4-FFF2-40B4-BE49-F238E27FC236}">
-                <a16:creationId xmlns:a16="http://schemas.microsoft.com/office/drawing/2014/main" id="{7FF74C3B-8807-04E3-8C9F-DD258EAC1446}"/>
-              </a:ext>
-            </a:extLst>
-          </p:cNvPr>
+          <p:cNvPr id="7" name="Slide Number Placeholder 6"/>
           <p:cNvSpPr>
             <a:spLocks noGrp="1"/>
           </p:cNvSpPr>
@@ -2438,7 +2876,7 @@
     </p:spTree>
     <p:extLst>
       <p:ext uri="{BB962C8B-B14F-4D97-AF65-F5344CB8AC3E}">
-        <p14:creationId xmlns:p14="http://schemas.microsoft.com/office/powerpoint/2010/main" val="3485015861"/>
+        <p14:creationId xmlns:p14="http://schemas.microsoft.com/office/powerpoint/2010/main" val="1371884673"/>
       </p:ext>
     </p:extLst>
   </p:cSld>
@@ -2467,13 +2905,7 @@
       </p:grpSpPr>
       <p:sp>
         <p:nvSpPr>
-          <p:cNvPr id="2" name="Title 1">
-            <a:extLst>
-              <a:ext uri="{FF2B5EF4-FFF2-40B4-BE49-F238E27FC236}">
-                <a16:creationId xmlns:a16="http://schemas.microsoft.com/office/drawing/2014/main" id="{1127763B-F838-CDAF-DD99-33613BFB8EDE}"/>
-              </a:ext>
-            </a:extLst>
-          </p:cNvPr>
+          <p:cNvPr id="2" name="Title 1"/>
           <p:cNvSpPr>
             <a:spLocks noGrp="1"/>
           </p:cNvSpPr>
@@ -2483,15 +2915,20 @@
         </p:nvSpPr>
         <p:spPr>
           <a:xfrm>
-            <a:off x="839788" y="457200"/>
-            <a:ext cx="3932237" cy="1600200"/>
+            <a:off x="1143000" y="1097280"/>
+            <a:ext cx="3931920" cy="1737360"/>
           </a:xfrm>
         </p:spPr>
         <p:txBody>
-          <a:bodyPr anchor="b"/>
+          <a:bodyPr anchor="b">
+            <a:noAutofit/>
+          </a:bodyPr>
           <a:lstStyle>
             <a:lvl1pPr>
-              <a:defRPr sz="3200"/>
+              <a:lnSpc>
+                <a:spcPct val="90000"/>
+              </a:lnSpc>
+              <a:defRPr sz="4000" b="0"/>
             </a:lvl1pPr>
           </a:lstStyle>
           <a:p>
@@ -2499,20 +2936,15 @@
               <a:rPr lang="en-US"/>
               <a:t>Click to edit Master title style</a:t>
             </a:r>
-          </a:p>
-        </p:txBody>
-      </p:sp>
-      <p:sp>
-        <p:nvSpPr>
-          <p:cNvPr id="3" name="Picture Placeholder 2">
-            <a:extLst>
-              <a:ext uri="{FF2B5EF4-FFF2-40B4-BE49-F238E27FC236}">
-                <a16:creationId xmlns:a16="http://schemas.microsoft.com/office/drawing/2014/main" id="{27F91C54-BF73-7361-412A-BBA3CB9454C8}"/>
-              </a:ext>
-            </a:extLst>
-          </p:cNvPr>
-          <p:cNvSpPr>
-            <a:spLocks noGrp="1"/>
+            <a:endParaRPr lang="en-US" dirty="0"/>
+          </a:p>
+        </p:txBody>
+      </p:sp>
+      <p:sp>
+        <p:nvSpPr>
+          <p:cNvPr id="3" name="Picture Placeholder 2"/>
+          <p:cNvSpPr>
+            <a:spLocks noGrp="1" noChangeAspect="1"/>
           </p:cNvSpPr>
           <p:nvPr>
             <p:ph type="pic" idx="1"/>
@@ -2520,16 +2952,18 @@
         </p:nvSpPr>
         <p:spPr>
           <a:xfrm>
-            <a:off x="5183188" y="987425"/>
-            <a:ext cx="6172200" cy="4873625"/>
+            <a:off x="5413248" y="1069847"/>
+            <a:ext cx="6099048" cy="4800600"/>
           </a:xfrm>
         </p:spPr>
         <p:txBody>
-          <a:bodyPr/>
+          <a:bodyPr lIns="274320" tIns="182880" anchor="t">
+            <a:normAutofit/>
+          </a:bodyPr>
           <a:lstStyle>
             <a:lvl1pPr marL="0" indent="0">
               <a:buNone/>
-              <a:defRPr sz="3200"/>
+              <a:defRPr sz="2800"/>
             </a:lvl1pPr>
             <a:lvl2pPr marL="457200" indent="0">
               <a:buNone/>
@@ -2565,19 +2999,17 @@
             </a:lvl9pPr>
           </a:lstStyle>
           <a:p>
-            <a:endParaRPr lang="en-US"/>
-          </a:p>
-        </p:txBody>
-      </p:sp>
-      <p:sp>
-        <p:nvSpPr>
-          <p:cNvPr id="4" name="Text Placeholder 3">
-            <a:extLst>
-              <a:ext uri="{FF2B5EF4-FFF2-40B4-BE49-F238E27FC236}">
-                <a16:creationId xmlns:a16="http://schemas.microsoft.com/office/drawing/2014/main" id="{DBABB65F-D556-C76B-6CF4-238E88582F14}"/>
-              </a:ext>
-            </a:extLst>
-          </p:cNvPr>
+            <a:r>
+              <a:rPr lang="en-US"/>
+              <a:t>Click icon to add picture</a:t>
+            </a:r>
+            <a:endParaRPr lang="en-US" dirty="0"/>
+          </a:p>
+        </p:txBody>
+      </p:sp>
+      <p:sp>
+        <p:nvSpPr>
+          <p:cNvPr id="4" name="Text Placeholder 3"/>
           <p:cNvSpPr>
             <a:spLocks noGrp="1"/>
           </p:cNvSpPr>
@@ -2587,48 +3019,56 @@
         </p:nvSpPr>
         <p:spPr>
           <a:xfrm>
-            <a:off x="839788" y="2057400"/>
-            <a:ext cx="3932237" cy="3811588"/>
+            <a:off x="1143000" y="2834640"/>
+            <a:ext cx="3931920" cy="2880360"/>
           </a:xfrm>
         </p:spPr>
         <p:txBody>
-          <a:bodyPr/>
+          <a:bodyPr>
+            <a:normAutofit/>
+          </a:bodyPr>
           <a:lstStyle>
             <a:lvl1pPr marL="0" indent="0">
-              <a:buNone/>
-              <a:defRPr sz="1600"/>
+              <a:lnSpc>
+                <a:spcPct val="100000"/>
+              </a:lnSpc>
+              <a:spcBef>
+                <a:spcPts val="1000"/>
+              </a:spcBef>
+              <a:buNone/>
+              <a:defRPr sz="1700"/>
             </a:lvl1pPr>
             <a:lvl2pPr marL="457200" indent="0">
               <a:buNone/>
-              <a:defRPr sz="1400"/>
+              <a:defRPr sz="1200"/>
             </a:lvl2pPr>
             <a:lvl3pPr marL="914400" indent="0">
               <a:buNone/>
-              <a:defRPr sz="1200"/>
+              <a:defRPr sz="1000"/>
             </a:lvl3pPr>
             <a:lvl4pPr marL="1371600" indent="0">
               <a:buNone/>
-              <a:defRPr sz="1000"/>
+              <a:defRPr sz="900"/>
             </a:lvl4pPr>
             <a:lvl5pPr marL="1828800" indent="0">
               <a:buNone/>
-              <a:defRPr sz="1000"/>
+              <a:defRPr sz="900"/>
             </a:lvl5pPr>
             <a:lvl6pPr marL="2286000" indent="0">
               <a:buNone/>
-              <a:defRPr sz="1000"/>
+              <a:defRPr sz="900"/>
             </a:lvl6pPr>
             <a:lvl7pPr marL="2743200" indent="0">
               <a:buNone/>
-              <a:defRPr sz="1000"/>
+              <a:defRPr sz="900"/>
             </a:lvl7pPr>
             <a:lvl8pPr marL="3200400" indent="0">
               <a:buNone/>
-              <a:defRPr sz="1000"/>
+              <a:defRPr sz="900"/>
             </a:lvl8pPr>
             <a:lvl9pPr marL="3657600" indent="0">
               <a:buNone/>
-              <a:defRPr sz="1000"/>
+              <a:defRPr sz="900"/>
             </a:lvl9pPr>
           </a:lstStyle>
           <a:p>
@@ -2642,13 +3082,7 @@
       </p:sp>
       <p:sp>
         <p:nvSpPr>
-          <p:cNvPr id="5" name="Date Placeholder 4">
-            <a:extLst>
-              <a:ext uri="{FF2B5EF4-FFF2-40B4-BE49-F238E27FC236}">
-                <a16:creationId xmlns:a16="http://schemas.microsoft.com/office/drawing/2014/main" id="{3C16E873-9A02-2556-621D-7F0B85389C49}"/>
-              </a:ext>
-            </a:extLst>
-          </p:cNvPr>
+          <p:cNvPr id="5" name="Date Placeholder 4"/>
           <p:cNvSpPr>
             <a:spLocks noGrp="1"/>
           </p:cNvSpPr>
@@ -2663,7 +3097,7 @@
           <a:p>
             <a:fld id="{42F1BB42-BFC8-474A-9D69-65C817AE1623}" type="datetimeFigureOut">
               <a:rPr lang="en-US" smtClean="0"/>
-              <a:t>4/14/2025</a:t>
+              <a:t>5/3/2025</a:t>
             </a:fld>
             <a:endParaRPr lang="en-US"/>
           </a:p>
@@ -2671,13 +3105,7 @@
       </p:sp>
       <p:sp>
         <p:nvSpPr>
-          <p:cNvPr id="6" name="Footer Placeholder 5">
-            <a:extLst>
-              <a:ext uri="{FF2B5EF4-FFF2-40B4-BE49-F238E27FC236}">
-                <a16:creationId xmlns:a16="http://schemas.microsoft.com/office/drawing/2014/main" id="{167870F1-4D91-1669-D6FA-CC4F90D8DD6B}"/>
-              </a:ext>
-            </a:extLst>
-          </p:cNvPr>
+          <p:cNvPr id="6" name="Footer Placeholder 5"/>
           <p:cNvSpPr>
             <a:spLocks noGrp="1"/>
           </p:cNvSpPr>
@@ -2696,13 +3124,7 @@
       </p:sp>
       <p:sp>
         <p:nvSpPr>
-          <p:cNvPr id="7" name="Slide Number Placeholder 6">
-            <a:extLst>
-              <a:ext uri="{FF2B5EF4-FFF2-40B4-BE49-F238E27FC236}">
-                <a16:creationId xmlns:a16="http://schemas.microsoft.com/office/drawing/2014/main" id="{77D97812-FAF6-99C1-4804-FBCFB63CF520}"/>
-              </a:ext>
-            </a:extLst>
-          </p:cNvPr>
+          <p:cNvPr id="7" name="Slide Number Placeholder 6"/>
           <p:cNvSpPr>
             <a:spLocks noGrp="1"/>
           </p:cNvSpPr>
@@ -2726,7 +3148,7 @@
     </p:spTree>
     <p:extLst>
       <p:ext uri="{BB962C8B-B14F-4D97-AF65-F5344CB8AC3E}">
-        <p14:creationId xmlns:p14="http://schemas.microsoft.com/office/powerpoint/2010/main" val="3552603568"/>
+        <p14:creationId xmlns:p14="http://schemas.microsoft.com/office/powerpoint/2010/main" val="1080366709"/>
       </p:ext>
     </p:extLst>
   </p:cSld>
@@ -2740,9 +3162,12 @@
 <p:sldMaster xmlns:a="http://schemas.openxmlformats.org/drawingml/2006/main" xmlns:r="http://schemas.openxmlformats.org/officeDocument/2006/relationships" xmlns:p="http://schemas.openxmlformats.org/presentationml/2006/main">
   <p:cSld>
     <p:bg>
-      <p:bgRef idx="1001">
-        <a:schemeClr val="bg1"/>
-      </p:bgRef>
+      <p:bgPr>
+        <a:solidFill>
+          <a:schemeClr val="accent1"/>
+        </a:solidFill>
+        <a:effectLst/>
+      </p:bgPr>
     </p:bg>
     <p:spTree>
       <p:nvGrpSpPr>
@@ -2760,24 +3185,58 @@
       </p:grpSpPr>
       <p:sp>
         <p:nvSpPr>
-          <p:cNvPr id="2" name="Title Placeholder 1">
-            <a:extLst>
-              <a:ext uri="{FF2B5EF4-FFF2-40B4-BE49-F238E27FC236}">
-                <a16:creationId xmlns:a16="http://schemas.microsoft.com/office/drawing/2014/main" id="{5C3FA657-91EE-C00F-A746-CD6931ED7781}"/>
-              </a:ext>
-            </a:extLst>
-          </p:cNvPr>
-          <p:cNvSpPr>
-            <a:spLocks noGrp="1"/>
-          </p:cNvSpPr>
-          <p:nvPr>
-            <p:ph type="title"/>
-          </p:nvPr>
+          <p:cNvPr id="7" name="Rectangle 6"/>
+          <p:cNvSpPr>
+            <a:spLocks noChangeAspect="1"/>
+          </p:cNvSpPr>
+          <p:nvPr/>
         </p:nvSpPr>
         <p:spPr>
           <a:xfrm>
-            <a:off x="838200" y="365125"/>
-            <a:ext cx="10515600" cy="1325563"/>
+            <a:off x="231140" y="243840"/>
+            <a:ext cx="11724640" cy="6377939"/>
+          </a:xfrm>
+          <a:prstGeom prst="rect">
+            <a:avLst/>
+          </a:prstGeom>
+          <a:solidFill>
+            <a:schemeClr val="bg1"/>
+          </a:solidFill>
+          <a:ln w="12700">
+            <a:noFill/>
+          </a:ln>
+        </p:spPr>
+        <p:style>
+          <a:lnRef idx="2">
+            <a:schemeClr val="accent1">
+              <a:shade val="50000"/>
+            </a:schemeClr>
+          </a:lnRef>
+          <a:fillRef idx="1">
+            <a:schemeClr val="accent1"/>
+          </a:fillRef>
+          <a:effectRef idx="0">
+            <a:schemeClr val="accent1"/>
+          </a:effectRef>
+          <a:fontRef idx="minor">
+            <a:schemeClr val="lt1"/>
+          </a:fontRef>
+        </p:style>
+      </p:sp>
+      <p:sp>
+        <p:nvSpPr>
+          <p:cNvPr id="2" name="Title Placeholder 1"/>
+          <p:cNvSpPr>
+            <a:spLocks noGrp="1"/>
+          </p:cNvSpPr>
+          <p:nvPr>
+            <p:ph type="title"/>
+          </p:nvPr>
+        </p:nvSpPr>
+        <p:spPr>
+          <a:xfrm>
+            <a:off x="1143000" y="609600"/>
+            <a:ext cx="9875520" cy="1356360"/>
           </a:xfrm>
           <a:prstGeom prst="rect">
             <a:avLst/>
@@ -2793,18 +3252,13 @@
               <a:rPr lang="en-US"/>
               <a:t>Click to edit Master title style</a:t>
             </a:r>
-          </a:p>
-        </p:txBody>
-      </p:sp>
-      <p:sp>
-        <p:nvSpPr>
-          <p:cNvPr id="3" name="Text Placeholder 2">
-            <a:extLst>
-              <a:ext uri="{FF2B5EF4-FFF2-40B4-BE49-F238E27FC236}">
-                <a16:creationId xmlns:a16="http://schemas.microsoft.com/office/drawing/2014/main" id="{86AFAB6A-1B97-5ED4-E07E-EB86EDEBD152}"/>
-              </a:ext>
-            </a:extLst>
-          </p:cNvPr>
+            <a:endParaRPr lang="en-US" dirty="0"/>
+          </a:p>
+        </p:txBody>
+      </p:sp>
+      <p:sp>
+        <p:nvSpPr>
+          <p:cNvPr id="3" name="Text Placeholder 2"/>
           <p:cNvSpPr>
             <a:spLocks noGrp="1"/>
           </p:cNvSpPr>
@@ -2814,8 +3268,8 @@
         </p:nvSpPr>
         <p:spPr>
           <a:xfrm>
-            <a:off x="838200" y="1825625"/>
-            <a:ext cx="10515600" cy="4351338"/>
+            <a:off x="1143000" y="2057400"/>
+            <a:ext cx="9872871" cy="4038600"/>
           </a:xfrm>
           <a:prstGeom prst="rect">
             <a:avLst/>
@@ -2860,18 +3314,13 @@
               <a:rPr lang="en-US"/>
               <a:t>Fifth level</a:t>
             </a:r>
-          </a:p>
-        </p:txBody>
-      </p:sp>
-      <p:sp>
-        <p:nvSpPr>
-          <p:cNvPr id="4" name="Date Placeholder 3">
-            <a:extLst>
-              <a:ext uri="{FF2B5EF4-FFF2-40B4-BE49-F238E27FC236}">
-                <a16:creationId xmlns:a16="http://schemas.microsoft.com/office/drawing/2014/main" id="{DBAE69EA-43C7-591C-7DF3-6655D1B75EF5}"/>
-              </a:ext>
-            </a:extLst>
-          </p:cNvPr>
+            <a:endParaRPr lang="en-US" dirty="0"/>
+          </a:p>
+        </p:txBody>
+      </p:sp>
+      <p:sp>
+        <p:nvSpPr>
+          <p:cNvPr id="4" name="Date Placeholder 3"/>
           <p:cNvSpPr>
             <a:spLocks noGrp="1"/>
           </p:cNvSpPr>
@@ -2881,8 +3330,8 @@
         </p:nvSpPr>
         <p:spPr>
           <a:xfrm>
-            <a:off x="838200" y="6356350"/>
-            <a:ext cx="2743200" cy="365125"/>
+            <a:off x="1142996" y="6223828"/>
+            <a:ext cx="2329074" cy="365125"/>
           </a:xfrm>
           <a:prstGeom prst="rect">
             <a:avLst/>
@@ -2894,9 +3343,7 @@
             <a:lvl1pPr algn="l">
               <a:defRPr sz="1200">
                 <a:solidFill>
-                  <a:schemeClr val="tx1">
-                    <a:tint val="75000"/>
-                  </a:schemeClr>
+                  <a:schemeClr val="accent1"/>
                 </a:solidFill>
               </a:defRPr>
             </a:lvl1pPr>
@@ -2904,7 +3351,7 @@
           <a:p>
             <a:fld id="{42F1BB42-BFC8-474A-9D69-65C817AE1623}" type="datetimeFigureOut">
               <a:rPr lang="en-US" smtClean="0"/>
-              <a:t>4/14/2025</a:t>
+              <a:t>5/3/2025</a:t>
             </a:fld>
             <a:endParaRPr lang="en-US"/>
           </a:p>
@@ -2912,13 +3359,7 @@
       </p:sp>
       <p:sp>
         <p:nvSpPr>
-          <p:cNvPr id="5" name="Footer Placeholder 4">
-            <a:extLst>
-              <a:ext uri="{FF2B5EF4-FFF2-40B4-BE49-F238E27FC236}">
-                <a16:creationId xmlns:a16="http://schemas.microsoft.com/office/drawing/2014/main" id="{7DC11DA8-1406-3A2C-4356-477E157C28EA}"/>
-              </a:ext>
-            </a:extLst>
-          </p:cNvPr>
+          <p:cNvPr id="5" name="Footer Placeholder 4"/>
           <p:cNvSpPr>
             <a:spLocks noGrp="1"/>
           </p:cNvSpPr>
@@ -2928,8 +3369,8 @@
         </p:nvSpPr>
         <p:spPr>
           <a:xfrm>
-            <a:off x="4038600" y="6356350"/>
-            <a:ext cx="4114800" cy="365125"/>
+            <a:off x="3949148" y="6223828"/>
+            <a:ext cx="4717774" cy="365125"/>
           </a:xfrm>
           <a:prstGeom prst="rect">
             <a:avLst/>
@@ -2941,9 +3382,7 @@
             <a:lvl1pPr algn="ctr">
               <a:defRPr sz="1200">
                 <a:solidFill>
-                  <a:schemeClr val="tx1">
-                    <a:tint val="75000"/>
-                  </a:schemeClr>
+                  <a:schemeClr val="accent1"/>
                 </a:solidFill>
               </a:defRPr>
             </a:lvl1pPr>
@@ -2955,13 +3394,7 @@
       </p:sp>
       <p:sp>
         <p:nvSpPr>
-          <p:cNvPr id="6" name="Slide Number Placeholder 5">
-            <a:extLst>
-              <a:ext uri="{FF2B5EF4-FFF2-40B4-BE49-F238E27FC236}">
-                <a16:creationId xmlns:a16="http://schemas.microsoft.com/office/drawing/2014/main" id="{96954644-9926-6D06-0326-89DA137D89E8}"/>
-              </a:ext>
-            </a:extLst>
-          </p:cNvPr>
+          <p:cNvPr id="6" name="Slide Number Placeholder 5"/>
           <p:cNvSpPr>
             <a:spLocks noGrp="1"/>
           </p:cNvSpPr>
@@ -2971,8 +3404,8 @@
         </p:nvSpPr>
         <p:spPr>
           <a:xfrm>
-            <a:off x="8610600" y="6356350"/>
-            <a:ext cx="2743200" cy="365125"/>
+            <a:off x="9329530" y="6223828"/>
+            <a:ext cx="1706217" cy="365125"/>
           </a:xfrm>
           <a:prstGeom prst="rect">
             <a:avLst/>
@@ -2984,9 +3417,7 @@
             <a:lvl1pPr algn="r">
               <a:defRPr sz="1200">
                 <a:solidFill>
-                  <a:schemeClr val="tx1">
-                    <a:tint val="75000"/>
-                  </a:schemeClr>
+                  <a:schemeClr val="accent1"/>
                 </a:solidFill>
               </a:defRPr>
             </a:lvl1pPr>
@@ -3003,23 +3434,23 @@
     </p:spTree>
     <p:extLst>
       <p:ext uri="{BB962C8B-B14F-4D97-AF65-F5344CB8AC3E}">
-        <p14:creationId xmlns:p14="http://schemas.microsoft.com/office/powerpoint/2010/main" val="2106183364"/>
+        <p14:creationId xmlns:p14="http://schemas.microsoft.com/office/powerpoint/2010/main" val="2150015334"/>
       </p:ext>
     </p:extLst>
   </p:cSld>
   <p:clrMap bg1="lt1" tx1="dk1" bg2="lt2" tx2="dk2" accent1="accent1" accent2="accent2" accent3="accent3" accent4="accent4" accent5="accent5" accent6="accent6" hlink="hlink" folHlink="folHlink"/>
   <p:sldLayoutIdLst>
-    <p:sldLayoutId id="2147483649" r:id="rId1"/>
-    <p:sldLayoutId id="2147483650" r:id="rId2"/>
-    <p:sldLayoutId id="2147483651" r:id="rId3"/>
-    <p:sldLayoutId id="2147483652" r:id="rId4"/>
-    <p:sldLayoutId id="2147483653" r:id="rId5"/>
-    <p:sldLayoutId id="2147483654" r:id="rId6"/>
-    <p:sldLayoutId id="2147483655" r:id="rId7"/>
-    <p:sldLayoutId id="2147483656" r:id="rId8"/>
-    <p:sldLayoutId id="2147483657" r:id="rId9"/>
-    <p:sldLayoutId id="2147483658" r:id="rId10"/>
-    <p:sldLayoutId id="2147483659" r:id="rId11"/>
+    <p:sldLayoutId id="2147483733" r:id="rId1"/>
+    <p:sldLayoutId id="2147483734" r:id="rId2"/>
+    <p:sldLayoutId id="2147483735" r:id="rId3"/>
+    <p:sldLayoutId id="2147483736" r:id="rId4"/>
+    <p:sldLayoutId id="2147483737" r:id="rId5"/>
+    <p:sldLayoutId id="2147483738" r:id="rId6"/>
+    <p:sldLayoutId id="2147483739" r:id="rId7"/>
+    <p:sldLayoutId id="2147483740" r:id="rId8"/>
+    <p:sldLayoutId id="2147483741" r:id="rId9"/>
+    <p:sldLayoutId id="2147483742" r:id="rId10"/>
+    <p:sldLayoutId id="2147483743" r:id="rId11"/>
   </p:sldLayoutIdLst>
   <p:txStyles>
     <p:titleStyle>
@@ -3033,7 +3464,7 @@
         <a:buNone/>
         <a:defRPr sz="4400" kern="1200">
           <a:solidFill>
-            <a:schemeClr val="tx1"/>
+            <a:schemeClr val="accent1"/>
           </a:solidFill>
           <a:latin typeface="+mj-lt"/>
           <a:ea typeface="+mj-ea"/>
@@ -3042,162 +3473,222 @@
       </a:lvl1pPr>
     </p:titleStyle>
     <p:bodyStyle>
-      <a:lvl1pPr marL="228600" indent="-228600" algn="l" defTabSz="914400" rtl="0" eaLnBrk="1" latinLnBrk="0" hangingPunct="1">
+      <a:lvl1pPr marL="228600" indent="-182880" algn="l" defTabSz="914400" rtl="0" eaLnBrk="1" latinLnBrk="0" hangingPunct="1">
         <a:lnSpc>
           <a:spcPct val="90000"/>
         </a:lnSpc>
         <a:spcBef>
-          <a:spcPts val="1000"/>
+          <a:spcPts val="1400"/>
         </a:spcBef>
-        <a:buFont typeface="Arial" panose="020B0604020202020204" pitchFamily="34" charset="0"/>
+        <a:buClr>
+          <a:schemeClr val="accent1"/>
+        </a:buClr>
+        <a:buSzPct val="80000"/>
+        <a:buFont typeface="Corbel" pitchFamily="34" charset="0"/>
         <a:buChar char="•"/>
-        <a:defRPr sz="2800" kern="1200">
+        <a:defRPr sz="2200" kern="1200">
           <a:solidFill>
-            <a:schemeClr val="tx1"/>
+            <a:schemeClr val="accent1"/>
           </a:solidFill>
           <a:latin typeface="+mn-lt"/>
           <a:ea typeface="+mn-ea"/>
           <a:cs typeface="+mn-cs"/>
         </a:defRPr>
       </a:lvl1pPr>
-      <a:lvl2pPr marL="685800" indent="-228600" algn="l" defTabSz="914400" rtl="0" eaLnBrk="1" latinLnBrk="0" hangingPunct="1">
+      <a:lvl2pPr marL="457200" indent="-182880" algn="l" defTabSz="914400" rtl="0" eaLnBrk="1" latinLnBrk="0" hangingPunct="1">
         <a:lnSpc>
           <a:spcPct val="90000"/>
         </a:lnSpc>
         <a:spcBef>
-          <a:spcPts val="500"/>
+          <a:spcPts val="200"/>
         </a:spcBef>
-        <a:buFont typeface="Arial" panose="020B0604020202020204" pitchFamily="34" charset="0"/>
+        <a:spcAft>
+          <a:spcPts val="400"/>
+        </a:spcAft>
+        <a:buClr>
+          <a:schemeClr val="accent1"/>
+        </a:buClr>
+        <a:buSzPct val="80000"/>
+        <a:buFont typeface="Corbel" pitchFamily="34" charset="0"/>
         <a:buChar char="•"/>
-        <a:defRPr sz="2400" kern="1200">
+        <a:defRPr sz="2000" kern="1200">
           <a:solidFill>
-            <a:schemeClr val="tx1"/>
+            <a:schemeClr val="accent1"/>
           </a:solidFill>
           <a:latin typeface="+mn-lt"/>
           <a:ea typeface="+mn-ea"/>
           <a:cs typeface="+mn-cs"/>
         </a:defRPr>
       </a:lvl2pPr>
-      <a:lvl3pPr marL="1143000" indent="-228600" algn="l" defTabSz="914400" rtl="0" eaLnBrk="1" latinLnBrk="0" hangingPunct="1">
+      <a:lvl3pPr marL="731520" indent="-182880" algn="l" defTabSz="914400" rtl="0" eaLnBrk="1" latinLnBrk="0" hangingPunct="1">
         <a:lnSpc>
           <a:spcPct val="90000"/>
         </a:lnSpc>
         <a:spcBef>
-          <a:spcPts val="500"/>
+          <a:spcPts val="200"/>
         </a:spcBef>
-        <a:buFont typeface="Arial" panose="020B0604020202020204" pitchFamily="34" charset="0"/>
+        <a:spcAft>
+          <a:spcPts val="400"/>
+        </a:spcAft>
+        <a:buClr>
+          <a:schemeClr val="accent1"/>
+        </a:buClr>
+        <a:buSzPct val="80000"/>
+        <a:buFont typeface="Corbel" pitchFamily="34" charset="0"/>
         <a:buChar char="•"/>
-        <a:defRPr sz="2000" kern="1200">
+        <a:defRPr sz="1800" kern="1200">
           <a:solidFill>
-            <a:schemeClr val="tx1"/>
+            <a:schemeClr val="accent1"/>
           </a:solidFill>
           <a:latin typeface="+mn-lt"/>
           <a:ea typeface="+mn-ea"/>
           <a:cs typeface="+mn-cs"/>
         </a:defRPr>
       </a:lvl3pPr>
-      <a:lvl4pPr marL="1600200" indent="-228600" algn="l" defTabSz="914400" rtl="0" eaLnBrk="1" latinLnBrk="0" hangingPunct="1">
+      <a:lvl4pPr marL="1005840" indent="-182880" algn="l" defTabSz="914400" rtl="0" eaLnBrk="1" latinLnBrk="0" hangingPunct="1">
         <a:lnSpc>
           <a:spcPct val="90000"/>
         </a:lnSpc>
         <a:spcBef>
-          <a:spcPts val="500"/>
+          <a:spcPts val="200"/>
         </a:spcBef>
-        <a:buFont typeface="Arial" panose="020B0604020202020204" pitchFamily="34" charset="0"/>
+        <a:spcAft>
+          <a:spcPts val="400"/>
+        </a:spcAft>
+        <a:buClr>
+          <a:schemeClr val="accent1"/>
+        </a:buClr>
+        <a:buSzPct val="80000"/>
+        <a:buFont typeface="Corbel" pitchFamily="34" charset="0"/>
         <a:buChar char="•"/>
-        <a:defRPr sz="1800" kern="1200">
+        <a:defRPr sz="1600" kern="1200">
           <a:solidFill>
-            <a:schemeClr val="tx1"/>
+            <a:schemeClr val="accent1"/>
           </a:solidFill>
           <a:latin typeface="+mn-lt"/>
           <a:ea typeface="+mn-ea"/>
           <a:cs typeface="+mn-cs"/>
         </a:defRPr>
       </a:lvl4pPr>
-      <a:lvl5pPr marL="2057400" indent="-228600" algn="l" defTabSz="914400" rtl="0" eaLnBrk="1" latinLnBrk="0" hangingPunct="1">
+      <a:lvl5pPr marL="1280160" indent="-182880" algn="l" defTabSz="914400" rtl="0" eaLnBrk="1" latinLnBrk="0" hangingPunct="1">
         <a:lnSpc>
           <a:spcPct val="90000"/>
         </a:lnSpc>
         <a:spcBef>
-          <a:spcPts val="500"/>
+          <a:spcPts val="200"/>
         </a:spcBef>
-        <a:buFont typeface="Arial" panose="020B0604020202020204" pitchFamily="34" charset="0"/>
+        <a:spcAft>
+          <a:spcPts val="400"/>
+        </a:spcAft>
+        <a:buClr>
+          <a:schemeClr val="accent1"/>
+        </a:buClr>
+        <a:buSzPct val="80000"/>
+        <a:buFont typeface="Corbel" pitchFamily="34" charset="0"/>
         <a:buChar char="•"/>
-        <a:defRPr sz="1800" kern="1200">
+        <a:defRPr sz="1600" kern="1200">
           <a:solidFill>
-            <a:schemeClr val="tx1"/>
+            <a:schemeClr val="accent1"/>
           </a:solidFill>
           <a:latin typeface="+mn-lt"/>
           <a:ea typeface="+mn-ea"/>
           <a:cs typeface="+mn-cs"/>
         </a:defRPr>
       </a:lvl5pPr>
-      <a:lvl6pPr marL="2514600" indent="-228600" algn="l" defTabSz="914400" rtl="0" eaLnBrk="1" latinLnBrk="0" hangingPunct="1">
+      <a:lvl6pPr marL="1600000" indent="-228600" algn="l" defTabSz="914400" rtl="0" eaLnBrk="1" latinLnBrk="0" hangingPunct="1">
         <a:lnSpc>
           <a:spcPct val="90000"/>
         </a:lnSpc>
         <a:spcBef>
-          <a:spcPts val="500"/>
+          <a:spcPts val="200"/>
         </a:spcBef>
-        <a:buFont typeface="Arial" panose="020B0604020202020204" pitchFamily="34" charset="0"/>
+        <a:spcAft>
+          <a:spcPts val="400"/>
+        </a:spcAft>
+        <a:buClr>
+          <a:schemeClr val="accent1"/>
+        </a:buClr>
+        <a:buSzPct val="80000"/>
+        <a:buFont typeface="Corbel" pitchFamily="34" charset="0"/>
         <a:buChar char="•"/>
-        <a:defRPr sz="1800" kern="1200">
+        <a:defRPr sz="1600" kern="1200">
           <a:solidFill>
-            <a:schemeClr val="tx1"/>
+            <a:schemeClr val="accent1"/>
           </a:solidFill>
           <a:latin typeface="+mn-lt"/>
           <a:ea typeface="+mn-ea"/>
           <a:cs typeface="+mn-cs"/>
         </a:defRPr>
       </a:lvl6pPr>
-      <a:lvl7pPr marL="2971800" indent="-228600" algn="l" defTabSz="914400" rtl="0" eaLnBrk="1" latinLnBrk="0" hangingPunct="1">
+      <a:lvl7pPr marL="1900000" indent="-228600" algn="l" defTabSz="914400" rtl="0" eaLnBrk="1" latinLnBrk="0" hangingPunct="1">
         <a:lnSpc>
           <a:spcPct val="90000"/>
         </a:lnSpc>
         <a:spcBef>
-          <a:spcPts val="500"/>
+          <a:spcPts val="200"/>
         </a:spcBef>
-        <a:buFont typeface="Arial" panose="020B0604020202020204" pitchFamily="34" charset="0"/>
+        <a:spcAft>
+          <a:spcPts val="400"/>
+        </a:spcAft>
+        <a:buClr>
+          <a:schemeClr val="accent1"/>
+        </a:buClr>
+        <a:buSzPct val="80000"/>
+        <a:buFont typeface="Corbel" pitchFamily="34" charset="0"/>
         <a:buChar char="•"/>
-        <a:defRPr sz="1800" kern="1200">
+        <a:defRPr sz="1600" kern="1200">
           <a:solidFill>
-            <a:schemeClr val="tx1"/>
+            <a:schemeClr val="accent1"/>
           </a:solidFill>
           <a:latin typeface="+mn-lt"/>
           <a:ea typeface="+mn-ea"/>
           <a:cs typeface="+mn-cs"/>
         </a:defRPr>
       </a:lvl7pPr>
-      <a:lvl8pPr marL="3429000" indent="-228600" algn="l" defTabSz="914400" rtl="0" eaLnBrk="1" latinLnBrk="0" hangingPunct="1">
+      <a:lvl8pPr marL="2200000" indent="-228600" algn="l" defTabSz="914400" rtl="0" eaLnBrk="1" latinLnBrk="0" hangingPunct="1">
         <a:lnSpc>
           <a:spcPct val="90000"/>
         </a:lnSpc>
         <a:spcBef>
-          <a:spcPts val="500"/>
+          <a:spcPts val="200"/>
         </a:spcBef>
-        <a:buFont typeface="Arial" panose="020B0604020202020204" pitchFamily="34" charset="0"/>
+        <a:spcAft>
+          <a:spcPts val="400"/>
+        </a:spcAft>
+        <a:buClr>
+          <a:schemeClr val="accent1"/>
+        </a:buClr>
+        <a:buSzPct val="80000"/>
+        <a:buFont typeface="Corbel" pitchFamily="34" charset="0"/>
         <a:buChar char="•"/>
-        <a:defRPr sz="1800" kern="1200">
+        <a:defRPr sz="1600" kern="1200">
           <a:solidFill>
-            <a:schemeClr val="tx1"/>
+            <a:schemeClr val="accent1"/>
           </a:solidFill>
           <a:latin typeface="+mn-lt"/>
           <a:ea typeface="+mn-ea"/>
           <a:cs typeface="+mn-cs"/>
         </a:defRPr>
       </a:lvl8pPr>
-      <a:lvl9pPr marL="3886200" indent="-228600" algn="l" defTabSz="914400" rtl="0" eaLnBrk="1" latinLnBrk="0" hangingPunct="1">
+      <a:lvl9pPr marL="2500000" indent="-228600" algn="l" defTabSz="914400" rtl="0" eaLnBrk="1" latinLnBrk="0" hangingPunct="1">
         <a:lnSpc>
           <a:spcPct val="90000"/>
         </a:lnSpc>
         <a:spcBef>
-          <a:spcPts val="500"/>
+          <a:spcPts val="200"/>
         </a:spcBef>
-        <a:buFont typeface="Arial" panose="020B0604020202020204" pitchFamily="34" charset="0"/>
+        <a:spcAft>
+          <a:spcPts val="400"/>
+        </a:spcAft>
+        <a:buClr>
+          <a:schemeClr val="accent1"/>
+        </a:buClr>
+        <a:buSzPct val="80000"/>
+        <a:buFont typeface="Corbel" pitchFamily="34" charset="0"/>
         <a:buChar char="•"/>
-        <a:defRPr sz="1800" kern="1200">
+        <a:defRPr sz="1600" kern="1200">
           <a:solidFill>
-            <a:schemeClr val="tx1"/>
+            <a:schemeClr val="accent1"/>
           </a:solidFill>
           <a:latin typeface="+mn-lt"/>
           <a:ea typeface="+mn-ea"/>
@@ -3307,6 +3798,18 @@
 <file path=ppt/slides/slide1.xml><?xml version="1.0" encoding="utf-8"?>
 <p:sld xmlns:a="http://schemas.openxmlformats.org/drawingml/2006/main" xmlns:r="http://schemas.openxmlformats.org/officeDocument/2006/relationships" xmlns:p="http://schemas.openxmlformats.org/presentationml/2006/main">
   <p:cSld>
+    <p:bg>
+      <p:bgPr>
+        <a:solidFill>
+          <a:schemeClr val="bg1">
+            <a:tint val="95000"/>
+            <a:shade val="95000"/>
+            <a:satMod val="140000"/>
+          </a:schemeClr>
+        </a:solidFill>
+        <a:effectLst/>
+      </p:bgPr>
+    </p:bg>
     <p:spTree>
       <p:nvGrpSpPr>
         <p:cNvPr id="1" name=""/>
@@ -3321,6 +3824,127 @@
           <a:chExt cx="0" cy="0"/>
         </a:xfrm>
       </p:grpSpPr>
+      <p:sp useBgFill="1">
+        <p:nvSpPr>
+          <p:cNvPr id="5" name="Rectangle 4">
+            <a:extLst>
+              <a:ext uri="{FF2B5EF4-FFF2-40B4-BE49-F238E27FC236}">
+                <a16:creationId xmlns:a16="http://schemas.microsoft.com/office/drawing/2014/main" id="{C94ED590-5AB8-4421-8584-43E3FF74ACC5}"/>
+              </a:ext>
+              <a:ext uri="{C183D7F6-B498-43B3-948B-1728B52AA6E4}">
+                <adec:decorative xmlns:adec="http://schemas.microsoft.com/office/drawing/2017/decorative" val="1"/>
+              </a:ext>
+            </a:extLst>
+          </p:cNvPr>
+          <p:cNvSpPr>
+            <a:spLocks noGrp="1" noRot="1" noChangeAspect="1" noMove="1" noResize="1" noEditPoints="1" noAdjustHandles="1" noChangeArrowheads="1" noChangeShapeType="1" noTextEdit="1"/>
+          </p:cNvSpPr>
+          <p:nvPr>
+            <p:extLst>
+              <p:ext uri="{386F3935-93C4-4BCD-93E2-E3B085C9AB24}">
+                <p16:designElem xmlns:p16="http://schemas.microsoft.com/office/powerpoint/2015/main" val="1"/>
+              </p:ext>
+            </p:extLst>
+          </p:nvPr>
+        </p:nvSpPr>
+        <p:spPr>
+          <a:xfrm>
+            <a:off x="0" y="0"/>
+            <a:ext cx="12192000" cy="6858000"/>
+          </a:xfrm>
+          <a:prstGeom prst="rect">
+            <a:avLst/>
+          </a:prstGeom>
+          <a:ln w="12700">
+            <a:noFill/>
+          </a:ln>
+        </p:spPr>
+        <p:style>
+          <a:lnRef idx="2">
+            <a:schemeClr val="accent1">
+              <a:shade val="50000"/>
+            </a:schemeClr>
+          </a:lnRef>
+          <a:fillRef idx="1">
+            <a:schemeClr val="accent1"/>
+          </a:fillRef>
+          <a:effectRef idx="0">
+            <a:schemeClr val="accent1"/>
+          </a:effectRef>
+          <a:fontRef idx="minor">
+            <a:schemeClr val="lt1"/>
+          </a:fontRef>
+        </p:style>
+        <p:txBody>
+          <a:bodyPr/>
+          <a:lstStyle/>
+          <a:p>
+            <a:endParaRPr lang="en-US"/>
+          </a:p>
+        </p:txBody>
+      </p:sp>
+      <p:sp>
+        <p:nvSpPr>
+          <p:cNvPr id="6" name="Rectangle 5">
+            <a:extLst>
+              <a:ext uri="{FF2B5EF4-FFF2-40B4-BE49-F238E27FC236}">
+                <a16:creationId xmlns:a16="http://schemas.microsoft.com/office/drawing/2014/main" id="{6EBB8064-1BFE-4D14-8EA0-EE8924FEA6EC}"/>
+              </a:ext>
+              <a:ext uri="{C183D7F6-B498-43B3-948B-1728B52AA6E4}">
+                <adec:decorative xmlns:adec="http://schemas.microsoft.com/office/drawing/2017/decorative" val="1"/>
+              </a:ext>
+            </a:extLst>
+          </p:cNvPr>
+          <p:cNvSpPr>
+            <a:spLocks noGrp="1" noRot="1" noChangeAspect="1" noMove="1" noResize="1" noEditPoints="1" noAdjustHandles="1" noChangeArrowheads="1" noChangeShapeType="1" noTextEdit="1"/>
+          </p:cNvSpPr>
+          <p:nvPr>
+            <p:extLst>
+              <p:ext uri="{386F3935-93C4-4BCD-93E2-E3B085C9AB24}">
+                <p16:designElem xmlns:p16="http://schemas.microsoft.com/office/powerpoint/2015/main" val="1"/>
+              </p:ext>
+            </p:extLst>
+          </p:nvPr>
+        </p:nvSpPr>
+        <p:spPr>
+          <a:xfrm>
+            <a:off x="231140" y="243840"/>
+            <a:ext cx="11724640" cy="6377939"/>
+          </a:xfrm>
+          <a:prstGeom prst="rect">
+            <a:avLst/>
+          </a:prstGeom>
+          <a:noFill/>
+          <a:ln w="12700">
+            <a:solidFill>
+              <a:schemeClr val="tx1"/>
+            </a:solidFill>
+          </a:ln>
+        </p:spPr>
+        <p:style>
+          <a:lnRef idx="2">
+            <a:schemeClr val="accent1">
+              <a:shade val="50000"/>
+            </a:schemeClr>
+          </a:lnRef>
+          <a:fillRef idx="1">
+            <a:schemeClr val="accent1"/>
+          </a:fillRef>
+          <a:effectRef idx="0">
+            <a:schemeClr val="accent1"/>
+          </a:effectRef>
+          <a:fontRef idx="minor">
+            <a:schemeClr val="lt1"/>
+          </a:fontRef>
+        </p:style>
+        <p:txBody>
+          <a:bodyPr/>
+          <a:lstStyle/>
+          <a:p>
+            <a:endParaRPr lang="en-US"/>
+          </a:p>
+        </p:txBody>
+      </p:sp>
       <p:sp>
         <p:nvSpPr>
           <p:cNvPr id="2" name="Title 1">
@@ -3337,12 +3961,31 @@
             <p:ph type="ctrTitle"/>
           </p:nvPr>
         </p:nvSpPr>
-        <p:spPr/>
-        <p:txBody>
-          <a:bodyPr/>
-          <a:lstStyle/>
-          <a:p>
-            <a:endParaRPr lang="en-US"/>
+        <p:spPr>
+          <a:xfrm>
+            <a:off x="1142996" y="532263"/>
+            <a:ext cx="9892751" cy="3684895"/>
+          </a:xfrm>
+          <a:noFill/>
+          <a:ln w="12700" cmpd="sng">
+            <a:noFill/>
+          </a:ln>
+        </p:spPr>
+        <p:txBody>
+          <a:bodyPr anchor="b">
+            <a:normAutofit/>
+          </a:bodyPr>
+          <a:lstStyle/>
+          <a:p>
+            <a:pPr algn="l"/>
+            <a:r>
+              <a:rPr lang="en-US" sz="4400" dirty="0">
+                <a:solidFill>
+                  <a:schemeClr val="tx1"/>
+                </a:solidFill>
+              </a:rPr>
+              <a:t>EnCryptNotes</a:t>
+            </a:r>
           </a:p>
         </p:txBody>
       </p:sp>
@@ -3362,12 +4005,27 @@
             <p:ph type="subTitle" idx="1"/>
           </p:nvPr>
         </p:nvSpPr>
-        <p:spPr/>
-        <p:txBody>
-          <a:bodyPr/>
-          <a:lstStyle/>
-          <a:p>
-            <a:endParaRPr lang="en-US"/>
+        <p:spPr>
+          <a:xfrm>
+            <a:off x="1142996" y="4217158"/>
+            <a:ext cx="9892751" cy="1649338"/>
+          </a:xfrm>
+        </p:spPr>
+        <p:txBody>
+          <a:bodyPr anchor="t">
+            <a:normAutofit/>
+          </a:bodyPr>
+          <a:lstStyle/>
+          <a:p>
+            <a:pPr algn="l"/>
+            <a:r>
+              <a:rPr lang="en-US" sz="2800">
+                <a:solidFill>
+                  <a:schemeClr val="tx1"/>
+                </a:solidFill>
+              </a:rPr>
+              <a:t>Team 2</a:t>
+            </a:r>
           </a:p>
         </p:txBody>
       </p:sp>
@@ -3375,6 +4033,1186 @@
     <p:extLst>
       <p:ext uri="{BB962C8B-B14F-4D97-AF65-F5344CB8AC3E}">
         <p14:creationId xmlns:p14="http://schemas.microsoft.com/office/powerpoint/2010/main" val="2666493700"/>
+      </p:ext>
+    </p:extLst>
+  </p:cSld>
+  <p:clrMapOvr>
+    <a:overrideClrMapping bg1="dk1" tx1="lt1" bg2="dk2" tx2="lt2" accent1="accent1" accent2="accent2" accent3="accent3" accent4="accent4" accent5="accent5" accent6="accent6" hlink="hlink" folHlink="folHlink"/>
+  </p:clrMapOvr>
+</p:sld>
+</file>
+
+<file path=ppt/slides/slide10.xml><?xml version="1.0" encoding="utf-8"?>
+<p:sld xmlns:a="http://schemas.openxmlformats.org/drawingml/2006/main" xmlns:r="http://schemas.openxmlformats.org/officeDocument/2006/relationships" xmlns:p="http://schemas.openxmlformats.org/presentationml/2006/main">
+  <p:cSld>
+    <p:spTree>
+      <p:nvGrpSpPr>
+        <p:cNvPr id="1" name=""/>
+        <p:cNvGrpSpPr/>
+        <p:nvPr/>
+      </p:nvGrpSpPr>
+      <p:grpSpPr>
+        <a:xfrm>
+          <a:off x="0" y="0"/>
+          <a:ext cx="0" cy="0"/>
+          <a:chOff x="0" y="0"/>
+          <a:chExt cx="0" cy="0"/>
+        </a:xfrm>
+      </p:grpSpPr>
+      <p:sp>
+        <p:nvSpPr>
+          <p:cNvPr id="2" name="Title 1">
+            <a:extLst>
+              <a:ext uri="{FF2B5EF4-FFF2-40B4-BE49-F238E27FC236}">
+                <a16:creationId xmlns:a16="http://schemas.microsoft.com/office/drawing/2014/main" id="{C5377F79-8C7C-ABE3-FB5E-35969E4E03A2}"/>
+              </a:ext>
+            </a:extLst>
+          </p:cNvPr>
+          <p:cNvSpPr>
+            <a:spLocks noGrp="1"/>
+          </p:cNvSpPr>
+          <p:nvPr>
+            <p:ph type="title"/>
+          </p:nvPr>
+        </p:nvSpPr>
+        <p:spPr/>
+        <p:txBody>
+          <a:bodyPr/>
+          <a:lstStyle/>
+          <a:p>
+            <a:endParaRPr lang="en-US"/>
+          </a:p>
+        </p:txBody>
+      </p:sp>
+      <p:sp>
+        <p:nvSpPr>
+          <p:cNvPr id="3" name="Content Placeholder 2">
+            <a:extLst>
+              <a:ext uri="{FF2B5EF4-FFF2-40B4-BE49-F238E27FC236}">
+                <a16:creationId xmlns:a16="http://schemas.microsoft.com/office/drawing/2014/main" id="{984016B0-D756-B0F6-A520-60E5C88830FA}"/>
+              </a:ext>
+            </a:extLst>
+          </p:cNvPr>
+          <p:cNvSpPr>
+            <a:spLocks noGrp="1"/>
+          </p:cNvSpPr>
+          <p:nvPr>
+            <p:ph idx="1"/>
+          </p:nvPr>
+        </p:nvSpPr>
+        <p:spPr/>
+        <p:txBody>
+          <a:bodyPr/>
+          <a:lstStyle/>
+          <a:p>
+            <a:endParaRPr lang="en-US"/>
+          </a:p>
+        </p:txBody>
+      </p:sp>
+    </p:spTree>
+    <p:extLst>
+      <p:ext uri="{BB962C8B-B14F-4D97-AF65-F5344CB8AC3E}">
+        <p14:creationId xmlns:p14="http://schemas.microsoft.com/office/powerpoint/2010/main" val="1134041924"/>
+      </p:ext>
+    </p:extLst>
+  </p:cSld>
+  <p:clrMapOvr>
+    <a:masterClrMapping/>
+  </p:clrMapOvr>
+</p:sld>
+</file>
+
+<file path=ppt/slides/slide2.xml><?xml version="1.0" encoding="utf-8"?>
+<p:sld xmlns:a="http://schemas.openxmlformats.org/drawingml/2006/main" xmlns:r="http://schemas.openxmlformats.org/officeDocument/2006/relationships" xmlns:p="http://schemas.openxmlformats.org/presentationml/2006/main">
+  <p:cSld>
+    <p:bg>
+      <p:bgPr>
+        <a:solidFill>
+          <a:schemeClr val="accent1"/>
+        </a:solidFill>
+        <a:effectLst/>
+      </p:bgPr>
+    </p:bg>
+    <p:spTree>
+      <p:nvGrpSpPr>
+        <p:cNvPr id="1" name=""/>
+        <p:cNvGrpSpPr/>
+        <p:nvPr/>
+      </p:nvGrpSpPr>
+      <p:grpSpPr>
+        <a:xfrm>
+          <a:off x="0" y="0"/>
+          <a:ext cx="0" cy="0"/>
+          <a:chOff x="0" y="0"/>
+          <a:chExt cx="0" cy="0"/>
+        </a:xfrm>
+      </p:grpSpPr>
+      <p:sp>
+        <p:nvSpPr>
+          <p:cNvPr id="2" name="Title 1">
+            <a:extLst>
+              <a:ext uri="{FF2B5EF4-FFF2-40B4-BE49-F238E27FC236}">
+                <a16:creationId xmlns:a16="http://schemas.microsoft.com/office/drawing/2014/main" id="{1C7A0174-DBEC-EA89-681D-FD67EB40DC1D}"/>
+              </a:ext>
+            </a:extLst>
+          </p:cNvPr>
+          <p:cNvSpPr>
+            <a:spLocks noGrp="1"/>
+          </p:cNvSpPr>
+          <p:nvPr>
+            <p:ph type="title"/>
+          </p:nvPr>
+        </p:nvSpPr>
+        <p:spPr>
+          <a:xfrm>
+            <a:off x="1143001" y="1070335"/>
+            <a:ext cx="5199926" cy="1443269"/>
+          </a:xfrm>
+        </p:spPr>
+        <p:txBody>
+          <a:bodyPr>
+            <a:normAutofit/>
+          </a:bodyPr>
+          <a:lstStyle/>
+          <a:p>
+            <a:r>
+              <a:rPr lang="en-US" sz="4000"/>
+              <a:t>What is it?</a:t>
+            </a:r>
+          </a:p>
+        </p:txBody>
+      </p:sp>
+      <p:sp>
+        <p:nvSpPr>
+          <p:cNvPr id="3" name="Content Placeholder 2">
+            <a:extLst>
+              <a:ext uri="{FF2B5EF4-FFF2-40B4-BE49-F238E27FC236}">
+                <a16:creationId xmlns:a16="http://schemas.microsoft.com/office/drawing/2014/main" id="{AE61957C-2FA8-7E85-64CE-3E85135FB719}"/>
+              </a:ext>
+            </a:extLst>
+          </p:cNvPr>
+          <p:cNvSpPr>
+            <a:spLocks noGrp="1"/>
+          </p:cNvSpPr>
+          <p:nvPr>
+            <p:ph idx="1"/>
+          </p:nvPr>
+        </p:nvSpPr>
+        <p:spPr>
+          <a:xfrm>
+            <a:off x="1143002" y="2546430"/>
+            <a:ext cx="5084178" cy="3549570"/>
+          </a:xfrm>
+        </p:spPr>
+        <p:txBody>
+          <a:bodyPr>
+            <a:normAutofit/>
+          </a:bodyPr>
+          <a:lstStyle/>
+          <a:p>
+            <a:r>
+              <a:rPr lang="en-US" sz="1800"/>
+              <a:t>EncryptNotes is a Note Taking Web-Application</a:t>
+            </a:r>
+          </a:p>
+          <a:p>
+            <a:r>
+              <a:rPr lang="en-US" sz="1800"/>
+              <a:t>It Secures every Note you make</a:t>
+            </a:r>
+          </a:p>
+          <a:p>
+            <a:r>
+              <a:rPr lang="en-US" sz="1800"/>
+              <a:t>It put multiple layers on it, so it most secure it can be</a:t>
+            </a:r>
+          </a:p>
+        </p:txBody>
+      </p:sp>
+      <p:pic>
+        <p:nvPicPr>
+          <p:cNvPr id="5" name="Picture 4" descr="A brown leather book with a lock&#10;&#10;AI-generated content may be incorrect.">
+            <a:extLst>
+              <a:ext uri="{FF2B5EF4-FFF2-40B4-BE49-F238E27FC236}">
+                <a16:creationId xmlns:a16="http://schemas.microsoft.com/office/drawing/2014/main" id="{F0BED1C7-548B-EFF9-9B7F-C7844A304090}"/>
+              </a:ext>
+            </a:extLst>
+          </p:cNvPr>
+          <p:cNvPicPr>
+            <a:picLocks noChangeAspect="1"/>
+          </p:cNvPicPr>
+          <p:nvPr/>
+        </p:nvPicPr>
+        <p:blipFill>
+          <a:blip r:embed="rId2">
+            <a:extLst>
+              <a:ext uri="{28A0092B-C50C-407E-A947-70E740481C1C}">
+                <a14:useLocalDpi xmlns:a14="http://schemas.microsoft.com/office/drawing/2010/main" val="0"/>
+              </a:ext>
+            </a:extLst>
+          </a:blip>
+          <a:srcRect t="567" r="2" b="4667"/>
+          <a:stretch/>
+        </p:blipFill>
+        <p:spPr>
+          <a:xfrm>
+            <a:off x="6636743" y="1238487"/>
+            <a:ext cx="4741120" cy="4493060"/>
+          </a:xfrm>
+          <a:prstGeom prst="rect">
+            <a:avLst/>
+          </a:prstGeom>
+        </p:spPr>
+      </p:pic>
+    </p:spTree>
+    <p:extLst>
+      <p:ext uri="{BB962C8B-B14F-4D97-AF65-F5344CB8AC3E}">
+        <p14:creationId xmlns:p14="http://schemas.microsoft.com/office/powerpoint/2010/main" val="3066159526"/>
+      </p:ext>
+    </p:extLst>
+  </p:cSld>
+  <p:clrMapOvr>
+    <a:masterClrMapping/>
+  </p:clrMapOvr>
+</p:sld>
+</file>
+
+<file path=ppt/slides/slide3.xml><?xml version="1.0" encoding="utf-8"?>
+<p:sld xmlns:a="http://schemas.openxmlformats.org/drawingml/2006/main" xmlns:r="http://schemas.openxmlformats.org/officeDocument/2006/relationships" xmlns:p="http://schemas.openxmlformats.org/presentationml/2006/main">
+  <p:cSld>
+    <p:bg>
+      <p:bgPr>
+        <a:solidFill>
+          <a:schemeClr val="accent1"/>
+        </a:solidFill>
+        <a:effectLst/>
+      </p:bgPr>
+    </p:bg>
+    <p:spTree>
+      <p:nvGrpSpPr>
+        <p:cNvPr id="1" name=""/>
+        <p:cNvGrpSpPr/>
+        <p:nvPr/>
+      </p:nvGrpSpPr>
+      <p:grpSpPr>
+        <a:xfrm>
+          <a:off x="0" y="0"/>
+          <a:ext cx="0" cy="0"/>
+          <a:chOff x="0" y="0"/>
+          <a:chExt cx="0" cy="0"/>
+        </a:xfrm>
+      </p:grpSpPr>
+      <p:sp>
+        <p:nvSpPr>
+          <p:cNvPr id="10" name="Rectangle 9">
+            <a:extLst>
+              <a:ext uri="{FF2B5EF4-FFF2-40B4-BE49-F238E27FC236}">
+                <a16:creationId xmlns:a16="http://schemas.microsoft.com/office/drawing/2014/main" id="{E3DC42C2-6B58-404C-B339-2C72808A5BE1}"/>
+              </a:ext>
+              <a:ext uri="{C183D7F6-B498-43B3-948B-1728B52AA6E4}">
+                <adec:decorative xmlns:adec="http://schemas.microsoft.com/office/drawing/2017/decorative" val="1"/>
+              </a:ext>
+            </a:extLst>
+          </p:cNvPr>
+          <p:cNvSpPr>
+            <a:spLocks noGrp="1" noRot="1" noChangeAspect="1" noMove="1" noResize="1" noEditPoints="1" noAdjustHandles="1" noChangeArrowheads="1" noChangeShapeType="1" noTextEdit="1"/>
+          </p:cNvSpPr>
+          <p:nvPr>
+            <p:extLst>
+              <p:ext uri="{386F3935-93C4-4BCD-93E2-E3B085C9AB24}">
+                <p16:designElem xmlns:p16="http://schemas.microsoft.com/office/powerpoint/2015/main" val="1"/>
+              </p:ext>
+            </p:extLst>
+          </p:nvPr>
+        </p:nvSpPr>
+        <p:spPr>
+          <a:xfrm>
+            <a:off x="231140" y="243840"/>
+            <a:ext cx="11724640" cy="6377939"/>
+          </a:xfrm>
+          <a:prstGeom prst="rect">
+            <a:avLst/>
+          </a:prstGeom>
+          <a:solidFill>
+            <a:schemeClr val="accent1"/>
+          </a:solidFill>
+          <a:ln w="12700">
+            <a:solidFill>
+              <a:srgbClr val="FFFFFF"/>
+            </a:solidFill>
+          </a:ln>
+        </p:spPr>
+        <p:style>
+          <a:lnRef idx="2">
+            <a:schemeClr val="accent1">
+              <a:shade val="50000"/>
+            </a:schemeClr>
+          </a:lnRef>
+          <a:fillRef idx="1">
+            <a:schemeClr val="accent1"/>
+          </a:fillRef>
+          <a:effectRef idx="0">
+            <a:schemeClr val="accent1"/>
+          </a:effectRef>
+          <a:fontRef idx="minor">
+            <a:schemeClr val="lt1"/>
+          </a:fontRef>
+        </p:style>
+        <p:txBody>
+          <a:bodyPr/>
+          <a:lstStyle/>
+          <a:p>
+            <a:endParaRPr lang="en-US"/>
+          </a:p>
+        </p:txBody>
+      </p:sp>
+      <p:sp>
+        <p:nvSpPr>
+          <p:cNvPr id="2" name="Title 1">
+            <a:extLst>
+              <a:ext uri="{FF2B5EF4-FFF2-40B4-BE49-F238E27FC236}">
+                <a16:creationId xmlns:a16="http://schemas.microsoft.com/office/drawing/2014/main" id="{ED6D358A-8EDB-EE82-8424-841E158B47BF}"/>
+              </a:ext>
+            </a:extLst>
+          </p:cNvPr>
+          <p:cNvSpPr>
+            <a:spLocks noGrp="1"/>
+          </p:cNvSpPr>
+          <p:nvPr>
+            <p:ph type="title"/>
+          </p:nvPr>
+        </p:nvSpPr>
+        <p:spPr>
+          <a:xfrm>
+            <a:off x="4441783" y="609600"/>
+            <a:ext cx="6693061" cy="1356360"/>
+          </a:xfrm>
+        </p:spPr>
+        <p:txBody>
+          <a:bodyPr>
+            <a:normAutofit/>
+          </a:bodyPr>
+          <a:lstStyle/>
+          <a:p>
+            <a:r>
+              <a:rPr lang="en-US">
+                <a:solidFill>
+                  <a:srgbClr val="FFFFFF"/>
+                </a:solidFill>
+              </a:rPr>
+              <a:t>Why a Website?</a:t>
+            </a:r>
+          </a:p>
+        </p:txBody>
+      </p:sp>
+      <p:pic>
+        <p:nvPicPr>
+          <p:cNvPr id="5" name="Picture 4" descr="A question mark made out of black and white text&#10;&#10;AI-generated content may be incorrect.">
+            <a:extLst>
+              <a:ext uri="{FF2B5EF4-FFF2-40B4-BE49-F238E27FC236}">
+                <a16:creationId xmlns:a16="http://schemas.microsoft.com/office/drawing/2014/main" id="{0BD4D86C-ADC5-AE94-2D09-300563C40CBE}"/>
+              </a:ext>
+            </a:extLst>
+          </p:cNvPr>
+          <p:cNvPicPr>
+            <a:picLocks noChangeAspect="1"/>
+          </p:cNvPicPr>
+          <p:nvPr/>
+        </p:nvPicPr>
+        <p:blipFill>
+          <a:blip r:embed="rId2">
+            <a:extLst>
+              <a:ext uri="{28A0092B-C50C-407E-A947-70E740481C1C}">
+                <a14:useLocalDpi xmlns:a14="http://schemas.microsoft.com/office/drawing/2010/main" val="0"/>
+              </a:ext>
+            </a:extLst>
+          </a:blip>
+          <a:srcRect l="32842" r="29993" b="2"/>
+          <a:stretch/>
+        </p:blipFill>
+        <p:spPr>
+          <a:xfrm>
+            <a:off x="232861" y="243840"/>
+            <a:ext cx="3646837" cy="6377939"/>
+          </a:xfrm>
+          <a:prstGeom prst="rect">
+            <a:avLst/>
+          </a:prstGeom>
+        </p:spPr>
+      </p:pic>
+      <p:sp>
+        <p:nvSpPr>
+          <p:cNvPr id="3" name="Content Placeholder 2">
+            <a:extLst>
+              <a:ext uri="{FF2B5EF4-FFF2-40B4-BE49-F238E27FC236}">
+                <a16:creationId xmlns:a16="http://schemas.microsoft.com/office/drawing/2014/main" id="{2C799927-8327-BA63-E076-49A0A3DA8807}"/>
+              </a:ext>
+            </a:extLst>
+          </p:cNvPr>
+          <p:cNvSpPr>
+            <a:spLocks noGrp="1"/>
+          </p:cNvSpPr>
+          <p:nvPr>
+            <p:ph idx="1"/>
+          </p:nvPr>
+        </p:nvSpPr>
+        <p:spPr>
+          <a:xfrm>
+            <a:off x="4441783" y="2057400"/>
+            <a:ext cx="6693061" cy="4038600"/>
+          </a:xfrm>
+        </p:spPr>
+        <p:txBody>
+          <a:bodyPr>
+            <a:normAutofit/>
+          </a:bodyPr>
+          <a:lstStyle/>
+          <a:p>
+            <a:r>
+              <a:rPr lang="en-US">
+                <a:solidFill>
+                  <a:srgbClr val="FFFFFF"/>
+                </a:solidFill>
+              </a:rPr>
+              <a:t>It’s a website, because we thought it was the best place to have</a:t>
+            </a:r>
+          </a:p>
+          <a:p>
+            <a:r>
+              <a:rPr lang="en-US">
+                <a:solidFill>
+                  <a:srgbClr val="FFFFFF"/>
+                </a:solidFill>
+              </a:rPr>
+              <a:t>No, downloading needed</a:t>
+            </a:r>
+          </a:p>
+          <a:p>
+            <a:r>
+              <a:rPr lang="en-US">
+                <a:solidFill>
+                  <a:srgbClr val="FFFFFF"/>
+                </a:solidFill>
+              </a:rPr>
+              <a:t>It allows for easy access </a:t>
+            </a:r>
+          </a:p>
+          <a:p>
+            <a:r>
+              <a:rPr lang="en-US">
+                <a:solidFill>
+                  <a:srgbClr val="FFFFFF"/>
+                </a:solidFill>
+              </a:rPr>
+              <a:t>It gave us a good environment to develop and create our application</a:t>
+            </a:r>
+          </a:p>
+          <a:p>
+            <a:endParaRPr lang="en-US">
+              <a:solidFill>
+                <a:srgbClr val="FFFFFF"/>
+              </a:solidFill>
+            </a:endParaRPr>
+          </a:p>
+        </p:txBody>
+      </p:sp>
+      <p:sp>
+        <p:nvSpPr>
+          <p:cNvPr id="12" name="Rectangle 11">
+            <a:extLst>
+              <a:ext uri="{FF2B5EF4-FFF2-40B4-BE49-F238E27FC236}">
+                <a16:creationId xmlns:a16="http://schemas.microsoft.com/office/drawing/2014/main" id="{FCF82941-5589-49BF-B6B1-76122B2D0EA6}"/>
+              </a:ext>
+              <a:ext uri="{C183D7F6-B498-43B3-948B-1728B52AA6E4}">
+                <adec:decorative xmlns:adec="http://schemas.microsoft.com/office/drawing/2017/decorative" val="1"/>
+              </a:ext>
+            </a:extLst>
+          </p:cNvPr>
+          <p:cNvSpPr>
+            <a:spLocks noGrp="1" noRot="1" noChangeAspect="1" noMove="1" noResize="1" noEditPoints="1" noAdjustHandles="1" noChangeArrowheads="1" noChangeShapeType="1" noTextEdit="1"/>
+          </p:cNvSpPr>
+          <p:nvPr>
+            <p:extLst>
+              <p:ext uri="{386F3935-93C4-4BCD-93E2-E3B085C9AB24}">
+                <p16:designElem xmlns:p16="http://schemas.microsoft.com/office/powerpoint/2015/main" val="1"/>
+              </p:ext>
+            </p:extLst>
+          </p:nvPr>
+        </p:nvSpPr>
+        <p:spPr>
+          <a:xfrm>
+            <a:off x="228600" y="243840"/>
+            <a:ext cx="11724640" cy="6377939"/>
+          </a:xfrm>
+          <a:prstGeom prst="rect">
+            <a:avLst/>
+          </a:prstGeom>
+          <a:noFill/>
+          <a:ln w="12700">
+            <a:solidFill>
+              <a:schemeClr val="bg1"/>
+            </a:solidFill>
+          </a:ln>
+        </p:spPr>
+        <p:style>
+          <a:lnRef idx="2">
+            <a:schemeClr val="accent1">
+              <a:shade val="50000"/>
+            </a:schemeClr>
+          </a:lnRef>
+          <a:fillRef idx="1">
+            <a:schemeClr val="accent1"/>
+          </a:fillRef>
+          <a:effectRef idx="0">
+            <a:schemeClr val="accent1"/>
+          </a:effectRef>
+          <a:fontRef idx="minor">
+            <a:schemeClr val="lt1"/>
+          </a:fontRef>
+        </p:style>
+        <p:txBody>
+          <a:bodyPr/>
+          <a:lstStyle/>
+          <a:p>
+            <a:endParaRPr lang="en-US"/>
+          </a:p>
+        </p:txBody>
+      </p:sp>
+    </p:spTree>
+    <p:extLst>
+      <p:ext uri="{BB962C8B-B14F-4D97-AF65-F5344CB8AC3E}">
+        <p14:creationId xmlns:p14="http://schemas.microsoft.com/office/powerpoint/2010/main" val="32657007"/>
+      </p:ext>
+    </p:extLst>
+  </p:cSld>
+  <p:clrMapOvr>
+    <a:masterClrMapping/>
+  </p:clrMapOvr>
+</p:sld>
+</file>
+
+<file path=ppt/slides/slide4.xml><?xml version="1.0" encoding="utf-8"?>
+<p:sld xmlns:a="http://schemas.openxmlformats.org/drawingml/2006/main" xmlns:r="http://schemas.openxmlformats.org/officeDocument/2006/relationships" xmlns:p="http://schemas.openxmlformats.org/presentationml/2006/main">
+  <p:cSld>
+    <p:spTree>
+      <p:nvGrpSpPr>
+        <p:cNvPr id="1" name=""/>
+        <p:cNvGrpSpPr/>
+        <p:nvPr/>
+      </p:nvGrpSpPr>
+      <p:grpSpPr>
+        <a:xfrm>
+          <a:off x="0" y="0"/>
+          <a:ext cx="0" cy="0"/>
+          <a:chOff x="0" y="0"/>
+          <a:chExt cx="0" cy="0"/>
+        </a:xfrm>
+      </p:grpSpPr>
+      <p:sp>
+        <p:nvSpPr>
+          <p:cNvPr id="2" name="Title 1">
+            <a:extLst>
+              <a:ext uri="{FF2B5EF4-FFF2-40B4-BE49-F238E27FC236}">
+                <a16:creationId xmlns:a16="http://schemas.microsoft.com/office/drawing/2014/main" id="{B69001AC-56C2-65A2-A768-DE37E7EB707D}"/>
+              </a:ext>
+            </a:extLst>
+          </p:cNvPr>
+          <p:cNvSpPr>
+            <a:spLocks noGrp="1"/>
+          </p:cNvSpPr>
+          <p:nvPr>
+            <p:ph type="title"/>
+          </p:nvPr>
+        </p:nvSpPr>
+        <p:spPr/>
+        <p:txBody>
+          <a:bodyPr/>
+          <a:lstStyle/>
+          <a:p>
+            <a:r>
+              <a:rPr lang="en-US" dirty="0"/>
+              <a:t>So How Do You Use It?</a:t>
+            </a:r>
+          </a:p>
+        </p:txBody>
+      </p:sp>
+      <p:pic>
+        <p:nvPicPr>
+          <p:cNvPr id="5" name="Content Placeholder 4" descr="A screenshot of a phone&#10;&#10;AI-generated content may be incorrect.">
+            <a:extLst>
+              <a:ext uri="{FF2B5EF4-FFF2-40B4-BE49-F238E27FC236}">
+                <a16:creationId xmlns:a16="http://schemas.microsoft.com/office/drawing/2014/main" id="{DE8FF931-DB2D-53D3-355E-B568002B6544}"/>
+              </a:ext>
+            </a:extLst>
+          </p:cNvPr>
+          <p:cNvPicPr>
+            <a:picLocks noGrp="1" noChangeAspect="1"/>
+          </p:cNvPicPr>
+          <p:nvPr>
+            <p:ph idx="1"/>
+          </p:nvPr>
+        </p:nvPicPr>
+        <p:blipFill>
+          <a:blip r:embed="rId2">
+            <a:extLst>
+              <a:ext uri="{28A0092B-C50C-407E-A947-70E740481C1C}">
+                <a14:useLocalDpi xmlns:a14="http://schemas.microsoft.com/office/drawing/2010/main" val="0"/>
+              </a:ext>
+            </a:extLst>
+          </a:blip>
+          <a:stretch>
+            <a:fillRect/>
+          </a:stretch>
+        </p:blipFill>
+        <p:spPr>
+          <a:xfrm>
+            <a:off x="1068740" y="1965960"/>
+            <a:ext cx="9949780" cy="4024630"/>
+          </a:xfrm>
+        </p:spPr>
+      </p:pic>
+    </p:spTree>
+    <p:extLst>
+      <p:ext uri="{BB962C8B-B14F-4D97-AF65-F5344CB8AC3E}">
+        <p14:creationId xmlns:p14="http://schemas.microsoft.com/office/powerpoint/2010/main" val="3556975735"/>
+      </p:ext>
+    </p:extLst>
+  </p:cSld>
+  <p:clrMapOvr>
+    <a:masterClrMapping/>
+  </p:clrMapOvr>
+</p:sld>
+</file>
+
+<file path=ppt/slides/slide5.xml><?xml version="1.0" encoding="utf-8"?>
+<p:sld xmlns:a="http://schemas.openxmlformats.org/drawingml/2006/main" xmlns:r="http://schemas.openxmlformats.org/officeDocument/2006/relationships" xmlns:p="http://schemas.openxmlformats.org/presentationml/2006/main">
+  <p:cSld>
+    <p:bg>
+      <p:bgPr>
+        <a:solidFill>
+          <a:schemeClr val="accent1"/>
+        </a:solidFill>
+        <a:effectLst/>
+      </p:bgPr>
+    </p:bg>
+    <p:spTree>
+      <p:nvGrpSpPr>
+        <p:cNvPr id="1" name=""/>
+        <p:cNvGrpSpPr/>
+        <p:nvPr/>
+      </p:nvGrpSpPr>
+      <p:grpSpPr>
+        <a:xfrm>
+          <a:off x="0" y="0"/>
+          <a:ext cx="0" cy="0"/>
+          <a:chOff x="0" y="0"/>
+          <a:chExt cx="0" cy="0"/>
+        </a:xfrm>
+      </p:grpSpPr>
+      <p:sp>
+        <p:nvSpPr>
+          <p:cNvPr id="10" name="Rectangle 9">
+            <a:extLst>
+              <a:ext uri="{FF2B5EF4-FFF2-40B4-BE49-F238E27FC236}">
+                <a16:creationId xmlns:a16="http://schemas.microsoft.com/office/drawing/2014/main" id="{E9271C28-7496-4447-8541-7B39F5E9480A}"/>
+              </a:ext>
+              <a:ext uri="{C183D7F6-B498-43B3-948B-1728B52AA6E4}">
+                <adec:decorative xmlns:adec="http://schemas.microsoft.com/office/drawing/2017/decorative" val="1"/>
+              </a:ext>
+            </a:extLst>
+          </p:cNvPr>
+          <p:cNvSpPr>
+            <a:spLocks noGrp="1" noRot="1" noChangeAspect="1" noMove="1" noResize="1" noEditPoints="1" noAdjustHandles="1" noChangeArrowheads="1" noChangeShapeType="1" noTextEdit="1"/>
+          </p:cNvSpPr>
+          <p:nvPr>
+            <p:extLst>
+              <p:ext uri="{386F3935-93C4-4BCD-93E2-E3B085C9AB24}">
+                <p16:designElem xmlns:p16="http://schemas.microsoft.com/office/powerpoint/2015/main" val="1"/>
+              </p:ext>
+            </p:extLst>
+          </p:nvPr>
+        </p:nvSpPr>
+        <p:spPr>
+          <a:xfrm>
+            <a:off x="231140" y="243840"/>
+            <a:ext cx="11724640" cy="6377939"/>
+          </a:xfrm>
+          <a:prstGeom prst="rect">
+            <a:avLst/>
+          </a:prstGeom>
+          <a:solidFill>
+            <a:schemeClr val="bg1"/>
+          </a:solidFill>
+          <a:ln w="12700">
+            <a:noFill/>
+          </a:ln>
+        </p:spPr>
+        <p:style>
+          <a:lnRef idx="2">
+            <a:schemeClr val="accent1">
+              <a:shade val="50000"/>
+            </a:schemeClr>
+          </a:lnRef>
+          <a:fillRef idx="1">
+            <a:schemeClr val="accent1"/>
+          </a:fillRef>
+          <a:effectRef idx="0">
+            <a:schemeClr val="accent1"/>
+          </a:effectRef>
+          <a:fontRef idx="minor">
+            <a:schemeClr val="lt1"/>
+          </a:fontRef>
+        </p:style>
+        <p:txBody>
+          <a:bodyPr/>
+          <a:lstStyle/>
+          <a:p>
+            <a:endParaRPr lang="en-US"/>
+          </a:p>
+        </p:txBody>
+      </p:sp>
+      <p:sp>
+        <p:nvSpPr>
+          <p:cNvPr id="2" name="Title 1">
+            <a:extLst>
+              <a:ext uri="{FF2B5EF4-FFF2-40B4-BE49-F238E27FC236}">
+                <a16:creationId xmlns:a16="http://schemas.microsoft.com/office/drawing/2014/main" id="{DEAC2CC3-FAB7-32F3-3CBD-53B38F75D507}"/>
+              </a:ext>
+            </a:extLst>
+          </p:cNvPr>
+          <p:cNvSpPr>
+            <a:spLocks noGrp="1"/>
+          </p:cNvSpPr>
+          <p:nvPr>
+            <p:ph type="title"/>
+          </p:nvPr>
+        </p:nvSpPr>
+        <p:spPr>
+          <a:xfrm>
+            <a:off x="6106704" y="609600"/>
+            <a:ext cx="5364444" cy="1356360"/>
+          </a:xfrm>
+        </p:spPr>
+        <p:txBody>
+          <a:bodyPr>
+            <a:normAutofit/>
+          </a:bodyPr>
+          <a:lstStyle/>
+          <a:p>
+            <a:r>
+              <a:rPr lang="en-US" dirty="0"/>
+              <a:t>Who would use it?</a:t>
+            </a:r>
+          </a:p>
+        </p:txBody>
+      </p:sp>
+      <p:pic>
+        <p:nvPicPr>
+          <p:cNvPr id="5" name="Picture 4" descr="A blue shield with a check mark&#10;&#10;AI-generated content may be incorrect.">
+            <a:extLst>
+              <a:ext uri="{FF2B5EF4-FFF2-40B4-BE49-F238E27FC236}">
+                <a16:creationId xmlns:a16="http://schemas.microsoft.com/office/drawing/2014/main" id="{8D25DB05-E524-C7C7-8554-43E92BD7B852}"/>
+              </a:ext>
+            </a:extLst>
+          </p:cNvPr>
+          <p:cNvPicPr>
+            <a:picLocks noChangeAspect="1"/>
+          </p:cNvPicPr>
+          <p:nvPr/>
+        </p:nvPicPr>
+        <p:blipFill>
+          <a:blip r:embed="rId2">
+            <a:extLst>
+              <a:ext uri="{28A0092B-C50C-407E-A947-70E740481C1C}">
+                <a14:useLocalDpi xmlns:a14="http://schemas.microsoft.com/office/drawing/2010/main" val="0"/>
+              </a:ext>
+            </a:extLst>
+          </a:blip>
+          <a:stretch>
+            <a:fillRect/>
+          </a:stretch>
+        </p:blipFill>
+        <p:spPr>
+          <a:xfrm>
+            <a:off x="872064" y="1131152"/>
+            <a:ext cx="4593715" cy="4593715"/>
+          </a:xfrm>
+          <a:prstGeom prst="rect">
+            <a:avLst/>
+          </a:prstGeom>
+        </p:spPr>
+      </p:pic>
+      <p:sp>
+        <p:nvSpPr>
+          <p:cNvPr id="3" name="Content Placeholder 2">
+            <a:extLst>
+              <a:ext uri="{FF2B5EF4-FFF2-40B4-BE49-F238E27FC236}">
+                <a16:creationId xmlns:a16="http://schemas.microsoft.com/office/drawing/2014/main" id="{A89A922D-9891-E823-39AB-250603C3AB48}"/>
+              </a:ext>
+            </a:extLst>
+          </p:cNvPr>
+          <p:cNvSpPr>
+            <a:spLocks noGrp="1"/>
+          </p:cNvSpPr>
+          <p:nvPr>
+            <p:ph idx="1"/>
+          </p:nvPr>
+        </p:nvSpPr>
+        <p:spPr>
+          <a:xfrm>
+            <a:off x="6106703" y="2057400"/>
+            <a:ext cx="5364444" cy="4038600"/>
+          </a:xfrm>
+        </p:spPr>
+        <p:txBody>
+          <a:bodyPr>
+            <a:normAutofit/>
+          </a:bodyPr>
+          <a:lstStyle/>
+          <a:p>
+            <a:r>
+              <a:rPr lang="en-US" dirty="0"/>
+              <a:t>There isn’t really a specific type of person we are targeting</a:t>
+            </a:r>
+          </a:p>
+          <a:p>
+            <a:r>
+              <a:rPr lang="en-US" dirty="0"/>
+              <a:t>Anyone can use it  Young, Old, Woman, Man</a:t>
+            </a:r>
+          </a:p>
+          <a:p>
+            <a:r>
+              <a:rPr lang="en-US" dirty="0"/>
+              <a:t>If anyone it’s those who like to be safe and secure with their information</a:t>
+            </a:r>
+          </a:p>
+        </p:txBody>
+      </p:sp>
+    </p:spTree>
+    <p:extLst>
+      <p:ext uri="{BB962C8B-B14F-4D97-AF65-F5344CB8AC3E}">
+        <p14:creationId xmlns:p14="http://schemas.microsoft.com/office/powerpoint/2010/main" val="4062533842"/>
+      </p:ext>
+    </p:extLst>
+  </p:cSld>
+  <p:clrMapOvr>
+    <a:masterClrMapping/>
+  </p:clrMapOvr>
+</p:sld>
+</file>
+
+<file path=ppt/slides/slide6.xml><?xml version="1.0" encoding="utf-8"?>
+<p:sld xmlns:a="http://schemas.openxmlformats.org/drawingml/2006/main" xmlns:r="http://schemas.openxmlformats.org/officeDocument/2006/relationships" xmlns:p="http://schemas.openxmlformats.org/presentationml/2006/main">
+  <p:cSld>
+    <p:spTree>
+      <p:nvGrpSpPr>
+        <p:cNvPr id="1" name=""/>
+        <p:cNvGrpSpPr/>
+        <p:nvPr/>
+      </p:nvGrpSpPr>
+      <p:grpSpPr>
+        <a:xfrm>
+          <a:off x="0" y="0"/>
+          <a:ext cx="0" cy="0"/>
+          <a:chOff x="0" y="0"/>
+          <a:chExt cx="0" cy="0"/>
+        </a:xfrm>
+      </p:grpSpPr>
+      <p:sp>
+        <p:nvSpPr>
+          <p:cNvPr id="2" name="Title 1">
+            <a:extLst>
+              <a:ext uri="{FF2B5EF4-FFF2-40B4-BE49-F238E27FC236}">
+                <a16:creationId xmlns:a16="http://schemas.microsoft.com/office/drawing/2014/main" id="{8CC2B571-970B-B442-8873-8B5028DC68CA}"/>
+              </a:ext>
+            </a:extLst>
+          </p:cNvPr>
+          <p:cNvSpPr>
+            <a:spLocks noGrp="1"/>
+          </p:cNvSpPr>
+          <p:nvPr>
+            <p:ph type="title"/>
+          </p:nvPr>
+        </p:nvSpPr>
+        <p:spPr/>
+        <p:txBody>
+          <a:bodyPr/>
+          <a:lstStyle/>
+          <a:p>
+            <a:endParaRPr lang="en-US" dirty="0"/>
+          </a:p>
+        </p:txBody>
+      </p:sp>
+      <p:sp>
+        <p:nvSpPr>
+          <p:cNvPr id="3" name="Content Placeholder 2">
+            <a:extLst>
+              <a:ext uri="{FF2B5EF4-FFF2-40B4-BE49-F238E27FC236}">
+                <a16:creationId xmlns:a16="http://schemas.microsoft.com/office/drawing/2014/main" id="{6A993D87-5B3D-9073-1714-3067DFB5D404}"/>
+              </a:ext>
+            </a:extLst>
+          </p:cNvPr>
+          <p:cNvSpPr>
+            <a:spLocks noGrp="1"/>
+          </p:cNvSpPr>
+          <p:nvPr>
+            <p:ph idx="1"/>
+          </p:nvPr>
+        </p:nvSpPr>
+        <p:spPr/>
+        <p:txBody>
+          <a:bodyPr/>
+          <a:lstStyle/>
+          <a:p>
+            <a:endParaRPr lang="en-US"/>
+          </a:p>
+        </p:txBody>
+      </p:sp>
+    </p:spTree>
+    <p:extLst>
+      <p:ext uri="{BB962C8B-B14F-4D97-AF65-F5344CB8AC3E}">
+        <p14:creationId xmlns:p14="http://schemas.microsoft.com/office/powerpoint/2010/main" val="56101013"/>
+      </p:ext>
+    </p:extLst>
+  </p:cSld>
+  <p:clrMapOvr>
+    <a:masterClrMapping/>
+  </p:clrMapOvr>
+</p:sld>
+</file>
+
+<file path=ppt/slides/slide7.xml><?xml version="1.0" encoding="utf-8"?>
+<p:sld xmlns:a="http://schemas.openxmlformats.org/drawingml/2006/main" xmlns:r="http://schemas.openxmlformats.org/officeDocument/2006/relationships" xmlns:p="http://schemas.openxmlformats.org/presentationml/2006/main">
+  <p:cSld>
+    <p:spTree>
+      <p:nvGrpSpPr>
+        <p:cNvPr id="1" name=""/>
+        <p:cNvGrpSpPr/>
+        <p:nvPr/>
+      </p:nvGrpSpPr>
+      <p:grpSpPr>
+        <a:xfrm>
+          <a:off x="0" y="0"/>
+          <a:ext cx="0" cy="0"/>
+          <a:chOff x="0" y="0"/>
+          <a:chExt cx="0" cy="0"/>
+        </a:xfrm>
+      </p:grpSpPr>
+      <p:sp>
+        <p:nvSpPr>
+          <p:cNvPr id="2" name="Title 1">
+            <a:extLst>
+              <a:ext uri="{FF2B5EF4-FFF2-40B4-BE49-F238E27FC236}">
+                <a16:creationId xmlns:a16="http://schemas.microsoft.com/office/drawing/2014/main" id="{A70685C2-91E4-9BA7-5592-280C87D0E72F}"/>
+              </a:ext>
+            </a:extLst>
+          </p:cNvPr>
+          <p:cNvSpPr>
+            <a:spLocks noGrp="1"/>
+          </p:cNvSpPr>
+          <p:nvPr>
+            <p:ph type="title"/>
+          </p:nvPr>
+        </p:nvSpPr>
+        <p:spPr/>
+        <p:txBody>
+          <a:bodyPr/>
+          <a:lstStyle/>
+          <a:p>
+            <a:endParaRPr lang="en-US"/>
+          </a:p>
+        </p:txBody>
+      </p:sp>
+      <p:sp>
+        <p:nvSpPr>
+          <p:cNvPr id="3" name="Content Placeholder 2">
+            <a:extLst>
+              <a:ext uri="{FF2B5EF4-FFF2-40B4-BE49-F238E27FC236}">
+                <a16:creationId xmlns:a16="http://schemas.microsoft.com/office/drawing/2014/main" id="{29CD2F27-7C9B-D008-D898-6C5B4CDF6C9F}"/>
+              </a:ext>
+            </a:extLst>
+          </p:cNvPr>
+          <p:cNvSpPr>
+            <a:spLocks noGrp="1"/>
+          </p:cNvSpPr>
+          <p:nvPr>
+            <p:ph idx="1"/>
+          </p:nvPr>
+        </p:nvSpPr>
+        <p:spPr/>
+        <p:txBody>
+          <a:bodyPr/>
+          <a:lstStyle/>
+          <a:p>
+            <a:endParaRPr lang="en-US"/>
+          </a:p>
+        </p:txBody>
+      </p:sp>
+    </p:spTree>
+    <p:extLst>
+      <p:ext uri="{BB962C8B-B14F-4D97-AF65-F5344CB8AC3E}">
+        <p14:creationId xmlns:p14="http://schemas.microsoft.com/office/powerpoint/2010/main" val="3077850337"/>
+      </p:ext>
+    </p:extLst>
+  </p:cSld>
+  <p:clrMapOvr>
+    <a:masterClrMapping/>
+  </p:clrMapOvr>
+</p:sld>
+</file>
+
+<file path=ppt/slides/slide8.xml><?xml version="1.0" encoding="utf-8"?>
+<p:sld xmlns:a="http://schemas.openxmlformats.org/drawingml/2006/main" xmlns:r="http://schemas.openxmlformats.org/officeDocument/2006/relationships" xmlns:p="http://schemas.openxmlformats.org/presentationml/2006/main">
+  <p:cSld>
+    <p:spTree>
+      <p:nvGrpSpPr>
+        <p:cNvPr id="1" name=""/>
+        <p:cNvGrpSpPr/>
+        <p:nvPr/>
+      </p:nvGrpSpPr>
+      <p:grpSpPr>
+        <a:xfrm>
+          <a:off x="0" y="0"/>
+          <a:ext cx="0" cy="0"/>
+          <a:chOff x="0" y="0"/>
+          <a:chExt cx="0" cy="0"/>
+        </a:xfrm>
+      </p:grpSpPr>
+      <p:sp>
+        <p:nvSpPr>
+          <p:cNvPr id="2" name="Title 1">
+            <a:extLst>
+              <a:ext uri="{FF2B5EF4-FFF2-40B4-BE49-F238E27FC236}">
+                <a16:creationId xmlns:a16="http://schemas.microsoft.com/office/drawing/2014/main" id="{F50045C5-0806-3459-42E3-F88312854760}"/>
+              </a:ext>
+            </a:extLst>
+          </p:cNvPr>
+          <p:cNvSpPr>
+            <a:spLocks noGrp="1"/>
+          </p:cNvSpPr>
+          <p:nvPr>
+            <p:ph type="title"/>
+          </p:nvPr>
+        </p:nvSpPr>
+        <p:spPr/>
+        <p:txBody>
+          <a:bodyPr/>
+          <a:lstStyle/>
+          <a:p>
+            <a:endParaRPr lang="en-US"/>
+          </a:p>
+        </p:txBody>
+      </p:sp>
+      <p:sp>
+        <p:nvSpPr>
+          <p:cNvPr id="3" name="Content Placeholder 2">
+            <a:extLst>
+              <a:ext uri="{FF2B5EF4-FFF2-40B4-BE49-F238E27FC236}">
+                <a16:creationId xmlns:a16="http://schemas.microsoft.com/office/drawing/2014/main" id="{E88C41A7-39C0-2582-9768-BDFF8D6580BD}"/>
+              </a:ext>
+            </a:extLst>
+          </p:cNvPr>
+          <p:cNvSpPr>
+            <a:spLocks noGrp="1"/>
+          </p:cNvSpPr>
+          <p:nvPr>
+            <p:ph idx="1"/>
+          </p:nvPr>
+        </p:nvSpPr>
+        <p:spPr/>
+        <p:txBody>
+          <a:bodyPr/>
+          <a:lstStyle/>
+          <a:p>
+            <a:endParaRPr lang="en-US"/>
+          </a:p>
+        </p:txBody>
+      </p:sp>
+    </p:spTree>
+    <p:extLst>
+      <p:ext uri="{BB962C8B-B14F-4D97-AF65-F5344CB8AC3E}">
+        <p14:creationId xmlns:p14="http://schemas.microsoft.com/office/powerpoint/2010/main" val="72053064"/>
+      </p:ext>
+    </p:extLst>
+  </p:cSld>
+  <p:clrMapOvr>
+    <a:masterClrMapping/>
+  </p:clrMapOvr>
+</p:sld>
+</file>
+
+<file path=ppt/slides/slide9.xml><?xml version="1.0" encoding="utf-8"?>
+<p:sld xmlns:a="http://schemas.openxmlformats.org/drawingml/2006/main" xmlns:r="http://schemas.openxmlformats.org/officeDocument/2006/relationships" xmlns:p="http://schemas.openxmlformats.org/presentationml/2006/main">
+  <p:cSld>
+    <p:spTree>
+      <p:nvGrpSpPr>
+        <p:cNvPr id="1" name=""/>
+        <p:cNvGrpSpPr/>
+        <p:nvPr/>
+      </p:nvGrpSpPr>
+      <p:grpSpPr>
+        <a:xfrm>
+          <a:off x="0" y="0"/>
+          <a:ext cx="0" cy="0"/>
+          <a:chOff x="0" y="0"/>
+          <a:chExt cx="0" cy="0"/>
+        </a:xfrm>
+      </p:grpSpPr>
+      <p:sp>
+        <p:nvSpPr>
+          <p:cNvPr id="2" name="Title 1">
+            <a:extLst>
+              <a:ext uri="{FF2B5EF4-FFF2-40B4-BE49-F238E27FC236}">
+                <a16:creationId xmlns:a16="http://schemas.microsoft.com/office/drawing/2014/main" id="{330A4FCF-5AD8-312C-91FD-C7FC45741BFD}"/>
+              </a:ext>
+            </a:extLst>
+          </p:cNvPr>
+          <p:cNvSpPr>
+            <a:spLocks noGrp="1"/>
+          </p:cNvSpPr>
+          <p:nvPr>
+            <p:ph type="title"/>
+          </p:nvPr>
+        </p:nvSpPr>
+        <p:spPr/>
+        <p:txBody>
+          <a:bodyPr/>
+          <a:lstStyle/>
+          <a:p>
+            <a:endParaRPr lang="en-US" dirty="0"/>
+          </a:p>
+        </p:txBody>
+      </p:sp>
+      <p:sp>
+        <p:nvSpPr>
+          <p:cNvPr id="3" name="Content Placeholder 2">
+            <a:extLst>
+              <a:ext uri="{FF2B5EF4-FFF2-40B4-BE49-F238E27FC236}">
+                <a16:creationId xmlns:a16="http://schemas.microsoft.com/office/drawing/2014/main" id="{17D7A9FE-65F0-5367-CAAB-997AC4A85D33}"/>
+              </a:ext>
+            </a:extLst>
+          </p:cNvPr>
+          <p:cNvSpPr>
+            <a:spLocks noGrp="1"/>
+          </p:cNvSpPr>
+          <p:nvPr>
+            <p:ph idx="1"/>
+          </p:nvPr>
+        </p:nvSpPr>
+        <p:spPr/>
+        <p:txBody>
+          <a:bodyPr/>
+          <a:lstStyle/>
+          <a:p>
+            <a:endParaRPr lang="en-US"/>
+          </a:p>
+        </p:txBody>
+      </p:sp>
+    </p:spTree>
+    <p:extLst>
+      <p:ext uri="{BB962C8B-B14F-4D97-AF65-F5344CB8AC3E}">
+        <p14:creationId xmlns:p14="http://schemas.microsoft.com/office/powerpoint/2010/main" val="4138503645"/>
       </p:ext>
     </p:extLst>
   </p:cSld>
@@ -3385,9 +5223,9 @@
 </file>
 
 <file path=ppt/theme/theme1.xml><?xml version="1.0" encoding="utf-8"?>
-<a:theme xmlns:a="http://schemas.openxmlformats.org/drawingml/2006/main" name="Office Theme">
+<a:theme xmlns:a="http://schemas.openxmlformats.org/drawingml/2006/main" name="Basis">
   <a:themeElements>
-    <a:clrScheme name="Office">
+    <a:clrScheme name="Office 2013 - 2022">
       <a:dk1>
         <a:sysClr val="windowText" lastClr="000000"/>
       </a:dk1>
@@ -3425,9 +5263,246 @@
         <a:srgbClr val="954F72"/>
       </a:folHlink>
     </a:clrScheme>
+    <a:fontScheme name="Basis">
+      <a:majorFont>
+        <a:latin typeface="Corbel" panose="020B0503020204020204"/>
+        <a:ea typeface=""/>
+        <a:cs typeface=""/>
+        <a:font script="Jpan" typeface="ＭＳ ゴシック"/>
+        <a:font script="Hang" typeface="맑은 고딕"/>
+        <a:font script="Hans" typeface="宋体"/>
+        <a:font script="Hant" typeface="新細明體"/>
+        <a:font script="Arab" typeface="Tahoma"/>
+        <a:font script="Hebr" typeface="Gisha"/>
+        <a:font script="Thai" typeface="DilleniaUPC"/>
+        <a:font script="Ethi" typeface="Nyala"/>
+        <a:font script="Beng" typeface="Vrinda"/>
+        <a:font script="Gujr" typeface="Shruti"/>
+        <a:font script="Khmr" typeface="DaunPenh"/>
+        <a:font script="Knda" typeface="Tunga"/>
+        <a:font script="Guru" typeface="Raavi"/>
+        <a:font script="Cans" typeface="Euphemia"/>
+        <a:font script="Cher" typeface="Plantagenet Cherokee"/>
+        <a:font script="Yiii" typeface="Microsoft Yi Baiti"/>
+        <a:font script="Tibt" typeface="Microsoft Himalaya"/>
+        <a:font script="Thaa" typeface="MV Boli"/>
+        <a:font script="Deva" typeface="Mangal"/>
+        <a:font script="Telu" typeface="Gautami"/>
+        <a:font script="Taml" typeface="Latha"/>
+        <a:font script="Syrc" typeface="Estrangelo Edessa"/>
+        <a:font script="Orya" typeface="Kalinga"/>
+        <a:font script="Mlym" typeface="Kartika"/>
+        <a:font script="Laoo" typeface="DokChampa"/>
+        <a:font script="Sinh" typeface="Iskoola Pota"/>
+        <a:font script="Mong" typeface="Mongolian Baiti"/>
+        <a:font script="Viet" typeface="Tahoma"/>
+        <a:font script="Uigh" typeface="Microsoft Uighur"/>
+        <a:font script="Geor" typeface="Sylfaen"/>
+      </a:majorFont>
+      <a:minorFont>
+        <a:latin typeface="Corbel" panose="020B0503020204020204"/>
+        <a:ea typeface=""/>
+        <a:cs typeface=""/>
+        <a:font script="Jpan" typeface="ＭＳ ゴシック"/>
+        <a:font script="Hang" typeface="맑은 고딕"/>
+        <a:font script="Hans" typeface="宋体"/>
+        <a:font script="Hant" typeface="新細明體"/>
+        <a:font script="Arab" typeface="Tahoma"/>
+        <a:font script="Hebr" typeface="Gisha"/>
+        <a:font script="Thai" typeface="DilleniaUPC"/>
+        <a:font script="Ethi" typeface="Nyala"/>
+        <a:font script="Beng" typeface="Vrinda"/>
+        <a:font script="Gujr" typeface="Shruti"/>
+        <a:font script="Khmr" typeface="DaunPenh"/>
+        <a:font script="Knda" typeface="Tunga"/>
+        <a:font script="Guru" typeface="Raavi"/>
+        <a:font script="Cans" typeface="Euphemia"/>
+        <a:font script="Cher" typeface="Plantagenet Cherokee"/>
+        <a:font script="Yiii" typeface="Microsoft Yi Baiti"/>
+        <a:font script="Tibt" typeface="Microsoft Himalaya"/>
+        <a:font script="Thaa" typeface="MV Boli"/>
+        <a:font script="Deva" typeface="Mangal"/>
+        <a:font script="Telu" typeface="Gautami"/>
+        <a:font script="Taml" typeface="Latha"/>
+        <a:font script="Syrc" typeface="Estrangelo Edessa"/>
+        <a:font script="Orya" typeface="Kalinga"/>
+        <a:font script="Mlym" typeface="Kartika"/>
+        <a:font script="Laoo" typeface="DokChampa"/>
+        <a:font script="Sinh" typeface="Iskoola Pota"/>
+        <a:font script="Mong" typeface="Mongolian Baiti"/>
+        <a:font script="Viet" typeface="Verdana"/>
+        <a:font script="Uigh" typeface="Microsoft Uighur"/>
+        <a:font script="Geor" typeface="Sylfaen"/>
+      </a:minorFont>
+    </a:fontScheme>
+    <a:fmtScheme name="Basis">
+      <a:fillStyleLst>
+        <a:solidFill>
+          <a:schemeClr val="phClr"/>
+        </a:solidFill>
+        <a:solidFill>
+          <a:schemeClr val="phClr">
+            <a:tint val="55000"/>
+            <a:satMod val="130000"/>
+          </a:schemeClr>
+        </a:solidFill>
+        <a:gradFill rotWithShape="1">
+          <a:gsLst>
+            <a:gs pos="0">
+              <a:schemeClr val="phClr"/>
+            </a:gs>
+            <a:gs pos="90000">
+              <a:schemeClr val="phClr">
+                <a:shade val="100000"/>
+                <a:satMod val="105000"/>
+              </a:schemeClr>
+            </a:gs>
+            <a:gs pos="100000">
+              <a:schemeClr val="phClr">
+                <a:shade val="80000"/>
+                <a:satMod val="120000"/>
+              </a:schemeClr>
+            </a:gs>
+          </a:gsLst>
+          <a:path path="circle">
+            <a:fillToRect l="100000" t="100000" r="100000" b="100000"/>
+          </a:path>
+        </a:gradFill>
+      </a:fillStyleLst>
+      <a:lnStyleLst>
+        <a:ln w="10000" cap="flat" cmpd="sng" algn="ctr">
+          <a:solidFill>
+            <a:schemeClr val="phClr"/>
+          </a:solidFill>
+          <a:prstDash val="solid"/>
+        </a:ln>
+        <a:ln w="19050" cap="flat" cmpd="sng" algn="ctr">
+          <a:solidFill>
+            <a:schemeClr val="phClr"/>
+          </a:solidFill>
+          <a:prstDash val="solid"/>
+        </a:ln>
+        <a:ln w="53975" cap="flat" cmpd="dbl" algn="ctr">
+          <a:solidFill>
+            <a:schemeClr val="phClr"/>
+          </a:solidFill>
+          <a:prstDash val="solid"/>
+        </a:ln>
+      </a:lnStyleLst>
+      <a:effectStyleLst>
+        <a:effectStyle>
+          <a:effectLst/>
+        </a:effectStyle>
+        <a:effectStyle>
+          <a:effectLst>
+            <a:outerShdw blurRad="38100" dist="25400" dir="5400000" rotWithShape="0">
+              <a:srgbClr val="000000">
+                <a:alpha val="45000"/>
+              </a:srgbClr>
+            </a:outerShdw>
+          </a:effectLst>
+        </a:effectStyle>
+        <a:effectStyle>
+          <a:effectLst>
+            <a:outerShdw blurRad="38100" dist="25400" dir="5400000" rotWithShape="0">
+              <a:srgbClr val="000000">
+                <a:alpha val="45000"/>
+              </a:srgbClr>
+            </a:outerShdw>
+          </a:effectLst>
+          <a:scene3d>
+            <a:camera prst="orthographicFront">
+              <a:rot lat="0" lon="0" rev="0"/>
+            </a:camera>
+            <a:lightRig rig="brightRoom" dir="t"/>
+          </a:scene3d>
+          <a:sp3d extrusionH="12700" contourW="25400" prstMaterial="flat">
+            <a:bevelT w="63500" h="152400" prst="angle"/>
+            <a:contourClr>
+              <a:schemeClr val="phClr">
+                <a:shade val="27000"/>
+                <a:satMod val="120000"/>
+              </a:schemeClr>
+            </a:contourClr>
+          </a:sp3d>
+        </a:effectStyle>
+      </a:effectStyleLst>
+      <a:bgFillStyleLst>
+        <a:solidFill>
+          <a:schemeClr val="phClr"/>
+        </a:solidFill>
+        <a:solidFill>
+          <a:schemeClr val="phClr">
+            <a:tint val="95000"/>
+            <a:shade val="95000"/>
+            <a:satMod val="140000"/>
+          </a:schemeClr>
+        </a:solidFill>
+        <a:solidFill>
+          <a:schemeClr val="phClr">
+            <a:tint val="90000"/>
+            <a:shade val="85000"/>
+            <a:satMod val="160000"/>
+            <a:lumMod val="110000"/>
+          </a:schemeClr>
+        </a:solidFill>
+      </a:bgFillStyleLst>
+    </a:fmtScheme>
+  </a:themeElements>
+  <a:objectDefaults/>
+  <a:extraClrSchemeLst/>
+  <a:extLst>
+    <a:ext uri="{05A4C25C-085E-4340-85A3-A5531E510DB2}">
+      <thm15:themeFamily xmlns:thm15="http://schemas.microsoft.com/office/thememl/2012/main" name="Basis" id="{5665723A-49BA-4B57-8411-A56F8F207965}" vid="{90E45F77-AEFC-46EF-A7C1-5B338C297B02}"/>
+    </a:ext>
+  </a:extLst>
+</a:theme>
+</file>
+
+<file path=ppt/theme/theme2.xml><?xml version="1.0" encoding="utf-8"?>
+<a:theme xmlns:a="http://schemas.openxmlformats.org/drawingml/2006/main" name="Office Theme">
+  <a:themeElements>
+    <a:clrScheme name="Office">
+      <a:dk1>
+        <a:sysClr val="windowText" lastClr="000000"/>
+      </a:dk1>
+      <a:lt1>
+        <a:sysClr val="window" lastClr="FFFFFF"/>
+      </a:lt1>
+      <a:dk2>
+        <a:srgbClr val="0E2841"/>
+      </a:dk2>
+      <a:lt2>
+        <a:srgbClr val="E8E8E8"/>
+      </a:lt2>
+      <a:accent1>
+        <a:srgbClr val="156082"/>
+      </a:accent1>
+      <a:accent2>
+        <a:srgbClr val="E97132"/>
+      </a:accent2>
+      <a:accent3>
+        <a:srgbClr val="196B24"/>
+      </a:accent3>
+      <a:accent4>
+        <a:srgbClr val="0F9ED5"/>
+      </a:accent4>
+      <a:accent5>
+        <a:srgbClr val="A02B93"/>
+      </a:accent5>
+      <a:accent6>
+        <a:srgbClr val="4EA72E"/>
+      </a:accent6>
+      <a:hlink>
+        <a:srgbClr val="467886"/>
+      </a:hlink>
+      <a:folHlink>
+        <a:srgbClr val="96607D"/>
+      </a:folHlink>
+    </a:clrScheme>
     <a:fontScheme name="Office">
       <a:majorFont>
-        <a:latin typeface="Calibri Light" panose="020F0302020204030204"/>
+        <a:latin typeface="Aptos Display" panose="02110004020202020204"/>
         <a:ea typeface=""/>
         <a:cs typeface=""/>
         <a:font script="Jpan" typeface="游ゴシック Light"/>
@@ -3479,7 +5554,7 @@
         <a:font script="Tfng" typeface="Ebrima"/>
       </a:majorFont>
       <a:minorFont>
-        <a:latin typeface="Calibri" panose="020F0502020204030204"/>
+        <a:latin typeface="Aptos" panose="02110004020202020204"/>
         <a:ea typeface=""/>
         <a:cs typeface=""/>
         <a:font script="Jpan" typeface="游ゴシック"/>
@@ -3590,13 +5665,6 @@
         </a:gradFill>
       </a:fillStyleLst>
       <a:lnStyleLst>
-        <a:ln w="6350" cap="flat" cmpd="sng" algn="ctr">
-          <a:solidFill>
-            <a:schemeClr val="phClr"/>
-          </a:solidFill>
-          <a:prstDash val="solid"/>
-          <a:miter lim="800000"/>
-        </a:ln>
         <a:ln w="12700" cap="flat" cmpd="sng" algn="ctr">
           <a:solidFill>
             <a:schemeClr val="phClr"/>
@@ -3605,6 +5673,13 @@
           <a:miter lim="800000"/>
         </a:ln>
         <a:ln w="19050" cap="flat" cmpd="sng" algn="ctr">
+          <a:solidFill>
+            <a:schemeClr val="phClr"/>
+          </a:solidFill>
+          <a:prstDash val="solid"/>
+          <a:miter lim="800000"/>
+        </a:ln>
+        <a:ln w="25400" cap="flat" cmpd="sng" algn="ctr">
           <a:solidFill>
             <a:schemeClr val="phClr"/>
           </a:solidFill>
@@ -3669,11 +5744,31 @@
       </a:bgFillStyleLst>
     </a:fmtScheme>
   </a:themeElements>
-  <a:objectDefaults/>
+  <a:objectDefaults>
+    <a:lnDef>
+      <a:spPr/>
+      <a:bodyPr/>
+      <a:lstStyle/>
+      <a:style>
+        <a:lnRef idx="2">
+          <a:schemeClr val="accent1"/>
+        </a:lnRef>
+        <a:fillRef idx="0">
+          <a:schemeClr val="accent1"/>
+        </a:fillRef>
+        <a:effectRef idx="1">
+          <a:schemeClr val="accent1"/>
+        </a:effectRef>
+        <a:fontRef idx="minor">
+          <a:schemeClr val="tx1"/>
+        </a:fontRef>
+      </a:style>
+    </a:lnDef>
+  </a:objectDefaults>
   <a:extraClrSchemeLst/>
   <a:extLst>
     <a:ext uri="{05A4C25C-085E-4340-85A3-A5531E510DB2}">
-      <thm15:themeFamily xmlns:thm15="http://schemas.microsoft.com/office/thememl/2012/main" name="Office Theme" id="{62F939B6-93AF-4DB8-9C6B-D6C7DFDC589F}" vid="{4A3C46E8-61CC-4603-A589-7422A47A8E4A}"/>
+      <thm15:themeFamily xmlns:thm15="http://schemas.microsoft.com/office/thememl/2012/main" name="Office Theme" id="{2E142A2C-CD16-42D6-873A-C26D2A0506FA}" vid="{1BDDFF52-6CD6-40A5-AB3C-68EB2F1E4D0A}"/>
     </a:ext>
   </a:extLst>
 </a:theme>

--- a/Phase 4 Documentation/Team_2_Presentation_4.pptx
+++ b/Phase 4 Documentation/Team_2_Presentation_4.pptx
@@ -5,7 +5,7 @@
     <p:sldMasterId id="2147483732" r:id="rId1"/>
   </p:sldMasterIdLst>
   <p:notesMasterIdLst>
-    <p:notesMasterId r:id="rId12"/>
+    <p:notesMasterId r:id="rId13"/>
   </p:notesMasterIdLst>
   <p:sldIdLst>
     <p:sldId id="256" r:id="rId2"/>
@@ -18,6 +18,7 @@
     <p:sldId id="263" r:id="rId9"/>
     <p:sldId id="264" r:id="rId10"/>
     <p:sldId id="265" r:id="rId11"/>
+    <p:sldId id="266" r:id="rId12"/>
   </p:sldIdLst>
   <p:sldSz cx="12192000" cy="6858000"/>
   <p:notesSz cx="6858000" cy="9144000"/>
@@ -4029,6 +4030,42 @@
           </a:p>
         </p:txBody>
       </p:sp>
+      <p:pic>
+        <p:nvPicPr>
+          <p:cNvPr id="7" name="Picture 6" descr="A screenshot of a computer&#10;&#10;Description automatically generated">
+            <a:extLst>
+              <a:ext uri="{FF2B5EF4-FFF2-40B4-BE49-F238E27FC236}">
+                <a16:creationId xmlns:a16="http://schemas.microsoft.com/office/drawing/2014/main" id="{F85D3EE6-1378-4664-E68D-54945CD66FA1}"/>
+              </a:ext>
+            </a:extLst>
+          </p:cNvPr>
+          <p:cNvPicPr>
+            <a:picLocks noChangeAspect="1"/>
+          </p:cNvPicPr>
+          <p:nvPr/>
+        </p:nvPicPr>
+        <p:blipFill>
+          <a:blip r:embed="rId3">
+            <a:extLst>
+              <a:ext uri="{28A0092B-C50C-407E-A947-70E740481C1C}">
+                <a14:useLocalDpi xmlns:a14="http://schemas.microsoft.com/office/drawing/2010/main" val="0"/>
+              </a:ext>
+            </a:extLst>
+          </a:blip>
+          <a:stretch>
+            <a:fillRect/>
+          </a:stretch>
+        </p:blipFill>
+        <p:spPr>
+          <a:xfrm>
+            <a:off x="5571870" y="296042"/>
+            <a:ext cx="6383910" cy="3385004"/>
+          </a:xfrm>
+          <a:prstGeom prst="rect">
+            <a:avLst/>
+          </a:prstGeom>
+        </p:spPr>
+      </p:pic>
     </p:spTree>
     <p:extLst>
       <p:ext uri="{BB962C8B-B14F-4D97-AF65-F5344CB8AC3E}">
@@ -4080,7 +4117,10 @@
           <a:bodyPr/>
           <a:lstStyle/>
           <a:p>
-            <a:endParaRPr lang="en-US"/>
+            <a:r>
+              <a:rPr lang="en-US" dirty="0"/>
+              <a:t>Live Demo</a:t>
+            </a:r>
           </a:p>
         </p:txBody>
       </p:sp>
@@ -4113,6 +4153,89 @@
     <p:extLst>
       <p:ext uri="{BB962C8B-B14F-4D97-AF65-F5344CB8AC3E}">
         <p14:creationId xmlns:p14="http://schemas.microsoft.com/office/powerpoint/2010/main" val="1134041924"/>
+      </p:ext>
+    </p:extLst>
+  </p:cSld>
+  <p:clrMapOvr>
+    <a:masterClrMapping/>
+  </p:clrMapOvr>
+</p:sld>
+</file>
+
+<file path=ppt/slides/slide11.xml><?xml version="1.0" encoding="utf-8"?>
+<p:sld xmlns:a="http://schemas.openxmlformats.org/drawingml/2006/main" xmlns:r="http://schemas.openxmlformats.org/officeDocument/2006/relationships" xmlns:p="http://schemas.openxmlformats.org/presentationml/2006/main">
+  <p:cSld>
+    <p:spTree>
+      <p:nvGrpSpPr>
+        <p:cNvPr id="1" name=""/>
+        <p:cNvGrpSpPr/>
+        <p:nvPr/>
+      </p:nvGrpSpPr>
+      <p:grpSpPr>
+        <a:xfrm>
+          <a:off x="0" y="0"/>
+          <a:ext cx="0" cy="0"/>
+          <a:chOff x="0" y="0"/>
+          <a:chExt cx="0" cy="0"/>
+        </a:xfrm>
+      </p:grpSpPr>
+      <p:sp>
+        <p:nvSpPr>
+          <p:cNvPr id="2" name="Title 1">
+            <a:extLst>
+              <a:ext uri="{FF2B5EF4-FFF2-40B4-BE49-F238E27FC236}">
+                <a16:creationId xmlns:a16="http://schemas.microsoft.com/office/drawing/2014/main" id="{0A7DF516-CB0B-8B27-D6FF-55FBC67DB194}"/>
+              </a:ext>
+            </a:extLst>
+          </p:cNvPr>
+          <p:cNvSpPr>
+            <a:spLocks noGrp="1"/>
+          </p:cNvSpPr>
+          <p:nvPr>
+            <p:ph type="title"/>
+          </p:nvPr>
+        </p:nvSpPr>
+        <p:spPr/>
+        <p:txBody>
+          <a:bodyPr/>
+          <a:lstStyle/>
+          <a:p>
+            <a:r>
+              <a:rPr lang="en-US" dirty="0"/>
+              <a:t>Questions?</a:t>
+            </a:r>
+          </a:p>
+        </p:txBody>
+      </p:sp>
+      <p:sp>
+        <p:nvSpPr>
+          <p:cNvPr id="3" name="Content Placeholder 2">
+            <a:extLst>
+              <a:ext uri="{FF2B5EF4-FFF2-40B4-BE49-F238E27FC236}">
+                <a16:creationId xmlns:a16="http://schemas.microsoft.com/office/drawing/2014/main" id="{1E5F3818-4818-BAC2-2ADC-631BD16E4179}"/>
+              </a:ext>
+            </a:extLst>
+          </p:cNvPr>
+          <p:cNvSpPr>
+            <a:spLocks noGrp="1"/>
+          </p:cNvSpPr>
+          <p:nvPr>
+            <p:ph idx="1"/>
+          </p:nvPr>
+        </p:nvSpPr>
+        <p:spPr/>
+        <p:txBody>
+          <a:bodyPr/>
+          <a:lstStyle/>
+          <a:p>
+            <a:endParaRPr lang="en-US"/>
+          </a:p>
+        </p:txBody>
+      </p:sp>
+    </p:spTree>
+    <p:extLst>
+      <p:ext uri="{BB962C8B-B14F-4D97-AF65-F5344CB8AC3E}">
+        <p14:creationId xmlns:p14="http://schemas.microsoft.com/office/powerpoint/2010/main" val="2913728262"/>
       </p:ext>
     </p:extLst>
   </p:cSld>
@@ -4940,35 +5063,48 @@
           <a:bodyPr/>
           <a:lstStyle/>
           <a:p>
-            <a:endParaRPr lang="en-US" dirty="0"/>
-          </a:p>
-        </p:txBody>
-      </p:sp>
-      <p:sp>
-        <p:nvSpPr>
-          <p:cNvPr id="3" name="Content Placeholder 2">
+            <a:r>
+              <a:rPr lang="en-US" dirty="0"/>
+              <a:t>Sign up page</a:t>
+            </a:r>
+          </a:p>
+        </p:txBody>
+      </p:sp>
+      <p:pic>
+        <p:nvPicPr>
+          <p:cNvPr id="5" name="Content Placeholder 4" descr="A screenshot of a computer&#10;&#10;Description automatically generated">
             <a:extLst>
               <a:ext uri="{FF2B5EF4-FFF2-40B4-BE49-F238E27FC236}">
-                <a16:creationId xmlns:a16="http://schemas.microsoft.com/office/drawing/2014/main" id="{6A993D87-5B3D-9073-1714-3067DFB5D404}"/>
+                <a16:creationId xmlns:a16="http://schemas.microsoft.com/office/drawing/2014/main" id="{7AF9F743-ED2E-82CC-2CC8-FBD486A4AEC6}"/>
               </a:ext>
             </a:extLst>
           </p:cNvPr>
-          <p:cNvSpPr>
-            <a:spLocks noGrp="1"/>
-          </p:cNvSpPr>
+          <p:cNvPicPr>
+            <a:picLocks noGrp="1" noChangeAspect="1"/>
+          </p:cNvPicPr>
           <p:nvPr>
             <p:ph idx="1"/>
           </p:nvPr>
-        </p:nvSpPr>
-        <p:spPr/>
-        <p:txBody>
-          <a:bodyPr/>
-          <a:lstStyle/>
-          <a:p>
-            <a:endParaRPr lang="en-US"/>
-          </a:p>
-        </p:txBody>
-      </p:sp>
+        </p:nvPicPr>
+        <p:blipFill>
+          <a:blip r:embed="rId2">
+            <a:extLst>
+              <a:ext uri="{28A0092B-C50C-407E-A947-70E740481C1C}">
+                <a14:useLocalDpi xmlns:a14="http://schemas.microsoft.com/office/drawing/2010/main" val="0"/>
+              </a:ext>
+            </a:extLst>
+          </a:blip>
+          <a:stretch>
+            <a:fillRect/>
+          </a:stretch>
+        </p:blipFill>
+        <p:spPr>
+          <a:xfrm>
+            <a:off x="2252239" y="2057400"/>
+            <a:ext cx="7654185" cy="4038600"/>
+          </a:xfrm>
+        </p:spPr>
+      </p:pic>
     </p:spTree>
     <p:extLst>
       <p:ext uri="{BB962C8B-B14F-4D97-AF65-F5344CB8AC3E}">
@@ -5020,35 +5156,84 @@
           <a:bodyPr/>
           <a:lstStyle/>
           <a:p>
-            <a:endParaRPr lang="en-US"/>
-          </a:p>
-        </p:txBody>
-      </p:sp>
-      <p:sp>
-        <p:nvSpPr>
-          <p:cNvPr id="3" name="Content Placeholder 2">
+            <a:r>
+              <a:rPr lang="en-US" dirty="0"/>
+              <a:t>Login/profile page</a:t>
+            </a:r>
+          </a:p>
+        </p:txBody>
+      </p:sp>
+      <p:pic>
+        <p:nvPicPr>
+          <p:cNvPr id="5" name="Content Placeholder 4" descr="A screenshot of a computer&#10;&#10;Description automatically generated">
             <a:extLst>
               <a:ext uri="{FF2B5EF4-FFF2-40B4-BE49-F238E27FC236}">
-                <a16:creationId xmlns:a16="http://schemas.microsoft.com/office/drawing/2014/main" id="{29CD2F27-7C9B-D008-D898-6C5B4CDF6C9F}"/>
+                <a16:creationId xmlns:a16="http://schemas.microsoft.com/office/drawing/2014/main" id="{1A9586D7-F8A7-A355-9C5C-98C7BE3C6757}"/>
               </a:ext>
             </a:extLst>
           </p:cNvPr>
-          <p:cNvSpPr>
-            <a:spLocks noGrp="1"/>
-          </p:cNvSpPr>
+          <p:cNvPicPr>
+            <a:picLocks noGrp="1" noChangeAspect="1"/>
+          </p:cNvPicPr>
           <p:nvPr>
             <p:ph idx="1"/>
           </p:nvPr>
-        </p:nvSpPr>
-        <p:spPr/>
-        <p:txBody>
-          <a:bodyPr/>
-          <a:lstStyle/>
-          <a:p>
-            <a:endParaRPr lang="en-US"/>
-          </a:p>
-        </p:txBody>
-      </p:sp>
+        </p:nvPicPr>
+        <p:blipFill>
+          <a:blip r:embed="rId2">
+            <a:extLst>
+              <a:ext uri="{28A0092B-C50C-407E-A947-70E740481C1C}">
+                <a14:useLocalDpi xmlns:a14="http://schemas.microsoft.com/office/drawing/2010/main" val="0"/>
+              </a:ext>
+            </a:extLst>
+          </a:blip>
+          <a:stretch>
+            <a:fillRect/>
+          </a:stretch>
+        </p:blipFill>
+        <p:spPr>
+          <a:xfrm>
+            <a:off x="244982" y="1965960"/>
+            <a:ext cx="5523842" cy="2926081"/>
+          </a:xfrm>
+        </p:spPr>
+      </p:pic>
+      <p:pic>
+        <p:nvPicPr>
+          <p:cNvPr id="7" name="Picture 6" descr="A screenshot of a computer&#10;&#10;Description automatically generated">
+            <a:extLst>
+              <a:ext uri="{FF2B5EF4-FFF2-40B4-BE49-F238E27FC236}">
+                <a16:creationId xmlns:a16="http://schemas.microsoft.com/office/drawing/2014/main" id="{034856D5-3F6C-18DF-164D-29B553E9EFDE}"/>
+              </a:ext>
+            </a:extLst>
+          </p:cNvPr>
+          <p:cNvPicPr>
+            <a:picLocks noChangeAspect="1"/>
+          </p:cNvPicPr>
+          <p:nvPr/>
+        </p:nvPicPr>
+        <p:blipFill>
+          <a:blip r:embed="rId3">
+            <a:extLst>
+              <a:ext uri="{28A0092B-C50C-407E-A947-70E740481C1C}">
+                <a14:useLocalDpi xmlns:a14="http://schemas.microsoft.com/office/drawing/2010/main" val="0"/>
+              </a:ext>
+            </a:extLst>
+          </a:blip>
+          <a:stretch>
+            <a:fillRect/>
+          </a:stretch>
+        </p:blipFill>
+        <p:spPr>
+          <a:xfrm>
+            <a:off x="6423178" y="1965960"/>
+            <a:ext cx="5520962" cy="2926081"/>
+          </a:xfrm>
+          <a:prstGeom prst="rect">
+            <a:avLst/>
+          </a:prstGeom>
+        </p:spPr>
+      </p:pic>
     </p:spTree>
     <p:extLst>
       <p:ext uri="{BB962C8B-B14F-4D97-AF65-F5344CB8AC3E}">
@@ -5100,35 +5285,120 @@
           <a:bodyPr/>
           <a:lstStyle/>
           <a:p>
-            <a:endParaRPr lang="en-US"/>
-          </a:p>
-        </p:txBody>
-      </p:sp>
-      <p:sp>
-        <p:nvSpPr>
-          <p:cNvPr id="3" name="Content Placeholder 2">
+            <a:r>
+              <a:rPr lang="en-US" dirty="0"/>
+              <a:t>Note pages</a:t>
+            </a:r>
+          </a:p>
+        </p:txBody>
+      </p:sp>
+      <p:pic>
+        <p:nvPicPr>
+          <p:cNvPr id="5" name="Content Placeholder 4" descr="A screenshot of a computer&#10;&#10;Description automatically generated">
             <a:extLst>
               <a:ext uri="{FF2B5EF4-FFF2-40B4-BE49-F238E27FC236}">
-                <a16:creationId xmlns:a16="http://schemas.microsoft.com/office/drawing/2014/main" id="{E88C41A7-39C0-2582-9768-BDFF8D6580BD}"/>
+                <a16:creationId xmlns:a16="http://schemas.microsoft.com/office/drawing/2014/main" id="{E51A887C-6B9B-9C27-A452-8D5914FF8FD1}"/>
               </a:ext>
             </a:extLst>
           </p:cNvPr>
-          <p:cNvSpPr>
-            <a:spLocks noGrp="1"/>
-          </p:cNvSpPr>
+          <p:cNvPicPr>
+            <a:picLocks noGrp="1" noChangeAspect="1"/>
+          </p:cNvPicPr>
           <p:nvPr>
             <p:ph idx="1"/>
           </p:nvPr>
-        </p:nvSpPr>
-        <p:spPr/>
-        <p:txBody>
-          <a:bodyPr/>
-          <a:lstStyle/>
-          <a:p>
-            <a:endParaRPr lang="en-US"/>
-          </a:p>
-        </p:txBody>
-      </p:sp>
+        </p:nvPicPr>
+        <p:blipFill>
+          <a:blip r:embed="rId2">
+            <a:extLst>
+              <a:ext uri="{28A0092B-C50C-407E-A947-70E740481C1C}">
+                <a14:useLocalDpi xmlns:a14="http://schemas.microsoft.com/office/drawing/2010/main" val="0"/>
+              </a:ext>
+            </a:extLst>
+          </a:blip>
+          <a:stretch>
+            <a:fillRect/>
+          </a:stretch>
+        </p:blipFill>
+        <p:spPr>
+          <a:xfrm>
+            <a:off x="344722" y="1965960"/>
+            <a:ext cx="4481481" cy="2373923"/>
+          </a:xfrm>
+        </p:spPr>
+      </p:pic>
+      <p:pic>
+        <p:nvPicPr>
+          <p:cNvPr id="7" name="Picture 6" descr="A screenshot of a computer&#10;&#10;Description automatically generated">
+            <a:extLst>
+              <a:ext uri="{FF2B5EF4-FFF2-40B4-BE49-F238E27FC236}">
+                <a16:creationId xmlns:a16="http://schemas.microsoft.com/office/drawing/2014/main" id="{0F510282-DB10-C03C-FB40-38E51C615D5F}"/>
+              </a:ext>
+            </a:extLst>
+          </p:cNvPr>
+          <p:cNvPicPr>
+            <a:picLocks noChangeAspect="1"/>
+          </p:cNvPicPr>
+          <p:nvPr/>
+        </p:nvPicPr>
+        <p:blipFill>
+          <a:blip r:embed="rId3">
+            <a:extLst>
+              <a:ext uri="{28A0092B-C50C-407E-A947-70E740481C1C}">
+                <a14:useLocalDpi xmlns:a14="http://schemas.microsoft.com/office/drawing/2010/main" val="0"/>
+              </a:ext>
+            </a:extLst>
+          </a:blip>
+          <a:stretch>
+            <a:fillRect/>
+          </a:stretch>
+        </p:blipFill>
+        <p:spPr>
+          <a:xfrm>
+            <a:off x="6327648" y="320997"/>
+            <a:ext cx="5519633" cy="2920973"/>
+          </a:xfrm>
+          <a:prstGeom prst="rect">
+            <a:avLst/>
+          </a:prstGeom>
+        </p:spPr>
+      </p:pic>
+      <p:pic>
+        <p:nvPicPr>
+          <p:cNvPr id="9" name="Picture 8" descr="A screenshot of a computer&#10;&#10;Description automatically generated">
+            <a:extLst>
+              <a:ext uri="{FF2B5EF4-FFF2-40B4-BE49-F238E27FC236}">
+                <a16:creationId xmlns:a16="http://schemas.microsoft.com/office/drawing/2014/main" id="{BDD12FDF-E2C2-BB87-6254-CF9F07A3D80B}"/>
+              </a:ext>
+            </a:extLst>
+          </p:cNvPr>
+          <p:cNvPicPr>
+            <a:picLocks noChangeAspect="1"/>
+          </p:cNvPicPr>
+          <p:nvPr/>
+        </p:nvPicPr>
+        <p:blipFill>
+          <a:blip r:embed="rId4">
+            <a:extLst>
+              <a:ext uri="{28A0092B-C50C-407E-A947-70E740481C1C}">
+                <a14:useLocalDpi xmlns:a14="http://schemas.microsoft.com/office/drawing/2010/main" val="0"/>
+              </a:ext>
+            </a:extLst>
+          </a:blip>
+          <a:stretch>
+            <a:fillRect/>
+          </a:stretch>
+        </p:blipFill>
+        <p:spPr>
+          <a:xfrm>
+            <a:off x="6096000" y="3429000"/>
+            <a:ext cx="6096000" cy="3232342"/>
+          </a:xfrm>
+          <a:prstGeom prst="rect">
+            <a:avLst/>
+          </a:prstGeom>
+        </p:spPr>
+      </p:pic>
     </p:spTree>
     <p:extLst>
       <p:ext uri="{BB962C8B-B14F-4D97-AF65-F5344CB8AC3E}">
@@ -5180,35 +5450,48 @@
           <a:bodyPr/>
           <a:lstStyle/>
           <a:p>
-            <a:endParaRPr lang="en-US" dirty="0"/>
-          </a:p>
-        </p:txBody>
-      </p:sp>
-      <p:sp>
-        <p:nvSpPr>
-          <p:cNvPr id="3" name="Content Placeholder 2">
+            <a:r>
+              <a:rPr lang="en-US" dirty="0"/>
+              <a:t>Announcements</a:t>
+            </a:r>
+          </a:p>
+        </p:txBody>
+      </p:sp>
+      <p:pic>
+        <p:nvPicPr>
+          <p:cNvPr id="5" name="Content Placeholder 4" descr="A screenshot of a computer&#10;&#10;Description automatically generated">
             <a:extLst>
               <a:ext uri="{FF2B5EF4-FFF2-40B4-BE49-F238E27FC236}">
-                <a16:creationId xmlns:a16="http://schemas.microsoft.com/office/drawing/2014/main" id="{17D7A9FE-65F0-5367-CAAB-997AC4A85D33}"/>
+                <a16:creationId xmlns:a16="http://schemas.microsoft.com/office/drawing/2014/main" id="{B337D6AC-623C-AE07-7566-E8497D1B951B}"/>
               </a:ext>
             </a:extLst>
           </p:cNvPr>
-          <p:cNvSpPr>
-            <a:spLocks noGrp="1"/>
-          </p:cNvSpPr>
+          <p:cNvPicPr>
+            <a:picLocks noGrp="1" noChangeAspect="1"/>
+          </p:cNvPicPr>
           <p:nvPr>
             <p:ph idx="1"/>
           </p:nvPr>
-        </p:nvSpPr>
-        <p:spPr/>
-        <p:txBody>
-          <a:bodyPr/>
-          <a:lstStyle/>
-          <a:p>
-            <a:endParaRPr lang="en-US"/>
-          </a:p>
-        </p:txBody>
-      </p:sp>
+        </p:nvPicPr>
+        <p:blipFill>
+          <a:blip r:embed="rId2">
+            <a:extLst>
+              <a:ext uri="{28A0092B-C50C-407E-A947-70E740481C1C}">
+                <a14:useLocalDpi xmlns:a14="http://schemas.microsoft.com/office/drawing/2010/main" val="0"/>
+              </a:ext>
+            </a:extLst>
+          </a:blip>
+          <a:stretch>
+            <a:fillRect/>
+          </a:stretch>
+        </p:blipFill>
+        <p:spPr>
+          <a:xfrm>
+            <a:off x="2252239" y="2057400"/>
+            <a:ext cx="7654185" cy="4038600"/>
+          </a:xfrm>
+        </p:spPr>
+      </p:pic>
     </p:spTree>
     <p:extLst>
       <p:ext uri="{BB962C8B-B14F-4D97-AF65-F5344CB8AC3E}">

--- a/Phase 4 Documentation/Team_2_Presentation_4.pptx
+++ b/Phase 4 Documentation/Team_2_Presentation_4.pptx
@@ -3802,11 +3802,7 @@
     <p:bg>
       <p:bgPr>
         <a:solidFill>
-          <a:schemeClr val="bg1">
-            <a:tint val="95000"/>
-            <a:shade val="95000"/>
-            <a:satMod val="140000"/>
-          </a:schemeClr>
+          <a:schemeClr val="accent1"/>
         </a:solidFill>
         <a:effectLst/>
       </p:bgPr>
@@ -3825,21 +3821,21 @@
           <a:chExt cx="0" cy="0"/>
         </a:xfrm>
       </p:grpSpPr>
-      <p:sp useBgFill="1">
-        <p:nvSpPr>
-          <p:cNvPr id="5" name="Rectangle 4">
+      <p:cxnSp>
+        <p:nvCxnSpPr>
+          <p:cNvPr id="12" name="Straight Connector 11">
             <a:extLst>
               <a:ext uri="{FF2B5EF4-FFF2-40B4-BE49-F238E27FC236}">
-                <a16:creationId xmlns:a16="http://schemas.microsoft.com/office/drawing/2014/main" id="{C94ED590-5AB8-4421-8584-43E3FF74ACC5}"/>
+                <a16:creationId xmlns:a16="http://schemas.microsoft.com/office/drawing/2014/main" id="{6C6896D1-BFB1-4C84-82DD-31073BED3F03}"/>
               </a:ext>
               <a:ext uri="{C183D7F6-B498-43B3-948B-1728B52AA6E4}">
                 <adec:decorative xmlns:adec="http://schemas.microsoft.com/office/drawing/2017/decorative" val="1"/>
               </a:ext>
             </a:extLst>
           </p:cNvPr>
-          <p:cNvSpPr>
-            <a:spLocks noGrp="1" noRot="1" noChangeAspect="1" noMove="1" noResize="1" noEditPoints="1" noAdjustHandles="1" noChangeArrowheads="1" noChangeShapeType="1" noTextEdit="1"/>
-          </p:cNvSpPr>
+          <p:cNvCxnSpPr>
+            <a:cxnSpLocks noGrp="1" noRot="1" noChangeAspect="1" noMove="1" noResize="1" noEditPoints="1" noAdjustHandles="1" noChangeArrowheads="1" noChangeShapeType="1"/>
+          </p:cNvCxnSpPr>
           <p:nvPr>
             <p:extLst>
               <p:ext uri="{386F3935-93C4-4BCD-93E2-E3B085C9AB24}">
@@ -3847,49 +3843,112 @@
               </p:ext>
             </p:extLst>
           </p:nvPr>
-        </p:nvSpPr>
+        </p:nvCxnSpPr>
         <p:spPr>
           <a:xfrm>
-            <a:off x="0" y="0"/>
-            <a:ext cx="12192000" cy="6858000"/>
+            <a:off x="1978660" y="5462458"/>
+            <a:ext cx="8229601" cy="0"/>
           </a:xfrm>
-          <a:prstGeom prst="rect">
+          <a:prstGeom prst="line">
             <a:avLst/>
           </a:prstGeom>
-          <a:ln w="12700">
-            <a:noFill/>
+          <a:ln>
+            <a:solidFill>
+              <a:srgbClr val="FFFFFF"/>
+            </a:solidFill>
           </a:ln>
         </p:spPr>
         <p:style>
-          <a:lnRef idx="2">
-            <a:schemeClr val="accent1">
-              <a:shade val="50000"/>
-            </a:schemeClr>
+          <a:lnRef idx="1">
+            <a:schemeClr val="accent1"/>
           </a:lnRef>
-          <a:fillRef idx="1">
+          <a:fillRef idx="0">
             <a:schemeClr val="accent1"/>
           </a:fillRef>
           <a:effectRef idx="0">
             <a:schemeClr val="accent1"/>
           </a:effectRef>
           <a:fontRef idx="minor">
-            <a:schemeClr val="lt1"/>
+            <a:schemeClr val="tx1"/>
           </a:fontRef>
         </p:style>
-        <p:txBody>
-          <a:bodyPr/>
-          <a:lstStyle/>
-          <a:p>
-            <a:endParaRPr lang="en-US"/>
-          </a:p>
-        </p:txBody>
-      </p:sp>
-      <p:sp>
-        <p:nvSpPr>
-          <p:cNvPr id="6" name="Rectangle 5">
+      </p:cxnSp>
+      <p:sp>
+        <p:nvSpPr>
+          <p:cNvPr id="2" name="Title 1">
             <a:extLst>
               <a:ext uri="{FF2B5EF4-FFF2-40B4-BE49-F238E27FC236}">
-                <a16:creationId xmlns:a16="http://schemas.microsoft.com/office/drawing/2014/main" id="{6EBB8064-1BFE-4D14-8EA0-EE8924FEA6EC}"/>
+                <a16:creationId xmlns:a16="http://schemas.microsoft.com/office/drawing/2014/main" id="{9ED35C0E-B4EE-36B8-9B66-2BCEBD132C16}"/>
+              </a:ext>
+            </a:extLst>
+          </p:cNvPr>
+          <p:cNvSpPr>
+            <a:spLocks noGrp="1"/>
+          </p:cNvSpPr>
+          <p:nvPr>
+            <p:ph type="ctrTitle"/>
+          </p:nvPr>
+        </p:nvSpPr>
+        <p:spPr>
+          <a:xfrm>
+            <a:off x="1109980" y="4208424"/>
+            <a:ext cx="9966960" cy="1325880"/>
+          </a:xfrm>
+        </p:spPr>
+        <p:txBody>
+          <a:bodyPr>
+            <a:normAutofit/>
+          </a:bodyPr>
+          <a:lstStyle/>
+          <a:p>
+            <a:r>
+              <a:rPr lang="en-US" sz="6600"/>
+              <a:t>EnCryptNotes</a:t>
+            </a:r>
+          </a:p>
+        </p:txBody>
+      </p:sp>
+      <p:sp>
+        <p:nvSpPr>
+          <p:cNvPr id="3" name="Subtitle 2">
+            <a:extLst>
+              <a:ext uri="{FF2B5EF4-FFF2-40B4-BE49-F238E27FC236}">
+                <a16:creationId xmlns:a16="http://schemas.microsoft.com/office/drawing/2014/main" id="{D1F376CA-E776-AA4B-998B-5DC49F06685E}"/>
+              </a:ext>
+            </a:extLst>
+          </p:cNvPr>
+          <p:cNvSpPr>
+            <a:spLocks noGrp="1"/>
+          </p:cNvSpPr>
+          <p:nvPr>
+            <p:ph type="subTitle" idx="1"/>
+          </p:nvPr>
+        </p:nvSpPr>
+        <p:spPr>
+          <a:xfrm>
+            <a:off x="1709530" y="5598293"/>
+            <a:ext cx="8767860" cy="553690"/>
+          </a:xfrm>
+        </p:spPr>
+        <p:txBody>
+          <a:bodyPr>
+            <a:normAutofit/>
+          </a:bodyPr>
+          <a:lstStyle/>
+          <a:p>
+            <a:r>
+              <a:rPr lang="en-US" sz="2000"/>
+              <a:t>Team 2</a:t>
+            </a:r>
+          </a:p>
+        </p:txBody>
+      </p:sp>
+      <p:sp>
+        <p:nvSpPr>
+          <p:cNvPr id="14" name="Rectangle 13">
+            <a:extLst>
+              <a:ext uri="{FF2B5EF4-FFF2-40B4-BE49-F238E27FC236}">
+                <a16:creationId xmlns:a16="http://schemas.microsoft.com/office/drawing/2014/main" id="{8A2FDFB1-2B6D-49EB-B6C0-FA923806E0AF}"/>
               </a:ext>
               <a:ext uri="{C183D7F6-B498-43B3-948B-1728B52AA6E4}">
                 <adec:decorative xmlns:adec="http://schemas.microsoft.com/office/drawing/2017/decorative" val="1"/>
@@ -3909,16 +3968,18 @@
         </p:nvSpPr>
         <p:spPr>
           <a:xfrm>
-            <a:off x="231140" y="243840"/>
-            <a:ext cx="11724640" cy="6377939"/>
+            <a:off x="231140" y="243841"/>
+            <a:ext cx="11722100" cy="3964584"/>
           </a:xfrm>
           <a:prstGeom prst="rect">
             <a:avLst/>
           </a:prstGeom>
-          <a:noFill/>
+          <a:solidFill>
+            <a:schemeClr val="bg1"/>
+          </a:solidFill>
           <a:ln w="12700">
             <a:solidFill>
-              <a:schemeClr val="tx1"/>
+              <a:srgbClr val="FFFFFF"/>
             </a:solidFill>
           </a:ln>
         </p:spPr>
@@ -3943,90 +4004,6 @@
           <a:lstStyle/>
           <a:p>
             <a:endParaRPr lang="en-US"/>
-          </a:p>
-        </p:txBody>
-      </p:sp>
-      <p:sp>
-        <p:nvSpPr>
-          <p:cNvPr id="2" name="Title 1">
-            <a:extLst>
-              <a:ext uri="{FF2B5EF4-FFF2-40B4-BE49-F238E27FC236}">
-                <a16:creationId xmlns:a16="http://schemas.microsoft.com/office/drawing/2014/main" id="{9ED35C0E-B4EE-36B8-9B66-2BCEBD132C16}"/>
-              </a:ext>
-            </a:extLst>
-          </p:cNvPr>
-          <p:cNvSpPr>
-            <a:spLocks noGrp="1"/>
-          </p:cNvSpPr>
-          <p:nvPr>
-            <p:ph type="ctrTitle"/>
-          </p:nvPr>
-        </p:nvSpPr>
-        <p:spPr>
-          <a:xfrm>
-            <a:off x="1142996" y="532263"/>
-            <a:ext cx="9892751" cy="3684895"/>
-          </a:xfrm>
-          <a:noFill/>
-          <a:ln w="12700" cmpd="sng">
-            <a:noFill/>
-          </a:ln>
-        </p:spPr>
-        <p:txBody>
-          <a:bodyPr anchor="b">
-            <a:normAutofit/>
-          </a:bodyPr>
-          <a:lstStyle/>
-          <a:p>
-            <a:pPr algn="l"/>
-            <a:r>
-              <a:rPr lang="en-US" sz="4400" dirty="0">
-                <a:solidFill>
-                  <a:schemeClr val="tx1"/>
-                </a:solidFill>
-              </a:rPr>
-              <a:t>EnCryptNotes</a:t>
-            </a:r>
-          </a:p>
-        </p:txBody>
-      </p:sp>
-      <p:sp>
-        <p:nvSpPr>
-          <p:cNvPr id="3" name="Subtitle 2">
-            <a:extLst>
-              <a:ext uri="{FF2B5EF4-FFF2-40B4-BE49-F238E27FC236}">
-                <a16:creationId xmlns:a16="http://schemas.microsoft.com/office/drawing/2014/main" id="{D1F376CA-E776-AA4B-998B-5DC49F06685E}"/>
-              </a:ext>
-            </a:extLst>
-          </p:cNvPr>
-          <p:cNvSpPr>
-            <a:spLocks noGrp="1"/>
-          </p:cNvSpPr>
-          <p:nvPr>
-            <p:ph type="subTitle" idx="1"/>
-          </p:nvPr>
-        </p:nvSpPr>
-        <p:spPr>
-          <a:xfrm>
-            <a:off x="1142996" y="4217158"/>
-            <a:ext cx="9892751" cy="1649338"/>
-          </a:xfrm>
-        </p:spPr>
-        <p:txBody>
-          <a:bodyPr anchor="t">
-            <a:normAutofit/>
-          </a:bodyPr>
-          <a:lstStyle/>
-          <a:p>
-            <a:pPr algn="l"/>
-            <a:r>
-              <a:rPr lang="en-US" sz="2800">
-                <a:solidFill>
-                  <a:schemeClr val="tx1"/>
-                </a:solidFill>
-              </a:rPr>
-              <a:t>Team 2</a:t>
-            </a:r>
           </a:p>
         </p:txBody>
       </p:sp>
@@ -4058,8 +4035,8 @@
         </p:blipFill>
         <p:spPr>
           <a:xfrm>
-            <a:off x="5571870" y="296042"/>
-            <a:ext cx="6383910" cy="3385004"/>
+            <a:off x="2851286" y="519591"/>
+            <a:ext cx="6489427" cy="3439397"/>
           </a:xfrm>
           <a:prstGeom prst="rect">
             <a:avLst/>
@@ -4074,7 +4051,7 @@
     </p:extLst>
   </p:cSld>
   <p:clrMapOvr>
-    <a:overrideClrMapping bg1="dk1" tx1="lt1" bg2="dk2" tx2="lt2" accent1="accent1" accent2="accent2" accent3="accent3" accent4="accent4" accent5="accent5" accent6="accent6" hlink="hlink" folHlink="folHlink"/>
+    <a:masterClrMapping/>
   </p:clrMapOvr>
 </p:sld>
 </file>
@@ -5028,6 +5005,14 @@
 <file path=ppt/slides/slide6.xml><?xml version="1.0" encoding="utf-8"?>
 <p:sld xmlns:a="http://schemas.openxmlformats.org/drawingml/2006/main" xmlns:r="http://schemas.openxmlformats.org/officeDocument/2006/relationships" xmlns:p="http://schemas.openxmlformats.org/presentationml/2006/main">
   <p:cSld>
+    <p:bg>
+      <p:bgPr>
+        <a:solidFill>
+          <a:schemeClr val="accent1"/>
+        </a:solidFill>
+        <a:effectLst/>
+      </p:bgPr>
+    </p:bg>
     <p:spTree>
       <p:nvGrpSpPr>
         <p:cNvPr id="1" name=""/>
@@ -5044,6 +5029,68 @@
       </p:grpSpPr>
       <p:sp>
         <p:nvSpPr>
+          <p:cNvPr id="10" name="Rectangle 9">
+            <a:extLst>
+              <a:ext uri="{FF2B5EF4-FFF2-40B4-BE49-F238E27FC236}">
+                <a16:creationId xmlns:a16="http://schemas.microsoft.com/office/drawing/2014/main" id="{BA2EA6A6-CD0C-4CFD-8EC2-AA44F9870331}"/>
+              </a:ext>
+              <a:ext uri="{C183D7F6-B498-43B3-948B-1728B52AA6E4}">
+                <adec:decorative xmlns:adec="http://schemas.microsoft.com/office/drawing/2017/decorative" val="1"/>
+              </a:ext>
+            </a:extLst>
+          </p:cNvPr>
+          <p:cNvSpPr>
+            <a:spLocks noGrp="1" noRot="1" noChangeAspect="1" noMove="1" noResize="1" noEditPoints="1" noAdjustHandles="1" noChangeArrowheads="1" noChangeShapeType="1" noTextEdit="1"/>
+          </p:cNvSpPr>
+          <p:nvPr>
+            <p:extLst>
+              <p:ext uri="{386F3935-93C4-4BCD-93E2-E3B085C9AB24}">
+                <p16:designElem xmlns:p16="http://schemas.microsoft.com/office/powerpoint/2015/main" val="1"/>
+              </p:ext>
+            </p:extLst>
+          </p:nvPr>
+        </p:nvSpPr>
+        <p:spPr>
+          <a:xfrm>
+            <a:off x="231140" y="243840"/>
+            <a:ext cx="11724640" cy="6377939"/>
+          </a:xfrm>
+          <a:prstGeom prst="rect">
+            <a:avLst/>
+          </a:prstGeom>
+          <a:solidFill>
+            <a:schemeClr val="bg1"/>
+          </a:solidFill>
+          <a:ln w="12700">
+            <a:noFill/>
+          </a:ln>
+        </p:spPr>
+        <p:style>
+          <a:lnRef idx="2">
+            <a:schemeClr val="accent1">
+              <a:shade val="50000"/>
+            </a:schemeClr>
+          </a:lnRef>
+          <a:fillRef idx="1">
+            <a:schemeClr val="accent1"/>
+          </a:fillRef>
+          <a:effectRef idx="0">
+            <a:schemeClr val="accent1"/>
+          </a:effectRef>
+          <a:fontRef idx="minor">
+            <a:schemeClr val="lt1"/>
+          </a:fontRef>
+        </p:style>
+        <p:txBody>
+          <a:bodyPr/>
+          <a:lstStyle/>
+          <a:p>
+            <a:endParaRPr lang="en-US"/>
+          </a:p>
+        </p:txBody>
+      </p:sp>
+      <p:sp>
+        <p:nvSpPr>
           <p:cNvPr id="2" name="Title 1">
             <a:extLst>
               <a:ext uri="{FF2B5EF4-FFF2-40B4-BE49-F238E27FC236}">
@@ -5058,9 +5105,16 @@
             <p:ph type="title"/>
           </p:nvPr>
         </p:nvSpPr>
-        <p:spPr/>
-        <p:txBody>
-          <a:bodyPr/>
+        <p:spPr>
+          <a:xfrm>
+            <a:off x="7558564" y="609600"/>
+            <a:ext cx="3912583" cy="1356360"/>
+          </a:xfrm>
+        </p:spPr>
+        <p:txBody>
+          <a:bodyPr vert="horz" lIns="91440" tIns="45720" rIns="91440" bIns="45720" rtlCol="0" anchor="ctr">
+            <a:normAutofit/>
+          </a:bodyPr>
           <a:lstStyle/>
           <a:p>
             <a:r>
@@ -5100,11 +5154,279 @@
         </p:blipFill>
         <p:spPr>
           <a:xfrm>
-            <a:off x="2252239" y="2057400"/>
-            <a:ext cx="7654185" cy="4038600"/>
+            <a:off x="634252" y="1730535"/>
+            <a:ext cx="6439679" cy="3396929"/>
           </a:xfrm>
+          <a:prstGeom prst="rect">
+            <a:avLst/>
+          </a:prstGeom>
         </p:spPr>
       </p:pic>
+      <p:sp>
+        <p:nvSpPr>
+          <p:cNvPr id="4" name="Content Placeholder 2">
+            <a:extLst>
+              <a:ext uri="{FF2B5EF4-FFF2-40B4-BE49-F238E27FC236}">
+                <a16:creationId xmlns:a16="http://schemas.microsoft.com/office/drawing/2014/main" id="{C9C84139-E2DA-1E9E-5286-290E83F7E0D8}"/>
+              </a:ext>
+            </a:extLst>
+          </p:cNvPr>
+          <p:cNvSpPr txBox="1">
+            <a:spLocks/>
+          </p:cNvSpPr>
+          <p:nvPr/>
+        </p:nvSpPr>
+        <p:spPr>
+          <a:xfrm>
+            <a:off x="7558564" y="1965960"/>
+            <a:ext cx="3912583" cy="4038600"/>
+          </a:xfrm>
+          <a:prstGeom prst="rect">
+            <a:avLst/>
+          </a:prstGeom>
+        </p:spPr>
+        <p:txBody>
+          <a:bodyPr vert="horz" lIns="91440" tIns="45720" rIns="91440" bIns="45720" rtlCol="0">
+            <a:normAutofit/>
+          </a:bodyPr>
+          <a:lstStyle>
+            <a:lvl1pPr marL="228600" indent="-182880" algn="l" defTabSz="914400" rtl="0" eaLnBrk="1" latinLnBrk="0" hangingPunct="1">
+              <a:lnSpc>
+                <a:spcPct val="90000"/>
+              </a:lnSpc>
+              <a:spcBef>
+                <a:spcPts val="1400"/>
+              </a:spcBef>
+              <a:buClr>
+                <a:schemeClr val="accent1"/>
+              </a:buClr>
+              <a:buSzPct val="80000"/>
+              <a:buFont typeface="Corbel" pitchFamily="34" charset="0"/>
+              <a:buChar char="•"/>
+              <a:defRPr sz="2200" kern="1200">
+                <a:solidFill>
+                  <a:schemeClr val="accent1"/>
+                </a:solidFill>
+                <a:latin typeface="+mn-lt"/>
+                <a:ea typeface="+mn-ea"/>
+                <a:cs typeface="+mn-cs"/>
+              </a:defRPr>
+            </a:lvl1pPr>
+            <a:lvl2pPr marL="457200" indent="-182880" algn="l" defTabSz="914400" rtl="0" eaLnBrk="1" latinLnBrk="0" hangingPunct="1">
+              <a:lnSpc>
+                <a:spcPct val="90000"/>
+              </a:lnSpc>
+              <a:spcBef>
+                <a:spcPts val="200"/>
+              </a:spcBef>
+              <a:spcAft>
+                <a:spcPts val="400"/>
+              </a:spcAft>
+              <a:buClr>
+                <a:schemeClr val="accent1"/>
+              </a:buClr>
+              <a:buSzPct val="80000"/>
+              <a:buFont typeface="Corbel" pitchFamily="34" charset="0"/>
+              <a:buChar char="•"/>
+              <a:defRPr sz="2000" kern="1200">
+                <a:solidFill>
+                  <a:schemeClr val="accent1"/>
+                </a:solidFill>
+                <a:latin typeface="+mn-lt"/>
+                <a:ea typeface="+mn-ea"/>
+                <a:cs typeface="+mn-cs"/>
+              </a:defRPr>
+            </a:lvl2pPr>
+            <a:lvl3pPr marL="731520" indent="-182880" algn="l" defTabSz="914400" rtl="0" eaLnBrk="1" latinLnBrk="0" hangingPunct="1">
+              <a:lnSpc>
+                <a:spcPct val="90000"/>
+              </a:lnSpc>
+              <a:spcBef>
+                <a:spcPts val="200"/>
+              </a:spcBef>
+              <a:spcAft>
+                <a:spcPts val="400"/>
+              </a:spcAft>
+              <a:buClr>
+                <a:schemeClr val="accent1"/>
+              </a:buClr>
+              <a:buSzPct val="80000"/>
+              <a:buFont typeface="Corbel" pitchFamily="34" charset="0"/>
+              <a:buChar char="•"/>
+              <a:defRPr sz="1800" kern="1200">
+                <a:solidFill>
+                  <a:schemeClr val="accent1"/>
+                </a:solidFill>
+                <a:latin typeface="+mn-lt"/>
+                <a:ea typeface="+mn-ea"/>
+                <a:cs typeface="+mn-cs"/>
+              </a:defRPr>
+            </a:lvl3pPr>
+            <a:lvl4pPr marL="1005840" indent="-182880" algn="l" defTabSz="914400" rtl="0" eaLnBrk="1" latinLnBrk="0" hangingPunct="1">
+              <a:lnSpc>
+                <a:spcPct val="90000"/>
+              </a:lnSpc>
+              <a:spcBef>
+                <a:spcPts val="200"/>
+              </a:spcBef>
+              <a:spcAft>
+                <a:spcPts val="400"/>
+              </a:spcAft>
+              <a:buClr>
+                <a:schemeClr val="accent1"/>
+              </a:buClr>
+              <a:buSzPct val="80000"/>
+              <a:buFont typeface="Corbel" pitchFamily="34" charset="0"/>
+              <a:buChar char="•"/>
+              <a:defRPr sz="1600" kern="1200">
+                <a:solidFill>
+                  <a:schemeClr val="accent1"/>
+                </a:solidFill>
+                <a:latin typeface="+mn-lt"/>
+                <a:ea typeface="+mn-ea"/>
+                <a:cs typeface="+mn-cs"/>
+              </a:defRPr>
+            </a:lvl4pPr>
+            <a:lvl5pPr marL="1280160" indent="-182880" algn="l" defTabSz="914400" rtl="0" eaLnBrk="1" latinLnBrk="0" hangingPunct="1">
+              <a:lnSpc>
+                <a:spcPct val="90000"/>
+              </a:lnSpc>
+              <a:spcBef>
+                <a:spcPts val="200"/>
+              </a:spcBef>
+              <a:spcAft>
+                <a:spcPts val="400"/>
+              </a:spcAft>
+              <a:buClr>
+                <a:schemeClr val="accent1"/>
+              </a:buClr>
+              <a:buSzPct val="80000"/>
+              <a:buFont typeface="Corbel" pitchFamily="34" charset="0"/>
+              <a:buChar char="•"/>
+              <a:defRPr sz="1600" kern="1200">
+                <a:solidFill>
+                  <a:schemeClr val="accent1"/>
+                </a:solidFill>
+                <a:latin typeface="+mn-lt"/>
+                <a:ea typeface="+mn-ea"/>
+                <a:cs typeface="+mn-cs"/>
+              </a:defRPr>
+            </a:lvl5pPr>
+            <a:lvl6pPr marL="1600000" indent="-228600" algn="l" defTabSz="914400" rtl="0" eaLnBrk="1" latinLnBrk="0" hangingPunct="1">
+              <a:lnSpc>
+                <a:spcPct val="90000"/>
+              </a:lnSpc>
+              <a:spcBef>
+                <a:spcPts val="200"/>
+              </a:spcBef>
+              <a:spcAft>
+                <a:spcPts val="400"/>
+              </a:spcAft>
+              <a:buClr>
+                <a:schemeClr val="accent1"/>
+              </a:buClr>
+              <a:buSzPct val="80000"/>
+              <a:buFont typeface="Corbel" pitchFamily="34" charset="0"/>
+              <a:buChar char="•"/>
+              <a:defRPr sz="1600" kern="1200">
+                <a:solidFill>
+                  <a:schemeClr val="accent1"/>
+                </a:solidFill>
+                <a:latin typeface="+mn-lt"/>
+                <a:ea typeface="+mn-ea"/>
+                <a:cs typeface="+mn-cs"/>
+              </a:defRPr>
+            </a:lvl6pPr>
+            <a:lvl7pPr marL="1900000" indent="-228600" algn="l" defTabSz="914400" rtl="0" eaLnBrk="1" latinLnBrk="0" hangingPunct="1">
+              <a:lnSpc>
+                <a:spcPct val="90000"/>
+              </a:lnSpc>
+              <a:spcBef>
+                <a:spcPts val="200"/>
+              </a:spcBef>
+              <a:spcAft>
+                <a:spcPts val="400"/>
+              </a:spcAft>
+              <a:buClr>
+                <a:schemeClr val="accent1"/>
+              </a:buClr>
+              <a:buSzPct val="80000"/>
+              <a:buFont typeface="Corbel" pitchFamily="34" charset="0"/>
+              <a:buChar char="•"/>
+              <a:defRPr sz="1600" kern="1200">
+                <a:solidFill>
+                  <a:schemeClr val="accent1"/>
+                </a:solidFill>
+                <a:latin typeface="+mn-lt"/>
+                <a:ea typeface="+mn-ea"/>
+                <a:cs typeface="+mn-cs"/>
+              </a:defRPr>
+            </a:lvl7pPr>
+            <a:lvl8pPr marL="2200000" indent="-228600" algn="l" defTabSz="914400" rtl="0" eaLnBrk="1" latinLnBrk="0" hangingPunct="1">
+              <a:lnSpc>
+                <a:spcPct val="90000"/>
+              </a:lnSpc>
+              <a:spcBef>
+                <a:spcPts val="200"/>
+              </a:spcBef>
+              <a:spcAft>
+                <a:spcPts val="400"/>
+              </a:spcAft>
+              <a:buClr>
+                <a:schemeClr val="accent1"/>
+              </a:buClr>
+              <a:buSzPct val="80000"/>
+              <a:buFont typeface="Corbel" pitchFamily="34" charset="0"/>
+              <a:buChar char="•"/>
+              <a:defRPr sz="1600" kern="1200">
+                <a:solidFill>
+                  <a:schemeClr val="accent1"/>
+                </a:solidFill>
+                <a:latin typeface="+mn-lt"/>
+                <a:ea typeface="+mn-ea"/>
+                <a:cs typeface="+mn-cs"/>
+              </a:defRPr>
+            </a:lvl8pPr>
+            <a:lvl9pPr marL="2500000" indent="-228600" algn="l" defTabSz="914400" rtl="0" eaLnBrk="1" latinLnBrk="0" hangingPunct="1">
+              <a:lnSpc>
+                <a:spcPct val="90000"/>
+              </a:lnSpc>
+              <a:spcBef>
+                <a:spcPts val="200"/>
+              </a:spcBef>
+              <a:spcAft>
+                <a:spcPts val="400"/>
+              </a:spcAft>
+              <a:buClr>
+                <a:schemeClr val="accent1"/>
+              </a:buClr>
+              <a:buSzPct val="80000"/>
+              <a:buFont typeface="Corbel" pitchFamily="34" charset="0"/>
+              <a:buChar char="•"/>
+              <a:defRPr sz="1600" kern="1200">
+                <a:solidFill>
+                  <a:schemeClr val="accent1"/>
+                </a:solidFill>
+                <a:latin typeface="+mn-lt"/>
+                <a:ea typeface="+mn-ea"/>
+                <a:cs typeface="+mn-cs"/>
+              </a:defRPr>
+            </a:lvl9pPr>
+          </a:lstStyle>
+          <a:p>
+            <a:r>
+              <a:rPr lang="en-US" dirty="0"/>
+              <a:t>Here is an Image of the first step in the, How Do You It? Flow Chart.</a:t>
+            </a:r>
+          </a:p>
+          <a:p>
+            <a:r>
+              <a:rPr lang="en-US" dirty="0"/>
+              <a:t>User Creation</a:t>
+            </a:r>
+          </a:p>
+        </p:txBody>
+      </p:sp>
     </p:spTree>
     <p:extLst>
       <p:ext uri="{BB962C8B-B14F-4D97-AF65-F5344CB8AC3E}">
@@ -5121,6 +5443,14 @@
 <file path=ppt/slides/slide7.xml><?xml version="1.0" encoding="utf-8"?>
 <p:sld xmlns:a="http://schemas.openxmlformats.org/drawingml/2006/main" xmlns:r="http://schemas.openxmlformats.org/officeDocument/2006/relationships" xmlns:p="http://schemas.openxmlformats.org/presentationml/2006/main">
   <p:cSld>
+    <p:bg>
+      <p:bgPr>
+        <a:solidFill>
+          <a:schemeClr val="accent1"/>
+        </a:solidFill>
+        <a:effectLst/>
+      </p:bgPr>
+    </p:bg>
     <p:spTree>
       <p:nvGrpSpPr>
         <p:cNvPr id="1" name=""/>
@@ -5151,14 +5481,286 @@
             <p:ph type="title"/>
           </p:nvPr>
         </p:nvSpPr>
-        <p:spPr/>
-        <p:txBody>
-          <a:bodyPr/>
+        <p:spPr>
+          <a:xfrm>
+            <a:off x="1143000" y="609600"/>
+            <a:ext cx="6693061" cy="1356360"/>
+          </a:xfrm>
+        </p:spPr>
+        <p:txBody>
+          <a:bodyPr vert="horz" lIns="91440" tIns="45720" rIns="91440" bIns="45720" rtlCol="0" anchor="ctr">
+            <a:normAutofit/>
+          </a:bodyPr>
           <a:lstStyle/>
           <a:p>
             <a:r>
               <a:rPr lang="en-US" dirty="0"/>
               <a:t>Login/profile page</a:t>
+            </a:r>
+          </a:p>
+        </p:txBody>
+      </p:sp>
+      <p:sp>
+        <p:nvSpPr>
+          <p:cNvPr id="3" name="Content Placeholder 2">
+            <a:extLst>
+              <a:ext uri="{FF2B5EF4-FFF2-40B4-BE49-F238E27FC236}">
+                <a16:creationId xmlns:a16="http://schemas.microsoft.com/office/drawing/2014/main" id="{752AD678-856D-9F46-B1C4-2FBB41BCCA9D}"/>
+              </a:ext>
+            </a:extLst>
+          </p:cNvPr>
+          <p:cNvSpPr txBox="1">
+            <a:spLocks/>
+          </p:cNvSpPr>
+          <p:nvPr/>
+        </p:nvSpPr>
+        <p:spPr>
+          <a:xfrm>
+            <a:off x="1143000" y="2057400"/>
+            <a:ext cx="6693061" cy="1211579"/>
+          </a:xfrm>
+          <a:prstGeom prst="rect">
+            <a:avLst/>
+          </a:prstGeom>
+        </p:spPr>
+        <p:txBody>
+          <a:bodyPr vert="horz" lIns="91440" tIns="45720" rIns="91440" bIns="45720" rtlCol="0">
+            <a:normAutofit/>
+          </a:bodyPr>
+          <a:lstStyle>
+            <a:lvl1pPr marL="228600" indent="-182880" algn="l" defTabSz="914400" rtl="0" eaLnBrk="1" latinLnBrk="0" hangingPunct="1">
+              <a:lnSpc>
+                <a:spcPct val="90000"/>
+              </a:lnSpc>
+              <a:spcBef>
+                <a:spcPts val="1400"/>
+              </a:spcBef>
+              <a:buClr>
+                <a:schemeClr val="accent1"/>
+              </a:buClr>
+              <a:buSzPct val="80000"/>
+              <a:buFont typeface="Corbel" pitchFamily="34" charset="0"/>
+              <a:buChar char="•"/>
+              <a:defRPr sz="2200" kern="1200">
+                <a:solidFill>
+                  <a:schemeClr val="accent1"/>
+                </a:solidFill>
+                <a:latin typeface="+mn-lt"/>
+                <a:ea typeface="+mn-ea"/>
+                <a:cs typeface="+mn-cs"/>
+              </a:defRPr>
+            </a:lvl1pPr>
+            <a:lvl2pPr marL="457200" indent="-182880" algn="l" defTabSz="914400" rtl="0" eaLnBrk="1" latinLnBrk="0" hangingPunct="1">
+              <a:lnSpc>
+                <a:spcPct val="90000"/>
+              </a:lnSpc>
+              <a:spcBef>
+                <a:spcPts val="200"/>
+              </a:spcBef>
+              <a:spcAft>
+                <a:spcPts val="400"/>
+              </a:spcAft>
+              <a:buClr>
+                <a:schemeClr val="accent1"/>
+              </a:buClr>
+              <a:buSzPct val="80000"/>
+              <a:buFont typeface="Corbel" pitchFamily="34" charset="0"/>
+              <a:buChar char="•"/>
+              <a:defRPr sz="2000" kern="1200">
+                <a:solidFill>
+                  <a:schemeClr val="accent1"/>
+                </a:solidFill>
+                <a:latin typeface="+mn-lt"/>
+                <a:ea typeface="+mn-ea"/>
+                <a:cs typeface="+mn-cs"/>
+              </a:defRPr>
+            </a:lvl2pPr>
+            <a:lvl3pPr marL="731520" indent="-182880" algn="l" defTabSz="914400" rtl="0" eaLnBrk="1" latinLnBrk="0" hangingPunct="1">
+              <a:lnSpc>
+                <a:spcPct val="90000"/>
+              </a:lnSpc>
+              <a:spcBef>
+                <a:spcPts val="200"/>
+              </a:spcBef>
+              <a:spcAft>
+                <a:spcPts val="400"/>
+              </a:spcAft>
+              <a:buClr>
+                <a:schemeClr val="accent1"/>
+              </a:buClr>
+              <a:buSzPct val="80000"/>
+              <a:buFont typeface="Corbel" pitchFamily="34" charset="0"/>
+              <a:buChar char="•"/>
+              <a:defRPr sz="1800" kern="1200">
+                <a:solidFill>
+                  <a:schemeClr val="accent1"/>
+                </a:solidFill>
+                <a:latin typeface="+mn-lt"/>
+                <a:ea typeface="+mn-ea"/>
+                <a:cs typeface="+mn-cs"/>
+              </a:defRPr>
+            </a:lvl3pPr>
+            <a:lvl4pPr marL="1005840" indent="-182880" algn="l" defTabSz="914400" rtl="0" eaLnBrk="1" latinLnBrk="0" hangingPunct="1">
+              <a:lnSpc>
+                <a:spcPct val="90000"/>
+              </a:lnSpc>
+              <a:spcBef>
+                <a:spcPts val="200"/>
+              </a:spcBef>
+              <a:spcAft>
+                <a:spcPts val="400"/>
+              </a:spcAft>
+              <a:buClr>
+                <a:schemeClr val="accent1"/>
+              </a:buClr>
+              <a:buSzPct val="80000"/>
+              <a:buFont typeface="Corbel" pitchFamily="34" charset="0"/>
+              <a:buChar char="•"/>
+              <a:defRPr sz="1600" kern="1200">
+                <a:solidFill>
+                  <a:schemeClr val="accent1"/>
+                </a:solidFill>
+                <a:latin typeface="+mn-lt"/>
+                <a:ea typeface="+mn-ea"/>
+                <a:cs typeface="+mn-cs"/>
+              </a:defRPr>
+            </a:lvl4pPr>
+            <a:lvl5pPr marL="1280160" indent="-182880" algn="l" defTabSz="914400" rtl="0" eaLnBrk="1" latinLnBrk="0" hangingPunct="1">
+              <a:lnSpc>
+                <a:spcPct val="90000"/>
+              </a:lnSpc>
+              <a:spcBef>
+                <a:spcPts val="200"/>
+              </a:spcBef>
+              <a:spcAft>
+                <a:spcPts val="400"/>
+              </a:spcAft>
+              <a:buClr>
+                <a:schemeClr val="accent1"/>
+              </a:buClr>
+              <a:buSzPct val="80000"/>
+              <a:buFont typeface="Corbel" pitchFamily="34" charset="0"/>
+              <a:buChar char="•"/>
+              <a:defRPr sz="1600" kern="1200">
+                <a:solidFill>
+                  <a:schemeClr val="accent1"/>
+                </a:solidFill>
+                <a:latin typeface="+mn-lt"/>
+                <a:ea typeface="+mn-ea"/>
+                <a:cs typeface="+mn-cs"/>
+              </a:defRPr>
+            </a:lvl5pPr>
+            <a:lvl6pPr marL="1600000" indent="-228600" algn="l" defTabSz="914400" rtl="0" eaLnBrk="1" latinLnBrk="0" hangingPunct="1">
+              <a:lnSpc>
+                <a:spcPct val="90000"/>
+              </a:lnSpc>
+              <a:spcBef>
+                <a:spcPts val="200"/>
+              </a:spcBef>
+              <a:spcAft>
+                <a:spcPts val="400"/>
+              </a:spcAft>
+              <a:buClr>
+                <a:schemeClr val="accent1"/>
+              </a:buClr>
+              <a:buSzPct val="80000"/>
+              <a:buFont typeface="Corbel" pitchFamily="34" charset="0"/>
+              <a:buChar char="•"/>
+              <a:defRPr sz="1600" kern="1200">
+                <a:solidFill>
+                  <a:schemeClr val="accent1"/>
+                </a:solidFill>
+                <a:latin typeface="+mn-lt"/>
+                <a:ea typeface="+mn-ea"/>
+                <a:cs typeface="+mn-cs"/>
+              </a:defRPr>
+            </a:lvl6pPr>
+            <a:lvl7pPr marL="1900000" indent="-228600" algn="l" defTabSz="914400" rtl="0" eaLnBrk="1" latinLnBrk="0" hangingPunct="1">
+              <a:lnSpc>
+                <a:spcPct val="90000"/>
+              </a:lnSpc>
+              <a:spcBef>
+                <a:spcPts val="200"/>
+              </a:spcBef>
+              <a:spcAft>
+                <a:spcPts val="400"/>
+              </a:spcAft>
+              <a:buClr>
+                <a:schemeClr val="accent1"/>
+              </a:buClr>
+              <a:buSzPct val="80000"/>
+              <a:buFont typeface="Corbel" pitchFamily="34" charset="0"/>
+              <a:buChar char="•"/>
+              <a:defRPr sz="1600" kern="1200">
+                <a:solidFill>
+                  <a:schemeClr val="accent1"/>
+                </a:solidFill>
+                <a:latin typeface="+mn-lt"/>
+                <a:ea typeface="+mn-ea"/>
+                <a:cs typeface="+mn-cs"/>
+              </a:defRPr>
+            </a:lvl7pPr>
+            <a:lvl8pPr marL="2200000" indent="-228600" algn="l" defTabSz="914400" rtl="0" eaLnBrk="1" latinLnBrk="0" hangingPunct="1">
+              <a:lnSpc>
+                <a:spcPct val="90000"/>
+              </a:lnSpc>
+              <a:spcBef>
+                <a:spcPts val="200"/>
+              </a:spcBef>
+              <a:spcAft>
+                <a:spcPts val="400"/>
+              </a:spcAft>
+              <a:buClr>
+                <a:schemeClr val="accent1"/>
+              </a:buClr>
+              <a:buSzPct val="80000"/>
+              <a:buFont typeface="Corbel" pitchFamily="34" charset="0"/>
+              <a:buChar char="•"/>
+              <a:defRPr sz="1600" kern="1200">
+                <a:solidFill>
+                  <a:schemeClr val="accent1"/>
+                </a:solidFill>
+                <a:latin typeface="+mn-lt"/>
+                <a:ea typeface="+mn-ea"/>
+                <a:cs typeface="+mn-cs"/>
+              </a:defRPr>
+            </a:lvl8pPr>
+            <a:lvl9pPr marL="2500000" indent="-228600" algn="l" defTabSz="914400" rtl="0" eaLnBrk="1" latinLnBrk="0" hangingPunct="1">
+              <a:lnSpc>
+                <a:spcPct val="90000"/>
+              </a:lnSpc>
+              <a:spcBef>
+                <a:spcPts val="200"/>
+              </a:spcBef>
+              <a:spcAft>
+                <a:spcPts val="400"/>
+              </a:spcAft>
+              <a:buClr>
+                <a:schemeClr val="accent1"/>
+              </a:buClr>
+              <a:buSzPct val="80000"/>
+              <a:buFont typeface="Corbel" pitchFamily="34" charset="0"/>
+              <a:buChar char="•"/>
+              <a:defRPr sz="1600" kern="1200">
+                <a:solidFill>
+                  <a:schemeClr val="accent1"/>
+                </a:solidFill>
+                <a:latin typeface="+mn-lt"/>
+                <a:ea typeface="+mn-ea"/>
+                <a:cs typeface="+mn-cs"/>
+              </a:defRPr>
+            </a:lvl9pPr>
+          </a:lstStyle>
+          <a:p>
+            <a:r>
+              <a:rPr lang="en-US" dirty="0"/>
+              <a:t>Here is an Image of the second step.</a:t>
+            </a:r>
+          </a:p>
+          <a:p>
+            <a:r>
+              <a:rPr lang="en-US" dirty="0"/>
+              <a:t>This is showing the Login page and User page once Logged in.</a:t>
             </a:r>
           </a:p>
         </p:txBody>
@@ -5193,9 +5795,12 @@
         </p:blipFill>
         <p:spPr>
           <a:xfrm>
-            <a:off x="244982" y="1965960"/>
-            <a:ext cx="5523842" cy="2926081"/>
+            <a:off x="426461" y="3548990"/>
+            <a:ext cx="5496817" cy="2913313"/>
           </a:xfrm>
+          <a:prstGeom prst="rect">
+            <a:avLst/>
+          </a:prstGeom>
         </p:spPr>
       </p:pic>
       <p:pic>
@@ -5226,8 +5831,8 @@
         </p:blipFill>
         <p:spPr>
           <a:xfrm>
-            <a:off x="6423178" y="1965960"/>
-            <a:ext cx="5520962" cy="2926081"/>
+            <a:off x="6268722" y="3548989"/>
+            <a:ext cx="5496818" cy="2913313"/>
           </a:xfrm>
           <a:prstGeom prst="rect">
             <a:avLst/>
@@ -5280,14 +5885,19 @@
             <p:ph type="title"/>
           </p:nvPr>
         </p:nvSpPr>
-        <p:spPr/>
+        <p:spPr>
+          <a:xfrm>
+            <a:off x="688844" y="800698"/>
+            <a:ext cx="4018280" cy="909320"/>
+          </a:xfrm>
+        </p:spPr>
         <p:txBody>
           <a:bodyPr/>
           <a:lstStyle/>
           <a:p>
             <a:r>
               <a:rPr lang="en-US" dirty="0"/>
-              <a:t>Note pages</a:t>
+              <a:t>Note Pages</a:t>
             </a:r>
           </a:p>
         </p:txBody>
@@ -5322,8 +5932,8 @@
         </p:blipFill>
         <p:spPr>
           <a:xfrm>
-            <a:off x="344722" y="1965960"/>
-            <a:ext cx="4481481" cy="2373923"/>
+            <a:off x="6297164" y="3533391"/>
+            <a:ext cx="5407156" cy="2864271"/>
           </a:xfrm>
         </p:spPr>
       </p:pic>
@@ -5355,8 +5965,8 @@
         </p:blipFill>
         <p:spPr>
           <a:xfrm>
-            <a:off x="6327648" y="320997"/>
-            <a:ext cx="5519633" cy="2920973"/>
+            <a:off x="6297164" y="460338"/>
+            <a:ext cx="5417811" cy="2867089"/>
           </a:xfrm>
           <a:prstGeom prst="rect">
             <a:avLst/>
@@ -5391,8 +6001,8 @@
         </p:blipFill>
         <p:spPr>
           <a:xfrm>
-            <a:off x="6096000" y="3429000"/>
-            <a:ext cx="6096000" cy="3232342"/>
+            <a:off x="688844" y="2280893"/>
+            <a:ext cx="5407156" cy="2867089"/>
           </a:xfrm>
           <a:prstGeom prst="rect">
             <a:avLst/>

--- a/Phase 4 Documentation/Team_2_Presentation_4.pptx
+++ b/Phase 4 Documentation/Team_2_Presentation_4.pptx
@@ -5,20 +5,21 @@
     <p:sldMasterId id="2147483732" r:id="rId1"/>
   </p:sldMasterIdLst>
   <p:notesMasterIdLst>
-    <p:notesMasterId r:id="rId13"/>
+    <p:notesMasterId r:id="rId14"/>
   </p:notesMasterIdLst>
   <p:sldIdLst>
     <p:sldId id="256" r:id="rId2"/>
     <p:sldId id="257" r:id="rId3"/>
     <p:sldId id="258" r:id="rId4"/>
-    <p:sldId id="259" r:id="rId5"/>
-    <p:sldId id="260" r:id="rId6"/>
-    <p:sldId id="261" r:id="rId7"/>
-    <p:sldId id="262" r:id="rId8"/>
-    <p:sldId id="263" r:id="rId9"/>
-    <p:sldId id="264" r:id="rId10"/>
-    <p:sldId id="265" r:id="rId11"/>
-    <p:sldId id="266" r:id="rId12"/>
+    <p:sldId id="267" r:id="rId5"/>
+    <p:sldId id="268" r:id="rId6"/>
+    <p:sldId id="269" r:id="rId7"/>
+    <p:sldId id="261" r:id="rId8"/>
+    <p:sldId id="260" r:id="rId9"/>
+    <p:sldId id="259" r:id="rId10"/>
+    <p:sldId id="262" r:id="rId11"/>
+    <p:sldId id="263" r:id="rId12"/>
+    <p:sldId id="266" r:id="rId13"/>
   </p:sldIdLst>
   <p:sldSz cx="12192000" cy="6858000"/>
   <p:notesSz cx="6858000" cy="9144000"/>
@@ -207,7 +208,7 @@
           <a:p>
             <a:fld id="{DD997E93-1C09-47B7-89B0-78454C233E1A}" type="datetimeFigureOut">
               <a:rPr lang="en-US" smtClean="0"/>
-              <a:t>5/3/2025</a:t>
+              <a:t>5/4/2025</a:t>
             </a:fld>
             <a:endParaRPr lang="en-US"/>
           </a:p>
@@ -754,7 +755,7 @@
           <a:p>
             <a:fld id="{42F1BB42-BFC8-474A-9D69-65C817AE1623}" type="datetimeFigureOut">
               <a:rPr lang="en-US" smtClean="0"/>
-              <a:t>5/3/2025</a:t>
+              <a:t>5/4/2025</a:t>
             </a:fld>
             <a:endParaRPr lang="en-US"/>
           </a:p>
@@ -975,7 +976,7 @@
           <a:p>
             <a:fld id="{42F1BB42-BFC8-474A-9D69-65C817AE1623}" type="datetimeFigureOut">
               <a:rPr lang="en-US" smtClean="0"/>
-              <a:t>5/3/2025</a:t>
+              <a:t>5/4/2025</a:t>
             </a:fld>
             <a:endParaRPr lang="en-US"/>
           </a:p>
@@ -1155,7 +1156,7 @@
           <a:p>
             <a:fld id="{42F1BB42-BFC8-474A-9D69-65C817AE1623}" type="datetimeFigureOut">
               <a:rPr lang="en-US" smtClean="0"/>
-              <a:t>5/3/2025</a:t>
+              <a:t>5/4/2025</a:t>
             </a:fld>
             <a:endParaRPr lang="en-US"/>
           </a:p>
@@ -1325,7 +1326,7 @@
           <a:p>
             <a:fld id="{42F1BB42-BFC8-474A-9D69-65C817AE1623}" type="datetimeFigureOut">
               <a:rPr lang="en-US" smtClean="0"/>
-              <a:t>5/3/2025</a:t>
+              <a:t>5/4/2025</a:t>
             </a:fld>
             <a:endParaRPr lang="en-US"/>
           </a:p>
@@ -1576,7 +1577,7 @@
           <a:p>
             <a:fld id="{42F1BB42-BFC8-474A-9D69-65C817AE1623}" type="datetimeFigureOut">
               <a:rPr lang="en-US" smtClean="0"/>
-              <a:t>5/3/2025</a:t>
+              <a:t>5/4/2025</a:t>
             </a:fld>
             <a:endParaRPr lang="en-US"/>
           </a:p>
@@ -1899,7 +1900,7 @@
           <a:p>
             <a:fld id="{42F1BB42-BFC8-474A-9D69-65C817AE1623}" type="datetimeFigureOut">
               <a:rPr lang="en-US" smtClean="0"/>
-              <a:t>5/3/2025</a:t>
+              <a:t>5/4/2025</a:t>
             </a:fld>
             <a:endParaRPr lang="en-US"/>
           </a:p>
@@ -2323,7 +2324,7 @@
           <a:p>
             <a:fld id="{42F1BB42-BFC8-474A-9D69-65C817AE1623}" type="datetimeFigureOut">
               <a:rPr lang="en-US" smtClean="0"/>
-              <a:t>5/3/2025</a:t>
+              <a:t>5/4/2025</a:t>
             </a:fld>
             <a:endParaRPr lang="en-US"/>
           </a:p>
@@ -2441,7 +2442,7 @@
           <a:p>
             <a:fld id="{42F1BB42-BFC8-474A-9D69-65C817AE1623}" type="datetimeFigureOut">
               <a:rPr lang="en-US" smtClean="0"/>
-              <a:t>5/3/2025</a:t>
+              <a:t>5/4/2025</a:t>
             </a:fld>
             <a:endParaRPr lang="en-US"/>
           </a:p>
@@ -2536,7 +2537,7 @@
           <a:p>
             <a:fld id="{42F1BB42-BFC8-474A-9D69-65C817AE1623}" type="datetimeFigureOut">
               <a:rPr lang="en-US" smtClean="0"/>
-              <a:t>5/3/2025</a:t>
+              <a:t>5/4/2025</a:t>
             </a:fld>
             <a:endParaRPr lang="en-US"/>
           </a:p>
@@ -2826,7 +2827,7 @@
           <a:p>
             <a:fld id="{42F1BB42-BFC8-474A-9D69-65C817AE1623}" type="datetimeFigureOut">
               <a:rPr lang="en-US" smtClean="0"/>
-              <a:t>5/3/2025</a:t>
+              <a:t>5/4/2025</a:t>
             </a:fld>
             <a:endParaRPr lang="en-US"/>
           </a:p>
@@ -3098,7 +3099,7 @@
           <a:p>
             <a:fld id="{42F1BB42-BFC8-474A-9D69-65C817AE1623}" type="datetimeFigureOut">
               <a:rPr lang="en-US" smtClean="0"/>
-              <a:t>5/3/2025</a:t>
+              <a:t>5/4/2025</a:t>
             </a:fld>
             <a:endParaRPr lang="en-US"/>
           </a:p>
@@ -3352,7 +3353,7 @@
           <a:p>
             <a:fld id="{42F1BB42-BFC8-474A-9D69-65C817AE1623}" type="datetimeFigureOut">
               <a:rPr lang="en-US" smtClean="0"/>
-              <a:t>5/3/2025</a:t>
+              <a:t>5/4/2025</a:t>
             </a:fld>
             <a:endParaRPr lang="en-US"/>
           </a:p>
@@ -3902,9 +3903,17 @@
           <a:lstStyle/>
           <a:p>
             <a:r>
-              <a:rPr lang="en-US" sz="6600"/>
+              <a:rPr lang="en-US" sz="6600" dirty="0" err="1"/>
               <a:t>EnCryptNotes</a:t>
             </a:r>
+            <a:br>
+              <a:rPr lang="en-US" sz="6600" dirty="0"/>
+            </a:br>
+            <a:r>
+              <a:rPr lang="en-US" sz="2000" dirty="0"/>
+              <a:t>Secure and Intelligent Note Management</a:t>
+            </a:r>
+            <a:endParaRPr lang="en-US" sz="6600" dirty="0"/>
           </a:p>
         </p:txBody>
       </p:sp>
@@ -3937,8 +3946,8 @@
           <a:lstStyle/>
           <a:p>
             <a:r>
-              <a:rPr lang="en-US" sz="2000"/>
-              <a:t>Team 2</a:t>
+              <a:rPr lang="en-US" sz="2400" dirty="0"/>
+              <a:t>CPT-200 Team 2 - Phase 4</a:t>
             </a:r>
           </a:p>
         </p:txBody>
@@ -4057,173 +4066,7 @@
 </file>
 
 <file path=ppt/slides/slide10.xml><?xml version="1.0" encoding="utf-8"?>
-<p:sld xmlns:a="http://schemas.openxmlformats.org/drawingml/2006/main" xmlns:r="http://schemas.openxmlformats.org/officeDocument/2006/relationships" xmlns:p="http://schemas.openxmlformats.org/presentationml/2006/main">
-  <p:cSld>
-    <p:spTree>
-      <p:nvGrpSpPr>
-        <p:cNvPr id="1" name=""/>
-        <p:cNvGrpSpPr/>
-        <p:nvPr/>
-      </p:nvGrpSpPr>
-      <p:grpSpPr>
-        <a:xfrm>
-          <a:off x="0" y="0"/>
-          <a:ext cx="0" cy="0"/>
-          <a:chOff x="0" y="0"/>
-          <a:chExt cx="0" cy="0"/>
-        </a:xfrm>
-      </p:grpSpPr>
-      <p:sp>
-        <p:nvSpPr>
-          <p:cNvPr id="2" name="Title 1">
-            <a:extLst>
-              <a:ext uri="{FF2B5EF4-FFF2-40B4-BE49-F238E27FC236}">
-                <a16:creationId xmlns:a16="http://schemas.microsoft.com/office/drawing/2014/main" id="{C5377F79-8C7C-ABE3-FB5E-35969E4E03A2}"/>
-              </a:ext>
-            </a:extLst>
-          </p:cNvPr>
-          <p:cNvSpPr>
-            <a:spLocks noGrp="1"/>
-          </p:cNvSpPr>
-          <p:nvPr>
-            <p:ph type="title"/>
-          </p:nvPr>
-        </p:nvSpPr>
-        <p:spPr/>
-        <p:txBody>
-          <a:bodyPr/>
-          <a:lstStyle/>
-          <a:p>
-            <a:r>
-              <a:rPr lang="en-US" dirty="0"/>
-              <a:t>Live Demo</a:t>
-            </a:r>
-          </a:p>
-        </p:txBody>
-      </p:sp>
-      <p:sp>
-        <p:nvSpPr>
-          <p:cNvPr id="3" name="Content Placeholder 2">
-            <a:extLst>
-              <a:ext uri="{FF2B5EF4-FFF2-40B4-BE49-F238E27FC236}">
-                <a16:creationId xmlns:a16="http://schemas.microsoft.com/office/drawing/2014/main" id="{984016B0-D756-B0F6-A520-60E5C88830FA}"/>
-              </a:ext>
-            </a:extLst>
-          </p:cNvPr>
-          <p:cNvSpPr>
-            <a:spLocks noGrp="1"/>
-          </p:cNvSpPr>
-          <p:nvPr>
-            <p:ph idx="1"/>
-          </p:nvPr>
-        </p:nvSpPr>
-        <p:spPr/>
-        <p:txBody>
-          <a:bodyPr/>
-          <a:lstStyle/>
-          <a:p>
-            <a:endParaRPr lang="en-US"/>
-          </a:p>
-        </p:txBody>
-      </p:sp>
-    </p:spTree>
-    <p:extLst>
-      <p:ext uri="{BB962C8B-B14F-4D97-AF65-F5344CB8AC3E}">
-        <p14:creationId xmlns:p14="http://schemas.microsoft.com/office/powerpoint/2010/main" val="1134041924"/>
-      </p:ext>
-    </p:extLst>
-  </p:cSld>
-  <p:clrMapOvr>
-    <a:masterClrMapping/>
-  </p:clrMapOvr>
-</p:sld>
-</file>
-
-<file path=ppt/slides/slide11.xml><?xml version="1.0" encoding="utf-8"?>
-<p:sld xmlns:a="http://schemas.openxmlformats.org/drawingml/2006/main" xmlns:r="http://schemas.openxmlformats.org/officeDocument/2006/relationships" xmlns:p="http://schemas.openxmlformats.org/presentationml/2006/main">
-  <p:cSld>
-    <p:spTree>
-      <p:nvGrpSpPr>
-        <p:cNvPr id="1" name=""/>
-        <p:cNvGrpSpPr/>
-        <p:nvPr/>
-      </p:nvGrpSpPr>
-      <p:grpSpPr>
-        <a:xfrm>
-          <a:off x="0" y="0"/>
-          <a:ext cx="0" cy="0"/>
-          <a:chOff x="0" y="0"/>
-          <a:chExt cx="0" cy="0"/>
-        </a:xfrm>
-      </p:grpSpPr>
-      <p:sp>
-        <p:nvSpPr>
-          <p:cNvPr id="2" name="Title 1">
-            <a:extLst>
-              <a:ext uri="{FF2B5EF4-FFF2-40B4-BE49-F238E27FC236}">
-                <a16:creationId xmlns:a16="http://schemas.microsoft.com/office/drawing/2014/main" id="{0A7DF516-CB0B-8B27-D6FF-55FBC67DB194}"/>
-              </a:ext>
-            </a:extLst>
-          </p:cNvPr>
-          <p:cNvSpPr>
-            <a:spLocks noGrp="1"/>
-          </p:cNvSpPr>
-          <p:nvPr>
-            <p:ph type="title"/>
-          </p:nvPr>
-        </p:nvSpPr>
-        <p:spPr/>
-        <p:txBody>
-          <a:bodyPr/>
-          <a:lstStyle/>
-          <a:p>
-            <a:r>
-              <a:rPr lang="en-US" dirty="0"/>
-              <a:t>Questions?</a:t>
-            </a:r>
-          </a:p>
-        </p:txBody>
-      </p:sp>
-      <p:sp>
-        <p:nvSpPr>
-          <p:cNvPr id="3" name="Content Placeholder 2">
-            <a:extLst>
-              <a:ext uri="{FF2B5EF4-FFF2-40B4-BE49-F238E27FC236}">
-                <a16:creationId xmlns:a16="http://schemas.microsoft.com/office/drawing/2014/main" id="{1E5F3818-4818-BAC2-2ADC-631BD16E4179}"/>
-              </a:ext>
-            </a:extLst>
-          </p:cNvPr>
-          <p:cNvSpPr>
-            <a:spLocks noGrp="1"/>
-          </p:cNvSpPr>
-          <p:nvPr>
-            <p:ph idx="1"/>
-          </p:nvPr>
-        </p:nvSpPr>
-        <p:spPr/>
-        <p:txBody>
-          <a:bodyPr/>
-          <a:lstStyle/>
-          <a:p>
-            <a:endParaRPr lang="en-US"/>
-          </a:p>
-        </p:txBody>
-      </p:sp>
-    </p:spTree>
-    <p:extLst>
-      <p:ext uri="{BB962C8B-B14F-4D97-AF65-F5344CB8AC3E}">
-        <p14:creationId xmlns:p14="http://schemas.microsoft.com/office/powerpoint/2010/main" val="2913728262"/>
-      </p:ext>
-    </p:extLst>
-  </p:cSld>
-  <p:clrMapOvr>
-    <a:masterClrMapping/>
-  </p:clrMapOvr>
-</p:sld>
-</file>
-
-<file path=ppt/slides/slide2.xml><?xml version="1.0" encoding="utf-8"?>
-<p:sld xmlns:a="http://schemas.openxmlformats.org/drawingml/2006/main" xmlns:r="http://schemas.openxmlformats.org/officeDocument/2006/relationships" xmlns:p="http://schemas.openxmlformats.org/presentationml/2006/main">
+<p:sld xmlns:a="http://schemas.openxmlformats.org/drawingml/2006/main" xmlns:r="http://schemas.openxmlformats.org/officeDocument/2006/relationships" xmlns:p="http://schemas.openxmlformats.org/presentationml/2006/main" show="0">
   <p:cSld>
     <p:bg>
       <p:bgPr>
@@ -4252,7 +4095,7 @@
           <p:cNvPr id="2" name="Title 1">
             <a:extLst>
               <a:ext uri="{FF2B5EF4-FFF2-40B4-BE49-F238E27FC236}">
-                <a16:creationId xmlns:a16="http://schemas.microsoft.com/office/drawing/2014/main" id="{1C7A0174-DBEC-EA89-681D-FD67EB40DC1D}"/>
+                <a16:creationId xmlns:a16="http://schemas.microsoft.com/office/drawing/2014/main" id="{A70685C2-91E4-9BA7-5592-280C87D0E72F}"/>
               </a:ext>
             </a:extLst>
           </p:cNvPr>
@@ -4265,850 +4108,8 @@
         </p:nvSpPr>
         <p:spPr>
           <a:xfrm>
-            <a:off x="1143001" y="1070335"/>
-            <a:ext cx="5199926" cy="1443269"/>
-          </a:xfrm>
-        </p:spPr>
-        <p:txBody>
-          <a:bodyPr>
-            <a:normAutofit/>
-          </a:bodyPr>
-          <a:lstStyle/>
-          <a:p>
-            <a:r>
-              <a:rPr lang="en-US" sz="4000"/>
-              <a:t>What is it?</a:t>
-            </a:r>
-          </a:p>
-        </p:txBody>
-      </p:sp>
-      <p:sp>
-        <p:nvSpPr>
-          <p:cNvPr id="3" name="Content Placeholder 2">
-            <a:extLst>
-              <a:ext uri="{FF2B5EF4-FFF2-40B4-BE49-F238E27FC236}">
-                <a16:creationId xmlns:a16="http://schemas.microsoft.com/office/drawing/2014/main" id="{AE61957C-2FA8-7E85-64CE-3E85135FB719}"/>
-              </a:ext>
-            </a:extLst>
-          </p:cNvPr>
-          <p:cNvSpPr>
-            <a:spLocks noGrp="1"/>
-          </p:cNvSpPr>
-          <p:nvPr>
-            <p:ph idx="1"/>
-          </p:nvPr>
-        </p:nvSpPr>
-        <p:spPr>
-          <a:xfrm>
-            <a:off x="1143002" y="2546430"/>
-            <a:ext cx="5084178" cy="3549570"/>
-          </a:xfrm>
-        </p:spPr>
-        <p:txBody>
-          <a:bodyPr>
-            <a:normAutofit/>
-          </a:bodyPr>
-          <a:lstStyle/>
-          <a:p>
-            <a:r>
-              <a:rPr lang="en-US" sz="1800"/>
-              <a:t>EncryptNotes is a Note Taking Web-Application</a:t>
-            </a:r>
-          </a:p>
-          <a:p>
-            <a:r>
-              <a:rPr lang="en-US" sz="1800"/>
-              <a:t>It Secures every Note you make</a:t>
-            </a:r>
-          </a:p>
-          <a:p>
-            <a:r>
-              <a:rPr lang="en-US" sz="1800"/>
-              <a:t>It put multiple layers on it, so it most secure it can be</a:t>
-            </a:r>
-          </a:p>
-        </p:txBody>
-      </p:sp>
-      <p:pic>
-        <p:nvPicPr>
-          <p:cNvPr id="5" name="Picture 4" descr="A brown leather book with a lock&#10;&#10;AI-generated content may be incorrect.">
-            <a:extLst>
-              <a:ext uri="{FF2B5EF4-FFF2-40B4-BE49-F238E27FC236}">
-                <a16:creationId xmlns:a16="http://schemas.microsoft.com/office/drawing/2014/main" id="{F0BED1C7-548B-EFF9-9B7F-C7844A304090}"/>
-              </a:ext>
-            </a:extLst>
-          </p:cNvPr>
-          <p:cNvPicPr>
-            <a:picLocks noChangeAspect="1"/>
-          </p:cNvPicPr>
-          <p:nvPr/>
-        </p:nvPicPr>
-        <p:blipFill>
-          <a:blip r:embed="rId2">
-            <a:extLst>
-              <a:ext uri="{28A0092B-C50C-407E-A947-70E740481C1C}">
-                <a14:useLocalDpi xmlns:a14="http://schemas.microsoft.com/office/drawing/2010/main" val="0"/>
-              </a:ext>
-            </a:extLst>
-          </a:blip>
-          <a:srcRect t="567" r="2" b="4667"/>
-          <a:stretch/>
-        </p:blipFill>
-        <p:spPr>
-          <a:xfrm>
-            <a:off x="6636743" y="1238487"/>
-            <a:ext cx="4741120" cy="4493060"/>
-          </a:xfrm>
-          <a:prstGeom prst="rect">
-            <a:avLst/>
-          </a:prstGeom>
-        </p:spPr>
-      </p:pic>
-    </p:spTree>
-    <p:extLst>
-      <p:ext uri="{BB962C8B-B14F-4D97-AF65-F5344CB8AC3E}">
-        <p14:creationId xmlns:p14="http://schemas.microsoft.com/office/powerpoint/2010/main" val="3066159526"/>
-      </p:ext>
-    </p:extLst>
-  </p:cSld>
-  <p:clrMapOvr>
-    <a:masterClrMapping/>
-  </p:clrMapOvr>
-</p:sld>
-</file>
-
-<file path=ppt/slides/slide3.xml><?xml version="1.0" encoding="utf-8"?>
-<p:sld xmlns:a="http://schemas.openxmlformats.org/drawingml/2006/main" xmlns:r="http://schemas.openxmlformats.org/officeDocument/2006/relationships" xmlns:p="http://schemas.openxmlformats.org/presentationml/2006/main">
-  <p:cSld>
-    <p:bg>
-      <p:bgPr>
-        <a:solidFill>
-          <a:schemeClr val="accent1"/>
-        </a:solidFill>
-        <a:effectLst/>
-      </p:bgPr>
-    </p:bg>
-    <p:spTree>
-      <p:nvGrpSpPr>
-        <p:cNvPr id="1" name=""/>
-        <p:cNvGrpSpPr/>
-        <p:nvPr/>
-      </p:nvGrpSpPr>
-      <p:grpSpPr>
-        <a:xfrm>
-          <a:off x="0" y="0"/>
-          <a:ext cx="0" cy="0"/>
-          <a:chOff x="0" y="0"/>
-          <a:chExt cx="0" cy="0"/>
-        </a:xfrm>
-      </p:grpSpPr>
-      <p:sp>
-        <p:nvSpPr>
-          <p:cNvPr id="10" name="Rectangle 9">
-            <a:extLst>
-              <a:ext uri="{FF2B5EF4-FFF2-40B4-BE49-F238E27FC236}">
-                <a16:creationId xmlns:a16="http://schemas.microsoft.com/office/drawing/2014/main" id="{E3DC42C2-6B58-404C-B339-2C72808A5BE1}"/>
-              </a:ext>
-              <a:ext uri="{C183D7F6-B498-43B3-948B-1728B52AA6E4}">
-                <adec:decorative xmlns:adec="http://schemas.microsoft.com/office/drawing/2017/decorative" val="1"/>
-              </a:ext>
-            </a:extLst>
-          </p:cNvPr>
-          <p:cNvSpPr>
-            <a:spLocks noGrp="1" noRot="1" noChangeAspect="1" noMove="1" noResize="1" noEditPoints="1" noAdjustHandles="1" noChangeArrowheads="1" noChangeShapeType="1" noTextEdit="1"/>
-          </p:cNvSpPr>
-          <p:nvPr>
-            <p:extLst>
-              <p:ext uri="{386F3935-93C4-4BCD-93E2-E3B085C9AB24}">
-                <p16:designElem xmlns:p16="http://schemas.microsoft.com/office/powerpoint/2015/main" val="1"/>
-              </p:ext>
-            </p:extLst>
-          </p:nvPr>
-        </p:nvSpPr>
-        <p:spPr>
-          <a:xfrm>
-            <a:off x="231140" y="243840"/>
-            <a:ext cx="11724640" cy="6377939"/>
-          </a:xfrm>
-          <a:prstGeom prst="rect">
-            <a:avLst/>
-          </a:prstGeom>
-          <a:solidFill>
-            <a:schemeClr val="accent1"/>
-          </a:solidFill>
-          <a:ln w="12700">
-            <a:solidFill>
-              <a:srgbClr val="FFFFFF"/>
-            </a:solidFill>
-          </a:ln>
-        </p:spPr>
-        <p:style>
-          <a:lnRef idx="2">
-            <a:schemeClr val="accent1">
-              <a:shade val="50000"/>
-            </a:schemeClr>
-          </a:lnRef>
-          <a:fillRef idx="1">
-            <a:schemeClr val="accent1"/>
-          </a:fillRef>
-          <a:effectRef idx="0">
-            <a:schemeClr val="accent1"/>
-          </a:effectRef>
-          <a:fontRef idx="minor">
-            <a:schemeClr val="lt1"/>
-          </a:fontRef>
-        </p:style>
-        <p:txBody>
-          <a:bodyPr/>
-          <a:lstStyle/>
-          <a:p>
-            <a:endParaRPr lang="en-US"/>
-          </a:p>
-        </p:txBody>
-      </p:sp>
-      <p:sp>
-        <p:nvSpPr>
-          <p:cNvPr id="2" name="Title 1">
-            <a:extLst>
-              <a:ext uri="{FF2B5EF4-FFF2-40B4-BE49-F238E27FC236}">
-                <a16:creationId xmlns:a16="http://schemas.microsoft.com/office/drawing/2014/main" id="{ED6D358A-8EDB-EE82-8424-841E158B47BF}"/>
-              </a:ext>
-            </a:extLst>
-          </p:cNvPr>
-          <p:cNvSpPr>
-            <a:spLocks noGrp="1"/>
-          </p:cNvSpPr>
-          <p:nvPr>
-            <p:ph type="title"/>
-          </p:nvPr>
-        </p:nvSpPr>
-        <p:spPr>
-          <a:xfrm>
-            <a:off x="4441783" y="609600"/>
+            <a:off x="1143000" y="609600"/>
             <a:ext cx="6693061" cy="1356360"/>
-          </a:xfrm>
-        </p:spPr>
-        <p:txBody>
-          <a:bodyPr>
-            <a:normAutofit/>
-          </a:bodyPr>
-          <a:lstStyle/>
-          <a:p>
-            <a:r>
-              <a:rPr lang="en-US">
-                <a:solidFill>
-                  <a:srgbClr val="FFFFFF"/>
-                </a:solidFill>
-              </a:rPr>
-              <a:t>Why a Website?</a:t>
-            </a:r>
-          </a:p>
-        </p:txBody>
-      </p:sp>
-      <p:pic>
-        <p:nvPicPr>
-          <p:cNvPr id="5" name="Picture 4" descr="A question mark made out of black and white text&#10;&#10;AI-generated content may be incorrect.">
-            <a:extLst>
-              <a:ext uri="{FF2B5EF4-FFF2-40B4-BE49-F238E27FC236}">
-                <a16:creationId xmlns:a16="http://schemas.microsoft.com/office/drawing/2014/main" id="{0BD4D86C-ADC5-AE94-2D09-300563C40CBE}"/>
-              </a:ext>
-            </a:extLst>
-          </p:cNvPr>
-          <p:cNvPicPr>
-            <a:picLocks noChangeAspect="1"/>
-          </p:cNvPicPr>
-          <p:nvPr/>
-        </p:nvPicPr>
-        <p:blipFill>
-          <a:blip r:embed="rId2">
-            <a:extLst>
-              <a:ext uri="{28A0092B-C50C-407E-A947-70E740481C1C}">
-                <a14:useLocalDpi xmlns:a14="http://schemas.microsoft.com/office/drawing/2010/main" val="0"/>
-              </a:ext>
-            </a:extLst>
-          </a:blip>
-          <a:srcRect l="32842" r="29993" b="2"/>
-          <a:stretch/>
-        </p:blipFill>
-        <p:spPr>
-          <a:xfrm>
-            <a:off x="232861" y="243840"/>
-            <a:ext cx="3646837" cy="6377939"/>
-          </a:xfrm>
-          <a:prstGeom prst="rect">
-            <a:avLst/>
-          </a:prstGeom>
-        </p:spPr>
-      </p:pic>
-      <p:sp>
-        <p:nvSpPr>
-          <p:cNvPr id="3" name="Content Placeholder 2">
-            <a:extLst>
-              <a:ext uri="{FF2B5EF4-FFF2-40B4-BE49-F238E27FC236}">
-                <a16:creationId xmlns:a16="http://schemas.microsoft.com/office/drawing/2014/main" id="{2C799927-8327-BA63-E076-49A0A3DA8807}"/>
-              </a:ext>
-            </a:extLst>
-          </p:cNvPr>
-          <p:cNvSpPr>
-            <a:spLocks noGrp="1"/>
-          </p:cNvSpPr>
-          <p:nvPr>
-            <p:ph idx="1"/>
-          </p:nvPr>
-        </p:nvSpPr>
-        <p:spPr>
-          <a:xfrm>
-            <a:off x="4441783" y="2057400"/>
-            <a:ext cx="6693061" cy="4038600"/>
-          </a:xfrm>
-        </p:spPr>
-        <p:txBody>
-          <a:bodyPr>
-            <a:normAutofit/>
-          </a:bodyPr>
-          <a:lstStyle/>
-          <a:p>
-            <a:r>
-              <a:rPr lang="en-US">
-                <a:solidFill>
-                  <a:srgbClr val="FFFFFF"/>
-                </a:solidFill>
-              </a:rPr>
-              <a:t>It’s a website, because we thought it was the best place to have</a:t>
-            </a:r>
-          </a:p>
-          <a:p>
-            <a:r>
-              <a:rPr lang="en-US">
-                <a:solidFill>
-                  <a:srgbClr val="FFFFFF"/>
-                </a:solidFill>
-              </a:rPr>
-              <a:t>No, downloading needed</a:t>
-            </a:r>
-          </a:p>
-          <a:p>
-            <a:r>
-              <a:rPr lang="en-US">
-                <a:solidFill>
-                  <a:srgbClr val="FFFFFF"/>
-                </a:solidFill>
-              </a:rPr>
-              <a:t>It allows for easy access </a:t>
-            </a:r>
-          </a:p>
-          <a:p>
-            <a:r>
-              <a:rPr lang="en-US">
-                <a:solidFill>
-                  <a:srgbClr val="FFFFFF"/>
-                </a:solidFill>
-              </a:rPr>
-              <a:t>It gave us a good environment to develop and create our application</a:t>
-            </a:r>
-          </a:p>
-          <a:p>
-            <a:endParaRPr lang="en-US">
-              <a:solidFill>
-                <a:srgbClr val="FFFFFF"/>
-              </a:solidFill>
-            </a:endParaRPr>
-          </a:p>
-        </p:txBody>
-      </p:sp>
-      <p:sp>
-        <p:nvSpPr>
-          <p:cNvPr id="12" name="Rectangle 11">
-            <a:extLst>
-              <a:ext uri="{FF2B5EF4-FFF2-40B4-BE49-F238E27FC236}">
-                <a16:creationId xmlns:a16="http://schemas.microsoft.com/office/drawing/2014/main" id="{FCF82941-5589-49BF-B6B1-76122B2D0EA6}"/>
-              </a:ext>
-              <a:ext uri="{C183D7F6-B498-43B3-948B-1728B52AA6E4}">
-                <adec:decorative xmlns:adec="http://schemas.microsoft.com/office/drawing/2017/decorative" val="1"/>
-              </a:ext>
-            </a:extLst>
-          </p:cNvPr>
-          <p:cNvSpPr>
-            <a:spLocks noGrp="1" noRot="1" noChangeAspect="1" noMove="1" noResize="1" noEditPoints="1" noAdjustHandles="1" noChangeArrowheads="1" noChangeShapeType="1" noTextEdit="1"/>
-          </p:cNvSpPr>
-          <p:nvPr>
-            <p:extLst>
-              <p:ext uri="{386F3935-93C4-4BCD-93E2-E3B085C9AB24}">
-                <p16:designElem xmlns:p16="http://schemas.microsoft.com/office/powerpoint/2015/main" val="1"/>
-              </p:ext>
-            </p:extLst>
-          </p:nvPr>
-        </p:nvSpPr>
-        <p:spPr>
-          <a:xfrm>
-            <a:off x="228600" y="243840"/>
-            <a:ext cx="11724640" cy="6377939"/>
-          </a:xfrm>
-          <a:prstGeom prst="rect">
-            <a:avLst/>
-          </a:prstGeom>
-          <a:noFill/>
-          <a:ln w="12700">
-            <a:solidFill>
-              <a:schemeClr val="bg1"/>
-            </a:solidFill>
-          </a:ln>
-        </p:spPr>
-        <p:style>
-          <a:lnRef idx="2">
-            <a:schemeClr val="accent1">
-              <a:shade val="50000"/>
-            </a:schemeClr>
-          </a:lnRef>
-          <a:fillRef idx="1">
-            <a:schemeClr val="accent1"/>
-          </a:fillRef>
-          <a:effectRef idx="0">
-            <a:schemeClr val="accent1"/>
-          </a:effectRef>
-          <a:fontRef idx="minor">
-            <a:schemeClr val="lt1"/>
-          </a:fontRef>
-        </p:style>
-        <p:txBody>
-          <a:bodyPr/>
-          <a:lstStyle/>
-          <a:p>
-            <a:endParaRPr lang="en-US"/>
-          </a:p>
-        </p:txBody>
-      </p:sp>
-    </p:spTree>
-    <p:extLst>
-      <p:ext uri="{BB962C8B-B14F-4D97-AF65-F5344CB8AC3E}">
-        <p14:creationId xmlns:p14="http://schemas.microsoft.com/office/powerpoint/2010/main" val="32657007"/>
-      </p:ext>
-    </p:extLst>
-  </p:cSld>
-  <p:clrMapOvr>
-    <a:masterClrMapping/>
-  </p:clrMapOvr>
-</p:sld>
-</file>
-
-<file path=ppt/slides/slide4.xml><?xml version="1.0" encoding="utf-8"?>
-<p:sld xmlns:a="http://schemas.openxmlformats.org/drawingml/2006/main" xmlns:r="http://schemas.openxmlformats.org/officeDocument/2006/relationships" xmlns:p="http://schemas.openxmlformats.org/presentationml/2006/main">
-  <p:cSld>
-    <p:spTree>
-      <p:nvGrpSpPr>
-        <p:cNvPr id="1" name=""/>
-        <p:cNvGrpSpPr/>
-        <p:nvPr/>
-      </p:nvGrpSpPr>
-      <p:grpSpPr>
-        <a:xfrm>
-          <a:off x="0" y="0"/>
-          <a:ext cx="0" cy="0"/>
-          <a:chOff x="0" y="0"/>
-          <a:chExt cx="0" cy="0"/>
-        </a:xfrm>
-      </p:grpSpPr>
-      <p:sp>
-        <p:nvSpPr>
-          <p:cNvPr id="2" name="Title 1">
-            <a:extLst>
-              <a:ext uri="{FF2B5EF4-FFF2-40B4-BE49-F238E27FC236}">
-                <a16:creationId xmlns:a16="http://schemas.microsoft.com/office/drawing/2014/main" id="{B69001AC-56C2-65A2-A768-DE37E7EB707D}"/>
-              </a:ext>
-            </a:extLst>
-          </p:cNvPr>
-          <p:cNvSpPr>
-            <a:spLocks noGrp="1"/>
-          </p:cNvSpPr>
-          <p:nvPr>
-            <p:ph type="title"/>
-          </p:nvPr>
-        </p:nvSpPr>
-        <p:spPr/>
-        <p:txBody>
-          <a:bodyPr/>
-          <a:lstStyle/>
-          <a:p>
-            <a:r>
-              <a:rPr lang="en-US" dirty="0"/>
-              <a:t>So How Do You Use It?</a:t>
-            </a:r>
-          </a:p>
-        </p:txBody>
-      </p:sp>
-      <p:pic>
-        <p:nvPicPr>
-          <p:cNvPr id="5" name="Content Placeholder 4" descr="A screenshot of a phone&#10;&#10;AI-generated content may be incorrect.">
-            <a:extLst>
-              <a:ext uri="{FF2B5EF4-FFF2-40B4-BE49-F238E27FC236}">
-                <a16:creationId xmlns:a16="http://schemas.microsoft.com/office/drawing/2014/main" id="{DE8FF931-DB2D-53D3-355E-B568002B6544}"/>
-              </a:ext>
-            </a:extLst>
-          </p:cNvPr>
-          <p:cNvPicPr>
-            <a:picLocks noGrp="1" noChangeAspect="1"/>
-          </p:cNvPicPr>
-          <p:nvPr>
-            <p:ph idx="1"/>
-          </p:nvPr>
-        </p:nvPicPr>
-        <p:blipFill>
-          <a:blip r:embed="rId2">
-            <a:extLst>
-              <a:ext uri="{28A0092B-C50C-407E-A947-70E740481C1C}">
-                <a14:useLocalDpi xmlns:a14="http://schemas.microsoft.com/office/drawing/2010/main" val="0"/>
-              </a:ext>
-            </a:extLst>
-          </a:blip>
-          <a:stretch>
-            <a:fillRect/>
-          </a:stretch>
-        </p:blipFill>
-        <p:spPr>
-          <a:xfrm>
-            <a:off x="1068740" y="1965960"/>
-            <a:ext cx="9949780" cy="4024630"/>
-          </a:xfrm>
-        </p:spPr>
-      </p:pic>
-    </p:spTree>
-    <p:extLst>
-      <p:ext uri="{BB962C8B-B14F-4D97-AF65-F5344CB8AC3E}">
-        <p14:creationId xmlns:p14="http://schemas.microsoft.com/office/powerpoint/2010/main" val="3556975735"/>
-      </p:ext>
-    </p:extLst>
-  </p:cSld>
-  <p:clrMapOvr>
-    <a:masterClrMapping/>
-  </p:clrMapOvr>
-</p:sld>
-</file>
-
-<file path=ppt/slides/slide5.xml><?xml version="1.0" encoding="utf-8"?>
-<p:sld xmlns:a="http://schemas.openxmlformats.org/drawingml/2006/main" xmlns:r="http://schemas.openxmlformats.org/officeDocument/2006/relationships" xmlns:p="http://schemas.openxmlformats.org/presentationml/2006/main">
-  <p:cSld>
-    <p:bg>
-      <p:bgPr>
-        <a:solidFill>
-          <a:schemeClr val="accent1"/>
-        </a:solidFill>
-        <a:effectLst/>
-      </p:bgPr>
-    </p:bg>
-    <p:spTree>
-      <p:nvGrpSpPr>
-        <p:cNvPr id="1" name=""/>
-        <p:cNvGrpSpPr/>
-        <p:nvPr/>
-      </p:nvGrpSpPr>
-      <p:grpSpPr>
-        <a:xfrm>
-          <a:off x="0" y="0"/>
-          <a:ext cx="0" cy="0"/>
-          <a:chOff x="0" y="0"/>
-          <a:chExt cx="0" cy="0"/>
-        </a:xfrm>
-      </p:grpSpPr>
-      <p:sp>
-        <p:nvSpPr>
-          <p:cNvPr id="10" name="Rectangle 9">
-            <a:extLst>
-              <a:ext uri="{FF2B5EF4-FFF2-40B4-BE49-F238E27FC236}">
-                <a16:creationId xmlns:a16="http://schemas.microsoft.com/office/drawing/2014/main" id="{E9271C28-7496-4447-8541-7B39F5E9480A}"/>
-              </a:ext>
-              <a:ext uri="{C183D7F6-B498-43B3-948B-1728B52AA6E4}">
-                <adec:decorative xmlns:adec="http://schemas.microsoft.com/office/drawing/2017/decorative" val="1"/>
-              </a:ext>
-            </a:extLst>
-          </p:cNvPr>
-          <p:cNvSpPr>
-            <a:spLocks noGrp="1" noRot="1" noChangeAspect="1" noMove="1" noResize="1" noEditPoints="1" noAdjustHandles="1" noChangeArrowheads="1" noChangeShapeType="1" noTextEdit="1"/>
-          </p:cNvSpPr>
-          <p:nvPr>
-            <p:extLst>
-              <p:ext uri="{386F3935-93C4-4BCD-93E2-E3B085C9AB24}">
-                <p16:designElem xmlns:p16="http://schemas.microsoft.com/office/powerpoint/2015/main" val="1"/>
-              </p:ext>
-            </p:extLst>
-          </p:nvPr>
-        </p:nvSpPr>
-        <p:spPr>
-          <a:xfrm>
-            <a:off x="231140" y="243840"/>
-            <a:ext cx="11724640" cy="6377939"/>
-          </a:xfrm>
-          <a:prstGeom prst="rect">
-            <a:avLst/>
-          </a:prstGeom>
-          <a:solidFill>
-            <a:schemeClr val="bg1"/>
-          </a:solidFill>
-          <a:ln w="12700">
-            <a:noFill/>
-          </a:ln>
-        </p:spPr>
-        <p:style>
-          <a:lnRef idx="2">
-            <a:schemeClr val="accent1">
-              <a:shade val="50000"/>
-            </a:schemeClr>
-          </a:lnRef>
-          <a:fillRef idx="1">
-            <a:schemeClr val="accent1"/>
-          </a:fillRef>
-          <a:effectRef idx="0">
-            <a:schemeClr val="accent1"/>
-          </a:effectRef>
-          <a:fontRef idx="minor">
-            <a:schemeClr val="lt1"/>
-          </a:fontRef>
-        </p:style>
-        <p:txBody>
-          <a:bodyPr/>
-          <a:lstStyle/>
-          <a:p>
-            <a:endParaRPr lang="en-US"/>
-          </a:p>
-        </p:txBody>
-      </p:sp>
-      <p:sp>
-        <p:nvSpPr>
-          <p:cNvPr id="2" name="Title 1">
-            <a:extLst>
-              <a:ext uri="{FF2B5EF4-FFF2-40B4-BE49-F238E27FC236}">
-                <a16:creationId xmlns:a16="http://schemas.microsoft.com/office/drawing/2014/main" id="{DEAC2CC3-FAB7-32F3-3CBD-53B38F75D507}"/>
-              </a:ext>
-            </a:extLst>
-          </p:cNvPr>
-          <p:cNvSpPr>
-            <a:spLocks noGrp="1"/>
-          </p:cNvSpPr>
-          <p:nvPr>
-            <p:ph type="title"/>
-          </p:nvPr>
-        </p:nvSpPr>
-        <p:spPr>
-          <a:xfrm>
-            <a:off x="6106704" y="609600"/>
-            <a:ext cx="5364444" cy="1356360"/>
-          </a:xfrm>
-        </p:spPr>
-        <p:txBody>
-          <a:bodyPr>
-            <a:normAutofit/>
-          </a:bodyPr>
-          <a:lstStyle/>
-          <a:p>
-            <a:r>
-              <a:rPr lang="en-US" dirty="0"/>
-              <a:t>Who would use it?</a:t>
-            </a:r>
-          </a:p>
-        </p:txBody>
-      </p:sp>
-      <p:pic>
-        <p:nvPicPr>
-          <p:cNvPr id="5" name="Picture 4" descr="A blue shield with a check mark&#10;&#10;AI-generated content may be incorrect.">
-            <a:extLst>
-              <a:ext uri="{FF2B5EF4-FFF2-40B4-BE49-F238E27FC236}">
-                <a16:creationId xmlns:a16="http://schemas.microsoft.com/office/drawing/2014/main" id="{8D25DB05-E524-C7C7-8554-43E92BD7B852}"/>
-              </a:ext>
-            </a:extLst>
-          </p:cNvPr>
-          <p:cNvPicPr>
-            <a:picLocks noChangeAspect="1"/>
-          </p:cNvPicPr>
-          <p:nvPr/>
-        </p:nvPicPr>
-        <p:blipFill>
-          <a:blip r:embed="rId2">
-            <a:extLst>
-              <a:ext uri="{28A0092B-C50C-407E-A947-70E740481C1C}">
-                <a14:useLocalDpi xmlns:a14="http://schemas.microsoft.com/office/drawing/2010/main" val="0"/>
-              </a:ext>
-            </a:extLst>
-          </a:blip>
-          <a:stretch>
-            <a:fillRect/>
-          </a:stretch>
-        </p:blipFill>
-        <p:spPr>
-          <a:xfrm>
-            <a:off x="872064" y="1131152"/>
-            <a:ext cx="4593715" cy="4593715"/>
-          </a:xfrm>
-          <a:prstGeom prst="rect">
-            <a:avLst/>
-          </a:prstGeom>
-        </p:spPr>
-      </p:pic>
-      <p:sp>
-        <p:nvSpPr>
-          <p:cNvPr id="3" name="Content Placeholder 2">
-            <a:extLst>
-              <a:ext uri="{FF2B5EF4-FFF2-40B4-BE49-F238E27FC236}">
-                <a16:creationId xmlns:a16="http://schemas.microsoft.com/office/drawing/2014/main" id="{A89A922D-9891-E823-39AB-250603C3AB48}"/>
-              </a:ext>
-            </a:extLst>
-          </p:cNvPr>
-          <p:cNvSpPr>
-            <a:spLocks noGrp="1"/>
-          </p:cNvSpPr>
-          <p:nvPr>
-            <p:ph idx="1"/>
-          </p:nvPr>
-        </p:nvSpPr>
-        <p:spPr>
-          <a:xfrm>
-            <a:off x="6106703" y="2057400"/>
-            <a:ext cx="5364444" cy="4038600"/>
-          </a:xfrm>
-        </p:spPr>
-        <p:txBody>
-          <a:bodyPr>
-            <a:normAutofit/>
-          </a:bodyPr>
-          <a:lstStyle/>
-          <a:p>
-            <a:r>
-              <a:rPr lang="en-US" dirty="0"/>
-              <a:t>There isn’t really a specific type of person we are targeting</a:t>
-            </a:r>
-          </a:p>
-          <a:p>
-            <a:r>
-              <a:rPr lang="en-US" dirty="0"/>
-              <a:t>Anyone can use it  Young, Old, Woman, Man</a:t>
-            </a:r>
-          </a:p>
-          <a:p>
-            <a:r>
-              <a:rPr lang="en-US" dirty="0"/>
-              <a:t>If anyone it’s those who like to be safe and secure with their information</a:t>
-            </a:r>
-          </a:p>
-        </p:txBody>
-      </p:sp>
-    </p:spTree>
-    <p:extLst>
-      <p:ext uri="{BB962C8B-B14F-4D97-AF65-F5344CB8AC3E}">
-        <p14:creationId xmlns:p14="http://schemas.microsoft.com/office/powerpoint/2010/main" val="4062533842"/>
-      </p:ext>
-    </p:extLst>
-  </p:cSld>
-  <p:clrMapOvr>
-    <a:masterClrMapping/>
-  </p:clrMapOvr>
-</p:sld>
-</file>
-
-<file path=ppt/slides/slide6.xml><?xml version="1.0" encoding="utf-8"?>
-<p:sld xmlns:a="http://schemas.openxmlformats.org/drawingml/2006/main" xmlns:r="http://schemas.openxmlformats.org/officeDocument/2006/relationships" xmlns:p="http://schemas.openxmlformats.org/presentationml/2006/main">
-  <p:cSld>
-    <p:bg>
-      <p:bgPr>
-        <a:solidFill>
-          <a:schemeClr val="accent1"/>
-        </a:solidFill>
-        <a:effectLst/>
-      </p:bgPr>
-    </p:bg>
-    <p:spTree>
-      <p:nvGrpSpPr>
-        <p:cNvPr id="1" name=""/>
-        <p:cNvGrpSpPr/>
-        <p:nvPr/>
-      </p:nvGrpSpPr>
-      <p:grpSpPr>
-        <a:xfrm>
-          <a:off x="0" y="0"/>
-          <a:ext cx="0" cy="0"/>
-          <a:chOff x="0" y="0"/>
-          <a:chExt cx="0" cy="0"/>
-        </a:xfrm>
-      </p:grpSpPr>
-      <p:sp>
-        <p:nvSpPr>
-          <p:cNvPr id="10" name="Rectangle 9">
-            <a:extLst>
-              <a:ext uri="{FF2B5EF4-FFF2-40B4-BE49-F238E27FC236}">
-                <a16:creationId xmlns:a16="http://schemas.microsoft.com/office/drawing/2014/main" id="{BA2EA6A6-CD0C-4CFD-8EC2-AA44F9870331}"/>
-              </a:ext>
-              <a:ext uri="{C183D7F6-B498-43B3-948B-1728B52AA6E4}">
-                <adec:decorative xmlns:adec="http://schemas.microsoft.com/office/drawing/2017/decorative" val="1"/>
-              </a:ext>
-            </a:extLst>
-          </p:cNvPr>
-          <p:cNvSpPr>
-            <a:spLocks noGrp="1" noRot="1" noChangeAspect="1" noMove="1" noResize="1" noEditPoints="1" noAdjustHandles="1" noChangeArrowheads="1" noChangeShapeType="1" noTextEdit="1"/>
-          </p:cNvSpPr>
-          <p:nvPr>
-            <p:extLst>
-              <p:ext uri="{386F3935-93C4-4BCD-93E2-E3B085C9AB24}">
-                <p16:designElem xmlns:p16="http://schemas.microsoft.com/office/powerpoint/2015/main" val="1"/>
-              </p:ext>
-            </p:extLst>
-          </p:nvPr>
-        </p:nvSpPr>
-        <p:spPr>
-          <a:xfrm>
-            <a:off x="231140" y="243840"/>
-            <a:ext cx="11724640" cy="6377939"/>
-          </a:xfrm>
-          <a:prstGeom prst="rect">
-            <a:avLst/>
-          </a:prstGeom>
-          <a:solidFill>
-            <a:schemeClr val="bg1"/>
-          </a:solidFill>
-          <a:ln w="12700">
-            <a:noFill/>
-          </a:ln>
-        </p:spPr>
-        <p:style>
-          <a:lnRef idx="2">
-            <a:schemeClr val="accent1">
-              <a:shade val="50000"/>
-            </a:schemeClr>
-          </a:lnRef>
-          <a:fillRef idx="1">
-            <a:schemeClr val="accent1"/>
-          </a:fillRef>
-          <a:effectRef idx="0">
-            <a:schemeClr val="accent1"/>
-          </a:effectRef>
-          <a:fontRef idx="minor">
-            <a:schemeClr val="lt1"/>
-          </a:fontRef>
-        </p:style>
-        <p:txBody>
-          <a:bodyPr/>
-          <a:lstStyle/>
-          <a:p>
-            <a:endParaRPr lang="en-US"/>
-          </a:p>
-        </p:txBody>
-      </p:sp>
-      <p:sp>
-        <p:nvSpPr>
-          <p:cNvPr id="2" name="Title 1">
-            <a:extLst>
-              <a:ext uri="{FF2B5EF4-FFF2-40B4-BE49-F238E27FC236}">
-                <a16:creationId xmlns:a16="http://schemas.microsoft.com/office/drawing/2014/main" id="{8CC2B571-970B-B442-8873-8B5028DC68CA}"/>
-              </a:ext>
-            </a:extLst>
-          </p:cNvPr>
-          <p:cNvSpPr>
-            <a:spLocks noGrp="1"/>
-          </p:cNvSpPr>
-          <p:nvPr>
-            <p:ph type="title"/>
-          </p:nvPr>
-        </p:nvSpPr>
-        <p:spPr>
-          <a:xfrm>
-            <a:off x="7558564" y="609600"/>
-            <a:ext cx="3912583" cy="1356360"/>
           </a:xfrm>
         </p:spPr>
         <p:txBody>
@@ -5119,55 +4120,17 @@
           <a:p>
             <a:r>
               <a:rPr lang="en-US" dirty="0"/>
-              <a:t>Sign up page</a:t>
-            </a:r>
-          </a:p>
-        </p:txBody>
-      </p:sp>
-      <p:pic>
-        <p:nvPicPr>
-          <p:cNvPr id="5" name="Content Placeholder 4" descr="A screenshot of a computer&#10;&#10;Description automatically generated">
+              <a:t>Login/profile page</a:t>
+            </a:r>
+          </a:p>
+        </p:txBody>
+      </p:sp>
+      <p:sp>
+        <p:nvSpPr>
+          <p:cNvPr id="3" name="Content Placeholder 2">
             <a:extLst>
               <a:ext uri="{FF2B5EF4-FFF2-40B4-BE49-F238E27FC236}">
-                <a16:creationId xmlns:a16="http://schemas.microsoft.com/office/drawing/2014/main" id="{7AF9F743-ED2E-82CC-2CC8-FBD486A4AEC6}"/>
-              </a:ext>
-            </a:extLst>
-          </p:cNvPr>
-          <p:cNvPicPr>
-            <a:picLocks noGrp="1" noChangeAspect="1"/>
-          </p:cNvPicPr>
-          <p:nvPr>
-            <p:ph idx="1"/>
-          </p:nvPr>
-        </p:nvPicPr>
-        <p:blipFill>
-          <a:blip r:embed="rId2">
-            <a:extLst>
-              <a:ext uri="{28A0092B-C50C-407E-A947-70E740481C1C}">
-                <a14:useLocalDpi xmlns:a14="http://schemas.microsoft.com/office/drawing/2010/main" val="0"/>
-              </a:ext>
-            </a:extLst>
-          </a:blip>
-          <a:stretch>
-            <a:fillRect/>
-          </a:stretch>
-        </p:blipFill>
-        <p:spPr>
-          <a:xfrm>
-            <a:off x="634252" y="1730535"/>
-            <a:ext cx="6439679" cy="3396929"/>
-          </a:xfrm>
-          <a:prstGeom prst="rect">
-            <a:avLst/>
-          </a:prstGeom>
-        </p:spPr>
-      </p:pic>
-      <p:sp>
-        <p:nvSpPr>
-          <p:cNvPr id="4" name="Content Placeholder 2">
-            <a:extLst>
-              <a:ext uri="{FF2B5EF4-FFF2-40B4-BE49-F238E27FC236}">
-                <a16:creationId xmlns:a16="http://schemas.microsoft.com/office/drawing/2014/main" id="{C9C84139-E2DA-1E9E-5286-290E83F7E0D8}"/>
+                <a16:creationId xmlns:a16="http://schemas.microsoft.com/office/drawing/2014/main" id="{752AD678-856D-9F46-B1C4-2FBB41BCCA9D}"/>
               </a:ext>
             </a:extLst>
           </p:cNvPr>
@@ -5178,8 +4141,8 @@
         </p:nvSpPr>
         <p:spPr>
           <a:xfrm>
-            <a:off x="7558564" y="1965960"/>
-            <a:ext cx="3912583" cy="4038600"/>
+            <a:off x="1143000" y="2057400"/>
+            <a:ext cx="6693061" cy="1211579"/>
           </a:xfrm>
           <a:prstGeom prst="rect">
             <a:avLst/>
@@ -5416,21 +4379,1217 @@
           <a:p>
             <a:r>
               <a:rPr lang="en-US" dirty="0"/>
-              <a:t>Here is an Image of the first step in the, How Do You It? Flow Chart.</a:t>
+              <a:t>Here is an Image of the second step.</a:t>
             </a:r>
           </a:p>
           <a:p>
             <a:r>
               <a:rPr lang="en-US" dirty="0"/>
-              <a:t>User Creation</a:t>
-            </a:r>
-          </a:p>
-        </p:txBody>
-      </p:sp>
+              <a:t>This is showing the Login page and User page once Logged in.</a:t>
+            </a:r>
+          </a:p>
+        </p:txBody>
+      </p:sp>
+      <p:pic>
+        <p:nvPicPr>
+          <p:cNvPr id="5" name="Content Placeholder 4" descr="A screenshot of a computer&#10;&#10;Description automatically generated">
+            <a:extLst>
+              <a:ext uri="{FF2B5EF4-FFF2-40B4-BE49-F238E27FC236}">
+                <a16:creationId xmlns:a16="http://schemas.microsoft.com/office/drawing/2014/main" id="{1A9586D7-F8A7-A355-9C5C-98C7BE3C6757}"/>
+              </a:ext>
+            </a:extLst>
+          </p:cNvPr>
+          <p:cNvPicPr>
+            <a:picLocks noGrp="1" noChangeAspect="1"/>
+          </p:cNvPicPr>
+          <p:nvPr>
+            <p:ph idx="1"/>
+          </p:nvPr>
+        </p:nvPicPr>
+        <p:blipFill>
+          <a:blip r:embed="rId2">
+            <a:extLst>
+              <a:ext uri="{28A0092B-C50C-407E-A947-70E740481C1C}">
+                <a14:useLocalDpi xmlns:a14="http://schemas.microsoft.com/office/drawing/2010/main" val="0"/>
+              </a:ext>
+            </a:extLst>
+          </a:blip>
+          <a:stretch>
+            <a:fillRect/>
+          </a:stretch>
+        </p:blipFill>
+        <p:spPr>
+          <a:xfrm>
+            <a:off x="426461" y="3548990"/>
+            <a:ext cx="5496817" cy="2913313"/>
+          </a:xfrm>
+          <a:prstGeom prst="rect">
+            <a:avLst/>
+          </a:prstGeom>
+        </p:spPr>
+      </p:pic>
+      <p:pic>
+        <p:nvPicPr>
+          <p:cNvPr id="7" name="Picture 6" descr="A screenshot of a computer&#10;&#10;Description automatically generated">
+            <a:extLst>
+              <a:ext uri="{FF2B5EF4-FFF2-40B4-BE49-F238E27FC236}">
+                <a16:creationId xmlns:a16="http://schemas.microsoft.com/office/drawing/2014/main" id="{034856D5-3F6C-18DF-164D-29B553E9EFDE}"/>
+              </a:ext>
+            </a:extLst>
+          </p:cNvPr>
+          <p:cNvPicPr>
+            <a:picLocks noChangeAspect="1"/>
+          </p:cNvPicPr>
+          <p:nvPr/>
+        </p:nvPicPr>
+        <p:blipFill>
+          <a:blip r:embed="rId3">
+            <a:extLst>
+              <a:ext uri="{28A0092B-C50C-407E-A947-70E740481C1C}">
+                <a14:useLocalDpi xmlns:a14="http://schemas.microsoft.com/office/drawing/2010/main" val="0"/>
+              </a:ext>
+            </a:extLst>
+          </a:blip>
+          <a:stretch>
+            <a:fillRect/>
+          </a:stretch>
+        </p:blipFill>
+        <p:spPr>
+          <a:xfrm>
+            <a:off x="6268722" y="3548989"/>
+            <a:ext cx="5496818" cy="2913313"/>
+          </a:xfrm>
+          <a:prstGeom prst="rect">
+            <a:avLst/>
+          </a:prstGeom>
+        </p:spPr>
+      </p:pic>
     </p:spTree>
     <p:extLst>
       <p:ext uri="{BB962C8B-B14F-4D97-AF65-F5344CB8AC3E}">
-        <p14:creationId xmlns:p14="http://schemas.microsoft.com/office/powerpoint/2010/main" val="56101013"/>
+        <p14:creationId xmlns:p14="http://schemas.microsoft.com/office/powerpoint/2010/main" val="3077850337"/>
+      </p:ext>
+    </p:extLst>
+  </p:cSld>
+  <p:clrMapOvr>
+    <a:masterClrMapping/>
+  </p:clrMapOvr>
+</p:sld>
+</file>
+
+<file path=ppt/slides/slide11.xml><?xml version="1.0" encoding="utf-8"?>
+<p:sld xmlns:a="http://schemas.openxmlformats.org/drawingml/2006/main" xmlns:r="http://schemas.openxmlformats.org/officeDocument/2006/relationships" xmlns:p="http://schemas.openxmlformats.org/presentationml/2006/main" show="0">
+  <p:cSld>
+    <p:spTree>
+      <p:nvGrpSpPr>
+        <p:cNvPr id="1" name=""/>
+        <p:cNvGrpSpPr/>
+        <p:nvPr/>
+      </p:nvGrpSpPr>
+      <p:grpSpPr>
+        <a:xfrm>
+          <a:off x="0" y="0"/>
+          <a:ext cx="0" cy="0"/>
+          <a:chOff x="0" y="0"/>
+          <a:chExt cx="0" cy="0"/>
+        </a:xfrm>
+      </p:grpSpPr>
+      <p:sp>
+        <p:nvSpPr>
+          <p:cNvPr id="2" name="Title 1">
+            <a:extLst>
+              <a:ext uri="{FF2B5EF4-FFF2-40B4-BE49-F238E27FC236}">
+                <a16:creationId xmlns:a16="http://schemas.microsoft.com/office/drawing/2014/main" id="{F50045C5-0806-3459-42E3-F88312854760}"/>
+              </a:ext>
+            </a:extLst>
+          </p:cNvPr>
+          <p:cNvSpPr>
+            <a:spLocks noGrp="1"/>
+          </p:cNvSpPr>
+          <p:nvPr>
+            <p:ph type="title"/>
+          </p:nvPr>
+        </p:nvSpPr>
+        <p:spPr>
+          <a:xfrm>
+            <a:off x="688844" y="800698"/>
+            <a:ext cx="4018280" cy="909320"/>
+          </a:xfrm>
+        </p:spPr>
+        <p:txBody>
+          <a:bodyPr/>
+          <a:lstStyle/>
+          <a:p>
+            <a:r>
+              <a:rPr lang="en-US" dirty="0"/>
+              <a:t>Note Pages</a:t>
+            </a:r>
+          </a:p>
+        </p:txBody>
+      </p:sp>
+      <p:pic>
+        <p:nvPicPr>
+          <p:cNvPr id="5" name="Content Placeholder 4" descr="A screenshot of a computer&#10;&#10;Description automatically generated">
+            <a:extLst>
+              <a:ext uri="{FF2B5EF4-FFF2-40B4-BE49-F238E27FC236}">
+                <a16:creationId xmlns:a16="http://schemas.microsoft.com/office/drawing/2014/main" id="{E51A887C-6B9B-9C27-A452-8D5914FF8FD1}"/>
+              </a:ext>
+            </a:extLst>
+          </p:cNvPr>
+          <p:cNvPicPr>
+            <a:picLocks noGrp="1" noChangeAspect="1"/>
+          </p:cNvPicPr>
+          <p:nvPr>
+            <p:ph idx="1"/>
+          </p:nvPr>
+        </p:nvPicPr>
+        <p:blipFill>
+          <a:blip r:embed="rId2">
+            <a:extLst>
+              <a:ext uri="{28A0092B-C50C-407E-A947-70E740481C1C}">
+                <a14:useLocalDpi xmlns:a14="http://schemas.microsoft.com/office/drawing/2010/main" val="0"/>
+              </a:ext>
+            </a:extLst>
+          </a:blip>
+          <a:stretch>
+            <a:fillRect/>
+          </a:stretch>
+        </p:blipFill>
+        <p:spPr>
+          <a:xfrm>
+            <a:off x="6297164" y="3533391"/>
+            <a:ext cx="5407156" cy="2864271"/>
+          </a:xfrm>
+        </p:spPr>
+      </p:pic>
+      <p:pic>
+        <p:nvPicPr>
+          <p:cNvPr id="7" name="Picture 6" descr="A screenshot of a computer&#10;&#10;Description automatically generated">
+            <a:extLst>
+              <a:ext uri="{FF2B5EF4-FFF2-40B4-BE49-F238E27FC236}">
+                <a16:creationId xmlns:a16="http://schemas.microsoft.com/office/drawing/2014/main" id="{0F510282-DB10-C03C-FB40-38E51C615D5F}"/>
+              </a:ext>
+            </a:extLst>
+          </p:cNvPr>
+          <p:cNvPicPr>
+            <a:picLocks noChangeAspect="1"/>
+          </p:cNvPicPr>
+          <p:nvPr/>
+        </p:nvPicPr>
+        <p:blipFill>
+          <a:blip r:embed="rId3">
+            <a:extLst>
+              <a:ext uri="{28A0092B-C50C-407E-A947-70E740481C1C}">
+                <a14:useLocalDpi xmlns:a14="http://schemas.microsoft.com/office/drawing/2010/main" val="0"/>
+              </a:ext>
+            </a:extLst>
+          </a:blip>
+          <a:stretch>
+            <a:fillRect/>
+          </a:stretch>
+        </p:blipFill>
+        <p:spPr>
+          <a:xfrm>
+            <a:off x="6297164" y="460338"/>
+            <a:ext cx="5417811" cy="2867089"/>
+          </a:xfrm>
+          <a:prstGeom prst="rect">
+            <a:avLst/>
+          </a:prstGeom>
+        </p:spPr>
+      </p:pic>
+      <p:pic>
+        <p:nvPicPr>
+          <p:cNvPr id="9" name="Picture 8" descr="A screenshot of a computer&#10;&#10;Description automatically generated">
+            <a:extLst>
+              <a:ext uri="{FF2B5EF4-FFF2-40B4-BE49-F238E27FC236}">
+                <a16:creationId xmlns:a16="http://schemas.microsoft.com/office/drawing/2014/main" id="{BDD12FDF-E2C2-BB87-6254-CF9F07A3D80B}"/>
+              </a:ext>
+            </a:extLst>
+          </p:cNvPr>
+          <p:cNvPicPr>
+            <a:picLocks noChangeAspect="1"/>
+          </p:cNvPicPr>
+          <p:nvPr/>
+        </p:nvPicPr>
+        <p:blipFill>
+          <a:blip r:embed="rId4">
+            <a:extLst>
+              <a:ext uri="{28A0092B-C50C-407E-A947-70E740481C1C}">
+                <a14:useLocalDpi xmlns:a14="http://schemas.microsoft.com/office/drawing/2010/main" val="0"/>
+              </a:ext>
+            </a:extLst>
+          </a:blip>
+          <a:stretch>
+            <a:fillRect/>
+          </a:stretch>
+        </p:blipFill>
+        <p:spPr>
+          <a:xfrm>
+            <a:off x="688844" y="2280893"/>
+            <a:ext cx="5407156" cy="2867089"/>
+          </a:xfrm>
+          <a:prstGeom prst="rect">
+            <a:avLst/>
+          </a:prstGeom>
+        </p:spPr>
+      </p:pic>
+    </p:spTree>
+    <p:extLst>
+      <p:ext uri="{BB962C8B-B14F-4D97-AF65-F5344CB8AC3E}">
+        <p14:creationId xmlns:p14="http://schemas.microsoft.com/office/powerpoint/2010/main" val="72053064"/>
+      </p:ext>
+    </p:extLst>
+  </p:cSld>
+  <p:clrMapOvr>
+    <a:masterClrMapping/>
+  </p:clrMapOvr>
+</p:sld>
+</file>
+
+<file path=ppt/slides/slide12.xml><?xml version="1.0" encoding="utf-8"?>
+<p:sld xmlns:a="http://schemas.openxmlformats.org/drawingml/2006/main" xmlns:r="http://schemas.openxmlformats.org/officeDocument/2006/relationships" xmlns:p="http://schemas.openxmlformats.org/presentationml/2006/main">
+  <p:cSld>
+    <p:spTree>
+      <p:nvGrpSpPr>
+        <p:cNvPr id="1" name=""/>
+        <p:cNvGrpSpPr/>
+        <p:nvPr/>
+      </p:nvGrpSpPr>
+      <p:grpSpPr>
+        <a:xfrm>
+          <a:off x="0" y="0"/>
+          <a:ext cx="0" cy="0"/>
+          <a:chOff x="0" y="0"/>
+          <a:chExt cx="0" cy="0"/>
+        </a:xfrm>
+      </p:grpSpPr>
+      <p:sp>
+        <p:nvSpPr>
+          <p:cNvPr id="2" name="Title 1">
+            <a:extLst>
+              <a:ext uri="{FF2B5EF4-FFF2-40B4-BE49-F238E27FC236}">
+                <a16:creationId xmlns:a16="http://schemas.microsoft.com/office/drawing/2014/main" id="{0A7DF516-CB0B-8B27-D6FF-55FBC67DB194}"/>
+              </a:ext>
+            </a:extLst>
+          </p:cNvPr>
+          <p:cNvSpPr>
+            <a:spLocks noGrp="1"/>
+          </p:cNvSpPr>
+          <p:nvPr>
+            <p:ph type="title"/>
+          </p:nvPr>
+        </p:nvSpPr>
+        <p:spPr/>
+        <p:txBody>
+          <a:bodyPr/>
+          <a:lstStyle/>
+          <a:p>
+            <a:r>
+              <a:rPr lang="en-US" dirty="0"/>
+              <a:t>Demo</a:t>
+            </a:r>
+          </a:p>
+        </p:txBody>
+      </p:sp>
+      <p:sp>
+        <p:nvSpPr>
+          <p:cNvPr id="3" name="Content Placeholder 2">
+            <a:extLst>
+              <a:ext uri="{FF2B5EF4-FFF2-40B4-BE49-F238E27FC236}">
+                <a16:creationId xmlns:a16="http://schemas.microsoft.com/office/drawing/2014/main" id="{1E5F3818-4818-BAC2-2ADC-631BD16E4179}"/>
+              </a:ext>
+            </a:extLst>
+          </p:cNvPr>
+          <p:cNvSpPr>
+            <a:spLocks noGrp="1"/>
+          </p:cNvSpPr>
+          <p:nvPr>
+            <p:ph idx="1"/>
+          </p:nvPr>
+        </p:nvSpPr>
+        <p:spPr/>
+        <p:txBody>
+          <a:bodyPr/>
+          <a:lstStyle/>
+          <a:p>
+            <a:endParaRPr lang="en-US"/>
+          </a:p>
+        </p:txBody>
+      </p:sp>
+    </p:spTree>
+    <p:extLst>
+      <p:ext uri="{BB962C8B-B14F-4D97-AF65-F5344CB8AC3E}">
+        <p14:creationId xmlns:p14="http://schemas.microsoft.com/office/powerpoint/2010/main" val="2913728262"/>
+      </p:ext>
+    </p:extLst>
+  </p:cSld>
+  <p:clrMapOvr>
+    <a:masterClrMapping/>
+  </p:clrMapOvr>
+</p:sld>
+</file>
+
+<file path=ppt/slides/slide2.xml><?xml version="1.0" encoding="utf-8"?>
+<p:sld xmlns:a="http://schemas.openxmlformats.org/drawingml/2006/main" xmlns:r="http://schemas.openxmlformats.org/officeDocument/2006/relationships" xmlns:p="http://schemas.openxmlformats.org/presentationml/2006/main">
+  <p:cSld>
+    <p:bg>
+      <p:bgPr>
+        <a:solidFill>
+          <a:schemeClr val="accent1"/>
+        </a:solidFill>
+        <a:effectLst/>
+      </p:bgPr>
+    </p:bg>
+    <p:spTree>
+      <p:nvGrpSpPr>
+        <p:cNvPr id="1" name=""/>
+        <p:cNvGrpSpPr/>
+        <p:nvPr/>
+      </p:nvGrpSpPr>
+      <p:grpSpPr>
+        <a:xfrm>
+          <a:off x="0" y="0"/>
+          <a:ext cx="0" cy="0"/>
+          <a:chOff x="0" y="0"/>
+          <a:chExt cx="0" cy="0"/>
+        </a:xfrm>
+      </p:grpSpPr>
+      <p:sp>
+        <p:nvSpPr>
+          <p:cNvPr id="2" name="Title 1">
+            <a:extLst>
+              <a:ext uri="{FF2B5EF4-FFF2-40B4-BE49-F238E27FC236}">
+                <a16:creationId xmlns:a16="http://schemas.microsoft.com/office/drawing/2014/main" id="{1C7A0174-DBEC-EA89-681D-FD67EB40DC1D}"/>
+              </a:ext>
+            </a:extLst>
+          </p:cNvPr>
+          <p:cNvSpPr>
+            <a:spLocks noGrp="1"/>
+          </p:cNvSpPr>
+          <p:nvPr>
+            <p:ph type="title"/>
+          </p:nvPr>
+        </p:nvSpPr>
+        <p:spPr>
+          <a:xfrm>
+            <a:off x="1143001" y="1070335"/>
+            <a:ext cx="5199926" cy="1443269"/>
+          </a:xfrm>
+        </p:spPr>
+        <p:txBody>
+          <a:bodyPr>
+            <a:normAutofit/>
+          </a:bodyPr>
+          <a:lstStyle/>
+          <a:p>
+            <a:r>
+              <a:rPr lang="en-US" sz="4000"/>
+              <a:t>What is it?</a:t>
+            </a:r>
+          </a:p>
+        </p:txBody>
+      </p:sp>
+      <p:sp>
+        <p:nvSpPr>
+          <p:cNvPr id="3" name="Content Placeholder 2">
+            <a:extLst>
+              <a:ext uri="{FF2B5EF4-FFF2-40B4-BE49-F238E27FC236}">
+                <a16:creationId xmlns:a16="http://schemas.microsoft.com/office/drawing/2014/main" id="{AE61957C-2FA8-7E85-64CE-3E85135FB719}"/>
+              </a:ext>
+            </a:extLst>
+          </p:cNvPr>
+          <p:cNvSpPr>
+            <a:spLocks noGrp="1"/>
+          </p:cNvSpPr>
+          <p:nvPr>
+            <p:ph idx="1"/>
+          </p:nvPr>
+        </p:nvSpPr>
+        <p:spPr>
+          <a:xfrm>
+            <a:off x="1143002" y="2546430"/>
+            <a:ext cx="5084178" cy="3549570"/>
+          </a:xfrm>
+        </p:spPr>
+        <p:txBody>
+          <a:bodyPr>
+            <a:normAutofit/>
+          </a:bodyPr>
+          <a:lstStyle/>
+          <a:p>
+            <a:r>
+              <a:rPr lang="en-US" sz="2400" dirty="0" err="1"/>
+              <a:t>EncryptNotes</a:t>
+            </a:r>
+            <a:r>
+              <a:rPr lang="en-US" sz="2400" dirty="0"/>
+              <a:t> is secure note taking Web-App</a:t>
+            </a:r>
+          </a:p>
+          <a:p>
+            <a:r>
+              <a:rPr lang="en-US" sz="2400" dirty="0"/>
+              <a:t>It secures every note you make</a:t>
+            </a:r>
+          </a:p>
+          <a:p>
+            <a:r>
+              <a:rPr lang="en-US" sz="2400" dirty="0"/>
+              <a:t>Privacy &amp; efficiency are top priorities</a:t>
+            </a:r>
+          </a:p>
+        </p:txBody>
+      </p:sp>
+      <p:pic>
+        <p:nvPicPr>
+          <p:cNvPr id="5" name="Picture 4" descr="A brown leather book with a lock&#10;&#10;AI-generated content may be incorrect.">
+            <a:extLst>
+              <a:ext uri="{FF2B5EF4-FFF2-40B4-BE49-F238E27FC236}">
+                <a16:creationId xmlns:a16="http://schemas.microsoft.com/office/drawing/2014/main" id="{F0BED1C7-548B-EFF9-9B7F-C7844A304090}"/>
+              </a:ext>
+            </a:extLst>
+          </p:cNvPr>
+          <p:cNvPicPr>
+            <a:picLocks noChangeAspect="1"/>
+          </p:cNvPicPr>
+          <p:nvPr/>
+        </p:nvPicPr>
+        <p:blipFill>
+          <a:blip r:embed="rId2">
+            <a:extLst>
+              <a:ext uri="{28A0092B-C50C-407E-A947-70E740481C1C}">
+                <a14:useLocalDpi xmlns:a14="http://schemas.microsoft.com/office/drawing/2010/main" val="0"/>
+              </a:ext>
+            </a:extLst>
+          </a:blip>
+          <a:srcRect t="567" r="2" b="4667"/>
+          <a:stretch/>
+        </p:blipFill>
+        <p:spPr>
+          <a:xfrm>
+            <a:off x="6636743" y="1238487"/>
+            <a:ext cx="4741120" cy="4493060"/>
+          </a:xfrm>
+          <a:prstGeom prst="rect">
+            <a:avLst/>
+          </a:prstGeom>
+        </p:spPr>
+      </p:pic>
+    </p:spTree>
+    <p:extLst>
+      <p:ext uri="{BB962C8B-B14F-4D97-AF65-F5344CB8AC3E}">
+        <p14:creationId xmlns:p14="http://schemas.microsoft.com/office/powerpoint/2010/main" val="3066159526"/>
+      </p:ext>
+    </p:extLst>
+  </p:cSld>
+  <p:clrMapOvr>
+    <a:masterClrMapping/>
+  </p:clrMapOvr>
+</p:sld>
+</file>
+
+<file path=ppt/slides/slide3.xml><?xml version="1.0" encoding="utf-8"?>
+<p:sld xmlns:a="http://schemas.openxmlformats.org/drawingml/2006/main" xmlns:r="http://schemas.openxmlformats.org/officeDocument/2006/relationships" xmlns:p="http://schemas.openxmlformats.org/presentationml/2006/main">
+  <p:cSld>
+    <p:bg>
+      <p:bgPr>
+        <a:solidFill>
+          <a:schemeClr val="accent1"/>
+        </a:solidFill>
+        <a:effectLst/>
+      </p:bgPr>
+    </p:bg>
+    <p:spTree>
+      <p:nvGrpSpPr>
+        <p:cNvPr id="1" name=""/>
+        <p:cNvGrpSpPr/>
+        <p:nvPr/>
+      </p:nvGrpSpPr>
+      <p:grpSpPr>
+        <a:xfrm>
+          <a:off x="0" y="0"/>
+          <a:ext cx="0" cy="0"/>
+          <a:chOff x="0" y="0"/>
+          <a:chExt cx="0" cy="0"/>
+        </a:xfrm>
+      </p:grpSpPr>
+      <p:sp>
+        <p:nvSpPr>
+          <p:cNvPr id="10" name="Rectangle 9">
+            <a:extLst>
+              <a:ext uri="{FF2B5EF4-FFF2-40B4-BE49-F238E27FC236}">
+                <a16:creationId xmlns:a16="http://schemas.microsoft.com/office/drawing/2014/main" id="{E3DC42C2-6B58-404C-B339-2C72808A5BE1}"/>
+              </a:ext>
+              <a:ext uri="{C183D7F6-B498-43B3-948B-1728B52AA6E4}">
+                <adec:decorative xmlns:adec="http://schemas.microsoft.com/office/drawing/2017/decorative" val="1"/>
+              </a:ext>
+            </a:extLst>
+          </p:cNvPr>
+          <p:cNvSpPr>
+            <a:spLocks noGrp="1" noRot="1" noChangeAspect="1" noMove="1" noResize="1" noEditPoints="1" noAdjustHandles="1" noChangeArrowheads="1" noChangeShapeType="1" noTextEdit="1"/>
+          </p:cNvSpPr>
+          <p:nvPr>
+            <p:extLst>
+              <p:ext uri="{386F3935-93C4-4BCD-93E2-E3B085C9AB24}">
+                <p16:designElem xmlns:p16="http://schemas.microsoft.com/office/powerpoint/2015/main" val="1"/>
+              </p:ext>
+            </p:extLst>
+          </p:nvPr>
+        </p:nvSpPr>
+        <p:spPr>
+          <a:xfrm>
+            <a:off x="231140" y="243840"/>
+            <a:ext cx="11724640" cy="6377939"/>
+          </a:xfrm>
+          <a:prstGeom prst="rect">
+            <a:avLst/>
+          </a:prstGeom>
+          <a:solidFill>
+            <a:schemeClr val="accent1"/>
+          </a:solidFill>
+          <a:ln w="12700">
+            <a:solidFill>
+              <a:srgbClr val="FFFFFF"/>
+            </a:solidFill>
+          </a:ln>
+        </p:spPr>
+        <p:style>
+          <a:lnRef idx="2">
+            <a:schemeClr val="accent1">
+              <a:shade val="50000"/>
+            </a:schemeClr>
+          </a:lnRef>
+          <a:fillRef idx="1">
+            <a:schemeClr val="accent1"/>
+          </a:fillRef>
+          <a:effectRef idx="0">
+            <a:schemeClr val="accent1"/>
+          </a:effectRef>
+          <a:fontRef idx="minor">
+            <a:schemeClr val="lt1"/>
+          </a:fontRef>
+        </p:style>
+        <p:txBody>
+          <a:bodyPr/>
+          <a:lstStyle/>
+          <a:p>
+            <a:endParaRPr lang="en-US"/>
+          </a:p>
+        </p:txBody>
+      </p:sp>
+      <p:sp>
+        <p:nvSpPr>
+          <p:cNvPr id="2" name="Title 1">
+            <a:extLst>
+              <a:ext uri="{FF2B5EF4-FFF2-40B4-BE49-F238E27FC236}">
+                <a16:creationId xmlns:a16="http://schemas.microsoft.com/office/drawing/2014/main" id="{ED6D358A-8EDB-EE82-8424-841E158B47BF}"/>
+              </a:ext>
+            </a:extLst>
+          </p:cNvPr>
+          <p:cNvSpPr>
+            <a:spLocks noGrp="1"/>
+          </p:cNvSpPr>
+          <p:nvPr>
+            <p:ph type="title"/>
+          </p:nvPr>
+        </p:nvSpPr>
+        <p:spPr>
+          <a:xfrm>
+            <a:off x="4441783" y="609600"/>
+            <a:ext cx="6693061" cy="1356360"/>
+          </a:xfrm>
+        </p:spPr>
+        <p:txBody>
+          <a:bodyPr>
+            <a:normAutofit/>
+          </a:bodyPr>
+          <a:lstStyle/>
+          <a:p>
+            <a:r>
+              <a:rPr lang="en-US">
+                <a:solidFill>
+                  <a:srgbClr val="FFFFFF"/>
+                </a:solidFill>
+              </a:rPr>
+              <a:t>Why a Website?</a:t>
+            </a:r>
+          </a:p>
+        </p:txBody>
+      </p:sp>
+      <p:pic>
+        <p:nvPicPr>
+          <p:cNvPr id="5" name="Picture 4" descr="A question mark made out of black and white text&#10;&#10;AI-generated content may be incorrect.">
+            <a:extLst>
+              <a:ext uri="{FF2B5EF4-FFF2-40B4-BE49-F238E27FC236}">
+                <a16:creationId xmlns:a16="http://schemas.microsoft.com/office/drawing/2014/main" id="{0BD4D86C-ADC5-AE94-2D09-300563C40CBE}"/>
+              </a:ext>
+            </a:extLst>
+          </p:cNvPr>
+          <p:cNvPicPr>
+            <a:picLocks noChangeAspect="1"/>
+          </p:cNvPicPr>
+          <p:nvPr/>
+        </p:nvPicPr>
+        <p:blipFill>
+          <a:blip r:embed="rId2">
+            <a:extLst>
+              <a:ext uri="{28A0092B-C50C-407E-A947-70E740481C1C}">
+                <a14:useLocalDpi xmlns:a14="http://schemas.microsoft.com/office/drawing/2010/main" val="0"/>
+              </a:ext>
+            </a:extLst>
+          </a:blip>
+          <a:srcRect l="32842" r="29993" b="2"/>
+          <a:stretch/>
+        </p:blipFill>
+        <p:spPr>
+          <a:xfrm>
+            <a:off x="232861" y="243840"/>
+            <a:ext cx="3646837" cy="6377939"/>
+          </a:xfrm>
+          <a:prstGeom prst="rect">
+            <a:avLst/>
+          </a:prstGeom>
+        </p:spPr>
+      </p:pic>
+      <p:sp>
+        <p:nvSpPr>
+          <p:cNvPr id="3" name="Content Placeholder 2">
+            <a:extLst>
+              <a:ext uri="{FF2B5EF4-FFF2-40B4-BE49-F238E27FC236}">
+                <a16:creationId xmlns:a16="http://schemas.microsoft.com/office/drawing/2014/main" id="{2C799927-8327-BA63-E076-49A0A3DA8807}"/>
+              </a:ext>
+            </a:extLst>
+          </p:cNvPr>
+          <p:cNvSpPr>
+            <a:spLocks noGrp="1"/>
+          </p:cNvSpPr>
+          <p:nvPr>
+            <p:ph idx="1"/>
+          </p:nvPr>
+        </p:nvSpPr>
+        <p:spPr>
+          <a:xfrm>
+            <a:off x="4441783" y="2057400"/>
+            <a:ext cx="6693061" cy="4038600"/>
+          </a:xfrm>
+        </p:spPr>
+        <p:txBody>
+          <a:bodyPr>
+            <a:normAutofit/>
+          </a:bodyPr>
+          <a:lstStyle/>
+          <a:p>
+            <a:r>
+              <a:rPr lang="en-US" sz="2600" dirty="0">
+                <a:solidFill>
+                  <a:srgbClr val="FFFFFF"/>
+                </a:solidFill>
+              </a:rPr>
+              <a:t>It’s a website, because we thought it was the best place to have</a:t>
+            </a:r>
+          </a:p>
+          <a:p>
+            <a:r>
+              <a:rPr lang="en-US" sz="2600" dirty="0">
+                <a:solidFill>
+                  <a:srgbClr val="FFFFFF"/>
+                </a:solidFill>
+              </a:rPr>
+              <a:t>No, downloading needed</a:t>
+            </a:r>
+          </a:p>
+          <a:p>
+            <a:r>
+              <a:rPr lang="en-US" sz="2600" dirty="0">
+                <a:solidFill>
+                  <a:srgbClr val="FFFFFF"/>
+                </a:solidFill>
+              </a:rPr>
+              <a:t>It allows for easy access </a:t>
+            </a:r>
+          </a:p>
+          <a:p>
+            <a:r>
+              <a:rPr lang="en-US" sz="2600" dirty="0">
+                <a:solidFill>
+                  <a:srgbClr val="FFFFFF"/>
+                </a:solidFill>
+              </a:rPr>
+              <a:t>It gave us a good environment to develop and create our application</a:t>
+            </a:r>
+          </a:p>
+          <a:p>
+            <a:endParaRPr lang="en-US" sz="2600" dirty="0">
+              <a:solidFill>
+                <a:srgbClr val="FFFFFF"/>
+              </a:solidFill>
+            </a:endParaRPr>
+          </a:p>
+        </p:txBody>
+      </p:sp>
+      <p:sp>
+        <p:nvSpPr>
+          <p:cNvPr id="12" name="Rectangle 11">
+            <a:extLst>
+              <a:ext uri="{FF2B5EF4-FFF2-40B4-BE49-F238E27FC236}">
+                <a16:creationId xmlns:a16="http://schemas.microsoft.com/office/drawing/2014/main" id="{FCF82941-5589-49BF-B6B1-76122B2D0EA6}"/>
+              </a:ext>
+              <a:ext uri="{C183D7F6-B498-43B3-948B-1728B52AA6E4}">
+                <adec:decorative xmlns:adec="http://schemas.microsoft.com/office/drawing/2017/decorative" val="1"/>
+              </a:ext>
+            </a:extLst>
+          </p:cNvPr>
+          <p:cNvSpPr>
+            <a:spLocks noGrp="1" noRot="1" noChangeAspect="1" noMove="1" noResize="1" noEditPoints="1" noAdjustHandles="1" noChangeArrowheads="1" noChangeShapeType="1" noTextEdit="1"/>
+          </p:cNvSpPr>
+          <p:nvPr>
+            <p:extLst>
+              <p:ext uri="{386F3935-93C4-4BCD-93E2-E3B085C9AB24}">
+                <p16:designElem xmlns:p16="http://schemas.microsoft.com/office/powerpoint/2015/main" val="1"/>
+              </p:ext>
+            </p:extLst>
+          </p:nvPr>
+        </p:nvSpPr>
+        <p:spPr>
+          <a:xfrm>
+            <a:off x="228600" y="243840"/>
+            <a:ext cx="11724640" cy="6377939"/>
+          </a:xfrm>
+          <a:prstGeom prst="rect">
+            <a:avLst/>
+          </a:prstGeom>
+          <a:noFill/>
+          <a:ln w="12700">
+            <a:solidFill>
+              <a:schemeClr val="bg1"/>
+            </a:solidFill>
+          </a:ln>
+        </p:spPr>
+        <p:style>
+          <a:lnRef idx="2">
+            <a:schemeClr val="accent1">
+              <a:shade val="50000"/>
+            </a:schemeClr>
+          </a:lnRef>
+          <a:fillRef idx="1">
+            <a:schemeClr val="accent1"/>
+          </a:fillRef>
+          <a:effectRef idx="0">
+            <a:schemeClr val="accent1"/>
+          </a:effectRef>
+          <a:fontRef idx="minor">
+            <a:schemeClr val="lt1"/>
+          </a:fontRef>
+        </p:style>
+        <p:txBody>
+          <a:bodyPr/>
+          <a:lstStyle/>
+          <a:p>
+            <a:endParaRPr lang="en-US"/>
+          </a:p>
+        </p:txBody>
+      </p:sp>
+    </p:spTree>
+    <p:extLst>
+      <p:ext uri="{BB962C8B-B14F-4D97-AF65-F5344CB8AC3E}">
+        <p14:creationId xmlns:p14="http://schemas.microsoft.com/office/powerpoint/2010/main" val="32657007"/>
+      </p:ext>
+    </p:extLst>
+  </p:cSld>
+  <p:clrMapOvr>
+    <a:masterClrMapping/>
+  </p:clrMapOvr>
+</p:sld>
+</file>
+
+<file path=ppt/slides/slide4.xml><?xml version="1.0" encoding="utf-8"?>
+<p:sld xmlns:a="http://schemas.openxmlformats.org/drawingml/2006/main" xmlns:r="http://schemas.openxmlformats.org/officeDocument/2006/relationships" xmlns:p="http://schemas.openxmlformats.org/presentationml/2006/main">
+  <p:cSld>
+    <p:spTree>
+      <p:nvGrpSpPr>
+        <p:cNvPr id="1" name=""/>
+        <p:cNvGrpSpPr/>
+        <p:nvPr/>
+      </p:nvGrpSpPr>
+      <p:grpSpPr>
+        <a:xfrm>
+          <a:off x="0" y="0"/>
+          <a:ext cx="0" cy="0"/>
+          <a:chOff x="0" y="0"/>
+          <a:chExt cx="0" cy="0"/>
+        </a:xfrm>
+      </p:grpSpPr>
+      <p:sp>
+        <p:nvSpPr>
+          <p:cNvPr id="2" name="Title 1">
+            <a:extLst>
+              <a:ext uri="{FF2B5EF4-FFF2-40B4-BE49-F238E27FC236}">
+                <a16:creationId xmlns:a16="http://schemas.microsoft.com/office/drawing/2014/main" id="{C7E67333-A67D-A706-860B-C676102422C2}"/>
+              </a:ext>
+            </a:extLst>
+          </p:cNvPr>
+          <p:cNvSpPr>
+            <a:spLocks noGrp="1"/>
+          </p:cNvSpPr>
+          <p:nvPr>
+            <p:ph type="title"/>
+          </p:nvPr>
+        </p:nvSpPr>
+        <p:spPr/>
+        <p:txBody>
+          <a:bodyPr/>
+          <a:lstStyle/>
+          <a:p>
+            <a:r>
+              <a:rPr lang="en-US" dirty="0"/>
+              <a:t>Key Features</a:t>
+            </a:r>
+          </a:p>
+        </p:txBody>
+      </p:sp>
+      <p:sp>
+        <p:nvSpPr>
+          <p:cNvPr id="3" name="Content Placeholder 2">
+            <a:extLst>
+              <a:ext uri="{FF2B5EF4-FFF2-40B4-BE49-F238E27FC236}">
+                <a16:creationId xmlns:a16="http://schemas.microsoft.com/office/drawing/2014/main" id="{75847B68-83BC-AAF1-A8C2-63D477167DB8}"/>
+              </a:ext>
+            </a:extLst>
+          </p:cNvPr>
+          <p:cNvSpPr>
+            <a:spLocks noGrp="1"/>
+          </p:cNvSpPr>
+          <p:nvPr>
+            <p:ph idx="1"/>
+          </p:nvPr>
+        </p:nvSpPr>
+        <p:spPr/>
+        <p:txBody>
+          <a:bodyPr/>
+          <a:lstStyle/>
+          <a:p>
+            <a:r>
+              <a:rPr lang="en-US" sz="2600" dirty="0"/>
+              <a:t>End to End Encryption</a:t>
+            </a:r>
+          </a:p>
+          <a:p>
+            <a:r>
+              <a:rPr lang="en-US" sz="2600" dirty="0"/>
+              <a:t>AI-Powered Categorization</a:t>
+            </a:r>
+          </a:p>
+          <a:p>
+            <a:r>
+              <a:rPr lang="en-US" sz="2600" dirty="0"/>
+              <a:t>User-Controlled Security Setting</a:t>
+            </a:r>
+          </a:p>
+          <a:p>
+            <a:r>
+              <a:rPr lang="en-US" sz="2600" dirty="0"/>
+              <a:t>Note Editing and Management</a:t>
+            </a:r>
+          </a:p>
+          <a:p>
+            <a:r>
+              <a:rPr lang="en-US" sz="2600" dirty="0"/>
+              <a:t>User Account Controls</a:t>
+            </a:r>
+          </a:p>
+          <a:p>
+            <a:endParaRPr lang="en-US" dirty="0"/>
+          </a:p>
+        </p:txBody>
+      </p:sp>
+    </p:spTree>
+    <p:extLst>
+      <p:ext uri="{BB962C8B-B14F-4D97-AF65-F5344CB8AC3E}">
+        <p14:creationId xmlns:p14="http://schemas.microsoft.com/office/powerpoint/2010/main" val="203737073"/>
+      </p:ext>
+    </p:extLst>
+  </p:cSld>
+  <p:clrMapOvr>
+    <a:masterClrMapping/>
+  </p:clrMapOvr>
+</p:sld>
+</file>
+
+<file path=ppt/slides/slide5.xml><?xml version="1.0" encoding="utf-8"?>
+<p:sld xmlns:a="http://schemas.openxmlformats.org/drawingml/2006/main" xmlns:r="http://schemas.openxmlformats.org/officeDocument/2006/relationships" xmlns:p="http://schemas.openxmlformats.org/presentationml/2006/main">
+  <p:cSld>
+    <p:spTree>
+      <p:nvGrpSpPr>
+        <p:cNvPr id="1" name=""/>
+        <p:cNvGrpSpPr/>
+        <p:nvPr/>
+      </p:nvGrpSpPr>
+      <p:grpSpPr>
+        <a:xfrm>
+          <a:off x="0" y="0"/>
+          <a:ext cx="0" cy="0"/>
+          <a:chOff x="0" y="0"/>
+          <a:chExt cx="0" cy="0"/>
+        </a:xfrm>
+      </p:grpSpPr>
+      <p:sp>
+        <p:nvSpPr>
+          <p:cNvPr id="2" name="Title 1">
+            <a:extLst>
+              <a:ext uri="{FF2B5EF4-FFF2-40B4-BE49-F238E27FC236}">
+                <a16:creationId xmlns:a16="http://schemas.microsoft.com/office/drawing/2014/main" id="{F2C5ACBE-A720-6904-A596-D74C13B57C7B}"/>
+              </a:ext>
+            </a:extLst>
+          </p:cNvPr>
+          <p:cNvSpPr>
+            <a:spLocks noGrp="1"/>
+          </p:cNvSpPr>
+          <p:nvPr>
+            <p:ph type="title"/>
+          </p:nvPr>
+        </p:nvSpPr>
+        <p:spPr/>
+        <p:txBody>
+          <a:bodyPr/>
+          <a:lstStyle/>
+          <a:p>
+            <a:r>
+              <a:rPr lang="en-US" dirty="0"/>
+              <a:t>Technical Overview</a:t>
+            </a:r>
+          </a:p>
+        </p:txBody>
+      </p:sp>
+      <p:sp>
+        <p:nvSpPr>
+          <p:cNvPr id="3" name="Content Placeholder 2">
+            <a:extLst>
+              <a:ext uri="{FF2B5EF4-FFF2-40B4-BE49-F238E27FC236}">
+                <a16:creationId xmlns:a16="http://schemas.microsoft.com/office/drawing/2014/main" id="{0FEB49A9-0CC2-61FE-E58D-7C239FE45160}"/>
+              </a:ext>
+            </a:extLst>
+          </p:cNvPr>
+          <p:cNvSpPr>
+            <a:spLocks noGrp="1"/>
+          </p:cNvSpPr>
+          <p:nvPr>
+            <p:ph idx="1"/>
+          </p:nvPr>
+        </p:nvSpPr>
+        <p:spPr>
+          <a:xfrm>
+            <a:off x="1143000" y="1684421"/>
+            <a:ext cx="9872871" cy="4780547"/>
+          </a:xfrm>
+        </p:spPr>
+        <p:txBody>
+          <a:bodyPr>
+            <a:normAutofit/>
+          </a:bodyPr>
+          <a:lstStyle/>
+          <a:p>
+            <a:r>
+              <a:rPr lang="en-US" sz="2600" dirty="0"/>
+              <a:t>Application</a:t>
+            </a:r>
+          </a:p>
+          <a:p>
+            <a:pPr lvl="1"/>
+            <a:r>
+              <a:rPr lang="en-US" sz="2600" dirty="0"/>
+              <a:t>Powered by Python and Django</a:t>
+            </a:r>
+          </a:p>
+          <a:p>
+            <a:r>
+              <a:rPr lang="en-US" sz="2600" dirty="0"/>
+              <a:t>User Authentication</a:t>
+            </a:r>
+          </a:p>
+          <a:p>
+            <a:pPr lvl="1"/>
+            <a:r>
+              <a:rPr lang="en-US" sz="2600" dirty="0"/>
+              <a:t>Secure authentication with Django</a:t>
+            </a:r>
+          </a:p>
+          <a:p>
+            <a:r>
+              <a:rPr lang="en-US" sz="2600" dirty="0"/>
+              <a:t>Encryption</a:t>
+            </a:r>
+          </a:p>
+          <a:p>
+            <a:pPr lvl="1"/>
+            <a:r>
+              <a:rPr lang="en-US" sz="2600" dirty="0"/>
+              <a:t>Data encrypted before saving to database</a:t>
+            </a:r>
+          </a:p>
+          <a:p>
+            <a:pPr lvl="1"/>
+            <a:r>
+              <a:rPr lang="en-US" sz="2600" dirty="0"/>
+              <a:t>Decrypted upon access from database</a:t>
+            </a:r>
+          </a:p>
+          <a:p>
+            <a:r>
+              <a:rPr lang="en-US" sz="2600" dirty="0"/>
+              <a:t>AI Integration</a:t>
+            </a:r>
+          </a:p>
+          <a:p>
+            <a:pPr lvl="1"/>
+            <a:r>
+              <a:rPr lang="en-US" sz="2600" dirty="0"/>
+              <a:t>AI powered note categorization with Google</a:t>
+            </a:r>
+          </a:p>
+          <a:p>
+            <a:endParaRPr lang="en-US" dirty="0"/>
+          </a:p>
+        </p:txBody>
+      </p:sp>
+    </p:spTree>
+    <p:extLst>
+      <p:ext uri="{BB962C8B-B14F-4D97-AF65-F5344CB8AC3E}">
+        <p14:creationId xmlns:p14="http://schemas.microsoft.com/office/powerpoint/2010/main" val="2101795184"/>
+      </p:ext>
+    </p:extLst>
+  </p:cSld>
+  <p:clrMapOvr>
+    <a:masterClrMapping/>
+  </p:clrMapOvr>
+</p:sld>
+</file>
+
+<file path=ppt/slides/slide6.xml><?xml version="1.0" encoding="utf-8"?>
+<p:sld xmlns:a="http://schemas.openxmlformats.org/drawingml/2006/main" xmlns:r="http://schemas.openxmlformats.org/officeDocument/2006/relationships" xmlns:p="http://schemas.openxmlformats.org/presentationml/2006/main">
+  <p:cSld>
+    <p:spTree>
+      <p:nvGrpSpPr>
+        <p:cNvPr id="1" name=""/>
+        <p:cNvGrpSpPr/>
+        <p:nvPr/>
+      </p:nvGrpSpPr>
+      <p:grpSpPr>
+        <a:xfrm>
+          <a:off x="0" y="0"/>
+          <a:ext cx="0" cy="0"/>
+          <a:chOff x="0" y="0"/>
+          <a:chExt cx="0" cy="0"/>
+        </a:xfrm>
+      </p:grpSpPr>
+      <p:sp>
+        <p:nvSpPr>
+          <p:cNvPr id="2" name="Title 1">
+            <a:extLst>
+              <a:ext uri="{FF2B5EF4-FFF2-40B4-BE49-F238E27FC236}">
+                <a16:creationId xmlns:a16="http://schemas.microsoft.com/office/drawing/2014/main" id="{1EB2DBDA-1192-BB57-EBA7-5C6D403B1869}"/>
+              </a:ext>
+            </a:extLst>
+          </p:cNvPr>
+          <p:cNvSpPr>
+            <a:spLocks noGrp="1"/>
+          </p:cNvSpPr>
+          <p:nvPr>
+            <p:ph type="title"/>
+          </p:nvPr>
+        </p:nvSpPr>
+        <p:spPr/>
+        <p:txBody>
+          <a:bodyPr/>
+          <a:lstStyle/>
+          <a:p>
+            <a:r>
+              <a:rPr lang="en-US" dirty="0"/>
+              <a:t>Unique Features</a:t>
+            </a:r>
+          </a:p>
+        </p:txBody>
+      </p:sp>
+      <p:sp>
+        <p:nvSpPr>
+          <p:cNvPr id="3" name="Content Placeholder 2">
+            <a:extLst>
+              <a:ext uri="{FF2B5EF4-FFF2-40B4-BE49-F238E27FC236}">
+                <a16:creationId xmlns:a16="http://schemas.microsoft.com/office/drawing/2014/main" id="{BA58663C-69C1-12A4-9C12-080445505EFB}"/>
+              </a:ext>
+            </a:extLst>
+          </p:cNvPr>
+          <p:cNvSpPr>
+            <a:spLocks noGrp="1"/>
+          </p:cNvSpPr>
+          <p:nvPr>
+            <p:ph idx="1"/>
+          </p:nvPr>
+        </p:nvSpPr>
+        <p:spPr>
+          <a:xfrm>
+            <a:off x="1143000" y="2057400"/>
+            <a:ext cx="5094171" cy="4295274"/>
+          </a:xfrm>
+        </p:spPr>
+        <p:txBody>
+          <a:bodyPr/>
+          <a:lstStyle/>
+          <a:p>
+            <a:r>
+              <a:rPr lang="en-US" dirty="0"/>
+              <a:t>Powerful </a:t>
+            </a:r>
+            <a:r>
+              <a:rPr lang="en-US" dirty="0" err="1"/>
+              <a:t>TinyMCE</a:t>
+            </a:r>
+            <a:r>
+              <a:rPr lang="en-US" dirty="0"/>
+              <a:t> Editor utilized for create, edit, and view</a:t>
+            </a:r>
+          </a:p>
+        </p:txBody>
+      </p:sp>
+      <p:pic>
+        <p:nvPicPr>
+          <p:cNvPr id="4" name="Picture 3" descr="A screenshot of a computer&#10;&#10;Description automatically generated">
+            <a:extLst>
+              <a:ext uri="{FF2B5EF4-FFF2-40B4-BE49-F238E27FC236}">
+                <a16:creationId xmlns:a16="http://schemas.microsoft.com/office/drawing/2014/main" id="{D8987619-5F93-7064-F624-A62BFD053A33}"/>
+              </a:ext>
+            </a:extLst>
+          </p:cNvPr>
+          <p:cNvPicPr>
+            <a:picLocks noChangeAspect="1"/>
+          </p:cNvPicPr>
+          <p:nvPr/>
+        </p:nvPicPr>
+        <p:blipFill>
+          <a:blip r:embed="rId2">
+            <a:extLst>
+              <a:ext uri="{28A0092B-C50C-407E-A947-70E740481C1C}">
+                <a14:useLocalDpi xmlns:a14="http://schemas.microsoft.com/office/drawing/2010/main" val="0"/>
+              </a:ext>
+            </a:extLst>
+          </a:blip>
+          <a:srcRect l="14140" t="18475" r="36908"/>
+          <a:stretch/>
+        </p:blipFill>
+        <p:spPr>
+          <a:xfrm>
+            <a:off x="6333422" y="1811956"/>
+            <a:ext cx="4880010" cy="4309327"/>
+          </a:xfrm>
+          <a:prstGeom prst="rect">
+            <a:avLst/>
+          </a:prstGeom>
+        </p:spPr>
+      </p:pic>
+    </p:spTree>
+    <p:extLst>
+      <p:ext uri="{BB962C8B-B14F-4D97-AF65-F5344CB8AC3E}">
+        <p14:creationId xmlns:p14="http://schemas.microsoft.com/office/powerpoint/2010/main" val="919492739"/>
       </p:ext>
     </p:extLst>
   </p:cSld>
@@ -5467,10 +5626,72 @@
       </p:grpSpPr>
       <p:sp>
         <p:nvSpPr>
+          <p:cNvPr id="10" name="Rectangle 9">
+            <a:extLst>
+              <a:ext uri="{FF2B5EF4-FFF2-40B4-BE49-F238E27FC236}">
+                <a16:creationId xmlns:a16="http://schemas.microsoft.com/office/drawing/2014/main" id="{BA2EA6A6-CD0C-4CFD-8EC2-AA44F9870331}"/>
+              </a:ext>
+              <a:ext uri="{C183D7F6-B498-43B3-948B-1728B52AA6E4}">
+                <adec:decorative xmlns:adec="http://schemas.microsoft.com/office/drawing/2017/decorative" val="1"/>
+              </a:ext>
+            </a:extLst>
+          </p:cNvPr>
+          <p:cNvSpPr>
+            <a:spLocks noGrp="1" noRot="1" noChangeAspect="1" noMove="1" noResize="1" noEditPoints="1" noAdjustHandles="1" noChangeArrowheads="1" noChangeShapeType="1" noTextEdit="1"/>
+          </p:cNvSpPr>
+          <p:nvPr>
+            <p:extLst>
+              <p:ext uri="{386F3935-93C4-4BCD-93E2-E3B085C9AB24}">
+                <p16:designElem xmlns:p16="http://schemas.microsoft.com/office/powerpoint/2015/main" val="1"/>
+              </p:ext>
+            </p:extLst>
+          </p:nvPr>
+        </p:nvSpPr>
+        <p:spPr>
+          <a:xfrm>
+            <a:off x="231140" y="243840"/>
+            <a:ext cx="11724640" cy="6377939"/>
+          </a:xfrm>
+          <a:prstGeom prst="rect">
+            <a:avLst/>
+          </a:prstGeom>
+          <a:solidFill>
+            <a:schemeClr val="bg1"/>
+          </a:solidFill>
+          <a:ln w="12700">
+            <a:noFill/>
+          </a:ln>
+        </p:spPr>
+        <p:style>
+          <a:lnRef idx="2">
+            <a:schemeClr val="accent1">
+              <a:shade val="50000"/>
+            </a:schemeClr>
+          </a:lnRef>
+          <a:fillRef idx="1">
+            <a:schemeClr val="accent1"/>
+          </a:fillRef>
+          <a:effectRef idx="0">
+            <a:schemeClr val="accent1"/>
+          </a:effectRef>
+          <a:fontRef idx="minor">
+            <a:schemeClr val="lt1"/>
+          </a:fontRef>
+        </p:style>
+        <p:txBody>
+          <a:bodyPr/>
+          <a:lstStyle/>
+          <a:p>
+            <a:endParaRPr lang="en-US"/>
+          </a:p>
+        </p:txBody>
+      </p:sp>
+      <p:sp>
+        <p:nvSpPr>
           <p:cNvPr id="2" name="Title 1">
             <a:extLst>
               <a:ext uri="{FF2B5EF4-FFF2-40B4-BE49-F238E27FC236}">
-                <a16:creationId xmlns:a16="http://schemas.microsoft.com/office/drawing/2014/main" id="{A70685C2-91E4-9BA7-5592-280C87D0E72F}"/>
+                <a16:creationId xmlns:a16="http://schemas.microsoft.com/office/drawing/2014/main" id="{8CC2B571-970B-B442-8873-8B5028DC68CA}"/>
               </a:ext>
             </a:extLst>
           </p:cNvPr>
@@ -5483,29 +5704,73 @@
         </p:nvSpPr>
         <p:spPr>
           <a:xfrm>
-            <a:off x="1143000" y="609600"/>
-            <a:ext cx="6693061" cy="1356360"/>
+            <a:off x="7558564" y="609600"/>
+            <a:ext cx="3912583" cy="1356360"/>
           </a:xfrm>
         </p:spPr>
         <p:txBody>
           <a:bodyPr vert="horz" lIns="91440" tIns="45720" rIns="91440" bIns="45720" rtlCol="0" anchor="ctr">
-            <a:normAutofit/>
+            <a:normAutofit fontScale="90000"/>
           </a:bodyPr>
           <a:lstStyle/>
           <a:p>
             <a:r>
               <a:rPr lang="en-US" dirty="0"/>
-              <a:t>Login/profile page</a:t>
-            </a:r>
-          </a:p>
-        </p:txBody>
-      </p:sp>
-      <p:sp>
-        <p:nvSpPr>
-          <p:cNvPr id="3" name="Content Placeholder 2">
+              <a:t>Unique Features</a:t>
+            </a:r>
+            <a:br>
+              <a:rPr lang="en-US" dirty="0"/>
+            </a:br>
+            <a:r>
+              <a:rPr lang="en-US" dirty="0"/>
+              <a:t>Sign Up Page</a:t>
+            </a:r>
+          </a:p>
+        </p:txBody>
+      </p:sp>
+      <p:pic>
+        <p:nvPicPr>
+          <p:cNvPr id="5" name="Content Placeholder 4" descr="A screenshot of a computer&#10;&#10;Description automatically generated">
             <a:extLst>
               <a:ext uri="{FF2B5EF4-FFF2-40B4-BE49-F238E27FC236}">
-                <a16:creationId xmlns:a16="http://schemas.microsoft.com/office/drawing/2014/main" id="{752AD678-856D-9F46-B1C4-2FBB41BCCA9D}"/>
+                <a16:creationId xmlns:a16="http://schemas.microsoft.com/office/drawing/2014/main" id="{7AF9F743-ED2E-82CC-2CC8-FBD486A4AEC6}"/>
+              </a:ext>
+            </a:extLst>
+          </p:cNvPr>
+          <p:cNvPicPr>
+            <a:picLocks noGrp="1" noChangeAspect="1"/>
+          </p:cNvPicPr>
+          <p:nvPr>
+            <p:ph idx="1"/>
+          </p:nvPr>
+        </p:nvPicPr>
+        <p:blipFill>
+          <a:blip r:embed="rId2">
+            <a:extLst>
+              <a:ext uri="{28A0092B-C50C-407E-A947-70E740481C1C}">
+                <a14:useLocalDpi xmlns:a14="http://schemas.microsoft.com/office/drawing/2010/main" val="0"/>
+              </a:ext>
+            </a:extLst>
+          </a:blip>
+          <a:srcRect l="15092" t="9446" r="37898" b="3478"/>
+          <a:stretch/>
+        </p:blipFill>
+        <p:spPr>
+          <a:xfrm>
+            <a:off x="1113182" y="707666"/>
+            <a:ext cx="5255813" cy="5135343"/>
+          </a:xfrm>
+          <a:prstGeom prst="rect">
+            <a:avLst/>
+          </a:prstGeom>
+        </p:spPr>
+      </p:pic>
+      <p:sp>
+        <p:nvSpPr>
+          <p:cNvPr id="4" name="Content Placeholder 2">
+            <a:extLst>
+              <a:ext uri="{FF2B5EF4-FFF2-40B4-BE49-F238E27FC236}">
+                <a16:creationId xmlns:a16="http://schemas.microsoft.com/office/drawing/2014/main" id="{C9C84139-E2DA-1E9E-5286-290E83F7E0D8}"/>
               </a:ext>
             </a:extLst>
           </p:cNvPr>
@@ -5516,8 +5781,8 @@
         </p:nvSpPr>
         <p:spPr>
           <a:xfrm>
-            <a:off x="1143000" y="2057400"/>
-            <a:ext cx="6693061" cy="1211579"/>
+            <a:off x="7558564" y="1965960"/>
+            <a:ext cx="3912583" cy="4038600"/>
           </a:xfrm>
           <a:prstGeom prst="rect">
             <a:avLst/>
@@ -5754,32 +6019,159 @@
           <a:p>
             <a:r>
               <a:rPr lang="en-US" dirty="0"/>
-              <a:t>Here is an Image of the second step.</a:t>
-            </a:r>
-          </a:p>
+              <a:t>Minimum password requirements for enhanced security</a:t>
+            </a:r>
+          </a:p>
+        </p:txBody>
+      </p:sp>
+    </p:spTree>
+    <p:extLst>
+      <p:ext uri="{BB962C8B-B14F-4D97-AF65-F5344CB8AC3E}">
+        <p14:creationId xmlns:p14="http://schemas.microsoft.com/office/powerpoint/2010/main" val="56101013"/>
+      </p:ext>
+    </p:extLst>
+  </p:cSld>
+  <p:clrMapOvr>
+    <a:masterClrMapping/>
+  </p:clrMapOvr>
+</p:sld>
+</file>
+
+<file path=ppt/slides/slide8.xml><?xml version="1.0" encoding="utf-8"?>
+<p:sld xmlns:a="http://schemas.openxmlformats.org/drawingml/2006/main" xmlns:r="http://schemas.openxmlformats.org/officeDocument/2006/relationships" xmlns:p="http://schemas.openxmlformats.org/presentationml/2006/main">
+  <p:cSld>
+    <p:bg>
+      <p:bgPr>
+        <a:solidFill>
+          <a:schemeClr val="accent1"/>
+        </a:solidFill>
+        <a:effectLst/>
+      </p:bgPr>
+    </p:bg>
+    <p:spTree>
+      <p:nvGrpSpPr>
+        <p:cNvPr id="1" name=""/>
+        <p:cNvGrpSpPr/>
+        <p:nvPr/>
+      </p:nvGrpSpPr>
+      <p:grpSpPr>
+        <a:xfrm>
+          <a:off x="0" y="0"/>
+          <a:ext cx="0" cy="0"/>
+          <a:chOff x="0" y="0"/>
+          <a:chExt cx="0" cy="0"/>
+        </a:xfrm>
+      </p:grpSpPr>
+      <p:sp>
+        <p:nvSpPr>
+          <p:cNvPr id="10" name="Rectangle 9">
+            <a:extLst>
+              <a:ext uri="{FF2B5EF4-FFF2-40B4-BE49-F238E27FC236}">
+                <a16:creationId xmlns:a16="http://schemas.microsoft.com/office/drawing/2014/main" id="{E9271C28-7496-4447-8541-7B39F5E9480A}"/>
+              </a:ext>
+              <a:ext uri="{C183D7F6-B498-43B3-948B-1728B52AA6E4}">
+                <adec:decorative xmlns:adec="http://schemas.microsoft.com/office/drawing/2017/decorative" val="1"/>
+              </a:ext>
+            </a:extLst>
+          </p:cNvPr>
+          <p:cNvSpPr>
+            <a:spLocks noGrp="1" noRot="1" noChangeAspect="1" noMove="1" noResize="1" noEditPoints="1" noAdjustHandles="1" noChangeArrowheads="1" noChangeShapeType="1" noTextEdit="1"/>
+          </p:cNvSpPr>
+          <p:nvPr>
+            <p:extLst>
+              <p:ext uri="{386F3935-93C4-4BCD-93E2-E3B085C9AB24}">
+                <p16:designElem xmlns:p16="http://schemas.microsoft.com/office/powerpoint/2015/main" val="1"/>
+              </p:ext>
+            </p:extLst>
+          </p:nvPr>
+        </p:nvSpPr>
+        <p:spPr>
+          <a:xfrm>
+            <a:off x="231140" y="243840"/>
+            <a:ext cx="11724640" cy="6377939"/>
+          </a:xfrm>
+          <a:prstGeom prst="rect">
+            <a:avLst/>
+          </a:prstGeom>
+          <a:solidFill>
+            <a:schemeClr val="bg1"/>
+          </a:solidFill>
+          <a:ln w="12700">
+            <a:noFill/>
+          </a:ln>
+        </p:spPr>
+        <p:style>
+          <a:lnRef idx="2">
+            <a:schemeClr val="accent1">
+              <a:shade val="50000"/>
+            </a:schemeClr>
+          </a:lnRef>
+          <a:fillRef idx="1">
+            <a:schemeClr val="accent1"/>
+          </a:fillRef>
+          <a:effectRef idx="0">
+            <a:schemeClr val="accent1"/>
+          </a:effectRef>
+          <a:fontRef idx="minor">
+            <a:schemeClr val="lt1"/>
+          </a:fontRef>
+        </p:style>
+        <p:txBody>
+          <a:bodyPr/>
+          <a:lstStyle/>
+          <a:p>
+            <a:endParaRPr lang="en-US"/>
+          </a:p>
+        </p:txBody>
+      </p:sp>
+      <p:sp>
+        <p:nvSpPr>
+          <p:cNvPr id="2" name="Title 1">
+            <a:extLst>
+              <a:ext uri="{FF2B5EF4-FFF2-40B4-BE49-F238E27FC236}">
+                <a16:creationId xmlns:a16="http://schemas.microsoft.com/office/drawing/2014/main" id="{DEAC2CC3-FAB7-32F3-3CBD-53B38F75D507}"/>
+              </a:ext>
+            </a:extLst>
+          </p:cNvPr>
+          <p:cNvSpPr>
+            <a:spLocks noGrp="1"/>
+          </p:cNvSpPr>
+          <p:nvPr>
+            <p:ph type="title"/>
+          </p:nvPr>
+        </p:nvSpPr>
+        <p:spPr>
+          <a:xfrm>
+            <a:off x="6106704" y="609600"/>
+            <a:ext cx="5364444" cy="1356360"/>
+          </a:xfrm>
+        </p:spPr>
+        <p:txBody>
+          <a:bodyPr>
+            <a:normAutofit/>
+          </a:bodyPr>
+          <a:lstStyle/>
           <a:p>
             <a:r>
               <a:rPr lang="en-US" dirty="0"/>
-              <a:t>This is showing the Login page and User page once Logged in.</a:t>
+              <a:t>Who would use it?</a:t>
             </a:r>
           </a:p>
         </p:txBody>
       </p:sp>
       <p:pic>
         <p:nvPicPr>
-          <p:cNvPr id="5" name="Content Placeholder 4" descr="A screenshot of a computer&#10;&#10;Description automatically generated">
+          <p:cNvPr id="5" name="Picture 4" descr="A blue shield with a check mark&#10;&#10;AI-generated content may be incorrect.">
             <a:extLst>
               <a:ext uri="{FF2B5EF4-FFF2-40B4-BE49-F238E27FC236}">
-                <a16:creationId xmlns:a16="http://schemas.microsoft.com/office/drawing/2014/main" id="{1A9586D7-F8A7-A355-9C5C-98C7BE3C6757}"/>
+                <a16:creationId xmlns:a16="http://schemas.microsoft.com/office/drawing/2014/main" id="{8D25DB05-E524-C7C7-8554-43E92BD7B852}"/>
               </a:ext>
             </a:extLst>
           </p:cNvPr>
           <p:cNvPicPr>
-            <a:picLocks noGrp="1" noChangeAspect="1"/>
+            <a:picLocks noChangeAspect="1"/>
           </p:cNvPicPr>
-          <p:nvPr>
-            <p:ph idx="1"/>
-          </p:nvPr>
+          <p:nvPr/>
         </p:nvPicPr>
         <p:blipFill>
           <a:blip r:embed="rId2">
@@ -5795,224 +6187,65 @@
         </p:blipFill>
         <p:spPr>
           <a:xfrm>
-            <a:off x="426461" y="3548990"/>
-            <a:ext cx="5496817" cy="2913313"/>
+            <a:off x="872064" y="1131152"/>
+            <a:ext cx="4593715" cy="4593715"/>
           </a:xfrm>
           <a:prstGeom prst="rect">
             <a:avLst/>
           </a:prstGeom>
         </p:spPr>
       </p:pic>
-      <p:pic>
-        <p:nvPicPr>
-          <p:cNvPr id="7" name="Picture 6" descr="A screenshot of a computer&#10;&#10;Description automatically generated">
+      <p:sp>
+        <p:nvSpPr>
+          <p:cNvPr id="3" name="Content Placeholder 2">
             <a:extLst>
               <a:ext uri="{FF2B5EF4-FFF2-40B4-BE49-F238E27FC236}">
-                <a16:creationId xmlns:a16="http://schemas.microsoft.com/office/drawing/2014/main" id="{034856D5-3F6C-18DF-164D-29B553E9EFDE}"/>
+                <a16:creationId xmlns:a16="http://schemas.microsoft.com/office/drawing/2014/main" id="{A89A922D-9891-E823-39AB-250603C3AB48}"/>
               </a:ext>
             </a:extLst>
           </p:cNvPr>
-          <p:cNvPicPr>
-            <a:picLocks noChangeAspect="1"/>
-          </p:cNvPicPr>
-          <p:nvPr/>
-        </p:nvPicPr>
-        <p:blipFill>
-          <a:blip r:embed="rId3">
-            <a:extLst>
-              <a:ext uri="{28A0092B-C50C-407E-A947-70E740481C1C}">
-                <a14:useLocalDpi xmlns:a14="http://schemas.microsoft.com/office/drawing/2010/main" val="0"/>
-              </a:ext>
-            </a:extLst>
-          </a:blip>
-          <a:stretch>
-            <a:fillRect/>
-          </a:stretch>
-        </p:blipFill>
+          <p:cNvSpPr>
+            <a:spLocks noGrp="1"/>
+          </p:cNvSpPr>
+          <p:nvPr>
+            <p:ph idx="1"/>
+          </p:nvPr>
+        </p:nvSpPr>
         <p:spPr>
           <a:xfrm>
-            <a:off x="6268722" y="3548989"/>
-            <a:ext cx="5496818" cy="2913313"/>
+            <a:off x="6106703" y="2057400"/>
+            <a:ext cx="5364444" cy="4038600"/>
           </a:xfrm>
-          <a:prstGeom prst="rect">
-            <a:avLst/>
-          </a:prstGeom>
         </p:spPr>
-      </p:pic>
+        <p:txBody>
+          <a:bodyPr>
+            <a:normAutofit/>
+          </a:bodyPr>
+          <a:lstStyle/>
+          <a:p>
+            <a:r>
+              <a:rPr lang="en-US" sz="2600" dirty="0"/>
+              <a:t>Students – Secure College Notes</a:t>
+            </a:r>
+          </a:p>
+          <a:p>
+            <a:r>
+              <a:rPr lang="en-US" sz="2600" dirty="0"/>
+              <a:t>Business Professionals – Secure Work Notes</a:t>
+            </a:r>
+          </a:p>
+          <a:p>
+            <a:r>
+              <a:rPr lang="en-US" sz="2600" dirty="0"/>
+              <a:t>Other Privacy Focused Individual Users</a:t>
+            </a:r>
+          </a:p>
+        </p:txBody>
+      </p:sp>
     </p:spTree>
     <p:extLst>
       <p:ext uri="{BB962C8B-B14F-4D97-AF65-F5344CB8AC3E}">
-        <p14:creationId xmlns:p14="http://schemas.microsoft.com/office/powerpoint/2010/main" val="3077850337"/>
-      </p:ext>
-    </p:extLst>
-  </p:cSld>
-  <p:clrMapOvr>
-    <a:masterClrMapping/>
-  </p:clrMapOvr>
-</p:sld>
-</file>
-
-<file path=ppt/slides/slide8.xml><?xml version="1.0" encoding="utf-8"?>
-<p:sld xmlns:a="http://schemas.openxmlformats.org/drawingml/2006/main" xmlns:r="http://schemas.openxmlformats.org/officeDocument/2006/relationships" xmlns:p="http://schemas.openxmlformats.org/presentationml/2006/main">
-  <p:cSld>
-    <p:spTree>
-      <p:nvGrpSpPr>
-        <p:cNvPr id="1" name=""/>
-        <p:cNvGrpSpPr/>
-        <p:nvPr/>
-      </p:nvGrpSpPr>
-      <p:grpSpPr>
-        <a:xfrm>
-          <a:off x="0" y="0"/>
-          <a:ext cx="0" cy="0"/>
-          <a:chOff x="0" y="0"/>
-          <a:chExt cx="0" cy="0"/>
-        </a:xfrm>
-      </p:grpSpPr>
-      <p:sp>
-        <p:nvSpPr>
-          <p:cNvPr id="2" name="Title 1">
-            <a:extLst>
-              <a:ext uri="{FF2B5EF4-FFF2-40B4-BE49-F238E27FC236}">
-                <a16:creationId xmlns:a16="http://schemas.microsoft.com/office/drawing/2014/main" id="{F50045C5-0806-3459-42E3-F88312854760}"/>
-              </a:ext>
-            </a:extLst>
-          </p:cNvPr>
-          <p:cNvSpPr>
-            <a:spLocks noGrp="1"/>
-          </p:cNvSpPr>
-          <p:nvPr>
-            <p:ph type="title"/>
-          </p:nvPr>
-        </p:nvSpPr>
-        <p:spPr>
-          <a:xfrm>
-            <a:off x="688844" y="800698"/>
-            <a:ext cx="4018280" cy="909320"/>
-          </a:xfrm>
-        </p:spPr>
-        <p:txBody>
-          <a:bodyPr/>
-          <a:lstStyle/>
-          <a:p>
-            <a:r>
-              <a:rPr lang="en-US" dirty="0"/>
-              <a:t>Note Pages</a:t>
-            </a:r>
-          </a:p>
-        </p:txBody>
-      </p:sp>
-      <p:pic>
-        <p:nvPicPr>
-          <p:cNvPr id="5" name="Content Placeholder 4" descr="A screenshot of a computer&#10;&#10;Description automatically generated">
-            <a:extLst>
-              <a:ext uri="{FF2B5EF4-FFF2-40B4-BE49-F238E27FC236}">
-                <a16:creationId xmlns:a16="http://schemas.microsoft.com/office/drawing/2014/main" id="{E51A887C-6B9B-9C27-A452-8D5914FF8FD1}"/>
-              </a:ext>
-            </a:extLst>
-          </p:cNvPr>
-          <p:cNvPicPr>
-            <a:picLocks noGrp="1" noChangeAspect="1"/>
-          </p:cNvPicPr>
-          <p:nvPr>
-            <p:ph idx="1"/>
-          </p:nvPr>
-        </p:nvPicPr>
-        <p:blipFill>
-          <a:blip r:embed="rId2">
-            <a:extLst>
-              <a:ext uri="{28A0092B-C50C-407E-A947-70E740481C1C}">
-                <a14:useLocalDpi xmlns:a14="http://schemas.microsoft.com/office/drawing/2010/main" val="0"/>
-              </a:ext>
-            </a:extLst>
-          </a:blip>
-          <a:stretch>
-            <a:fillRect/>
-          </a:stretch>
-        </p:blipFill>
-        <p:spPr>
-          <a:xfrm>
-            <a:off x="6297164" y="3533391"/>
-            <a:ext cx="5407156" cy="2864271"/>
-          </a:xfrm>
-        </p:spPr>
-      </p:pic>
-      <p:pic>
-        <p:nvPicPr>
-          <p:cNvPr id="7" name="Picture 6" descr="A screenshot of a computer&#10;&#10;Description automatically generated">
-            <a:extLst>
-              <a:ext uri="{FF2B5EF4-FFF2-40B4-BE49-F238E27FC236}">
-                <a16:creationId xmlns:a16="http://schemas.microsoft.com/office/drawing/2014/main" id="{0F510282-DB10-C03C-FB40-38E51C615D5F}"/>
-              </a:ext>
-            </a:extLst>
-          </p:cNvPr>
-          <p:cNvPicPr>
-            <a:picLocks noChangeAspect="1"/>
-          </p:cNvPicPr>
-          <p:nvPr/>
-        </p:nvPicPr>
-        <p:blipFill>
-          <a:blip r:embed="rId3">
-            <a:extLst>
-              <a:ext uri="{28A0092B-C50C-407E-A947-70E740481C1C}">
-                <a14:useLocalDpi xmlns:a14="http://schemas.microsoft.com/office/drawing/2010/main" val="0"/>
-              </a:ext>
-            </a:extLst>
-          </a:blip>
-          <a:stretch>
-            <a:fillRect/>
-          </a:stretch>
-        </p:blipFill>
-        <p:spPr>
-          <a:xfrm>
-            <a:off x="6297164" y="460338"/>
-            <a:ext cx="5417811" cy="2867089"/>
-          </a:xfrm>
-          <a:prstGeom prst="rect">
-            <a:avLst/>
-          </a:prstGeom>
-        </p:spPr>
-      </p:pic>
-      <p:pic>
-        <p:nvPicPr>
-          <p:cNvPr id="9" name="Picture 8" descr="A screenshot of a computer&#10;&#10;Description automatically generated">
-            <a:extLst>
-              <a:ext uri="{FF2B5EF4-FFF2-40B4-BE49-F238E27FC236}">
-                <a16:creationId xmlns:a16="http://schemas.microsoft.com/office/drawing/2014/main" id="{BDD12FDF-E2C2-BB87-6254-CF9F07A3D80B}"/>
-              </a:ext>
-            </a:extLst>
-          </p:cNvPr>
-          <p:cNvPicPr>
-            <a:picLocks noChangeAspect="1"/>
-          </p:cNvPicPr>
-          <p:nvPr/>
-        </p:nvPicPr>
-        <p:blipFill>
-          <a:blip r:embed="rId4">
-            <a:extLst>
-              <a:ext uri="{28A0092B-C50C-407E-A947-70E740481C1C}">
-                <a14:useLocalDpi xmlns:a14="http://schemas.microsoft.com/office/drawing/2010/main" val="0"/>
-              </a:ext>
-            </a:extLst>
-          </a:blip>
-          <a:stretch>
-            <a:fillRect/>
-          </a:stretch>
-        </p:blipFill>
-        <p:spPr>
-          <a:xfrm>
-            <a:off x="688844" y="2280893"/>
-            <a:ext cx="5407156" cy="2867089"/>
-          </a:xfrm>
-          <a:prstGeom prst="rect">
-            <a:avLst/>
-          </a:prstGeom>
-        </p:spPr>
-      </p:pic>
-    </p:spTree>
-    <p:extLst>
-      <p:ext uri="{BB962C8B-B14F-4D97-AF65-F5344CB8AC3E}">
-        <p14:creationId xmlns:p14="http://schemas.microsoft.com/office/powerpoint/2010/main" val="72053064"/>
+        <p14:creationId xmlns:p14="http://schemas.microsoft.com/office/powerpoint/2010/main" val="4062533842"/>
       </p:ext>
     </p:extLst>
   </p:cSld>
@@ -6044,7 +6277,7 @@
           <p:cNvPr id="2" name="Title 1">
             <a:extLst>
               <a:ext uri="{FF2B5EF4-FFF2-40B4-BE49-F238E27FC236}">
-                <a16:creationId xmlns:a16="http://schemas.microsoft.com/office/drawing/2014/main" id="{330A4FCF-5AD8-312C-91FD-C7FC45741BFD}"/>
+                <a16:creationId xmlns:a16="http://schemas.microsoft.com/office/drawing/2014/main" id="{B69001AC-56C2-65A2-A768-DE37E7EB707D}"/>
               </a:ext>
             </a:extLst>
           </p:cNvPr>
@@ -6062,17 +6295,17 @@
           <a:p>
             <a:r>
               <a:rPr lang="en-US" dirty="0"/>
-              <a:t>Announcements</a:t>
+              <a:t>So How Do You Use It?</a:t>
             </a:r>
           </a:p>
         </p:txBody>
       </p:sp>
       <p:pic>
         <p:nvPicPr>
-          <p:cNvPr id="5" name="Content Placeholder 4" descr="A screenshot of a computer&#10;&#10;Description automatically generated">
+          <p:cNvPr id="5" name="Content Placeholder 4" descr="A screenshot of a phone&#10;&#10;AI-generated content may be incorrect.">
             <a:extLst>
               <a:ext uri="{FF2B5EF4-FFF2-40B4-BE49-F238E27FC236}">
-                <a16:creationId xmlns:a16="http://schemas.microsoft.com/office/drawing/2014/main" id="{B337D6AC-623C-AE07-7566-E8497D1B951B}"/>
+                <a16:creationId xmlns:a16="http://schemas.microsoft.com/office/drawing/2014/main" id="{DE8FF931-DB2D-53D3-355E-B568002B6544}"/>
               </a:ext>
             </a:extLst>
           </p:cNvPr>
@@ -6097,15 +6330,15 @@
         </p:blipFill>
         <p:spPr>
           <a:xfrm>
-            <a:off x="2252239" y="2057400"/>
-            <a:ext cx="7654185" cy="4038600"/>
+            <a:off x="1068740" y="1965960"/>
+            <a:ext cx="9949780" cy="4024630"/>
           </a:xfrm>
         </p:spPr>
       </p:pic>
     </p:spTree>
     <p:extLst>
       <p:ext uri="{BB962C8B-B14F-4D97-AF65-F5344CB8AC3E}">
-        <p14:creationId xmlns:p14="http://schemas.microsoft.com/office/powerpoint/2010/main" val="4138503645"/>
+        <p14:creationId xmlns:p14="http://schemas.microsoft.com/office/powerpoint/2010/main" val="3556975735"/>
       </p:ext>
     </p:extLst>
   </p:cSld>

--- a/Phase 4 Documentation/Team_2_Presentation_4.pptx
+++ b/Phase 4 Documentation/Team_2_Presentation_4.pptx
@@ -4784,7 +4784,11 @@
           <a:lstStyle/>
           <a:p>
             <a:r>
-              <a:rPr lang="en-US" sz="4000"/>
+              <a:rPr lang="en-US" sz="4000" dirty="0">
+                <a:solidFill>
+                  <a:srgbClr val="002060"/>
+                </a:solidFill>
+              </a:rPr>
               <a:t>What is it?</a:t>
             </a:r>
           </a:p>
@@ -5007,7 +5011,7 @@
           <a:lstStyle/>
           <a:p>
             <a:r>
-              <a:rPr lang="en-US">
+              <a:rPr lang="en-US" dirty="0">
                 <a:solidFill>
                   <a:srgbClr val="FFFFFF"/>
                 </a:solidFill>
@@ -5070,7 +5074,7 @@
         </p:nvSpPr>
         <p:spPr>
           <a:xfrm>
-            <a:off x="4441783" y="2057400"/>
+            <a:off x="4441783" y="2819400"/>
             <a:ext cx="6693061" cy="4038600"/>
           </a:xfrm>
         </p:spPr>
@@ -5080,46 +5084,72 @@
           </a:bodyPr>
           <a:lstStyle/>
           <a:p>
+            <a:pPr>
+              <a:buClr>
+                <a:schemeClr val="accent2">
+                  <a:lumMod val="50000"/>
+                </a:schemeClr>
+              </a:buClr>
+              <a:buFont typeface="Wingdings" panose="05000000000000000000" pitchFamily="2" charset="2"/>
+              <a:buChar char="ü"/>
+            </a:pPr>
             <a:r>
               <a:rPr lang="en-US" sz="2600" dirty="0">
                 <a:solidFill>
                   <a:srgbClr val="FFFFFF"/>
                 </a:solidFill>
               </a:rPr>
-              <a:t>It’s a website, because we thought it was the best place to have</a:t>
-            </a:r>
-          </a:p>
-          <a:p>
+              <a:t>Easily accessible</a:t>
+            </a:r>
+          </a:p>
+          <a:p>
+            <a:pPr>
+              <a:buClr>
+                <a:schemeClr val="accent2">
+                  <a:lumMod val="50000"/>
+                </a:schemeClr>
+              </a:buClr>
+              <a:buFont typeface="Wingdings" panose="05000000000000000000" pitchFamily="2" charset="2"/>
+              <a:buChar char="ü"/>
+            </a:pPr>
             <a:r>
               <a:rPr lang="en-US" sz="2600" dirty="0">
                 <a:solidFill>
                   <a:srgbClr val="FFFFFF"/>
                 </a:solidFill>
               </a:rPr>
-              <a:t>No, downloading needed</a:t>
-            </a:r>
-          </a:p>
-          <a:p>
+              <a:t>No downloads </a:t>
+            </a:r>
+          </a:p>
+          <a:p>
+            <a:pPr>
+              <a:buClr>
+                <a:schemeClr val="accent2">
+                  <a:lumMod val="50000"/>
+                </a:schemeClr>
+              </a:buClr>
+              <a:buFont typeface="Wingdings" panose="05000000000000000000" pitchFamily="2" charset="2"/>
+              <a:buChar char="ü"/>
+            </a:pPr>
             <a:r>
               <a:rPr lang="en-US" sz="2600" dirty="0">
                 <a:solidFill>
                   <a:srgbClr val="FFFFFF"/>
                 </a:solidFill>
               </a:rPr>
-              <a:t>It allows for easy access </a:t>
-            </a:r>
-          </a:p>
-          <a:p>
-            <a:r>
-              <a:rPr lang="en-US" sz="2600" dirty="0">
-                <a:solidFill>
-                  <a:srgbClr val="FFFFFF"/>
-                </a:solidFill>
-              </a:rPr>
-              <a:t>It gave us a good environment to develop and create our application</a:t>
-            </a:r>
-          </a:p>
-          <a:p>
+              <a:t>It is a good environment to develop and create our application.</a:t>
+            </a:r>
+          </a:p>
+          <a:p>
+            <a:pPr>
+              <a:buClr>
+                <a:schemeClr val="accent2">
+                  <a:lumMod val="50000"/>
+                </a:schemeClr>
+              </a:buClr>
+              <a:buFont typeface="Wingdings" panose="05000000000000000000" pitchFamily="2" charset="2"/>
+              <a:buChar char="ü"/>
+            </a:pPr>
             <a:endParaRPr lang="en-US" sz="2600" dirty="0">
               <a:solidFill>
                 <a:srgbClr val="FFFFFF"/>
@@ -5236,13 +5266,22 @@
             <p:ph type="title"/>
           </p:nvPr>
         </p:nvSpPr>
-        <p:spPr/>
+        <p:spPr>
+          <a:xfrm>
+            <a:off x="1158240" y="742950"/>
+            <a:ext cx="9875520" cy="1356360"/>
+          </a:xfrm>
+        </p:spPr>
         <p:txBody>
           <a:bodyPr/>
           <a:lstStyle/>
           <a:p>
             <a:r>
-              <a:rPr lang="en-US" dirty="0"/>
+              <a:rPr lang="en-US" dirty="0">
+                <a:solidFill>
+                  <a:srgbClr val="002060"/>
+                </a:solidFill>
+              </a:rPr>
               <a:t>Key Features</a:t>
             </a:r>
           </a:p>
@@ -5264,9 +5303,14 @@
             <p:ph idx="1"/>
           </p:nvPr>
         </p:nvSpPr>
-        <p:spPr/>
-        <p:txBody>
-          <a:bodyPr/>
+        <p:spPr>
+          <a:xfrm>
+            <a:off x="1005840" y="1543050"/>
+            <a:ext cx="9872871" cy="4038600"/>
+          </a:xfrm>
+        </p:spPr>
+        <p:txBody>
+          <a:bodyPr anchor="b"/>
           <a:lstStyle/>
           <a:p>
             <a:r>
@@ -5434,22 +5478,6 @@
               <a:t>Decrypted upon access from database</a:t>
             </a:r>
           </a:p>
-          <a:p>
-            <a:r>
-              <a:rPr lang="en-US" sz="2600" dirty="0"/>
-              <a:t>AI Integration</a:t>
-            </a:r>
-          </a:p>
-          <a:p>
-            <a:pPr lvl="1"/>
-            <a:r>
-              <a:rPr lang="en-US" sz="2600" dirty="0"/>
-              <a:t>AI powered note categorization with Google</a:t>
-            </a:r>
-          </a:p>
-          <a:p>
-            <a:endParaRPr lang="en-US" dirty="0"/>
-          </a:p>
         </p:txBody>
       </p:sp>
     </p:spTree>
@@ -5537,17 +5565,26 @@
           <a:lstStyle/>
           <a:p>
             <a:r>
-              <a:rPr lang="en-US" dirty="0"/>
+              <a:rPr lang="en-US" sz="2400" dirty="0"/>
               <a:t>Powerful </a:t>
             </a:r>
             <a:r>
-              <a:rPr lang="en-US" dirty="0" err="1"/>
+              <a:rPr lang="en-US" sz="2400" dirty="0" err="1"/>
               <a:t>TinyMCE</a:t>
             </a:r>
             <a:r>
-              <a:rPr lang="en-US" dirty="0"/>
-              <a:t> Editor utilized for create, edit, and view</a:t>
-            </a:r>
+              <a:rPr lang="en-US" sz="2400" dirty="0"/>
+              <a:t> Editor utilized to create, edit, and view</a:t>
+            </a:r>
+          </a:p>
+          <a:p>
+            <a:r>
+              <a:rPr lang="en-US" sz="2400" dirty="0"/>
+              <a:t>AI powered note categorization with Google</a:t>
+            </a:r>
+          </a:p>
+          <a:p>
+            <a:endParaRPr lang="en-US" dirty="0"/>
           </a:p>
         </p:txBody>
       </p:sp>
@@ -5710,17 +5747,10 @@
         </p:spPr>
         <p:txBody>
           <a:bodyPr vert="horz" lIns="91440" tIns="45720" rIns="91440" bIns="45720" rtlCol="0" anchor="ctr">
-            <a:normAutofit fontScale="90000"/>
+            <a:normAutofit/>
           </a:bodyPr>
           <a:lstStyle/>
           <a:p>
-            <a:r>
-              <a:rPr lang="en-US" dirty="0"/>
-              <a:t>Unique Features</a:t>
-            </a:r>
-            <a:br>
-              <a:rPr lang="en-US" dirty="0"/>
-            </a:br>
             <a:r>
               <a:rPr lang="en-US" dirty="0"/>
               <a:t>Sign Up Page</a:t>
